--- a/_09_PtmConvTest/ptm conveyor.pptx
+++ b/_09_PtmConvTest/ptm conveyor.pptx
@@ -10,12 +10,14 @@
     <p:sldId id="259" r:id="rId4"/>
     <p:sldId id="261" r:id="rId5"/>
     <p:sldId id="258" r:id="rId6"/>
-    <p:sldId id="265" r:id="rId7"/>
-    <p:sldId id="260" r:id="rId8"/>
-    <p:sldId id="262" r:id="rId9"/>
-    <p:sldId id="263" r:id="rId10"/>
-    <p:sldId id="264" r:id="rId11"/>
-    <p:sldId id="266" r:id="rId12"/>
+    <p:sldId id="267" r:id="rId7"/>
+    <p:sldId id="268" r:id="rId8"/>
+    <p:sldId id="265" r:id="rId9"/>
+    <p:sldId id="260" r:id="rId10"/>
+    <p:sldId id="262" r:id="rId11"/>
+    <p:sldId id="263" r:id="rId12"/>
+    <p:sldId id="264" r:id="rId13"/>
+    <p:sldId id="266" r:id="rId14"/>
   </p:sldIdLst>
   <p:sldSz cx="12192000" cy="6858000"/>
   <p:notesSz cx="6858000" cy="9144000"/>
@@ -283,11 +285,11 @@
           <c:showPercent val="0"/>
           <c:showBubbleSize val="0"/>
         </c:dLbls>
-        <c:axId val="203001856"/>
-        <c:axId val="203026432"/>
+        <c:axId val="186795136"/>
+        <c:axId val="186796672"/>
       </c:scatterChart>
       <c:valAx>
-        <c:axId val="203001856"/>
+        <c:axId val="186795136"/>
         <c:scaling>
           <c:orientation val="minMax"/>
           <c:max val="60000"/>
@@ -298,13 +300,13 @@
         <c:majorTickMark val="out"/>
         <c:minorTickMark val="none"/>
         <c:tickLblPos val="nextTo"/>
-        <c:crossAx val="203026432"/>
+        <c:crossAx val="186796672"/>
         <c:crosses val="autoZero"/>
         <c:crossBetween val="midCat"/>
         <c:majorUnit val="15000"/>
       </c:valAx>
       <c:valAx>
-        <c:axId val="203026432"/>
+        <c:axId val="186796672"/>
         <c:scaling>
           <c:orientation val="minMax"/>
           <c:max val="150"/>
@@ -316,7 +318,7 @@
         <c:majorTickMark val="out"/>
         <c:minorTickMark val="none"/>
         <c:tickLblPos val="nextTo"/>
-        <c:crossAx val="203001856"/>
+        <c:crossAx val="186795136"/>
         <c:crosses val="autoZero"/>
         <c:crossBetween val="midCat"/>
         <c:majorUnit val="25"/>
@@ -470,11 +472,11 @@
           <c:showPercent val="0"/>
           <c:showBubbleSize val="0"/>
         </c:dLbls>
-        <c:axId val="205698176"/>
-        <c:axId val="257194624"/>
+        <c:axId val="186836096"/>
+        <c:axId val="186837632"/>
       </c:scatterChart>
       <c:valAx>
-        <c:axId val="205698176"/>
+        <c:axId val="186836096"/>
         <c:scaling>
           <c:orientation val="minMax"/>
           <c:max val="60000"/>
@@ -498,13 +500,13 @@
             <a:endParaRPr lang="ru-RU"/>
           </a:p>
         </c:txPr>
-        <c:crossAx val="257194624"/>
+        <c:crossAx val="186837632"/>
         <c:crosses val="autoZero"/>
         <c:crossBetween val="midCat"/>
         <c:majorUnit val="15000"/>
       </c:valAx>
       <c:valAx>
-        <c:axId val="257194624"/>
+        <c:axId val="186837632"/>
         <c:scaling>
           <c:orientation val="minMax"/>
         </c:scaling>
@@ -528,7 +530,7 @@
             <a:endParaRPr lang="ru-RU"/>
           </a:p>
         </c:txPr>
-        <c:crossAx val="205698176"/>
+        <c:crossAx val="186836096"/>
         <c:crosses val="autoZero"/>
         <c:crossBetween val="midCat"/>
       </c:valAx>
@@ -1158,7 +1160,7 @@
           <a:p>
             <a:fld id="{C9AB1DDE-96C9-49F8-BE20-CAE803612F5F}" type="datetimeFigureOut">
               <a:rPr lang="ru-RU" smtClean="0"/>
-              <a:t>09.02.2021</a:t>
+              <a:t>10.02.2021</a:t>
             </a:fld>
             <a:endParaRPr lang="ru-RU"/>
           </a:p>
@@ -1328,7 +1330,7 @@
           <a:p>
             <a:fld id="{C9AB1DDE-96C9-49F8-BE20-CAE803612F5F}" type="datetimeFigureOut">
               <a:rPr lang="ru-RU" smtClean="0"/>
-              <a:t>09.02.2021</a:t>
+              <a:t>10.02.2021</a:t>
             </a:fld>
             <a:endParaRPr lang="ru-RU"/>
           </a:p>
@@ -1508,7 +1510,7 @@
           <a:p>
             <a:fld id="{C9AB1DDE-96C9-49F8-BE20-CAE803612F5F}" type="datetimeFigureOut">
               <a:rPr lang="ru-RU" smtClean="0"/>
-              <a:t>09.02.2021</a:t>
+              <a:t>10.02.2021</a:t>
             </a:fld>
             <a:endParaRPr lang="ru-RU"/>
           </a:p>
@@ -1678,7 +1680,7 @@
           <a:p>
             <a:fld id="{C9AB1DDE-96C9-49F8-BE20-CAE803612F5F}" type="datetimeFigureOut">
               <a:rPr lang="ru-RU" smtClean="0"/>
-              <a:t>09.02.2021</a:t>
+              <a:t>10.02.2021</a:t>
             </a:fld>
             <a:endParaRPr lang="ru-RU"/>
           </a:p>
@@ -1924,7 +1926,7 @@
           <a:p>
             <a:fld id="{C9AB1DDE-96C9-49F8-BE20-CAE803612F5F}" type="datetimeFigureOut">
               <a:rPr lang="ru-RU" smtClean="0"/>
-              <a:t>09.02.2021</a:t>
+              <a:t>10.02.2021</a:t>
             </a:fld>
             <a:endParaRPr lang="ru-RU"/>
           </a:p>
@@ -2212,7 +2214,7 @@
           <a:p>
             <a:fld id="{C9AB1DDE-96C9-49F8-BE20-CAE803612F5F}" type="datetimeFigureOut">
               <a:rPr lang="ru-RU" smtClean="0"/>
-              <a:t>09.02.2021</a:t>
+              <a:t>10.02.2021</a:t>
             </a:fld>
             <a:endParaRPr lang="ru-RU"/>
           </a:p>
@@ -2639,7 +2641,7 @@
           <a:p>
             <a:fld id="{C9AB1DDE-96C9-49F8-BE20-CAE803612F5F}" type="datetimeFigureOut">
               <a:rPr lang="ru-RU" smtClean="0"/>
-              <a:t>09.02.2021</a:t>
+              <a:t>10.02.2021</a:t>
             </a:fld>
             <a:endParaRPr lang="ru-RU"/>
           </a:p>
@@ -2757,7 +2759,7 @@
           <a:p>
             <a:fld id="{C9AB1DDE-96C9-49F8-BE20-CAE803612F5F}" type="datetimeFigureOut">
               <a:rPr lang="ru-RU" smtClean="0"/>
-              <a:t>09.02.2021</a:t>
+              <a:t>10.02.2021</a:t>
             </a:fld>
             <a:endParaRPr lang="ru-RU"/>
           </a:p>
@@ -2852,7 +2854,7 @@
           <a:p>
             <a:fld id="{C9AB1DDE-96C9-49F8-BE20-CAE803612F5F}" type="datetimeFigureOut">
               <a:rPr lang="ru-RU" smtClean="0"/>
-              <a:t>09.02.2021</a:t>
+              <a:t>10.02.2021</a:t>
             </a:fld>
             <a:endParaRPr lang="ru-RU"/>
           </a:p>
@@ -3129,7 +3131,7 @@
           <a:p>
             <a:fld id="{C9AB1DDE-96C9-49F8-BE20-CAE803612F5F}" type="datetimeFigureOut">
               <a:rPr lang="ru-RU" smtClean="0"/>
-              <a:t>09.02.2021</a:t>
+              <a:t>10.02.2021</a:t>
             </a:fld>
             <a:endParaRPr lang="ru-RU"/>
           </a:p>
@@ -3382,7 +3384,7 @@
           <a:p>
             <a:fld id="{C9AB1DDE-96C9-49F8-BE20-CAE803612F5F}" type="datetimeFigureOut">
               <a:rPr lang="ru-RU" smtClean="0"/>
-              <a:t>09.02.2021</a:t>
+              <a:t>10.02.2021</a:t>
             </a:fld>
             <a:endParaRPr lang="ru-RU"/>
           </a:p>
@@ -3595,7 +3597,7 @@
           <a:p>
             <a:fld id="{C9AB1DDE-96C9-49F8-BE20-CAE803612F5F}" type="datetimeFigureOut">
               <a:rPr lang="ru-RU" smtClean="0"/>
-              <a:t>09.02.2021</a:t>
+              <a:t>10.02.2021</a:t>
             </a:fld>
             <a:endParaRPr lang="ru-RU"/>
           </a:p>
@@ -3999,23 +4001,38 @@
           <a:lstStyle/>
           <a:p>
             <a:r>
-              <a:rPr lang="ru-RU" sz="5400" dirty="0"/>
+              <a:rPr lang="ru-RU" sz="5400" dirty="0">
+                <a:latin typeface="Times New Roman" pitchFamily="18" charset="0"/>
+                <a:cs typeface="Times New Roman" pitchFamily="18" charset="0"/>
+              </a:rPr>
               <a:t>Использование технологии </a:t>
             </a:r>
             <a:r>
-              <a:rPr lang="en-US" sz="5400" b="1" dirty="0" smtClean="0"/>
+              <a:rPr lang="en-US" sz="5400" b="1" dirty="0" smtClean="0">
+                <a:latin typeface="Times New Roman" pitchFamily="18" charset="0"/>
+                <a:cs typeface="Times New Roman" pitchFamily="18" charset="0"/>
+              </a:rPr>
               <a:t>NVIDIA CUDA </a:t>
             </a:r>
             <a:r>
-              <a:rPr lang="ru-RU" sz="5400" dirty="0"/>
+              <a:rPr lang="ru-RU" sz="5400" dirty="0">
+                <a:latin typeface="Times New Roman" pitchFamily="18" charset="0"/>
+                <a:cs typeface="Times New Roman" pitchFamily="18" charset="0"/>
+              </a:rPr>
               <a:t>в решении </a:t>
             </a:r>
             <a:r>
-              <a:rPr lang="ru-RU" sz="5400" dirty="0" smtClean="0"/>
+              <a:rPr lang="ru-RU" sz="5400" dirty="0" smtClean="0">
+                <a:latin typeface="Times New Roman" pitchFamily="18" charset="0"/>
+                <a:cs typeface="Times New Roman" pitchFamily="18" charset="0"/>
+              </a:rPr>
               <a:t>СЛАУ высокой </a:t>
             </a:r>
             <a:r>
-              <a:rPr lang="ru-RU" sz="5400" dirty="0"/>
+              <a:rPr lang="ru-RU" sz="5400" dirty="0">
+                <a:latin typeface="Times New Roman" pitchFamily="18" charset="0"/>
+                <a:cs typeface="Times New Roman" pitchFamily="18" charset="0"/>
+              </a:rPr>
               <a:t>размерности</a:t>
             </a:r>
           </a:p>
@@ -4062,6 +4079,8 @@
                 <a:solidFill>
                   <a:schemeClr val="tx1"/>
                 </a:solidFill>
+                <a:latin typeface="Times New Roman" pitchFamily="18" charset="0"/>
+                <a:cs typeface="Times New Roman" pitchFamily="18" charset="0"/>
               </a:rPr>
               <a:t>Докладчик:</a:t>
             </a:r>
@@ -4076,26 +4095,32 @@
               </a:spcBef>
             </a:pPr>
             <a:r>
+              <a:rPr lang="ru-RU" dirty="0" smtClean="0">
+                <a:solidFill>
+                  <a:schemeClr val="tx1"/>
+                </a:solidFill>
+                <a:latin typeface="Times New Roman" pitchFamily="18" charset="0"/>
+                <a:cs typeface="Times New Roman" pitchFamily="18" charset="0"/>
+              </a:rPr>
+              <a:t>к.т.н</a:t>
+            </a:r>
+            <a:r>
               <a:rPr lang="ru-RU" dirty="0">
                 <a:solidFill>
                   <a:schemeClr val="tx1"/>
                 </a:solidFill>
-              </a:rPr>
-              <a:t>К.т.н., доцент Литвинов </a:t>
-            </a:r>
-            <a:r>
-              <a:rPr lang="ru-RU" dirty="0">
+                <a:latin typeface="Times New Roman" pitchFamily="18" charset="0"/>
+                <a:cs typeface="Times New Roman" pitchFamily="18" charset="0"/>
+              </a:rPr>
+              <a:t>., доцент Литвинов В</a:t>
+            </a:r>
+            <a:r>
+              <a:rPr lang="ru-RU" dirty="0" smtClean="0">
                 <a:solidFill>
                   <a:schemeClr val="tx1"/>
                 </a:solidFill>
-              </a:rPr>
-              <a:t>В</a:t>
-            </a:r>
-            <a:r>
-              <a:rPr lang="ru-RU" dirty="0" smtClean="0">
-                <a:solidFill>
-                  <a:schemeClr val="tx1"/>
-                </a:solidFill>
+                <a:latin typeface="Times New Roman" pitchFamily="18" charset="0"/>
+                <a:cs typeface="Times New Roman" pitchFamily="18" charset="0"/>
               </a:rPr>
               <a:t>ладимир Николаевич</a:t>
             </a:r>
@@ -4103,6 +4128,8 @@
               <a:solidFill>
                 <a:schemeClr val="tx1"/>
               </a:solidFill>
+              <a:latin typeface="Times New Roman" pitchFamily="18" charset="0"/>
+              <a:cs typeface="Times New Roman" pitchFamily="18" charset="0"/>
             </a:endParaRPr>
           </a:p>
           <a:p>
@@ -4115,18 +4142,32 @@
               </a:spcBef>
             </a:pPr>
             <a:r>
+              <a:rPr lang="ru-RU" dirty="0" smtClean="0">
+                <a:solidFill>
+                  <a:schemeClr val="tx1"/>
+                </a:solidFill>
+                <a:latin typeface="Times New Roman" pitchFamily="18" charset="0"/>
+                <a:cs typeface="Times New Roman" pitchFamily="18" charset="0"/>
+              </a:rPr>
+              <a:t>зав</a:t>
+            </a:r>
+            <a:r>
               <a:rPr lang="ru-RU" dirty="0">
                 <a:solidFill>
                   <a:schemeClr val="tx1"/>
                 </a:solidFill>
-              </a:rPr>
-              <a:t>Зав. </a:t>
+                <a:latin typeface="Times New Roman" pitchFamily="18" charset="0"/>
+                <a:cs typeface="Times New Roman" pitchFamily="18" charset="0"/>
+              </a:rPr>
+              <a:t>. </a:t>
             </a:r>
             <a:r>
               <a:rPr lang="ru-RU" dirty="0" smtClean="0">
                 <a:solidFill>
                   <a:schemeClr val="tx1"/>
                 </a:solidFill>
+                <a:latin typeface="Times New Roman" pitchFamily="18" charset="0"/>
+                <a:cs typeface="Times New Roman" pitchFamily="18" charset="0"/>
               </a:rPr>
               <a:t>кафедрой «Математика </a:t>
             </a:r>
@@ -4135,6 +4176,8 @@
                 <a:solidFill>
                   <a:schemeClr val="tx1"/>
                 </a:solidFill>
+                <a:latin typeface="Times New Roman" pitchFamily="18" charset="0"/>
+                <a:cs typeface="Times New Roman" pitchFamily="18" charset="0"/>
               </a:rPr>
               <a:t>и </a:t>
             </a:r>
@@ -4143,6 +4186,8 @@
                 <a:solidFill>
                   <a:schemeClr val="tx1"/>
                 </a:solidFill>
+                <a:latin typeface="Times New Roman" pitchFamily="18" charset="0"/>
+                <a:cs typeface="Times New Roman" pitchFamily="18" charset="0"/>
               </a:rPr>
               <a:t>Биоинформатика</a:t>
             </a:r>
@@ -4151,6 +4196,8 @@
                 <a:solidFill>
                   <a:schemeClr val="tx1"/>
                 </a:solidFill>
+                <a:latin typeface="Times New Roman" pitchFamily="18" charset="0"/>
+                <a:cs typeface="Times New Roman" pitchFamily="18" charset="0"/>
               </a:rPr>
               <a:t>»,</a:t>
             </a:r>
@@ -4165,18 +4212,32 @@
               </a:spcBef>
             </a:pPr>
             <a:r>
+              <a:rPr lang="ru-RU" dirty="0" err="1" smtClean="0">
+                <a:solidFill>
+                  <a:schemeClr val="tx1"/>
+                </a:solidFill>
+                <a:latin typeface="Times New Roman" pitchFamily="18" charset="0"/>
+                <a:cs typeface="Times New Roman" pitchFamily="18" charset="0"/>
+              </a:rPr>
+              <a:t>и.о</a:t>
+            </a:r>
+            <a:r>
               <a:rPr lang="ru-RU" dirty="0">
                 <a:solidFill>
                   <a:schemeClr val="tx1"/>
                 </a:solidFill>
-              </a:rPr>
-              <a:t>И.о. зам. </a:t>
+                <a:latin typeface="Times New Roman" pitchFamily="18" charset="0"/>
+                <a:cs typeface="Times New Roman" pitchFamily="18" charset="0"/>
+              </a:rPr>
+              <a:t>. зам. </a:t>
             </a:r>
             <a:r>
               <a:rPr lang="ru-RU" dirty="0" smtClean="0">
                 <a:solidFill>
                   <a:schemeClr val="tx1"/>
                 </a:solidFill>
+                <a:latin typeface="Times New Roman" pitchFamily="18" charset="0"/>
+                <a:cs typeface="Times New Roman" pitchFamily="18" charset="0"/>
               </a:rPr>
               <a:t>директора </a:t>
             </a:r>
@@ -4185,6 +4246,8 @@
                 <a:solidFill>
                   <a:schemeClr val="tx1"/>
                 </a:solidFill>
+                <a:latin typeface="Times New Roman" pitchFamily="18" charset="0"/>
+                <a:cs typeface="Times New Roman" pitchFamily="18" charset="0"/>
               </a:rPr>
               <a:t>по информатизации </a:t>
             </a:r>
@@ -4193,6 +4256,8 @@
                 <a:solidFill>
                   <a:schemeClr val="tx1"/>
                 </a:solidFill>
+                <a:latin typeface="Times New Roman" pitchFamily="18" charset="0"/>
+                <a:cs typeface="Times New Roman" pitchFamily="18" charset="0"/>
               </a:rPr>
               <a:t>Азово-Черноморского </a:t>
             </a:r>
@@ -4201,6 +4266,8 @@
                 <a:solidFill>
                   <a:schemeClr val="tx1"/>
                 </a:solidFill>
+                <a:latin typeface="Times New Roman" pitchFamily="18" charset="0"/>
+                <a:cs typeface="Times New Roman" pitchFamily="18" charset="0"/>
               </a:rPr>
               <a:t>инженерного института </a:t>
             </a:r>
@@ -4209,9 +4276,28 @@
                 <a:solidFill>
                   <a:schemeClr val="tx1"/>
                 </a:solidFill>
-              </a:rPr>
-              <a:t>ФГБОУ ВО Донской ГАУ</a:t>
-            </a:r>
+                <a:latin typeface="Times New Roman" pitchFamily="18" charset="0"/>
+                <a:cs typeface="Times New Roman" pitchFamily="18" charset="0"/>
+              </a:rPr>
+              <a:t>ФГБОУ ВО Донской </a:t>
+            </a:r>
+            <a:r>
+              <a:rPr lang="ru-RU" dirty="0" smtClean="0">
+                <a:solidFill>
+                  <a:schemeClr val="tx1"/>
+                </a:solidFill>
+                <a:latin typeface="Times New Roman" pitchFamily="18" charset="0"/>
+                <a:cs typeface="Times New Roman" pitchFamily="18" charset="0"/>
+              </a:rPr>
+              <a:t>ГАУ,</a:t>
+            </a:r>
+            <a:endParaRPr lang="ru-RU" dirty="0" smtClean="0">
+              <a:solidFill>
+                <a:schemeClr val="tx1"/>
+              </a:solidFill>
+              <a:latin typeface="Times New Roman" pitchFamily="18" charset="0"/>
+              <a:cs typeface="Times New Roman" pitchFamily="18" charset="0"/>
+            </a:endParaRPr>
           </a:p>
           <a:p>
             <a:pPr algn="l">
@@ -4227,14 +4313,18 @@
                 <a:solidFill>
                   <a:schemeClr val="tx1"/>
                 </a:solidFill>
-              </a:rPr>
-              <a:t>Доцент </a:t>
+                <a:latin typeface="Times New Roman" pitchFamily="18" charset="0"/>
+                <a:cs typeface="Times New Roman" pitchFamily="18" charset="0"/>
+              </a:rPr>
+              <a:t>доцент </a:t>
             </a:r>
             <a:r>
               <a:rPr lang="ru-RU" dirty="0">
                 <a:solidFill>
                   <a:schemeClr val="tx1"/>
                 </a:solidFill>
+                <a:latin typeface="Times New Roman" pitchFamily="18" charset="0"/>
+                <a:cs typeface="Times New Roman" pitchFamily="18" charset="0"/>
               </a:rPr>
               <a:t>кафедры </a:t>
             </a:r>
@@ -4243,6 +4333,8 @@
                 <a:solidFill>
                   <a:schemeClr val="tx1"/>
                 </a:solidFill>
+                <a:latin typeface="Times New Roman" pitchFamily="18" charset="0"/>
+                <a:cs typeface="Times New Roman" pitchFamily="18" charset="0"/>
               </a:rPr>
               <a:t>ПИТСТТС ФГБОУ </a:t>
             </a:r>
@@ -4251,6 +4343,8 @@
                 <a:solidFill>
                   <a:schemeClr val="tx1"/>
                 </a:solidFill>
+                <a:latin typeface="Times New Roman" pitchFamily="18" charset="0"/>
+                <a:cs typeface="Times New Roman" pitchFamily="18" charset="0"/>
               </a:rPr>
               <a:t>ВО </a:t>
             </a:r>
@@ -4259,21 +4353,17 @@
                 <a:solidFill>
                   <a:schemeClr val="tx1"/>
                 </a:solidFill>
-              </a:rPr>
-              <a:t>«</a:t>
-            </a:r>
-            <a:r>
-              <a:rPr lang="ru-RU" dirty="0" smtClean="0">
-                <a:solidFill>
-                  <a:schemeClr val="tx1"/>
-                </a:solidFill>
-              </a:rPr>
-              <a:t>Донской государственный технический университет»</a:t>
+                <a:latin typeface="Times New Roman" pitchFamily="18" charset="0"/>
+                <a:cs typeface="Times New Roman" pitchFamily="18" charset="0"/>
+              </a:rPr>
+              <a:t>«Донской государственный технический университет»</a:t>
             </a:r>
             <a:endParaRPr lang="ru-RU" dirty="0">
               <a:solidFill>
                 <a:schemeClr val="tx1"/>
               </a:solidFill>
+              <a:latin typeface="Times New Roman" pitchFamily="18" charset="0"/>
+              <a:cs typeface="Times New Roman" pitchFamily="18" charset="0"/>
             </a:endParaRPr>
           </a:p>
         </p:txBody>
@@ -4292,6 +4382,1258 @@
 </file>
 
 <file path=ppt/slides/slide10.xml><?xml version="1.0" encoding="utf-8"?>
+<p:sld xmlns:a="http://schemas.openxmlformats.org/drawingml/2006/main" xmlns:r="http://schemas.openxmlformats.org/officeDocument/2006/relationships" xmlns:p="http://schemas.openxmlformats.org/presentationml/2006/main">
+  <p:cSld>
+    <p:spTree>
+      <p:nvGrpSpPr>
+        <p:cNvPr id="1" name=""/>
+        <p:cNvGrpSpPr/>
+        <p:nvPr/>
+      </p:nvGrpSpPr>
+      <p:grpSpPr>
+        <a:xfrm>
+          <a:off x="0" y="0"/>
+          <a:ext cx="0" cy="0"/>
+          <a:chOff x="0" y="0"/>
+          <a:chExt cx="0" cy="0"/>
+        </a:xfrm>
+      </p:grpSpPr>
+      <p:sp>
+        <p:nvSpPr>
+          <p:cNvPr id="4" name="Прямоугольник 3">
+            <a:extLst>
+              <a:ext uri="{FF2B5EF4-FFF2-40B4-BE49-F238E27FC236}">
+                <a16:creationId xmlns:a16="http://schemas.microsoft.com/office/drawing/2014/main" xmlns="" id="{ACD123A0-37E4-43F8-BA23-CF6274D29C67}"/>
+              </a:ext>
+            </a:extLst>
+          </p:cNvPr>
+          <p:cNvSpPr/>
+          <p:nvPr/>
+        </p:nvSpPr>
+        <p:spPr>
+          <a:xfrm>
+            <a:off x="138716" y="973241"/>
+            <a:ext cx="12384911" cy="5324535"/>
+          </a:xfrm>
+          <a:prstGeom prst="rect">
+            <a:avLst/>
+          </a:prstGeom>
+        </p:spPr>
+        <p:txBody>
+          <a:bodyPr wrap="square">
+            <a:spAutoFit/>
+          </a:bodyPr>
+          <a:lstStyle/>
+          <a:p>
+            <a:r>
+              <a:rPr lang="en-US" sz="2000" dirty="0">
+                <a:solidFill>
+                  <a:srgbClr val="0000FF"/>
+                </a:solidFill>
+                <a:latin typeface="Consolas" panose="020B0609020204030204" pitchFamily="49" charset="0"/>
+              </a:rPr>
+              <a:t>for</a:t>
+            </a:r>
+            <a:r>
+              <a:rPr lang="en-US" sz="2000" dirty="0">
+                <a:solidFill>
+                  <a:srgbClr val="000000"/>
+                </a:solidFill>
+                <a:latin typeface="Consolas" panose="020B0609020204030204" pitchFamily="49" charset="0"/>
+              </a:rPr>
+              <a:t> (</a:t>
+            </a:r>
+            <a:r>
+              <a:rPr lang="en-US" sz="2000" dirty="0">
+                <a:solidFill>
+                  <a:srgbClr val="2B91AF"/>
+                </a:solidFill>
+                <a:latin typeface="Consolas" panose="020B0609020204030204" pitchFamily="49" charset="0"/>
+              </a:rPr>
+              <a:t>size_t</a:t>
+            </a:r>
+            <a:r>
+              <a:rPr lang="en-US" sz="2000" dirty="0">
+                <a:solidFill>
+                  <a:srgbClr val="000000"/>
+                </a:solidFill>
+                <a:latin typeface="Consolas" panose="020B0609020204030204" pitchFamily="49" charset="0"/>
+              </a:rPr>
+              <a:t> s = </a:t>
+            </a:r>
+            <a:r>
+              <a:rPr lang="ru-RU" sz="2000" dirty="0" smtClean="0">
+                <a:solidFill>
+                  <a:srgbClr val="000000"/>
+                </a:solidFill>
+                <a:latin typeface="Consolas" panose="020B0609020204030204" pitchFamily="49" charset="0"/>
+              </a:rPr>
+              <a:t>3</a:t>
+            </a:r>
+            <a:r>
+              <a:rPr lang="en-US" sz="2000" dirty="0" smtClean="0">
+                <a:solidFill>
+                  <a:srgbClr val="000000"/>
+                </a:solidFill>
+                <a:latin typeface="Consolas" panose="020B0609020204030204" pitchFamily="49" charset="0"/>
+              </a:rPr>
+              <a:t>; </a:t>
+            </a:r>
+            <a:r>
+              <a:rPr lang="en-US" sz="2000" dirty="0">
+                <a:solidFill>
+                  <a:srgbClr val="000000"/>
+                </a:solidFill>
+                <a:latin typeface="Consolas" panose="020B0609020204030204" pitchFamily="49" charset="0"/>
+              </a:rPr>
+              <a:t>s &lt;= GridNx + GridNy + GridNz - 3; s++)</a:t>
+            </a:r>
+          </a:p>
+          <a:p>
+            <a:r>
+              <a:rPr lang="ru-RU" sz="2000" dirty="0">
+                <a:solidFill>
+                  <a:srgbClr val="000000"/>
+                </a:solidFill>
+                <a:latin typeface="Consolas" panose="020B0609020204030204" pitchFamily="49" charset="0"/>
+              </a:rPr>
+              <a:t>    {</a:t>
+            </a:r>
+          </a:p>
+          <a:p>
+            <a:r>
+              <a:rPr lang="en-US" sz="2000" dirty="0">
+                <a:solidFill>
+                  <a:srgbClr val="000000"/>
+                </a:solidFill>
+                <a:latin typeface="Consolas" panose="020B0609020204030204" pitchFamily="49" charset="0"/>
+              </a:rPr>
+              <a:t>        __syncthreads();</a:t>
+            </a:r>
+          </a:p>
+          <a:p>
+            <a:r>
+              <a:rPr lang="en-US" sz="2000" dirty="0">
+                <a:solidFill>
+                  <a:srgbClr val="000000"/>
+                </a:solidFill>
+                <a:latin typeface="Consolas" panose="020B0609020204030204" pitchFamily="49" charset="0"/>
+              </a:rPr>
+              <a:t>        </a:t>
+            </a:r>
+            <a:r>
+              <a:rPr lang="en-US" sz="2000" dirty="0">
+                <a:solidFill>
+                  <a:srgbClr val="0000FF"/>
+                </a:solidFill>
+                <a:latin typeface="Consolas" panose="020B0609020204030204" pitchFamily="49" charset="0"/>
+              </a:rPr>
+              <a:t>if</a:t>
+            </a:r>
+            <a:r>
+              <a:rPr lang="en-US" sz="2000" dirty="0">
+                <a:solidFill>
+                  <a:srgbClr val="000000"/>
+                </a:solidFill>
+                <a:latin typeface="Consolas" panose="020B0609020204030204" pitchFamily="49" charset="0"/>
+              </a:rPr>
+              <a:t> (idx_x + currentY + </a:t>
+            </a:r>
+            <a:r>
+              <a:rPr lang="en-US" sz="2000" dirty="0" smtClean="0">
+                <a:solidFill>
+                  <a:srgbClr val="000000"/>
+                </a:solidFill>
+                <a:latin typeface="Consolas" panose="020B0609020204030204" pitchFamily="49" charset="0"/>
+              </a:rPr>
+              <a:t>idx_z </a:t>
+            </a:r>
+            <a:r>
+              <a:rPr lang="en-US" sz="2000" dirty="0">
+                <a:solidFill>
+                  <a:srgbClr val="000000"/>
+                </a:solidFill>
+                <a:latin typeface="Consolas" panose="020B0609020204030204" pitchFamily="49" charset="0"/>
+              </a:rPr>
+              <a:t>== s &amp;&amp; s &lt; </a:t>
+            </a:r>
+            <a:r>
+              <a:rPr lang="en-US" sz="2000" dirty="0">
+                <a:solidFill>
+                  <a:srgbClr val="6F008A"/>
+                </a:solidFill>
+                <a:latin typeface="Consolas" panose="020B0609020204030204" pitchFamily="49" charset="0"/>
+              </a:rPr>
+              <a:t>GridNy</a:t>
+            </a:r>
+            <a:r>
+              <a:rPr lang="en-US" sz="2000" dirty="0">
+                <a:solidFill>
+                  <a:srgbClr val="000000"/>
+                </a:solidFill>
+                <a:latin typeface="Consolas" panose="020B0609020204030204" pitchFamily="49" charset="0"/>
+              </a:rPr>
+              <a:t> + idx_x + </a:t>
+            </a:r>
+            <a:r>
+              <a:rPr lang="en-US" sz="2000" dirty="0" smtClean="0">
+                <a:solidFill>
+                  <a:srgbClr val="000000"/>
+                </a:solidFill>
+                <a:latin typeface="Consolas" panose="020B0609020204030204" pitchFamily="49" charset="0"/>
+              </a:rPr>
+              <a:t>idx_z)</a:t>
+            </a:r>
+            <a:endParaRPr lang="en-US" sz="2000" dirty="0">
+              <a:solidFill>
+                <a:srgbClr val="000000"/>
+              </a:solidFill>
+              <a:latin typeface="Consolas" panose="020B0609020204030204" pitchFamily="49" charset="0"/>
+            </a:endParaRPr>
+          </a:p>
+          <a:p>
+            <a:r>
+              <a:rPr lang="ru-RU" sz="2000" dirty="0">
+                <a:solidFill>
+                  <a:srgbClr val="000000"/>
+                </a:solidFill>
+                <a:latin typeface="Consolas" panose="020B0609020204030204" pitchFamily="49" charset="0"/>
+              </a:rPr>
+              <a:t>        {</a:t>
+            </a:r>
+          </a:p>
+          <a:p>
+            <a:r>
+              <a:rPr lang="en-US" sz="2000" dirty="0">
+                <a:solidFill>
+                  <a:srgbClr val="000000"/>
+                </a:solidFill>
+                <a:latin typeface="Consolas" panose="020B0609020204030204" pitchFamily="49" charset="0"/>
+              </a:rPr>
+              <a:t>            </a:t>
+            </a:r>
+            <a:r>
+              <a:rPr lang="en-US" sz="2000" dirty="0">
+                <a:solidFill>
+                  <a:srgbClr val="2B91AF"/>
+                </a:solidFill>
+                <a:latin typeface="Consolas" panose="020B0609020204030204" pitchFamily="49" charset="0"/>
+              </a:rPr>
+              <a:t>size_t</a:t>
+            </a:r>
+            <a:r>
+              <a:rPr lang="en-US" sz="2000" dirty="0">
+                <a:solidFill>
+                  <a:srgbClr val="000000"/>
+                </a:solidFill>
+                <a:latin typeface="Consolas" panose="020B0609020204030204" pitchFamily="49" charset="0"/>
+              </a:rPr>
+              <a:t> nodeIndex = idx_x + (</a:t>
+            </a:r>
+            <a:r>
+              <a:rPr lang="en-US" sz="2000" dirty="0">
+                <a:solidFill>
+                  <a:srgbClr val="6F008A"/>
+                </a:solidFill>
+                <a:latin typeface="Consolas" panose="020B0609020204030204" pitchFamily="49" charset="0"/>
+              </a:rPr>
+              <a:t>BlockSizeX</a:t>
+            </a:r>
+            <a:r>
+              <a:rPr lang="en-US" sz="2000" dirty="0">
+                <a:solidFill>
+                  <a:srgbClr val="000000"/>
+                </a:solidFill>
+                <a:latin typeface="Consolas" panose="020B0609020204030204" pitchFamily="49" charset="0"/>
+              </a:rPr>
+              <a:t> + 1) * currentY + </a:t>
+            </a:r>
+            <a:r>
+              <a:rPr lang="en-US" sz="2000" dirty="0">
+                <a:solidFill>
+                  <a:srgbClr val="6F008A"/>
+                </a:solidFill>
+                <a:latin typeface="Consolas" panose="020B0609020204030204" pitchFamily="49" charset="0"/>
+              </a:rPr>
+              <a:t>GridXY</a:t>
+            </a:r>
+            <a:r>
+              <a:rPr lang="en-US" sz="2000" dirty="0">
+                <a:solidFill>
+                  <a:srgbClr val="000000"/>
+                </a:solidFill>
+                <a:latin typeface="Consolas" panose="020B0609020204030204" pitchFamily="49" charset="0"/>
+              </a:rPr>
+              <a:t> * </a:t>
+            </a:r>
+            <a:r>
+              <a:rPr lang="en-US" sz="2000" dirty="0" smtClean="0">
+                <a:solidFill>
+                  <a:srgbClr val="000000"/>
+                </a:solidFill>
+                <a:latin typeface="Consolas" panose="020B0609020204030204" pitchFamily="49" charset="0"/>
+              </a:rPr>
+              <a:t>idx_z;</a:t>
+            </a:r>
+            <a:endParaRPr lang="en-US" sz="2000" dirty="0">
+              <a:solidFill>
+                <a:srgbClr val="000000"/>
+              </a:solidFill>
+              <a:latin typeface="Consolas" panose="020B0609020204030204" pitchFamily="49" charset="0"/>
+            </a:endParaRPr>
+          </a:p>
+          <a:p>
+            <a:endParaRPr lang="ru-RU" sz="2000" dirty="0">
+              <a:solidFill>
+                <a:srgbClr val="000000"/>
+              </a:solidFill>
+              <a:latin typeface="Consolas" panose="020B0609020204030204" pitchFamily="49" charset="0"/>
+            </a:endParaRPr>
+          </a:p>
+          <a:p>
+            <a:r>
+              <a:rPr lang="en-US" sz="2000" dirty="0">
+                <a:solidFill>
+                  <a:srgbClr val="000000"/>
+                </a:solidFill>
+                <a:latin typeface="Consolas" panose="020B0609020204030204" pitchFamily="49" charset="0"/>
+              </a:rPr>
+              <a:t>            </a:t>
+            </a:r>
+            <a:r>
+              <a:rPr lang="en-US" sz="2000" dirty="0">
+                <a:solidFill>
+                  <a:srgbClr val="2B91AF"/>
+                </a:solidFill>
+                <a:latin typeface="Consolas" panose="020B0609020204030204" pitchFamily="49" charset="0"/>
+              </a:rPr>
+              <a:t>size_t</a:t>
+            </a:r>
+            <a:r>
+              <a:rPr lang="en-US" sz="2000" dirty="0">
+                <a:solidFill>
+                  <a:srgbClr val="000000"/>
+                </a:solidFill>
+                <a:latin typeface="Consolas" panose="020B0609020204030204" pitchFamily="49" charset="0"/>
+              </a:rPr>
+              <a:t> m0 = nodeIndex;</a:t>
+            </a:r>
+          </a:p>
+          <a:p>
+            <a:endParaRPr lang="ru-RU" sz="2000" dirty="0">
+              <a:solidFill>
+                <a:srgbClr val="000000"/>
+              </a:solidFill>
+              <a:latin typeface="Consolas" panose="020B0609020204030204" pitchFamily="49" charset="0"/>
+            </a:endParaRPr>
+          </a:p>
+          <a:p>
+            <a:r>
+              <a:rPr lang="en-US" sz="2000" dirty="0">
+                <a:solidFill>
+                  <a:srgbClr val="000000"/>
+                </a:solidFill>
+                <a:latin typeface="Consolas" panose="020B0609020204030204" pitchFamily="49" charset="0"/>
+              </a:rPr>
+              <a:t>            </a:t>
+            </a:r>
+            <a:r>
+              <a:rPr lang="en-US" sz="2000" dirty="0">
+                <a:solidFill>
+                  <a:srgbClr val="0000FF"/>
+                </a:solidFill>
+                <a:latin typeface="Consolas" panose="020B0609020204030204" pitchFamily="49" charset="0"/>
+              </a:rPr>
+              <a:t>double</a:t>
+            </a:r>
+            <a:r>
+              <a:rPr lang="en-US" sz="2000" dirty="0">
+                <a:solidFill>
+                  <a:srgbClr val="000000"/>
+                </a:solidFill>
+                <a:latin typeface="Consolas" panose="020B0609020204030204" pitchFamily="49" charset="0"/>
+              </a:rPr>
+              <a:t> c0m0 = </a:t>
+            </a:r>
+            <a:r>
+              <a:rPr lang="en-US" sz="2000" dirty="0">
+                <a:solidFill>
+                  <a:srgbClr val="808080"/>
+                </a:solidFill>
+                <a:latin typeface="Consolas" panose="020B0609020204030204" pitchFamily="49" charset="0"/>
+              </a:rPr>
+              <a:t>c0</a:t>
+            </a:r>
+            <a:r>
+              <a:rPr lang="en-US" sz="2000" dirty="0">
+                <a:solidFill>
+                  <a:srgbClr val="000000"/>
+                </a:solidFill>
+                <a:latin typeface="Consolas" panose="020B0609020204030204" pitchFamily="49" charset="0"/>
+              </a:rPr>
+              <a:t>[m0];</a:t>
+            </a:r>
+          </a:p>
+          <a:p>
+            <a:r>
+              <a:rPr lang="en-US" sz="2000" dirty="0">
+                <a:solidFill>
+                  <a:srgbClr val="000000"/>
+                </a:solidFill>
+                <a:latin typeface="Consolas" panose="020B0609020204030204" pitchFamily="49" charset="0"/>
+              </a:rPr>
+              <a:t>            </a:t>
+            </a:r>
+            <a:r>
+              <a:rPr lang="en-US" sz="2000" dirty="0">
+                <a:solidFill>
+                  <a:srgbClr val="0000FF"/>
+                </a:solidFill>
+                <a:latin typeface="Consolas" panose="020B0609020204030204" pitchFamily="49" charset="0"/>
+              </a:rPr>
+              <a:t>if</a:t>
+            </a:r>
+            <a:r>
+              <a:rPr lang="en-US" sz="2000" dirty="0">
+                <a:solidFill>
+                  <a:srgbClr val="000000"/>
+                </a:solidFill>
+                <a:latin typeface="Consolas" panose="020B0609020204030204" pitchFamily="49" charset="0"/>
+              </a:rPr>
+              <a:t> (c0m0 &gt; 0)</a:t>
+            </a:r>
+          </a:p>
+          <a:p>
+            <a:r>
+              <a:rPr lang="ru-RU" sz="2000" dirty="0">
+                <a:solidFill>
+                  <a:srgbClr val="000000"/>
+                </a:solidFill>
+                <a:latin typeface="Consolas" panose="020B0609020204030204" pitchFamily="49" charset="0"/>
+              </a:rPr>
+              <a:t>            {</a:t>
+            </a:r>
+          </a:p>
+          <a:p>
+            <a:r>
+              <a:rPr lang="en-US" sz="2000" dirty="0">
+                <a:solidFill>
+                  <a:srgbClr val="000000"/>
+                </a:solidFill>
+                <a:latin typeface="Consolas" panose="020B0609020204030204" pitchFamily="49" charset="0"/>
+              </a:rPr>
+              <a:t>                </a:t>
+            </a:r>
+            <a:r>
+              <a:rPr lang="en-US" sz="2000" dirty="0">
+                <a:solidFill>
+                  <a:srgbClr val="2B91AF"/>
+                </a:solidFill>
+                <a:latin typeface="Consolas" panose="020B0609020204030204" pitchFamily="49" charset="0"/>
+              </a:rPr>
+              <a:t>size_t</a:t>
+            </a:r>
+            <a:r>
+              <a:rPr lang="en-US" sz="2000" dirty="0">
+                <a:solidFill>
+                  <a:srgbClr val="000000"/>
+                </a:solidFill>
+                <a:latin typeface="Consolas" panose="020B0609020204030204" pitchFamily="49" charset="0"/>
+              </a:rPr>
+              <a:t> m2 = m0 - 1;</a:t>
+            </a:r>
+          </a:p>
+          <a:p>
+            <a:r>
+              <a:rPr lang="en-US" sz="2000" dirty="0">
+                <a:solidFill>
+                  <a:srgbClr val="000000"/>
+                </a:solidFill>
+                <a:latin typeface="Consolas" panose="020B0609020204030204" pitchFamily="49" charset="0"/>
+              </a:rPr>
+              <a:t>                </a:t>
+            </a:r>
+            <a:r>
+              <a:rPr lang="en-US" sz="2000" dirty="0">
+                <a:solidFill>
+                  <a:srgbClr val="2B91AF"/>
+                </a:solidFill>
+                <a:latin typeface="Consolas" panose="020B0609020204030204" pitchFamily="49" charset="0"/>
+              </a:rPr>
+              <a:t>size_t</a:t>
+            </a:r>
+            <a:r>
+              <a:rPr lang="en-US" sz="2000" dirty="0">
+                <a:solidFill>
+                  <a:srgbClr val="000000"/>
+                </a:solidFill>
+                <a:latin typeface="Consolas" panose="020B0609020204030204" pitchFamily="49" charset="0"/>
+              </a:rPr>
+              <a:t> m4 = m0 - </a:t>
+            </a:r>
+            <a:r>
+              <a:rPr lang="en-US" sz="2000" dirty="0">
+                <a:solidFill>
+                  <a:srgbClr val="6F008A"/>
+                </a:solidFill>
+                <a:latin typeface="Consolas" panose="020B0609020204030204" pitchFamily="49" charset="0"/>
+              </a:rPr>
+              <a:t>GridNx</a:t>
+            </a:r>
+            <a:r>
+              <a:rPr lang="en-US" sz="2000" dirty="0">
+                <a:solidFill>
+                  <a:srgbClr val="000000"/>
+                </a:solidFill>
+                <a:latin typeface="Consolas" panose="020B0609020204030204" pitchFamily="49" charset="0"/>
+              </a:rPr>
+              <a:t>;</a:t>
+            </a:r>
+          </a:p>
+          <a:p>
+            <a:r>
+              <a:rPr lang="en-US" sz="2000" dirty="0">
+                <a:solidFill>
+                  <a:srgbClr val="000000"/>
+                </a:solidFill>
+                <a:latin typeface="Consolas" panose="020B0609020204030204" pitchFamily="49" charset="0"/>
+              </a:rPr>
+              <a:t>                </a:t>
+            </a:r>
+            <a:r>
+              <a:rPr lang="en-US" sz="2000" dirty="0">
+                <a:solidFill>
+                  <a:srgbClr val="2B91AF"/>
+                </a:solidFill>
+                <a:latin typeface="Consolas" panose="020B0609020204030204" pitchFamily="49" charset="0"/>
+              </a:rPr>
+              <a:t>size_t</a:t>
+            </a:r>
+            <a:r>
+              <a:rPr lang="en-US" sz="2000" dirty="0">
+                <a:solidFill>
+                  <a:srgbClr val="000000"/>
+                </a:solidFill>
+                <a:latin typeface="Consolas" panose="020B0609020204030204" pitchFamily="49" charset="0"/>
+              </a:rPr>
+              <a:t> m6 = m0 - </a:t>
+            </a:r>
+            <a:r>
+              <a:rPr lang="en-US" sz="2000" dirty="0">
+                <a:solidFill>
+                  <a:srgbClr val="6F008A"/>
+                </a:solidFill>
+                <a:latin typeface="Consolas" panose="020B0609020204030204" pitchFamily="49" charset="0"/>
+              </a:rPr>
+              <a:t>GridXY</a:t>
+            </a:r>
+            <a:r>
+              <a:rPr lang="en-US" sz="2000" dirty="0">
+                <a:solidFill>
+                  <a:srgbClr val="000000"/>
+                </a:solidFill>
+                <a:latin typeface="Consolas" panose="020B0609020204030204" pitchFamily="49" charset="0"/>
+              </a:rPr>
+              <a:t>;</a:t>
+            </a:r>
+          </a:p>
+          <a:p>
+            <a:endParaRPr lang="ru-RU" sz="2000" dirty="0">
+              <a:solidFill>
+                <a:srgbClr val="000000"/>
+              </a:solidFill>
+              <a:latin typeface="Consolas" panose="020B0609020204030204" pitchFamily="49" charset="0"/>
+            </a:endParaRPr>
+          </a:p>
+          <a:p>
+            <a:r>
+              <a:rPr lang="en-US" sz="2000" dirty="0">
+                <a:solidFill>
+                  <a:srgbClr val="000000"/>
+                </a:solidFill>
+                <a:latin typeface="Consolas" panose="020B0609020204030204" pitchFamily="49" charset="0"/>
+              </a:rPr>
+              <a:t>                </a:t>
+            </a:r>
+            <a:endParaRPr lang="ru-RU" sz="2000" dirty="0"/>
+          </a:p>
+        </p:txBody>
+      </p:sp>
+    </p:spTree>
+    <p:extLst>
+      <p:ext uri="{BB962C8B-B14F-4D97-AF65-F5344CB8AC3E}">
+        <p14:creationId xmlns:p14="http://schemas.microsoft.com/office/powerpoint/2010/main" val="1117047287"/>
+      </p:ext>
+    </p:extLst>
+  </p:cSld>
+  <p:clrMapOvr>
+    <a:masterClrMapping/>
+  </p:clrMapOvr>
+</p:sld>
+</file>
+
+<file path=ppt/slides/slide11.xml><?xml version="1.0" encoding="utf-8"?>
+<p:sld xmlns:a="http://schemas.openxmlformats.org/drawingml/2006/main" xmlns:r="http://schemas.openxmlformats.org/officeDocument/2006/relationships" xmlns:p="http://schemas.openxmlformats.org/presentationml/2006/main">
+  <p:cSld>
+    <p:spTree>
+      <p:nvGrpSpPr>
+        <p:cNvPr id="1" name=""/>
+        <p:cNvGrpSpPr/>
+        <p:nvPr/>
+      </p:nvGrpSpPr>
+      <p:grpSpPr>
+        <a:xfrm>
+          <a:off x="0" y="0"/>
+          <a:ext cx="0" cy="0"/>
+          <a:chOff x="0" y="0"/>
+          <a:chExt cx="0" cy="0"/>
+        </a:xfrm>
+      </p:grpSpPr>
+      <p:sp>
+        <p:nvSpPr>
+          <p:cNvPr id="4" name="Прямоугольник 3">
+            <a:extLst>
+              <a:ext uri="{FF2B5EF4-FFF2-40B4-BE49-F238E27FC236}">
+                <a16:creationId xmlns:a16="http://schemas.microsoft.com/office/drawing/2014/main" xmlns="" id="{E1028892-F7A5-4AD9-8241-0AC06DB80118}"/>
+              </a:ext>
+            </a:extLst>
+          </p:cNvPr>
+          <p:cNvSpPr/>
+          <p:nvPr/>
+        </p:nvSpPr>
+        <p:spPr>
+          <a:xfrm>
+            <a:off x="580753" y="38919"/>
+            <a:ext cx="11335474" cy="6863417"/>
+          </a:xfrm>
+          <a:prstGeom prst="rect">
+            <a:avLst/>
+          </a:prstGeom>
+        </p:spPr>
+        <p:txBody>
+          <a:bodyPr wrap="square">
+            <a:spAutoFit/>
+          </a:bodyPr>
+          <a:lstStyle/>
+          <a:p>
+            <a:r>
+              <a:rPr lang="en-US" sz="2000" dirty="0">
+                <a:solidFill>
+                  <a:srgbClr val="0000FF"/>
+                </a:solidFill>
+                <a:latin typeface="Consolas" panose="020B0609020204030204" pitchFamily="49" charset="0"/>
+              </a:rPr>
+              <a:t>				   double</a:t>
+            </a:r>
+            <a:r>
+              <a:rPr lang="en-US" sz="2000" dirty="0">
+                <a:solidFill>
+                  <a:srgbClr val="000000"/>
+                </a:solidFill>
+                <a:latin typeface="Consolas" panose="020B0609020204030204" pitchFamily="49" charset="0"/>
+              </a:rPr>
+              <a:t> rm4 = 0;</a:t>
+            </a:r>
+          </a:p>
+          <a:p>
+            <a:r>
+              <a:rPr lang="en-US" sz="2000" dirty="0">
+                <a:solidFill>
+                  <a:srgbClr val="000000"/>
+                </a:solidFill>
+                <a:latin typeface="Consolas" panose="020B0609020204030204" pitchFamily="49" charset="0"/>
+              </a:rPr>
+              <a:t>                </a:t>
+            </a:r>
+            <a:r>
+              <a:rPr lang="en-US" sz="2000" dirty="0">
+                <a:solidFill>
+                  <a:srgbClr val="0000FF"/>
+                </a:solidFill>
+                <a:latin typeface="Consolas" panose="020B0609020204030204" pitchFamily="49" charset="0"/>
+              </a:rPr>
+              <a:t>if</a:t>
+            </a:r>
+            <a:r>
+              <a:rPr lang="en-US" sz="2000" dirty="0">
+                <a:solidFill>
+                  <a:srgbClr val="000000"/>
+                </a:solidFill>
+                <a:latin typeface="Consolas" panose="020B0609020204030204" pitchFamily="49" charset="0"/>
+              </a:rPr>
+              <a:t> (s &gt; 3 + threadX + </a:t>
+            </a:r>
+            <a:r>
+              <a:rPr lang="en-US" sz="2000" dirty="0" smtClean="0">
+                <a:solidFill>
+                  <a:srgbClr val="000000"/>
+                </a:solidFill>
+                <a:latin typeface="Consolas" panose="020B0609020204030204" pitchFamily="49" charset="0"/>
+              </a:rPr>
+              <a:t>threadZ)</a:t>
+            </a:r>
+            <a:endParaRPr lang="en-US" sz="2000" dirty="0">
+              <a:solidFill>
+                <a:srgbClr val="000000"/>
+              </a:solidFill>
+              <a:latin typeface="Consolas" panose="020B0609020204030204" pitchFamily="49" charset="0"/>
+            </a:endParaRPr>
+          </a:p>
+          <a:p>
+            <a:r>
+              <a:rPr lang="ru-RU" sz="2000" dirty="0">
+                <a:solidFill>
+                  <a:srgbClr val="000000"/>
+                </a:solidFill>
+                <a:latin typeface="Consolas" panose="020B0609020204030204" pitchFamily="49" charset="0"/>
+              </a:rPr>
+              <a:t>                {                    </a:t>
+            </a:r>
+          </a:p>
+          <a:p>
+            <a:r>
+              <a:rPr lang="en-US" sz="2000" dirty="0">
+                <a:solidFill>
+                  <a:srgbClr val="000000"/>
+                </a:solidFill>
+                <a:latin typeface="Consolas" panose="020B0609020204030204" pitchFamily="49" charset="0"/>
+              </a:rPr>
+              <a:t>                    rm4 = cache[threadX][</a:t>
+            </a:r>
+            <a:r>
+              <a:rPr lang="en-US" sz="2000" dirty="0" smtClean="0">
+                <a:solidFill>
+                  <a:srgbClr val="000000"/>
+                </a:solidFill>
+                <a:latin typeface="Consolas" panose="020B0609020204030204" pitchFamily="49" charset="0"/>
+              </a:rPr>
+              <a:t>threadZ];</a:t>
+            </a:r>
+            <a:endParaRPr lang="en-US" sz="2000" dirty="0">
+              <a:solidFill>
+                <a:srgbClr val="000000"/>
+              </a:solidFill>
+              <a:latin typeface="Consolas" panose="020B0609020204030204" pitchFamily="49" charset="0"/>
+            </a:endParaRPr>
+          </a:p>
+          <a:p>
+            <a:r>
+              <a:rPr lang="ru-RU" sz="2000" dirty="0">
+                <a:solidFill>
+                  <a:srgbClr val="000000"/>
+                </a:solidFill>
+                <a:latin typeface="Consolas" panose="020B0609020204030204" pitchFamily="49" charset="0"/>
+              </a:rPr>
+              <a:t>                }</a:t>
+            </a:r>
+          </a:p>
+          <a:p>
+            <a:r>
+              <a:rPr lang="en-US" sz="2000" dirty="0">
+                <a:solidFill>
+                  <a:srgbClr val="000000"/>
+                </a:solidFill>
+                <a:latin typeface="Consolas" panose="020B0609020204030204" pitchFamily="49" charset="0"/>
+              </a:rPr>
+              <a:t>                </a:t>
+            </a:r>
+            <a:r>
+              <a:rPr lang="en-US" sz="2000" dirty="0">
+                <a:solidFill>
+                  <a:srgbClr val="0000FF"/>
+                </a:solidFill>
+                <a:latin typeface="Consolas" panose="020B0609020204030204" pitchFamily="49" charset="0"/>
+              </a:rPr>
+              <a:t>else</a:t>
+            </a:r>
+            <a:endParaRPr lang="en-US" sz="2000" dirty="0">
+              <a:solidFill>
+                <a:srgbClr val="000000"/>
+              </a:solidFill>
+              <a:latin typeface="Consolas" panose="020B0609020204030204" pitchFamily="49" charset="0"/>
+            </a:endParaRPr>
+          </a:p>
+          <a:p>
+            <a:r>
+              <a:rPr lang="ru-RU" sz="2000" dirty="0">
+                <a:solidFill>
+                  <a:srgbClr val="000000"/>
+                </a:solidFill>
+                <a:latin typeface="Consolas" panose="020B0609020204030204" pitchFamily="49" charset="0"/>
+              </a:rPr>
+              <a:t>                {</a:t>
+            </a:r>
+          </a:p>
+          <a:p>
+            <a:r>
+              <a:rPr lang="en-US" sz="2000" dirty="0">
+                <a:solidFill>
+                  <a:srgbClr val="000000"/>
+                </a:solidFill>
+                <a:latin typeface="Consolas" panose="020B0609020204030204" pitchFamily="49" charset="0"/>
+              </a:rPr>
+              <a:t>                    rm4 = </a:t>
+            </a:r>
+            <a:r>
+              <a:rPr lang="en-US" sz="2000" dirty="0">
+                <a:solidFill>
+                  <a:srgbClr val="808080"/>
+                </a:solidFill>
+                <a:latin typeface="Consolas" panose="020B0609020204030204" pitchFamily="49" charset="0"/>
+              </a:rPr>
+              <a:t>r</a:t>
+            </a:r>
+            <a:r>
+              <a:rPr lang="en-US" sz="2000" dirty="0">
+                <a:solidFill>
+                  <a:srgbClr val="000000"/>
+                </a:solidFill>
+                <a:latin typeface="Consolas" panose="020B0609020204030204" pitchFamily="49" charset="0"/>
+              </a:rPr>
+              <a:t>[m4];</a:t>
+            </a:r>
+          </a:p>
+          <a:p>
+            <a:r>
+              <a:rPr lang="ru-RU" sz="2000" dirty="0">
+                <a:solidFill>
+                  <a:srgbClr val="000000"/>
+                </a:solidFill>
+                <a:latin typeface="Consolas" panose="020B0609020204030204" pitchFamily="49" charset="0"/>
+              </a:rPr>
+              <a:t>                </a:t>
+            </a:r>
+            <a:r>
+              <a:rPr lang="ru-RU" sz="2000" dirty="0" smtClean="0">
+                <a:solidFill>
+                  <a:srgbClr val="000000"/>
+                </a:solidFill>
+                <a:latin typeface="Consolas" panose="020B0609020204030204" pitchFamily="49" charset="0"/>
+              </a:rPr>
+              <a:t>}                </a:t>
+            </a:r>
+            <a:endParaRPr lang="ru-RU" sz="2000" dirty="0">
+              <a:solidFill>
+                <a:srgbClr val="000000"/>
+              </a:solidFill>
+              <a:latin typeface="Consolas" panose="020B0609020204030204" pitchFamily="49" charset="0"/>
+            </a:endParaRPr>
+          </a:p>
+          <a:p>
+            <a:r>
+              <a:rPr lang="en-US" sz="2000" dirty="0">
+                <a:solidFill>
+                  <a:srgbClr val="000000"/>
+                </a:solidFill>
+                <a:latin typeface="Consolas" panose="020B0609020204030204" pitchFamily="49" charset="0"/>
+              </a:rPr>
+              <a:t> </a:t>
+            </a:r>
+            <a:r>
+              <a:rPr lang="ru-RU" sz="2000" dirty="0" smtClean="0">
+                <a:solidFill>
+                  <a:srgbClr val="000000"/>
+                </a:solidFill>
+                <a:latin typeface="Consolas" panose="020B0609020204030204" pitchFamily="49" charset="0"/>
+              </a:rPr>
+              <a:t>					</a:t>
+            </a:r>
+            <a:r>
+              <a:rPr lang="ru-RU" sz="2000" dirty="0" smtClean="0">
+                <a:solidFill>
+                  <a:srgbClr val="008000"/>
+                </a:solidFill>
+                <a:latin typeface="Consolas" panose="020B0609020204030204" pitchFamily="49" charset="0"/>
+              </a:rPr>
+              <a:t>// Аналогично </a:t>
+            </a:r>
+            <a:r>
+              <a:rPr lang="en-US" sz="2000" dirty="0" smtClean="0">
+                <a:solidFill>
+                  <a:srgbClr val="008000"/>
+                </a:solidFill>
+                <a:latin typeface="Consolas" panose="020B0609020204030204" pitchFamily="49" charset="0"/>
+              </a:rPr>
+              <a:t>rm2 </a:t>
+            </a:r>
+            <a:r>
+              <a:rPr lang="ru-RU" sz="2000" dirty="0" smtClean="0">
+                <a:solidFill>
+                  <a:srgbClr val="008000"/>
+                </a:solidFill>
+                <a:latin typeface="Consolas" panose="020B0609020204030204" pitchFamily="49" charset="0"/>
+              </a:rPr>
+              <a:t>и </a:t>
+            </a:r>
+            <a:r>
+              <a:rPr lang="en-US" sz="2000" dirty="0" smtClean="0">
+                <a:solidFill>
+                  <a:srgbClr val="008000"/>
+                </a:solidFill>
+                <a:latin typeface="Consolas" panose="020B0609020204030204" pitchFamily="49" charset="0"/>
+              </a:rPr>
+              <a:t>rm6</a:t>
+            </a:r>
+            <a:endParaRPr lang="ru-RU" sz="2000" dirty="0">
+              <a:solidFill>
+                <a:srgbClr val="000000"/>
+              </a:solidFill>
+              <a:latin typeface="Consolas" panose="020B0609020204030204" pitchFamily="49" charset="0"/>
+            </a:endParaRPr>
+          </a:p>
+          <a:p>
+            <a:r>
+              <a:rPr lang="nn-NO" sz="2000" dirty="0">
+                <a:solidFill>
+                  <a:srgbClr val="0000FF"/>
+                </a:solidFill>
+                <a:latin typeface="Consolas" panose="020B0609020204030204" pitchFamily="49" charset="0"/>
+              </a:rPr>
+              <a:t>				  </a:t>
+            </a:r>
+            <a:r>
+              <a:rPr lang="ru-RU" sz="2000" dirty="0">
+                <a:solidFill>
+                  <a:srgbClr val="0000FF"/>
+                </a:solidFill>
+                <a:latin typeface="Consolas" panose="020B0609020204030204" pitchFamily="49" charset="0"/>
+              </a:rPr>
+              <a:t> </a:t>
+            </a:r>
+            <a:r>
+              <a:rPr lang="nn-NO" sz="2000" dirty="0">
+                <a:solidFill>
+                  <a:srgbClr val="0000FF"/>
+                </a:solidFill>
+                <a:latin typeface="Consolas" panose="020B0609020204030204" pitchFamily="49" charset="0"/>
+              </a:rPr>
+              <a:t>double</a:t>
+            </a:r>
+            <a:r>
+              <a:rPr lang="nn-NO" sz="2000" dirty="0">
+                <a:solidFill>
+                  <a:srgbClr val="000000"/>
+                </a:solidFill>
+                <a:latin typeface="Consolas" panose="020B0609020204030204" pitchFamily="49" charset="0"/>
+              </a:rPr>
+              <a:t> rm0 = (</a:t>
+            </a:r>
+            <a:r>
+              <a:rPr lang="nn-NO" sz="2000" dirty="0">
+                <a:solidFill>
+                  <a:srgbClr val="808080"/>
+                </a:solidFill>
+                <a:latin typeface="Consolas" panose="020B0609020204030204" pitchFamily="49" charset="0"/>
+              </a:rPr>
+              <a:t>omega</a:t>
+            </a:r>
+            <a:r>
+              <a:rPr lang="nn-NO" sz="2000" dirty="0">
+                <a:solidFill>
+                  <a:srgbClr val="000000"/>
+                </a:solidFill>
+                <a:latin typeface="Consolas" panose="020B0609020204030204" pitchFamily="49" charset="0"/>
+              </a:rPr>
+              <a:t> * (</a:t>
+            </a:r>
+            <a:r>
+              <a:rPr lang="nn-NO" sz="2000" dirty="0">
+                <a:solidFill>
+                  <a:srgbClr val="808080"/>
+                </a:solidFill>
+                <a:latin typeface="Consolas" panose="020B0609020204030204" pitchFamily="49" charset="0"/>
+              </a:rPr>
+              <a:t>c2</a:t>
+            </a:r>
+            <a:r>
+              <a:rPr lang="nn-NO" sz="2000" dirty="0">
+                <a:solidFill>
+                  <a:srgbClr val="000000"/>
+                </a:solidFill>
+                <a:latin typeface="Consolas" panose="020B0609020204030204" pitchFamily="49" charset="0"/>
+              </a:rPr>
+              <a:t>[m0] * rm2 + </a:t>
+            </a:r>
+            <a:r>
+              <a:rPr lang="nn-NO" sz="2000" dirty="0">
+                <a:solidFill>
+                  <a:srgbClr val="808080"/>
+                </a:solidFill>
+                <a:latin typeface="Consolas" panose="020B0609020204030204" pitchFamily="49" charset="0"/>
+              </a:rPr>
+              <a:t>c4</a:t>
+            </a:r>
+            <a:r>
+              <a:rPr lang="nn-NO" sz="2000" dirty="0">
+                <a:solidFill>
+                  <a:srgbClr val="000000"/>
+                </a:solidFill>
+                <a:latin typeface="Consolas" panose="020B0609020204030204" pitchFamily="49" charset="0"/>
+              </a:rPr>
+              <a:t>[m0] * rm4 </a:t>
+            </a:r>
+            <a:r>
+              <a:rPr lang="nn-NO" sz="2000" dirty="0" smtClean="0">
+                <a:solidFill>
+                  <a:srgbClr val="000000"/>
+                </a:solidFill>
+                <a:latin typeface="Consolas" panose="020B0609020204030204" pitchFamily="49" charset="0"/>
+              </a:rPr>
+              <a:t>+</a:t>
+            </a:r>
+          </a:p>
+          <a:p>
+            <a:r>
+              <a:rPr lang="nn-NO" sz="2000" dirty="0" smtClean="0">
+                <a:solidFill>
+                  <a:srgbClr val="808080"/>
+                </a:solidFill>
+                <a:latin typeface="Consolas" panose="020B0609020204030204" pitchFamily="49" charset="0"/>
+              </a:rPr>
+              <a:t>										c6</a:t>
+            </a:r>
+            <a:r>
+              <a:rPr lang="nn-NO" sz="2000" dirty="0" smtClean="0">
+                <a:solidFill>
+                  <a:srgbClr val="000000"/>
+                </a:solidFill>
+                <a:latin typeface="Consolas" panose="020B0609020204030204" pitchFamily="49" charset="0"/>
+              </a:rPr>
+              <a:t>[m0</a:t>
+            </a:r>
+            <a:r>
+              <a:rPr lang="nn-NO" sz="2000" dirty="0">
+                <a:solidFill>
+                  <a:srgbClr val="000000"/>
+                </a:solidFill>
+                <a:latin typeface="Consolas" panose="020B0609020204030204" pitchFamily="49" charset="0"/>
+              </a:rPr>
+              <a:t>] * rm6) +</a:t>
+            </a:r>
+          </a:p>
+          <a:p>
+            <a:r>
+              <a:rPr lang="nn-NO" sz="2000" dirty="0">
+                <a:solidFill>
+                  <a:srgbClr val="000000"/>
+                </a:solidFill>
+                <a:latin typeface="Consolas" panose="020B0609020204030204" pitchFamily="49" charset="0"/>
+              </a:rPr>
+              <a:t>										</a:t>
+            </a:r>
+            <a:r>
+              <a:rPr lang="nn-NO" sz="2000" dirty="0" smtClean="0">
+                <a:solidFill>
+                  <a:srgbClr val="808080"/>
+                </a:solidFill>
+                <a:latin typeface="Consolas" panose="020B0609020204030204" pitchFamily="49" charset="0"/>
+              </a:rPr>
+              <a:t>r</a:t>
+            </a:r>
+            <a:r>
+              <a:rPr lang="nn-NO" sz="2000" dirty="0" smtClean="0">
+                <a:solidFill>
+                  <a:srgbClr val="000000"/>
+                </a:solidFill>
+                <a:latin typeface="Consolas" panose="020B0609020204030204" pitchFamily="49" charset="0"/>
+              </a:rPr>
+              <a:t>[m0</a:t>
+            </a:r>
+            <a:r>
+              <a:rPr lang="nn-NO" sz="2000" dirty="0">
+                <a:solidFill>
+                  <a:srgbClr val="000000"/>
+                </a:solidFill>
+                <a:latin typeface="Consolas" panose="020B0609020204030204" pitchFamily="49" charset="0"/>
+              </a:rPr>
+              <a:t>]) / ((0.5 * </a:t>
+            </a:r>
+            <a:r>
+              <a:rPr lang="nn-NO" sz="2000" dirty="0">
+                <a:solidFill>
+                  <a:srgbClr val="808080"/>
+                </a:solidFill>
+                <a:latin typeface="Consolas" panose="020B0609020204030204" pitchFamily="49" charset="0"/>
+              </a:rPr>
+              <a:t>omega</a:t>
+            </a:r>
+            <a:r>
+              <a:rPr lang="nn-NO" sz="2000" dirty="0">
+                <a:solidFill>
+                  <a:srgbClr val="000000"/>
+                </a:solidFill>
+                <a:latin typeface="Consolas" panose="020B0609020204030204" pitchFamily="49" charset="0"/>
+              </a:rPr>
+              <a:t> + 1) * c0m0);</a:t>
+            </a:r>
+          </a:p>
+          <a:p>
+            <a:r>
+              <a:rPr lang="pt-BR" sz="2000" dirty="0">
+                <a:solidFill>
+                  <a:srgbClr val="000000"/>
+                </a:solidFill>
+                <a:latin typeface="Consolas" panose="020B0609020204030204" pitchFamily="49" charset="0"/>
+              </a:rPr>
+              <a:t>                </a:t>
+            </a:r>
+          </a:p>
+          <a:p>
+            <a:r>
+              <a:rPr lang="en-US" sz="2000" dirty="0">
+                <a:solidFill>
+                  <a:srgbClr val="000000"/>
+                </a:solidFill>
+                <a:latin typeface="Consolas" panose="020B0609020204030204" pitchFamily="49" charset="0"/>
+              </a:rPr>
+              <a:t>                cache[</a:t>
+            </a:r>
+            <a:r>
+              <a:rPr lang="en-US" sz="2000" dirty="0" err="1">
+                <a:solidFill>
+                  <a:srgbClr val="000000"/>
+                </a:solidFill>
+                <a:latin typeface="Consolas" panose="020B0609020204030204" pitchFamily="49" charset="0"/>
+              </a:rPr>
+              <a:t>threadX</a:t>
+            </a:r>
+            <a:r>
+              <a:rPr lang="en-US" sz="2000" dirty="0">
+                <a:solidFill>
+                  <a:srgbClr val="000000"/>
+                </a:solidFill>
+                <a:latin typeface="Consolas" panose="020B0609020204030204" pitchFamily="49" charset="0"/>
+              </a:rPr>
+              <a:t>][</a:t>
+            </a:r>
+            <a:r>
+              <a:rPr lang="en-US" sz="2000" dirty="0" smtClean="0">
+                <a:solidFill>
+                  <a:srgbClr val="000000"/>
+                </a:solidFill>
+                <a:latin typeface="Consolas" panose="020B0609020204030204" pitchFamily="49" charset="0"/>
+              </a:rPr>
+              <a:t>threadZ] </a:t>
+            </a:r>
+            <a:r>
+              <a:rPr lang="en-US" sz="2000" dirty="0">
+                <a:solidFill>
+                  <a:srgbClr val="000000"/>
+                </a:solidFill>
+                <a:latin typeface="Consolas" panose="020B0609020204030204" pitchFamily="49" charset="0"/>
+              </a:rPr>
+              <a:t>= rm0;</a:t>
+            </a:r>
+          </a:p>
+          <a:p>
+            <a:r>
+              <a:rPr lang="en-US" sz="2000" dirty="0">
+                <a:solidFill>
+                  <a:srgbClr val="000000"/>
+                </a:solidFill>
+                <a:latin typeface="Consolas" panose="020B0609020204030204" pitchFamily="49" charset="0"/>
+              </a:rPr>
+              <a:t>                </a:t>
+            </a:r>
+            <a:r>
+              <a:rPr lang="en-US" sz="2000" dirty="0">
+                <a:solidFill>
+                  <a:srgbClr val="808080"/>
+                </a:solidFill>
+                <a:latin typeface="Consolas" panose="020B0609020204030204" pitchFamily="49" charset="0"/>
+              </a:rPr>
+              <a:t>r</a:t>
+            </a:r>
+            <a:r>
+              <a:rPr lang="en-US" sz="2000" dirty="0">
+                <a:solidFill>
+                  <a:srgbClr val="000000"/>
+                </a:solidFill>
+                <a:latin typeface="Consolas" panose="020B0609020204030204" pitchFamily="49" charset="0"/>
+              </a:rPr>
+              <a:t>[m0] = rm0;</a:t>
+            </a:r>
+          </a:p>
+          <a:p>
+            <a:r>
+              <a:rPr lang="ru-RU" sz="2000" dirty="0">
+                <a:solidFill>
+                  <a:srgbClr val="000000"/>
+                </a:solidFill>
+                <a:latin typeface="Consolas" panose="020B0609020204030204" pitchFamily="49" charset="0"/>
+              </a:rPr>
+              <a:t>            }</a:t>
+            </a:r>
+          </a:p>
+          <a:p>
+            <a:endParaRPr lang="ru-RU" sz="2000" dirty="0">
+              <a:solidFill>
+                <a:srgbClr val="000000"/>
+              </a:solidFill>
+              <a:latin typeface="Consolas" panose="020B0609020204030204" pitchFamily="49" charset="0"/>
+            </a:endParaRPr>
+          </a:p>
+          <a:p>
+            <a:r>
+              <a:rPr lang="en-US" sz="2000" dirty="0">
+                <a:solidFill>
+                  <a:srgbClr val="000000"/>
+                </a:solidFill>
+                <a:latin typeface="Consolas" panose="020B0609020204030204" pitchFamily="49" charset="0"/>
+              </a:rPr>
+              <a:t>            currentY++;</a:t>
+            </a:r>
+          </a:p>
+          <a:p>
+            <a:r>
+              <a:rPr lang="ru-RU" sz="2000" dirty="0">
+                <a:solidFill>
+                  <a:srgbClr val="000000"/>
+                </a:solidFill>
+                <a:latin typeface="Consolas" panose="020B0609020204030204" pitchFamily="49" charset="0"/>
+              </a:rPr>
+              <a:t>        }</a:t>
+            </a:r>
+          </a:p>
+          <a:p>
+            <a:r>
+              <a:rPr lang="ru-RU" sz="2000" dirty="0">
+                <a:solidFill>
+                  <a:srgbClr val="000000"/>
+                </a:solidFill>
+                <a:latin typeface="Consolas" panose="020B0609020204030204" pitchFamily="49" charset="0"/>
+              </a:rPr>
+              <a:t>    }</a:t>
+            </a:r>
+          </a:p>
+          <a:p>
+            <a:r>
+              <a:rPr lang="ru-RU" sz="2000" dirty="0">
+                <a:solidFill>
+                  <a:srgbClr val="000000"/>
+                </a:solidFill>
+                <a:latin typeface="Consolas" panose="020B0609020204030204" pitchFamily="49" charset="0"/>
+              </a:rPr>
+              <a:t>}</a:t>
+            </a:r>
+            <a:endParaRPr lang="ru-RU" sz="2000" dirty="0"/>
+          </a:p>
+        </p:txBody>
+      </p:sp>
+    </p:spTree>
+    <p:extLst>
+      <p:ext uri="{BB962C8B-B14F-4D97-AF65-F5344CB8AC3E}">
+        <p14:creationId xmlns:p14="http://schemas.microsoft.com/office/powerpoint/2010/main" val="3916071853"/>
+      </p:ext>
+    </p:extLst>
+  </p:cSld>
+  <p:clrMapOvr>
+    <a:masterClrMapping/>
+  </p:clrMapOvr>
+</p:sld>
+</file>
+
+<file path=ppt/slides/slide12.xml><?xml version="1.0" encoding="utf-8"?>
 <p:sld xmlns:a="http://schemas.openxmlformats.org/drawingml/2006/main" xmlns:r="http://schemas.openxmlformats.org/officeDocument/2006/relationships" xmlns:p="http://schemas.openxmlformats.org/presentationml/2006/main">
   <p:cSld>
     <p:spTree>
@@ -4478,7 +5820,7 @@
 </p:sld>
 </file>
 
-<file path=ppt/slides/slide11.xml><?xml version="1.0" encoding="utf-8"?>
+<file path=ppt/slides/slide13.xml><?xml version="1.0" encoding="utf-8"?>
 <p:sld xmlns:a="http://schemas.openxmlformats.org/drawingml/2006/main" xmlns:r="http://schemas.openxmlformats.org/officeDocument/2006/relationships" xmlns:p="http://schemas.openxmlformats.org/presentationml/2006/main">
   <p:cSld>
     <p:spTree>
@@ -4576,14 +5918,23 @@
           <a:lstStyle/>
           <a:p>
             <a:r>
-              <a:rPr lang="ru-RU" dirty="0"/>
+              <a:rPr lang="ru-RU" dirty="0">
+                <a:latin typeface="Times New Roman" pitchFamily="18" charset="0"/>
+                <a:cs typeface="Times New Roman" pitchFamily="18" charset="0"/>
+              </a:rPr>
               <a:t>Методы решения </a:t>
             </a:r>
             <a:r>
-              <a:rPr lang="ru-RU" dirty="0" smtClean="0"/>
+              <a:rPr lang="ru-RU" dirty="0" smtClean="0">
+                <a:latin typeface="Times New Roman" pitchFamily="18" charset="0"/>
+                <a:cs typeface="Times New Roman" pitchFamily="18" charset="0"/>
+              </a:rPr>
               <a:t>СЛАУ</a:t>
             </a:r>
-            <a:endParaRPr lang="ru-RU" dirty="0"/>
+            <a:endParaRPr lang="ru-RU" dirty="0">
+              <a:latin typeface="Times New Roman" pitchFamily="18" charset="0"/>
+              <a:cs typeface="Times New Roman" pitchFamily="18" charset="0"/>
+            </a:endParaRPr>
           </a:p>
         </p:txBody>
       </p:sp>
@@ -4616,73 +5967,112 @@
           <a:lstStyle/>
           <a:p>
             <a:r>
-              <a:rPr lang="ru-RU" sz="2800" b="1" dirty="0"/>
+              <a:rPr lang="ru-RU" sz="2800" b="1" dirty="0">
+                <a:latin typeface="Times New Roman" pitchFamily="18" charset="0"/>
+                <a:cs typeface="Times New Roman" pitchFamily="18" charset="0"/>
+              </a:rPr>
               <a:t>Прямые методы</a:t>
             </a:r>
           </a:p>
           <a:p>
             <a:pPr lvl="1"/>
             <a:r>
-              <a:rPr lang="ru-RU" sz="2400" dirty="0"/>
+              <a:rPr lang="ru-RU" sz="2400" dirty="0">
+                <a:latin typeface="Times New Roman" pitchFamily="18" charset="0"/>
+                <a:cs typeface="Times New Roman" pitchFamily="18" charset="0"/>
+              </a:rPr>
               <a:t>Метод Гаусса</a:t>
             </a:r>
           </a:p>
           <a:p>
             <a:pPr lvl="1"/>
             <a:r>
-              <a:rPr lang="ru-RU" sz="2400" dirty="0"/>
+              <a:rPr lang="ru-RU" sz="2400" dirty="0">
+                <a:latin typeface="Times New Roman" pitchFamily="18" charset="0"/>
+                <a:cs typeface="Times New Roman" pitchFamily="18" charset="0"/>
+              </a:rPr>
+              <a:t>Метод Холецкого</a:t>
+            </a:r>
+          </a:p>
+          <a:p>
+            <a:pPr lvl="1"/>
+            <a:r>
+              <a:rPr lang="ru-RU" sz="2400" dirty="0">
+                <a:latin typeface="Times New Roman" pitchFamily="18" charset="0"/>
+                <a:cs typeface="Times New Roman" pitchFamily="18" charset="0"/>
+              </a:rPr>
               <a:t>Метод </a:t>
             </a:r>
             <a:r>
-              <a:rPr lang="ru-RU" sz="2400" dirty="0" err="1"/>
-              <a:t>Холецкого</a:t>
-            </a:r>
-            <a:endParaRPr lang="ru-RU" sz="2400" dirty="0"/>
+              <a:rPr lang="ru-RU" sz="2400" dirty="0" smtClean="0">
+                <a:latin typeface="Times New Roman" pitchFamily="18" charset="0"/>
+                <a:cs typeface="Times New Roman" pitchFamily="18" charset="0"/>
+              </a:rPr>
+              <a:t>прогонки </a:t>
+            </a:r>
+            <a:r>
+              <a:rPr lang="ru-RU" sz="2400" dirty="0">
+                <a:latin typeface="Times New Roman" pitchFamily="18" charset="0"/>
+                <a:cs typeface="Times New Roman" pitchFamily="18" charset="0"/>
+              </a:rPr>
+              <a:t>и др.</a:t>
+            </a:r>
+          </a:p>
+          <a:p>
+            <a:r>
+              <a:rPr lang="ru-RU" sz="2800" b="1" dirty="0">
+                <a:latin typeface="Times New Roman" pitchFamily="18" charset="0"/>
+                <a:cs typeface="Times New Roman" pitchFamily="18" charset="0"/>
+              </a:rPr>
+              <a:t>Итерационные</a:t>
+            </a:r>
           </a:p>
           <a:p>
             <a:pPr lvl="1"/>
             <a:r>
-              <a:rPr lang="ru-RU" sz="2400" dirty="0"/>
-              <a:t>Метод Прогонки и др.</a:t>
-            </a:r>
-          </a:p>
-          <a:p>
-            <a:r>
-              <a:rPr lang="ru-RU" sz="2800" b="1" dirty="0"/>
-              <a:t>Итерационные</a:t>
+              <a:rPr lang="ru-RU" sz="2400" dirty="0">
+                <a:latin typeface="Times New Roman" pitchFamily="18" charset="0"/>
+                <a:cs typeface="Times New Roman" pitchFamily="18" charset="0"/>
+              </a:rPr>
+              <a:t>Метод простой итерации</a:t>
             </a:r>
           </a:p>
           <a:p>
             <a:pPr lvl="1"/>
             <a:r>
-              <a:rPr lang="ru-RU" sz="2400" dirty="0"/>
-              <a:t>Метод простой итерации</a:t>
+              <a:rPr lang="ru-RU" sz="2400" dirty="0">
+                <a:latin typeface="Times New Roman" pitchFamily="18" charset="0"/>
+                <a:cs typeface="Times New Roman" pitchFamily="18" charset="0"/>
+              </a:rPr>
+              <a:t>Метод Зейделя - модификация метода Якоби</a:t>
             </a:r>
           </a:p>
           <a:p>
             <a:pPr lvl="1"/>
             <a:r>
-              <a:rPr lang="ru-RU" sz="2400" dirty="0"/>
-              <a:t>Метод Зейделя - модификация метода Якоби</a:t>
+              <a:rPr lang="ru-RU" sz="2400" dirty="0">
+                <a:latin typeface="Times New Roman" pitchFamily="18" charset="0"/>
+                <a:cs typeface="Times New Roman" pitchFamily="18" charset="0"/>
+              </a:rPr>
+              <a:t>Метод релаксации</a:t>
             </a:r>
           </a:p>
           <a:p>
             <a:pPr lvl="1"/>
             <a:r>
-              <a:rPr lang="ru-RU" sz="2400" dirty="0"/>
-              <a:t>Метод релаксации</a:t>
+              <a:rPr lang="ru-RU" sz="2400" b="1" dirty="0">
+                <a:latin typeface="Times New Roman" pitchFamily="18" charset="0"/>
+                <a:cs typeface="Times New Roman" pitchFamily="18" charset="0"/>
+              </a:rPr>
+              <a:t>Попеременно-треугольный итерационный метод</a:t>
             </a:r>
           </a:p>
           <a:p>
             <a:pPr lvl="1"/>
-            <a:r>
-              <a:rPr lang="ru-RU" sz="2400" b="1" dirty="0"/>
-              <a:t>Попеременно-треугольный итерационный метод</a:t>
-            </a:r>
-          </a:p>
-          <a:p>
-            <a:pPr lvl="1"/>
-            <a:endParaRPr lang="ru-RU" sz="2400" dirty="0"/>
+            <a:endParaRPr lang="ru-RU" sz="2400" dirty="0">
+              <a:latin typeface="Times New Roman" pitchFamily="18" charset="0"/>
+              <a:cs typeface="Times New Roman" pitchFamily="18" charset="0"/>
+            </a:endParaRPr>
           </a:p>
         </p:txBody>
       </p:sp>
@@ -4734,7 +6124,7 @@
         </p:nvSpPr>
         <p:spPr>
           <a:xfrm>
-            <a:off x="913261" y="360099"/>
+            <a:off x="913261" y="179124"/>
             <a:ext cx="10364451" cy="802779"/>
           </a:xfrm>
         </p:spPr>
@@ -4745,15 +6135,24 @@
           <a:lstStyle/>
           <a:p>
             <a:r>
-              <a:rPr lang="ru-RU" dirty="0"/>
+              <a:rPr lang="ru-RU" dirty="0">
+                <a:latin typeface="Times New Roman" pitchFamily="18" charset="0"/>
+                <a:cs typeface="Times New Roman" pitchFamily="18" charset="0"/>
+              </a:rPr>
               <a:t>Опыт решения </a:t>
             </a:r>
             <a:r>
-              <a:rPr lang="ru-RU" dirty="0" smtClean="0"/>
+              <a:rPr lang="ru-RU" dirty="0" smtClean="0">
+                <a:latin typeface="Times New Roman" pitchFamily="18" charset="0"/>
+                <a:cs typeface="Times New Roman" pitchFamily="18" charset="0"/>
+              </a:rPr>
               <a:t>СЛАУ прямыми </a:t>
             </a:r>
             <a:r>
-              <a:rPr lang="ru-RU" dirty="0"/>
+              <a:rPr lang="ru-RU" dirty="0">
+                <a:latin typeface="Times New Roman" pitchFamily="18" charset="0"/>
+                <a:cs typeface="Times New Roman" pitchFamily="18" charset="0"/>
+              </a:rPr>
               <a:t>методами</a:t>
             </a:r>
           </a:p>
@@ -4854,16 +6253,25 @@
           <a:lstStyle/>
           <a:p>
             <a:r>
-              <a:rPr lang="ru-RU" dirty="0"/>
+              <a:rPr lang="ru-RU" dirty="0">
+                <a:latin typeface="Times New Roman" pitchFamily="18" charset="0"/>
+                <a:cs typeface="Times New Roman" pitchFamily="18" charset="0"/>
+              </a:rPr>
               <a:t>Проблема преобразования </a:t>
             </a:r>
             <a:r>
-              <a:rPr lang="ru-RU" dirty="0" err="1"/>
-              <a:t>резреженных</a:t>
-            </a:r>
-            <a:r>
-              <a:rPr lang="ru-RU" dirty="0"/>
-              <a:t> матриц между различными форматами хранения</a:t>
+              <a:rPr lang="ru-RU" dirty="0" smtClean="0">
+                <a:latin typeface="Times New Roman" pitchFamily="18" charset="0"/>
+                <a:cs typeface="Times New Roman" pitchFamily="18" charset="0"/>
+              </a:rPr>
+              <a:t>разрежённых </a:t>
+            </a:r>
+            <a:r>
+              <a:rPr lang="ru-RU" dirty="0">
+                <a:latin typeface="Times New Roman" pitchFamily="18" charset="0"/>
+                <a:cs typeface="Times New Roman" pitchFamily="18" charset="0"/>
+              </a:rPr>
+              <a:t>матриц между различными форматами хранения</a:t>
             </a:r>
           </a:p>
         </p:txBody>
@@ -4961,10 +6369,23 @@
           <a:lstStyle/>
           <a:p>
             <a:r>
-              <a:rPr lang="en-US" dirty="0"/>
-              <a:t>NVIDIA geforce mx250</a:t>
-            </a:r>
-            <a:endParaRPr lang="ru-RU" dirty="0"/>
+              <a:rPr lang="en-US" dirty="0">
+                <a:latin typeface="Times New Roman" pitchFamily="18" charset="0"/>
+                <a:cs typeface="Times New Roman" pitchFamily="18" charset="0"/>
+              </a:rPr>
+              <a:t>NVIDIA </a:t>
+            </a:r>
+            <a:r>
+              <a:rPr lang="en-US" dirty="0" smtClean="0">
+                <a:latin typeface="Times New Roman" pitchFamily="18" charset="0"/>
+                <a:cs typeface="Times New Roman" pitchFamily="18" charset="0"/>
+              </a:rPr>
+              <a:t>GEFORCE MX250</a:t>
+            </a:r>
+            <a:endParaRPr lang="ru-RU" dirty="0">
+              <a:latin typeface="Times New Roman" pitchFamily="18" charset="0"/>
+              <a:cs typeface="Times New Roman" pitchFamily="18" charset="0"/>
+            </a:endParaRPr>
           </a:p>
         </p:txBody>
       </p:sp>
@@ -5129,877 +6550,1628 @@
           <a:chExt cx="0" cy="0"/>
         </a:xfrm>
       </p:grpSpPr>
-      <p:sp>
-        <p:nvSpPr>
-          <p:cNvPr id="6" name="Прямоугольник 5"/>
+      <p:cxnSp>
+        <p:nvCxnSpPr>
+          <p:cNvPr id="5" name="Прямая со стрелкой 4"/>
+          <p:cNvCxnSpPr/>
+          <p:nvPr/>
+        </p:nvCxnSpPr>
+        <p:spPr>
+          <a:xfrm>
+            <a:off x="1219200" y="5772150"/>
+            <a:ext cx="6362700" cy="0"/>
+          </a:xfrm>
+          <a:prstGeom prst="straightConnector1">
+            <a:avLst/>
+          </a:prstGeom>
+          <a:ln w="38100">
+            <a:tailEnd type="arrow"/>
+          </a:ln>
+        </p:spPr>
+        <p:style>
+          <a:lnRef idx="1">
+            <a:schemeClr val="accent1"/>
+          </a:lnRef>
+          <a:fillRef idx="0">
+            <a:schemeClr val="accent1"/>
+          </a:fillRef>
+          <a:effectRef idx="0">
+            <a:schemeClr val="accent1"/>
+          </a:effectRef>
+          <a:fontRef idx="minor">
+            <a:schemeClr val="tx1"/>
+          </a:fontRef>
+        </p:style>
+      </p:cxnSp>
+      <p:cxnSp>
+        <p:nvCxnSpPr>
+          <p:cNvPr id="7" name="Прямая со стрелкой 6"/>
+          <p:cNvCxnSpPr/>
+          <p:nvPr/>
+        </p:nvCxnSpPr>
+        <p:spPr>
+          <a:xfrm flipV="1">
+            <a:off x="1219200" y="600075"/>
+            <a:ext cx="0" cy="5172076"/>
+          </a:xfrm>
+          <a:prstGeom prst="straightConnector1">
+            <a:avLst/>
+          </a:prstGeom>
+          <a:ln w="38100">
+            <a:tailEnd type="arrow"/>
+          </a:ln>
+        </p:spPr>
+        <p:style>
+          <a:lnRef idx="1">
+            <a:schemeClr val="accent1"/>
+          </a:lnRef>
+          <a:fillRef idx="0">
+            <a:schemeClr val="accent1"/>
+          </a:fillRef>
+          <a:effectRef idx="0">
+            <a:schemeClr val="accent1"/>
+          </a:effectRef>
+          <a:fontRef idx="minor">
+            <a:schemeClr val="tx1"/>
+          </a:fontRef>
+        </p:style>
+      </p:cxnSp>
+      <p:cxnSp>
+        <p:nvCxnSpPr>
+          <p:cNvPr id="10" name="Прямая со стрелкой 9"/>
+          <p:cNvCxnSpPr/>
+          <p:nvPr/>
+        </p:nvCxnSpPr>
+        <p:spPr>
+          <a:xfrm flipV="1">
+            <a:off x="1219200" y="2590800"/>
+            <a:ext cx="6362700" cy="3181352"/>
+          </a:xfrm>
+          <a:prstGeom prst="straightConnector1">
+            <a:avLst/>
+          </a:prstGeom>
+          <a:ln w="38100">
+            <a:tailEnd type="arrow"/>
+          </a:ln>
+        </p:spPr>
+        <p:style>
+          <a:lnRef idx="1">
+            <a:schemeClr val="accent1"/>
+          </a:lnRef>
+          <a:fillRef idx="0">
+            <a:schemeClr val="accent1"/>
+          </a:fillRef>
+          <a:effectRef idx="0">
+            <a:schemeClr val="accent1"/>
+          </a:effectRef>
+          <a:fontRef idx="minor">
+            <a:schemeClr val="tx1"/>
+          </a:fontRef>
+        </p:style>
+      </p:cxnSp>
+      <p:sp>
+        <p:nvSpPr>
+          <p:cNvPr id="14" name="Овал 13"/>
           <p:cNvSpPr/>
           <p:nvPr/>
         </p:nvSpPr>
         <p:spPr>
           <a:xfrm>
-            <a:off x="827314" y="231839"/>
-            <a:ext cx="11321142" cy="6463308"/>
+            <a:off x="1109662" y="5657850"/>
+            <a:ext cx="219075" cy="228600"/>
+          </a:xfrm>
+          <a:prstGeom prst="ellipse">
+            <a:avLst/>
+          </a:prstGeom>
+        </p:spPr>
+        <p:style>
+          <a:lnRef idx="2">
+            <a:schemeClr val="accent1">
+              <a:shade val="50000"/>
+            </a:schemeClr>
+          </a:lnRef>
+          <a:fillRef idx="1">
+            <a:schemeClr val="accent1"/>
+          </a:fillRef>
+          <a:effectRef idx="0">
+            <a:schemeClr val="accent1"/>
+          </a:effectRef>
+          <a:fontRef idx="minor">
+            <a:schemeClr val="lt1"/>
+          </a:fontRef>
+        </p:style>
+        <p:txBody>
+          <a:bodyPr rtlCol="0" anchor="ctr"/>
+          <a:lstStyle/>
+          <a:p>
+            <a:pPr algn="ctr"/>
+            <a:endParaRPr lang="ru-RU"/>
+          </a:p>
+        </p:txBody>
+      </p:sp>
+      <p:sp>
+        <p:nvSpPr>
+          <p:cNvPr id="15" name="Овал 14"/>
+          <p:cNvSpPr/>
+          <p:nvPr/>
+        </p:nvSpPr>
+        <p:spPr>
+          <a:xfrm>
+            <a:off x="1947862" y="5657852"/>
+            <a:ext cx="219075" cy="228600"/>
+          </a:xfrm>
+          <a:prstGeom prst="ellipse">
+            <a:avLst/>
+          </a:prstGeom>
+        </p:spPr>
+        <p:style>
+          <a:lnRef idx="2">
+            <a:schemeClr val="accent1">
+              <a:shade val="50000"/>
+            </a:schemeClr>
+          </a:lnRef>
+          <a:fillRef idx="1">
+            <a:schemeClr val="accent1"/>
+          </a:fillRef>
+          <a:effectRef idx="0">
+            <a:schemeClr val="accent1"/>
+          </a:effectRef>
+          <a:fontRef idx="minor">
+            <a:schemeClr val="lt1"/>
+          </a:fontRef>
+        </p:style>
+        <p:txBody>
+          <a:bodyPr rtlCol="0" anchor="ctr"/>
+          <a:lstStyle/>
+          <a:p>
+            <a:pPr algn="ctr"/>
+            <a:endParaRPr lang="ru-RU"/>
+          </a:p>
+        </p:txBody>
+      </p:sp>
+      <p:sp>
+        <p:nvSpPr>
+          <p:cNvPr id="16" name="Овал 15"/>
+          <p:cNvSpPr/>
+          <p:nvPr/>
+        </p:nvSpPr>
+        <p:spPr>
+          <a:xfrm>
+            <a:off x="2824162" y="5657850"/>
+            <a:ext cx="219075" cy="228600"/>
+          </a:xfrm>
+          <a:prstGeom prst="ellipse">
+            <a:avLst/>
+          </a:prstGeom>
+        </p:spPr>
+        <p:style>
+          <a:lnRef idx="2">
+            <a:schemeClr val="accent1">
+              <a:shade val="50000"/>
+            </a:schemeClr>
+          </a:lnRef>
+          <a:fillRef idx="1">
+            <a:schemeClr val="accent1"/>
+          </a:fillRef>
+          <a:effectRef idx="0">
+            <a:schemeClr val="accent1"/>
+          </a:effectRef>
+          <a:fontRef idx="minor">
+            <a:schemeClr val="lt1"/>
+          </a:fontRef>
+        </p:style>
+        <p:txBody>
+          <a:bodyPr rtlCol="0" anchor="ctr"/>
+          <a:lstStyle/>
+          <a:p>
+            <a:pPr algn="ctr"/>
+            <a:endParaRPr lang="ru-RU"/>
+          </a:p>
+        </p:txBody>
+      </p:sp>
+      <p:sp>
+        <p:nvSpPr>
+          <p:cNvPr id="17" name="Овал 16"/>
+          <p:cNvSpPr/>
+          <p:nvPr/>
+        </p:nvSpPr>
+        <p:spPr>
+          <a:xfrm>
+            <a:off x="3614737" y="5657850"/>
+            <a:ext cx="219075" cy="228600"/>
+          </a:xfrm>
+          <a:prstGeom prst="ellipse">
+            <a:avLst/>
+          </a:prstGeom>
+        </p:spPr>
+        <p:style>
+          <a:lnRef idx="2">
+            <a:schemeClr val="accent1">
+              <a:shade val="50000"/>
+            </a:schemeClr>
+          </a:lnRef>
+          <a:fillRef idx="1">
+            <a:schemeClr val="accent1"/>
+          </a:fillRef>
+          <a:effectRef idx="0">
+            <a:schemeClr val="accent1"/>
+          </a:effectRef>
+          <a:fontRef idx="minor">
+            <a:schemeClr val="lt1"/>
+          </a:fontRef>
+        </p:style>
+        <p:txBody>
+          <a:bodyPr rtlCol="0" anchor="ctr"/>
+          <a:lstStyle/>
+          <a:p>
+            <a:pPr algn="ctr"/>
+            <a:endParaRPr lang="ru-RU"/>
+          </a:p>
+        </p:txBody>
+      </p:sp>
+      <p:sp>
+        <p:nvSpPr>
+          <p:cNvPr id="18" name="Овал 17"/>
+          <p:cNvSpPr/>
+          <p:nvPr/>
+        </p:nvSpPr>
+        <p:spPr>
+          <a:xfrm>
+            <a:off x="4452937" y="5657852"/>
+            <a:ext cx="219075" cy="228600"/>
+          </a:xfrm>
+          <a:prstGeom prst="ellipse">
+            <a:avLst/>
+          </a:prstGeom>
+        </p:spPr>
+        <p:style>
+          <a:lnRef idx="2">
+            <a:schemeClr val="accent1">
+              <a:shade val="50000"/>
+            </a:schemeClr>
+          </a:lnRef>
+          <a:fillRef idx="1">
+            <a:schemeClr val="accent1"/>
+          </a:fillRef>
+          <a:effectRef idx="0">
+            <a:schemeClr val="accent1"/>
+          </a:effectRef>
+          <a:fontRef idx="minor">
+            <a:schemeClr val="lt1"/>
+          </a:fontRef>
+        </p:style>
+        <p:txBody>
+          <a:bodyPr rtlCol="0" anchor="ctr"/>
+          <a:lstStyle/>
+          <a:p>
+            <a:pPr algn="ctr"/>
+            <a:endParaRPr lang="ru-RU"/>
+          </a:p>
+        </p:txBody>
+      </p:sp>
+      <p:sp>
+        <p:nvSpPr>
+          <p:cNvPr id="19" name="Овал 18"/>
+          <p:cNvSpPr/>
+          <p:nvPr/>
+        </p:nvSpPr>
+        <p:spPr>
+          <a:xfrm>
+            <a:off x="5329237" y="5657850"/>
+            <a:ext cx="219075" cy="228600"/>
+          </a:xfrm>
+          <a:prstGeom prst="ellipse">
+            <a:avLst/>
+          </a:prstGeom>
+        </p:spPr>
+        <p:style>
+          <a:lnRef idx="2">
+            <a:schemeClr val="accent1">
+              <a:shade val="50000"/>
+            </a:schemeClr>
+          </a:lnRef>
+          <a:fillRef idx="1">
+            <a:schemeClr val="accent1"/>
+          </a:fillRef>
+          <a:effectRef idx="0">
+            <a:schemeClr val="accent1"/>
+          </a:effectRef>
+          <a:fontRef idx="minor">
+            <a:schemeClr val="lt1"/>
+          </a:fontRef>
+        </p:style>
+        <p:txBody>
+          <a:bodyPr rtlCol="0" anchor="ctr"/>
+          <a:lstStyle/>
+          <a:p>
+            <a:pPr algn="ctr"/>
+            <a:endParaRPr lang="ru-RU"/>
+          </a:p>
+        </p:txBody>
+      </p:sp>
+      <p:sp>
+        <p:nvSpPr>
+          <p:cNvPr id="20" name="TextBox 19"/>
+          <p:cNvSpPr txBox="1"/>
+          <p:nvPr/>
+        </p:nvSpPr>
+        <p:spPr>
+          <a:xfrm>
+            <a:off x="7100678" y="5969942"/>
+            <a:ext cx="510076" cy="461665"/>
           </a:xfrm>
           <a:prstGeom prst="rect">
             <a:avLst/>
           </a:prstGeom>
+          <a:noFill/>
         </p:spPr>
         <p:txBody>
-          <a:bodyPr wrap="square">
+          <a:bodyPr wrap="none" rtlCol="0">
             <a:spAutoFit/>
           </a:bodyPr>
           <a:lstStyle/>
           <a:p>
             <a:r>
-              <a:rPr lang="ru-RU" dirty="0" smtClean="0">
-                <a:solidFill>
-                  <a:srgbClr val="008000"/>
-                </a:solidFill>
-                <a:latin typeface="Consolas"/>
-              </a:rPr>
-              <a:t>// </a:t>
-            </a:r>
-            <a:r>
-              <a:rPr lang="ru-RU" dirty="0">
-                <a:solidFill>
-                  <a:srgbClr val="008000"/>
-                </a:solidFill>
-                <a:latin typeface="Consolas"/>
-              </a:rPr>
-              <a:t>1. Вычисляем размер массива данных</a:t>
-            </a:r>
-            <a:endParaRPr lang="ru-RU" dirty="0">
-              <a:solidFill>
-                <a:srgbClr val="000000"/>
-              </a:solidFill>
-              <a:latin typeface="Consolas"/>
+              <a:rPr lang="en-US" sz="2400" b="1" i="1" dirty="0" smtClean="0">
+                <a:latin typeface="Times New Roman" pitchFamily="18" charset="0"/>
+                <a:cs typeface="Times New Roman" pitchFamily="18" charset="0"/>
+              </a:rPr>
+              <a:t>N</a:t>
+            </a:r>
+            <a:r>
+              <a:rPr lang="en-US" sz="2400" b="1" i="1" baseline="-25000" dirty="0" smtClean="0">
+                <a:latin typeface="Times New Roman" pitchFamily="18" charset="0"/>
+                <a:cs typeface="Times New Roman" pitchFamily="18" charset="0"/>
+              </a:rPr>
+              <a:t>x</a:t>
+            </a:r>
+            <a:endParaRPr lang="ru-RU" sz="2400" b="1" i="1" baseline="-25000" dirty="0">
+              <a:latin typeface="Times New Roman" pitchFamily="18" charset="0"/>
+              <a:cs typeface="Times New Roman" pitchFamily="18" charset="0"/>
             </a:endParaRPr>
           </a:p>
-          <a:p>
-            <a:r>
-              <a:rPr lang="ru-RU" dirty="0" smtClean="0">
-                <a:solidFill>
-                  <a:srgbClr val="2B91AF"/>
-                </a:solidFill>
-                <a:latin typeface="Consolas"/>
-              </a:rPr>
-              <a:t>size_t</a:t>
-            </a:r>
-            <a:r>
-              <a:rPr lang="ru-RU" dirty="0" smtClean="0">
-                <a:solidFill>
-                  <a:srgbClr val="000000"/>
-                </a:solidFill>
-                <a:latin typeface="Consolas"/>
-              </a:rPr>
-              <a:t> </a:t>
-            </a:r>
-            <a:r>
-              <a:rPr lang="ru-RU" dirty="0">
-                <a:solidFill>
-                  <a:srgbClr val="000000"/>
-                </a:solidFill>
-                <a:latin typeface="Consolas"/>
-              </a:rPr>
-              <a:t>size = </a:t>
-            </a:r>
-            <a:r>
-              <a:rPr lang="ru-RU" dirty="0">
-                <a:solidFill>
-                  <a:srgbClr val="6F008A"/>
-                </a:solidFill>
-                <a:latin typeface="Consolas"/>
-              </a:rPr>
-              <a:t>GridN</a:t>
-            </a:r>
-            <a:r>
-              <a:rPr lang="ru-RU" dirty="0">
-                <a:solidFill>
-                  <a:srgbClr val="000000"/>
-                </a:solidFill>
-                <a:latin typeface="Consolas"/>
-              </a:rPr>
-              <a:t>; </a:t>
-            </a:r>
-            <a:r>
-              <a:rPr lang="ru-RU" dirty="0">
-                <a:solidFill>
-                  <a:srgbClr val="008000"/>
-                </a:solidFill>
-                <a:latin typeface="Consolas"/>
-              </a:rPr>
-              <a:t>// Кол-во элементов</a:t>
-            </a:r>
-            <a:endParaRPr lang="ru-RU" dirty="0">
-              <a:solidFill>
-                <a:srgbClr val="000000"/>
-              </a:solidFill>
-              <a:latin typeface="Consolas"/>
+        </p:txBody>
+      </p:sp>
+      <p:sp>
+        <p:nvSpPr>
+          <p:cNvPr id="21" name="TextBox 20"/>
+          <p:cNvSpPr txBox="1"/>
+          <p:nvPr/>
+        </p:nvSpPr>
+        <p:spPr>
+          <a:xfrm>
+            <a:off x="7610754" y="2474267"/>
+            <a:ext cx="510076" cy="461665"/>
+          </a:xfrm>
+          <a:prstGeom prst="rect">
+            <a:avLst/>
+          </a:prstGeom>
+          <a:noFill/>
+        </p:spPr>
+        <p:txBody>
+          <a:bodyPr wrap="none" rtlCol="0">
+            <a:spAutoFit/>
+          </a:bodyPr>
+          <a:lstStyle/>
+          <a:p>
+            <a:r>
+              <a:rPr lang="en-US" sz="2400" b="1" i="1" dirty="0" smtClean="0">
+                <a:latin typeface="Times New Roman" pitchFamily="18" charset="0"/>
+                <a:cs typeface="Times New Roman" pitchFamily="18" charset="0"/>
+              </a:rPr>
+              <a:t>N</a:t>
+            </a:r>
+            <a:r>
+              <a:rPr lang="en-US" sz="2400" b="1" i="1" baseline="-25000" dirty="0" smtClean="0">
+                <a:latin typeface="Times New Roman" pitchFamily="18" charset="0"/>
+                <a:cs typeface="Times New Roman" pitchFamily="18" charset="0"/>
+              </a:rPr>
+              <a:t>y</a:t>
+            </a:r>
+            <a:endParaRPr lang="ru-RU" sz="2400" b="1" i="1" baseline="-25000" dirty="0">
+              <a:latin typeface="Times New Roman" pitchFamily="18" charset="0"/>
+              <a:cs typeface="Times New Roman" pitchFamily="18" charset="0"/>
             </a:endParaRPr>
           </a:p>
-          <a:p>
-            <a:r>
-              <a:rPr lang="en-US" dirty="0" smtClean="0">
-                <a:solidFill>
-                  <a:srgbClr val="2B91AF"/>
-                </a:solidFill>
-                <a:latin typeface="Consolas"/>
-              </a:rPr>
-              <a:t>size_t</a:t>
-            </a:r>
-            <a:r>
-              <a:rPr lang="en-US" dirty="0" smtClean="0">
-                <a:solidFill>
-                  <a:srgbClr val="000000"/>
-                </a:solidFill>
-                <a:latin typeface="Consolas"/>
-              </a:rPr>
-              <a:t> </a:t>
-            </a:r>
-            <a:r>
-              <a:rPr lang="en-US" dirty="0">
-                <a:solidFill>
-                  <a:srgbClr val="000000"/>
-                </a:solidFill>
-                <a:latin typeface="Consolas"/>
-              </a:rPr>
-              <a:t>sizeInBytesInt = size * </a:t>
-            </a:r>
-            <a:r>
-              <a:rPr lang="en-US" dirty="0">
-                <a:solidFill>
-                  <a:srgbClr val="0000FF"/>
-                </a:solidFill>
-                <a:latin typeface="Consolas"/>
-              </a:rPr>
-              <a:t>sizeof</a:t>
-            </a:r>
-            <a:r>
-              <a:rPr lang="en-US" dirty="0">
-                <a:solidFill>
-                  <a:srgbClr val="000000"/>
-                </a:solidFill>
-                <a:latin typeface="Consolas"/>
-              </a:rPr>
-              <a:t>(</a:t>
-            </a:r>
-            <a:r>
-              <a:rPr lang="en-US" dirty="0" err="1">
-                <a:solidFill>
-                  <a:srgbClr val="0000FF"/>
-                </a:solidFill>
-                <a:latin typeface="Consolas"/>
-              </a:rPr>
-              <a:t>int</a:t>
-            </a:r>
-            <a:r>
-              <a:rPr lang="en-US" dirty="0">
-                <a:solidFill>
-                  <a:srgbClr val="000000"/>
-                </a:solidFill>
-                <a:latin typeface="Consolas"/>
-              </a:rPr>
-              <a:t>);   </a:t>
-            </a:r>
-            <a:r>
-              <a:rPr lang="en-US" dirty="0">
-                <a:solidFill>
-                  <a:srgbClr val="008000"/>
-                </a:solidFill>
-                <a:latin typeface="Consolas"/>
-              </a:rPr>
-              <a:t>// </a:t>
-            </a:r>
-            <a:r>
-              <a:rPr lang="ru-RU" dirty="0">
-                <a:solidFill>
-                  <a:srgbClr val="008000"/>
-                </a:solidFill>
-                <a:latin typeface="Consolas"/>
-              </a:rPr>
-              <a:t>Размер массива </a:t>
-            </a:r>
-            <a:r>
-              <a:rPr lang="en-US" dirty="0" err="1">
-                <a:solidFill>
-                  <a:srgbClr val="008000"/>
-                </a:solidFill>
-                <a:latin typeface="Consolas"/>
-              </a:rPr>
-              <a:t>int</a:t>
-            </a:r>
-            <a:r>
-              <a:rPr lang="en-US" dirty="0">
-                <a:solidFill>
-                  <a:srgbClr val="008000"/>
-                </a:solidFill>
-                <a:latin typeface="Consolas"/>
-              </a:rPr>
-              <a:t> </a:t>
-            </a:r>
-            <a:r>
-              <a:rPr lang="ru-RU" dirty="0">
-                <a:solidFill>
-                  <a:srgbClr val="008000"/>
-                </a:solidFill>
-                <a:latin typeface="Consolas"/>
-              </a:rPr>
-              <a:t>в байтах</a:t>
-            </a:r>
-            <a:endParaRPr lang="ru-RU" dirty="0">
-              <a:solidFill>
-                <a:srgbClr val="000000"/>
-              </a:solidFill>
-              <a:latin typeface="Consolas"/>
+        </p:txBody>
+      </p:sp>
+      <p:sp>
+        <p:nvSpPr>
+          <p:cNvPr id="22" name="TextBox 21"/>
+          <p:cNvSpPr txBox="1"/>
+          <p:nvPr/>
+        </p:nvSpPr>
+        <p:spPr>
+          <a:xfrm>
+            <a:off x="471278" y="512117"/>
+            <a:ext cx="487634" cy="461665"/>
+          </a:xfrm>
+          <a:prstGeom prst="rect">
+            <a:avLst/>
+          </a:prstGeom>
+          <a:noFill/>
+        </p:spPr>
+        <p:txBody>
+          <a:bodyPr wrap="none" rtlCol="0">
+            <a:spAutoFit/>
+          </a:bodyPr>
+          <a:lstStyle/>
+          <a:p>
+            <a:r>
+              <a:rPr lang="en-US" sz="2400" b="1" i="1" dirty="0" smtClean="0">
+                <a:latin typeface="Times New Roman" pitchFamily="18" charset="0"/>
+                <a:cs typeface="Times New Roman" pitchFamily="18" charset="0"/>
+              </a:rPr>
+              <a:t>N</a:t>
+            </a:r>
+            <a:r>
+              <a:rPr lang="en-US" sz="2400" b="1" i="1" baseline="-25000" dirty="0" smtClean="0">
+                <a:latin typeface="Times New Roman" pitchFamily="18" charset="0"/>
+                <a:cs typeface="Times New Roman" pitchFamily="18" charset="0"/>
+              </a:rPr>
+              <a:t>z</a:t>
+            </a:r>
+            <a:endParaRPr lang="ru-RU" sz="2400" b="1" i="1" baseline="-25000" dirty="0">
+              <a:latin typeface="Times New Roman" pitchFamily="18" charset="0"/>
+              <a:cs typeface="Times New Roman" pitchFamily="18" charset="0"/>
             </a:endParaRPr>
           </a:p>
-          <a:p>
-            <a:r>
-              <a:rPr lang="en-US" dirty="0" smtClean="0">
-                <a:solidFill>
-                  <a:srgbClr val="2B91AF"/>
-                </a:solidFill>
-                <a:latin typeface="Consolas"/>
-              </a:rPr>
-              <a:t>size_t</a:t>
-            </a:r>
-            <a:r>
-              <a:rPr lang="en-US" dirty="0" smtClean="0">
-                <a:solidFill>
-                  <a:srgbClr val="000000"/>
-                </a:solidFill>
-                <a:latin typeface="Consolas"/>
-              </a:rPr>
-              <a:t> </a:t>
-            </a:r>
-            <a:r>
-              <a:rPr lang="en-US" dirty="0">
-                <a:solidFill>
-                  <a:srgbClr val="000000"/>
-                </a:solidFill>
-                <a:latin typeface="Consolas"/>
-              </a:rPr>
-              <a:t>sizeInBytesDouble = size * </a:t>
-            </a:r>
-            <a:r>
-              <a:rPr lang="en-US" dirty="0">
-                <a:solidFill>
-                  <a:srgbClr val="0000FF"/>
-                </a:solidFill>
-                <a:latin typeface="Consolas"/>
-              </a:rPr>
-              <a:t>sizeof</a:t>
-            </a:r>
-            <a:r>
-              <a:rPr lang="en-US" dirty="0">
-                <a:solidFill>
-                  <a:srgbClr val="000000"/>
-                </a:solidFill>
-                <a:latin typeface="Consolas"/>
-              </a:rPr>
-              <a:t>(</a:t>
-            </a:r>
-            <a:r>
-              <a:rPr lang="en-US" dirty="0">
-                <a:solidFill>
-                  <a:srgbClr val="0000FF"/>
-                </a:solidFill>
-                <a:latin typeface="Consolas"/>
-              </a:rPr>
-              <a:t>double</a:t>
-            </a:r>
-            <a:r>
-              <a:rPr lang="en-US" dirty="0">
-                <a:solidFill>
-                  <a:srgbClr val="000000"/>
-                </a:solidFill>
-                <a:latin typeface="Consolas"/>
-              </a:rPr>
-              <a:t>);</a:t>
-            </a:r>
-            <a:r>
-              <a:rPr lang="en-US" dirty="0">
-                <a:solidFill>
-                  <a:srgbClr val="008000"/>
-                </a:solidFill>
-                <a:latin typeface="Consolas"/>
-              </a:rPr>
-              <a:t>// </a:t>
-            </a:r>
-            <a:r>
-              <a:rPr lang="ru-RU" dirty="0">
-                <a:solidFill>
-                  <a:srgbClr val="008000"/>
-                </a:solidFill>
-                <a:latin typeface="Consolas"/>
-              </a:rPr>
-              <a:t>Размер массива </a:t>
-            </a:r>
-            <a:r>
-              <a:rPr lang="en-US" dirty="0">
-                <a:solidFill>
-                  <a:srgbClr val="008000"/>
-                </a:solidFill>
-                <a:latin typeface="Consolas"/>
-              </a:rPr>
-              <a:t>double </a:t>
-            </a:r>
-            <a:r>
-              <a:rPr lang="ru-RU" dirty="0">
-                <a:solidFill>
-                  <a:srgbClr val="008000"/>
-                </a:solidFill>
-                <a:latin typeface="Consolas"/>
-              </a:rPr>
-              <a:t>в байтах</a:t>
-            </a:r>
-            <a:endParaRPr lang="ru-RU" dirty="0">
-              <a:solidFill>
-                <a:srgbClr val="000000"/>
-              </a:solidFill>
-              <a:latin typeface="Consolas"/>
-            </a:endParaRPr>
-          </a:p>
-          <a:p>
-            <a:endParaRPr lang="ru-RU" dirty="0">
-              <a:solidFill>
-                <a:srgbClr val="000000"/>
-              </a:solidFill>
-              <a:latin typeface="Consolas"/>
-            </a:endParaRPr>
-          </a:p>
-          <a:p>
-            <a:r>
-              <a:rPr lang="ru-RU" dirty="0" smtClean="0">
-                <a:solidFill>
-                  <a:srgbClr val="008000"/>
-                </a:solidFill>
-                <a:latin typeface="Consolas"/>
-              </a:rPr>
-              <a:t>// </a:t>
-            </a:r>
-            <a:r>
-              <a:rPr lang="ru-RU" dirty="0">
-                <a:solidFill>
-                  <a:srgbClr val="008000"/>
-                </a:solidFill>
-                <a:latin typeface="Consolas"/>
-              </a:rPr>
-              <a:t>2. Выделяем память под массив в ОЗУ    </a:t>
-            </a:r>
-            <a:endParaRPr lang="ru-RU" dirty="0">
-              <a:solidFill>
-                <a:srgbClr val="000000"/>
-              </a:solidFill>
-              <a:latin typeface="Consolas"/>
-            </a:endParaRPr>
-          </a:p>
-          <a:p>
-            <a:r>
-              <a:rPr lang="en-US" dirty="0" smtClean="0">
-                <a:solidFill>
-                  <a:srgbClr val="0000FF"/>
-                </a:solidFill>
-                <a:latin typeface="Consolas"/>
-              </a:rPr>
-              <a:t>double</a:t>
-            </a:r>
-            <a:r>
-              <a:rPr lang="en-US" dirty="0">
-                <a:solidFill>
-                  <a:srgbClr val="000000"/>
-                </a:solidFill>
-                <a:latin typeface="Consolas"/>
-              </a:rPr>
-              <a:t>* host_c0 = (</a:t>
-            </a:r>
-            <a:r>
-              <a:rPr lang="en-US" dirty="0">
-                <a:solidFill>
-                  <a:srgbClr val="0000FF"/>
-                </a:solidFill>
-                <a:latin typeface="Consolas"/>
-              </a:rPr>
-              <a:t>double</a:t>
-            </a:r>
-            <a:r>
-              <a:rPr lang="en-US" dirty="0">
-                <a:solidFill>
-                  <a:srgbClr val="000000"/>
-                </a:solidFill>
-                <a:latin typeface="Consolas"/>
-              </a:rPr>
-              <a:t>*)malloc(sizeInBytesDouble</a:t>
-            </a:r>
-            <a:r>
-              <a:rPr lang="en-US" dirty="0" smtClean="0">
-                <a:solidFill>
-                  <a:srgbClr val="000000"/>
-                </a:solidFill>
-                <a:latin typeface="Consolas"/>
-              </a:rPr>
-              <a:t>);</a:t>
-            </a:r>
-            <a:endParaRPr lang="ru-RU" dirty="0" smtClean="0">
-              <a:solidFill>
-                <a:srgbClr val="000000"/>
-              </a:solidFill>
-              <a:latin typeface="Consolas"/>
-            </a:endParaRPr>
-          </a:p>
-          <a:p>
-            <a:r>
-              <a:rPr lang="ru-RU" dirty="0" smtClean="0">
-                <a:solidFill>
-                  <a:srgbClr val="000000"/>
-                </a:solidFill>
-                <a:latin typeface="Consolas"/>
-              </a:rPr>
-              <a:t>...</a:t>
-            </a:r>
-            <a:endParaRPr lang="en-US" dirty="0" smtClean="0">
-              <a:solidFill>
-                <a:srgbClr val="000000"/>
-              </a:solidFill>
-              <a:latin typeface="Consolas"/>
-            </a:endParaRPr>
-          </a:p>
-          <a:p>
-            <a:r>
-              <a:rPr lang="en-US" dirty="0" smtClean="0">
-                <a:solidFill>
-                  <a:srgbClr val="000000"/>
-                </a:solidFill>
-                <a:latin typeface="Consolas"/>
-              </a:rPr>
-              <a:t>    </a:t>
-            </a:r>
-            <a:endParaRPr lang="ru-RU" dirty="0" smtClean="0">
-              <a:solidFill>
-                <a:srgbClr val="000000"/>
-              </a:solidFill>
-              <a:latin typeface="Consolas"/>
-            </a:endParaRPr>
-          </a:p>
-          <a:p>
-            <a:r>
-              <a:rPr lang="ru-RU" dirty="0" smtClean="0">
-                <a:solidFill>
-                  <a:srgbClr val="008000"/>
-                </a:solidFill>
-                <a:latin typeface="Consolas"/>
-              </a:rPr>
-              <a:t>// </a:t>
-            </a:r>
-            <a:r>
-              <a:rPr lang="ru-RU" dirty="0">
-                <a:solidFill>
-                  <a:srgbClr val="008000"/>
-                </a:solidFill>
-                <a:latin typeface="Consolas"/>
-              </a:rPr>
-              <a:t>3. Выделяем память под массивы на видеокарте    </a:t>
-            </a:r>
-            <a:endParaRPr lang="ru-RU" dirty="0">
-              <a:solidFill>
-                <a:srgbClr val="000000"/>
-              </a:solidFill>
-              <a:latin typeface="Consolas"/>
-            </a:endParaRPr>
-          </a:p>
-          <a:p>
-            <a:r>
-              <a:rPr lang="en-US" dirty="0" smtClean="0">
-                <a:solidFill>
-                  <a:srgbClr val="0000FF"/>
-                </a:solidFill>
-                <a:latin typeface="Consolas"/>
-              </a:rPr>
-              <a:t>double</a:t>
-            </a:r>
-            <a:r>
-              <a:rPr lang="en-US" dirty="0">
-                <a:solidFill>
-                  <a:srgbClr val="000000"/>
-                </a:solidFill>
-                <a:latin typeface="Consolas"/>
-              </a:rPr>
-              <a:t>* dev_c0 = </a:t>
-            </a:r>
-            <a:r>
-              <a:rPr lang="en-US" dirty="0">
-                <a:solidFill>
-                  <a:srgbClr val="6F008A"/>
-                </a:solidFill>
-                <a:latin typeface="Consolas"/>
-              </a:rPr>
-              <a:t>NULL</a:t>
-            </a:r>
-            <a:r>
-              <a:rPr lang="en-US" dirty="0">
-                <a:solidFill>
-                  <a:srgbClr val="000000"/>
-                </a:solidFill>
-                <a:latin typeface="Consolas"/>
-              </a:rPr>
-              <a:t>;</a:t>
-            </a:r>
-          </a:p>
-          <a:p>
-            <a:r>
-              <a:rPr lang="en-US" dirty="0" smtClean="0">
-                <a:solidFill>
-                  <a:srgbClr val="000000"/>
-                </a:solidFill>
-                <a:latin typeface="Consolas"/>
-              </a:rPr>
-              <a:t>cudaMalloc</a:t>
-            </a:r>
-            <a:r>
-              <a:rPr lang="en-US" dirty="0">
-                <a:solidFill>
-                  <a:srgbClr val="000000"/>
-                </a:solidFill>
-                <a:latin typeface="Consolas"/>
-              </a:rPr>
-              <a:t>((</a:t>
-            </a:r>
-            <a:r>
-              <a:rPr lang="en-US" dirty="0">
-                <a:solidFill>
-                  <a:srgbClr val="0000FF"/>
-                </a:solidFill>
-                <a:latin typeface="Consolas"/>
-              </a:rPr>
-              <a:t>void</a:t>
-            </a:r>
-            <a:r>
-              <a:rPr lang="en-US" dirty="0">
-                <a:solidFill>
-                  <a:srgbClr val="000000"/>
-                </a:solidFill>
-                <a:latin typeface="Consolas"/>
-              </a:rPr>
-              <a:t>**)&amp;dev_c0, sizeInBytesDouble</a:t>
-            </a:r>
-            <a:r>
-              <a:rPr lang="en-US" dirty="0" smtClean="0">
-                <a:solidFill>
-                  <a:srgbClr val="000000"/>
-                </a:solidFill>
-                <a:latin typeface="Consolas"/>
-              </a:rPr>
-              <a:t>);</a:t>
-            </a:r>
-            <a:endParaRPr lang="ru-RU" dirty="0" smtClean="0">
-              <a:solidFill>
-                <a:srgbClr val="000000"/>
-              </a:solidFill>
-              <a:latin typeface="Consolas"/>
-            </a:endParaRPr>
-          </a:p>
-          <a:p>
-            <a:r>
-              <a:rPr lang="ru-RU" dirty="0" smtClean="0">
-                <a:solidFill>
-                  <a:srgbClr val="000000"/>
-                </a:solidFill>
-                <a:latin typeface="Consolas"/>
-              </a:rPr>
-              <a:t>...</a:t>
-            </a:r>
-          </a:p>
-          <a:p>
-            <a:endParaRPr lang="ru-RU" dirty="0" smtClean="0">
-              <a:solidFill>
-                <a:srgbClr val="000000"/>
-              </a:solidFill>
-              <a:latin typeface="Consolas"/>
-            </a:endParaRPr>
-          </a:p>
-          <a:p>
-            <a:r>
-              <a:rPr lang="ru-RU" dirty="0" smtClean="0">
-                <a:solidFill>
-                  <a:srgbClr val="008000"/>
-                </a:solidFill>
-                <a:latin typeface="Consolas"/>
-              </a:rPr>
-              <a:t>// </a:t>
-            </a:r>
-            <a:r>
-              <a:rPr lang="ru-RU" dirty="0">
-                <a:solidFill>
-                  <a:srgbClr val="008000"/>
-                </a:solidFill>
-                <a:latin typeface="Consolas"/>
-              </a:rPr>
-              <a:t>4. Копируем массивы из ОЗУ в GPU</a:t>
-            </a:r>
-            <a:endParaRPr lang="ru-RU" dirty="0">
-              <a:solidFill>
-                <a:srgbClr val="000000"/>
-              </a:solidFill>
-              <a:latin typeface="Consolas"/>
-            </a:endParaRPr>
-          </a:p>
-          <a:p>
-            <a:r>
-              <a:rPr lang="en-US" dirty="0" smtClean="0">
-                <a:solidFill>
-                  <a:srgbClr val="000000"/>
-                </a:solidFill>
-                <a:latin typeface="Consolas"/>
-              </a:rPr>
-              <a:t>cudaMemcpy(dev_c0</a:t>
-            </a:r>
-            <a:r>
-              <a:rPr lang="en-US" dirty="0">
-                <a:solidFill>
-                  <a:srgbClr val="000000"/>
-                </a:solidFill>
-                <a:latin typeface="Consolas"/>
-              </a:rPr>
-              <a:t>, host_c0, sizeInBytesDouble, </a:t>
-            </a:r>
-            <a:r>
-              <a:rPr lang="en-US" dirty="0">
-                <a:solidFill>
-                  <a:srgbClr val="2F4F4F"/>
-                </a:solidFill>
-                <a:latin typeface="Consolas"/>
-              </a:rPr>
-              <a:t>cudaMemcpyHostToDevice</a:t>
-            </a:r>
-            <a:r>
-              <a:rPr lang="en-US" dirty="0" smtClean="0">
-                <a:solidFill>
-                  <a:srgbClr val="000000"/>
-                </a:solidFill>
-                <a:latin typeface="Consolas"/>
-              </a:rPr>
-              <a:t>);</a:t>
-            </a:r>
-            <a:endParaRPr lang="ru-RU" dirty="0" smtClean="0">
-              <a:solidFill>
-                <a:srgbClr val="000000"/>
-              </a:solidFill>
-              <a:latin typeface="Consolas"/>
-            </a:endParaRPr>
-          </a:p>
-          <a:p>
-            <a:endParaRPr lang="ru-RU" dirty="0" smtClean="0">
-              <a:solidFill>
-                <a:srgbClr val="000000"/>
-              </a:solidFill>
-              <a:latin typeface="Consolas"/>
-            </a:endParaRPr>
-          </a:p>
-          <a:p>
-            <a:r>
-              <a:rPr lang="ru-RU" dirty="0">
-                <a:solidFill>
-                  <a:srgbClr val="008000"/>
-                </a:solidFill>
-                <a:latin typeface="Consolas"/>
-              </a:rPr>
-              <a:t>// </a:t>
-            </a:r>
-            <a:r>
-              <a:rPr lang="en-GB" dirty="0" smtClean="0">
-                <a:solidFill>
-                  <a:srgbClr val="008000"/>
-                </a:solidFill>
-                <a:latin typeface="Consolas"/>
-              </a:rPr>
-              <a:t>5</a:t>
-            </a:r>
-            <a:r>
-              <a:rPr lang="ru-RU" dirty="0" smtClean="0">
-                <a:solidFill>
-                  <a:srgbClr val="008000"/>
-                </a:solidFill>
-                <a:latin typeface="Consolas"/>
-              </a:rPr>
-              <a:t>. Запуск «ядра» </a:t>
-            </a:r>
-            <a:r>
-              <a:rPr lang="en-US" dirty="0" smtClean="0">
-                <a:solidFill>
-                  <a:srgbClr val="008000"/>
-                </a:solidFill>
-                <a:latin typeface="Consolas"/>
-              </a:rPr>
-              <a:t>CUDA</a:t>
-            </a:r>
-            <a:endParaRPr lang="ru-RU" dirty="0">
-              <a:solidFill>
-                <a:srgbClr val="000000"/>
-              </a:solidFill>
-              <a:latin typeface="Consolas"/>
-            </a:endParaRPr>
-          </a:p>
-          <a:p>
-            <a:r>
-              <a:rPr lang="en-US" dirty="0" smtClean="0">
-                <a:solidFill>
-                  <a:srgbClr val="000000"/>
-                </a:solidFill>
-                <a:latin typeface="Consolas"/>
-              </a:rPr>
-              <a:t>ptmKernel3 </a:t>
-            </a:r>
-            <a:r>
-              <a:rPr lang="en-US" dirty="0">
-                <a:solidFill>
-                  <a:srgbClr val="000000"/>
-                </a:solidFill>
-                <a:latin typeface="Consolas"/>
-              </a:rPr>
-              <a:t>&lt;&lt; &lt; 1, dim3(</a:t>
-            </a:r>
-            <a:r>
-              <a:rPr lang="en-US" dirty="0" err="1">
-                <a:solidFill>
-                  <a:srgbClr val="6F008A"/>
-                </a:solidFill>
-                <a:latin typeface="Consolas"/>
-              </a:rPr>
-              <a:t>BlockSizeX</a:t>
-            </a:r>
-            <a:r>
-              <a:rPr lang="en-US" dirty="0">
-                <a:solidFill>
-                  <a:srgbClr val="000000"/>
-                </a:solidFill>
-                <a:latin typeface="Consolas"/>
-              </a:rPr>
-              <a:t>, 1, </a:t>
-            </a:r>
-            <a:r>
-              <a:rPr lang="en-US" dirty="0">
-                <a:solidFill>
-                  <a:srgbClr val="6F008A"/>
-                </a:solidFill>
-                <a:latin typeface="Consolas"/>
-              </a:rPr>
-              <a:t>BlockSizeZ</a:t>
-            </a:r>
-            <a:r>
-              <a:rPr lang="en-US" dirty="0">
-                <a:solidFill>
-                  <a:srgbClr val="000000"/>
-                </a:solidFill>
-                <a:latin typeface="Consolas"/>
-              </a:rPr>
-              <a:t>) &gt;&gt; &gt; (dev_r, dev_c0, dev_c2, dev_c4, dev_c6, </a:t>
-            </a:r>
-            <a:r>
-              <a:rPr lang="en-US" dirty="0">
-                <a:solidFill>
-                  <a:srgbClr val="6F008A"/>
-                </a:solidFill>
-                <a:latin typeface="Consolas"/>
-              </a:rPr>
-              <a:t>GridN</a:t>
-            </a:r>
-            <a:r>
-              <a:rPr lang="en-US" dirty="0">
-                <a:solidFill>
-                  <a:srgbClr val="000000"/>
-                </a:solidFill>
-                <a:latin typeface="Consolas"/>
-              </a:rPr>
-              <a:t>, omega</a:t>
-            </a:r>
-            <a:r>
-              <a:rPr lang="en-US" dirty="0" smtClean="0">
-                <a:solidFill>
-                  <a:srgbClr val="000000"/>
-                </a:solidFill>
-                <a:latin typeface="Consolas"/>
-              </a:rPr>
-              <a:t>);</a:t>
-            </a:r>
-          </a:p>
-          <a:p>
-            <a:endParaRPr lang="en-US" dirty="0">
-              <a:solidFill>
-                <a:srgbClr val="000000"/>
-              </a:solidFill>
-              <a:latin typeface="Consolas"/>
-            </a:endParaRPr>
-          </a:p>
-          <a:p>
-            <a:r>
-              <a:rPr lang="ru-RU" dirty="0">
-                <a:solidFill>
-                  <a:srgbClr val="008000"/>
-                </a:solidFill>
-                <a:latin typeface="Consolas"/>
-              </a:rPr>
-              <a:t>// Копируем массив с результатами вычислений из памяти GPU в ОЗУ</a:t>
-            </a:r>
-            <a:endParaRPr lang="ru-RU" dirty="0">
-              <a:solidFill>
-                <a:srgbClr val="000000"/>
-              </a:solidFill>
-              <a:latin typeface="Consolas"/>
-            </a:endParaRPr>
-          </a:p>
-          <a:p>
-            <a:r>
-              <a:rPr lang="en-US" dirty="0" smtClean="0">
-                <a:solidFill>
-                  <a:srgbClr val="000000"/>
-                </a:solidFill>
-                <a:latin typeface="Consolas"/>
-              </a:rPr>
-              <a:t>cudaMemcpy(</a:t>
-            </a:r>
-            <a:r>
-              <a:rPr lang="en-US" dirty="0" err="1" smtClean="0">
-                <a:solidFill>
-                  <a:srgbClr val="000000"/>
-                </a:solidFill>
-                <a:latin typeface="Consolas"/>
-              </a:rPr>
-              <a:t>host_r</a:t>
-            </a:r>
-            <a:r>
-              <a:rPr lang="en-US" dirty="0">
-                <a:solidFill>
-                  <a:srgbClr val="000000"/>
-                </a:solidFill>
-                <a:latin typeface="Consolas"/>
-              </a:rPr>
-              <a:t>, dev_r, sizeInBytesDouble, </a:t>
-            </a:r>
-            <a:r>
-              <a:rPr lang="en-US" dirty="0">
-                <a:solidFill>
-                  <a:srgbClr val="2F4F4F"/>
-                </a:solidFill>
-                <a:latin typeface="Consolas"/>
-              </a:rPr>
-              <a:t>cudaMemcpyDeviceToHost</a:t>
-            </a:r>
-            <a:r>
-              <a:rPr lang="en-US" dirty="0">
-                <a:solidFill>
-                  <a:srgbClr val="000000"/>
-                </a:solidFill>
-                <a:latin typeface="Consolas"/>
-              </a:rPr>
-              <a:t>);    </a:t>
-            </a:r>
+        </p:txBody>
+      </p:sp>
+      <p:sp>
+        <p:nvSpPr>
+          <p:cNvPr id="23" name="Овал 22"/>
+          <p:cNvSpPr/>
+          <p:nvPr/>
+        </p:nvSpPr>
+        <p:spPr>
+          <a:xfrm>
+            <a:off x="1660046" y="5353051"/>
+            <a:ext cx="219075" cy="228600"/>
+          </a:xfrm>
+          <a:prstGeom prst="ellipse">
+            <a:avLst/>
+          </a:prstGeom>
+        </p:spPr>
+        <p:style>
+          <a:lnRef idx="2">
+            <a:schemeClr val="accent1">
+              <a:shade val="50000"/>
+            </a:schemeClr>
+          </a:lnRef>
+          <a:fillRef idx="1">
+            <a:schemeClr val="accent1"/>
+          </a:fillRef>
+          <a:effectRef idx="0">
+            <a:schemeClr val="accent1"/>
+          </a:effectRef>
+          <a:fontRef idx="minor">
+            <a:schemeClr val="lt1"/>
+          </a:fontRef>
+        </p:style>
+        <p:txBody>
+          <a:bodyPr rtlCol="0" anchor="ctr"/>
+          <a:lstStyle/>
+          <a:p>
+            <a:pPr algn="ctr"/>
+            <a:endParaRPr lang="ru-RU"/>
+          </a:p>
+        </p:txBody>
+      </p:sp>
+      <p:sp>
+        <p:nvSpPr>
+          <p:cNvPr id="24" name="Овал 23"/>
+          <p:cNvSpPr/>
+          <p:nvPr/>
+        </p:nvSpPr>
+        <p:spPr>
+          <a:xfrm>
+            <a:off x="2498246" y="5353053"/>
+            <a:ext cx="219075" cy="228600"/>
+          </a:xfrm>
+          <a:prstGeom prst="ellipse">
+            <a:avLst/>
+          </a:prstGeom>
+        </p:spPr>
+        <p:style>
+          <a:lnRef idx="2">
+            <a:schemeClr val="accent1">
+              <a:shade val="50000"/>
+            </a:schemeClr>
+          </a:lnRef>
+          <a:fillRef idx="1">
+            <a:schemeClr val="accent1"/>
+          </a:fillRef>
+          <a:effectRef idx="0">
+            <a:schemeClr val="accent1"/>
+          </a:effectRef>
+          <a:fontRef idx="minor">
+            <a:schemeClr val="lt1"/>
+          </a:fontRef>
+        </p:style>
+        <p:txBody>
+          <a:bodyPr rtlCol="0" anchor="ctr"/>
+          <a:lstStyle/>
+          <a:p>
+            <a:pPr algn="ctr"/>
+            <a:endParaRPr lang="ru-RU"/>
+          </a:p>
+        </p:txBody>
+      </p:sp>
+      <p:sp>
+        <p:nvSpPr>
+          <p:cNvPr id="25" name="Овал 24"/>
+          <p:cNvSpPr/>
+          <p:nvPr/>
+        </p:nvSpPr>
+        <p:spPr>
+          <a:xfrm>
+            <a:off x="3374546" y="5353051"/>
+            <a:ext cx="219075" cy="228600"/>
+          </a:xfrm>
+          <a:prstGeom prst="ellipse">
+            <a:avLst/>
+          </a:prstGeom>
+        </p:spPr>
+        <p:style>
+          <a:lnRef idx="2">
+            <a:schemeClr val="accent1">
+              <a:shade val="50000"/>
+            </a:schemeClr>
+          </a:lnRef>
+          <a:fillRef idx="1">
+            <a:schemeClr val="accent1"/>
+          </a:fillRef>
+          <a:effectRef idx="0">
+            <a:schemeClr val="accent1"/>
+          </a:effectRef>
+          <a:fontRef idx="minor">
+            <a:schemeClr val="lt1"/>
+          </a:fontRef>
+        </p:style>
+        <p:txBody>
+          <a:bodyPr rtlCol="0" anchor="ctr"/>
+          <a:lstStyle/>
+          <a:p>
+            <a:pPr algn="ctr"/>
+            <a:endParaRPr lang="ru-RU"/>
+          </a:p>
+        </p:txBody>
+      </p:sp>
+      <p:sp>
+        <p:nvSpPr>
+          <p:cNvPr id="26" name="Овал 25"/>
+          <p:cNvSpPr/>
+          <p:nvPr/>
+        </p:nvSpPr>
+        <p:spPr>
+          <a:xfrm>
+            <a:off x="4165121" y="5353051"/>
+            <a:ext cx="219075" cy="228600"/>
+          </a:xfrm>
+          <a:prstGeom prst="ellipse">
+            <a:avLst/>
+          </a:prstGeom>
+        </p:spPr>
+        <p:style>
+          <a:lnRef idx="2">
+            <a:schemeClr val="accent1">
+              <a:shade val="50000"/>
+            </a:schemeClr>
+          </a:lnRef>
+          <a:fillRef idx="1">
+            <a:schemeClr val="accent1"/>
+          </a:fillRef>
+          <a:effectRef idx="0">
+            <a:schemeClr val="accent1"/>
+          </a:effectRef>
+          <a:fontRef idx="minor">
+            <a:schemeClr val="lt1"/>
+          </a:fontRef>
+        </p:style>
+        <p:txBody>
+          <a:bodyPr rtlCol="0" anchor="ctr"/>
+          <a:lstStyle/>
+          <a:p>
+            <a:pPr algn="ctr"/>
+            <a:endParaRPr lang="ru-RU"/>
+          </a:p>
+        </p:txBody>
+      </p:sp>
+      <p:sp>
+        <p:nvSpPr>
+          <p:cNvPr id="27" name="Овал 26"/>
+          <p:cNvSpPr/>
+          <p:nvPr/>
+        </p:nvSpPr>
+        <p:spPr>
+          <a:xfrm>
+            <a:off x="5003321" y="5353053"/>
+            <a:ext cx="219075" cy="228600"/>
+          </a:xfrm>
+          <a:prstGeom prst="ellipse">
+            <a:avLst/>
+          </a:prstGeom>
+        </p:spPr>
+        <p:style>
+          <a:lnRef idx="2">
+            <a:schemeClr val="accent1">
+              <a:shade val="50000"/>
+            </a:schemeClr>
+          </a:lnRef>
+          <a:fillRef idx="1">
+            <a:schemeClr val="accent1"/>
+          </a:fillRef>
+          <a:effectRef idx="0">
+            <a:schemeClr val="accent1"/>
+          </a:effectRef>
+          <a:fontRef idx="minor">
+            <a:schemeClr val="lt1"/>
+          </a:fontRef>
+        </p:style>
+        <p:txBody>
+          <a:bodyPr rtlCol="0" anchor="ctr"/>
+          <a:lstStyle/>
+          <a:p>
+            <a:pPr algn="ctr"/>
+            <a:endParaRPr lang="ru-RU"/>
+          </a:p>
+        </p:txBody>
+      </p:sp>
+      <p:sp>
+        <p:nvSpPr>
+          <p:cNvPr id="28" name="Овал 27"/>
+          <p:cNvSpPr/>
+          <p:nvPr/>
+        </p:nvSpPr>
+        <p:spPr>
+          <a:xfrm>
+            <a:off x="5879621" y="5353051"/>
+            <a:ext cx="219075" cy="228600"/>
+          </a:xfrm>
+          <a:prstGeom prst="ellipse">
+            <a:avLst/>
+          </a:prstGeom>
+        </p:spPr>
+        <p:style>
+          <a:lnRef idx="2">
+            <a:schemeClr val="accent1">
+              <a:shade val="50000"/>
+            </a:schemeClr>
+          </a:lnRef>
+          <a:fillRef idx="1">
+            <a:schemeClr val="accent1"/>
+          </a:fillRef>
+          <a:effectRef idx="0">
+            <a:schemeClr val="accent1"/>
+          </a:effectRef>
+          <a:fontRef idx="minor">
+            <a:schemeClr val="lt1"/>
+          </a:fontRef>
+        </p:style>
+        <p:txBody>
+          <a:bodyPr rtlCol="0" anchor="ctr"/>
+          <a:lstStyle/>
+          <a:p>
+            <a:pPr algn="ctr"/>
+            <a:endParaRPr lang="ru-RU"/>
+          </a:p>
+        </p:txBody>
+      </p:sp>
+      <p:sp>
+        <p:nvSpPr>
+          <p:cNvPr id="29" name="Овал 28"/>
+          <p:cNvSpPr/>
+          <p:nvPr/>
+        </p:nvSpPr>
+        <p:spPr>
+          <a:xfrm>
+            <a:off x="2226502" y="5076827"/>
+            <a:ext cx="219075" cy="228600"/>
+          </a:xfrm>
+          <a:prstGeom prst="ellipse">
+            <a:avLst/>
+          </a:prstGeom>
+        </p:spPr>
+        <p:style>
+          <a:lnRef idx="2">
+            <a:schemeClr val="accent1">
+              <a:shade val="50000"/>
+            </a:schemeClr>
+          </a:lnRef>
+          <a:fillRef idx="1">
+            <a:schemeClr val="accent1"/>
+          </a:fillRef>
+          <a:effectRef idx="0">
+            <a:schemeClr val="accent1"/>
+          </a:effectRef>
+          <a:fontRef idx="minor">
+            <a:schemeClr val="lt1"/>
+          </a:fontRef>
+        </p:style>
+        <p:txBody>
+          <a:bodyPr rtlCol="0" anchor="ctr"/>
+          <a:lstStyle/>
+          <a:p>
+            <a:pPr algn="ctr"/>
+            <a:endParaRPr lang="ru-RU"/>
+          </a:p>
+        </p:txBody>
+      </p:sp>
+      <p:sp>
+        <p:nvSpPr>
+          <p:cNvPr id="30" name="Овал 29"/>
+          <p:cNvSpPr/>
+          <p:nvPr/>
+        </p:nvSpPr>
+        <p:spPr>
+          <a:xfrm>
+            <a:off x="3064702" y="5076829"/>
+            <a:ext cx="219075" cy="228600"/>
+          </a:xfrm>
+          <a:prstGeom prst="ellipse">
+            <a:avLst/>
+          </a:prstGeom>
+        </p:spPr>
+        <p:style>
+          <a:lnRef idx="2">
+            <a:schemeClr val="accent1">
+              <a:shade val="50000"/>
+            </a:schemeClr>
+          </a:lnRef>
+          <a:fillRef idx="1">
+            <a:schemeClr val="accent1"/>
+          </a:fillRef>
+          <a:effectRef idx="0">
+            <a:schemeClr val="accent1"/>
+          </a:effectRef>
+          <a:fontRef idx="minor">
+            <a:schemeClr val="lt1"/>
+          </a:fontRef>
+        </p:style>
+        <p:txBody>
+          <a:bodyPr rtlCol="0" anchor="ctr"/>
+          <a:lstStyle/>
+          <a:p>
+            <a:pPr algn="ctr"/>
+            <a:endParaRPr lang="ru-RU"/>
+          </a:p>
+        </p:txBody>
+      </p:sp>
+      <p:sp>
+        <p:nvSpPr>
+          <p:cNvPr id="31" name="Овал 30"/>
+          <p:cNvSpPr/>
+          <p:nvPr/>
+        </p:nvSpPr>
+        <p:spPr>
+          <a:xfrm>
+            <a:off x="3941002" y="5076827"/>
+            <a:ext cx="219075" cy="228600"/>
+          </a:xfrm>
+          <a:prstGeom prst="ellipse">
+            <a:avLst/>
+          </a:prstGeom>
+        </p:spPr>
+        <p:style>
+          <a:lnRef idx="2">
+            <a:schemeClr val="accent1">
+              <a:shade val="50000"/>
+            </a:schemeClr>
+          </a:lnRef>
+          <a:fillRef idx="1">
+            <a:schemeClr val="accent1"/>
+          </a:fillRef>
+          <a:effectRef idx="0">
+            <a:schemeClr val="accent1"/>
+          </a:effectRef>
+          <a:fontRef idx="minor">
+            <a:schemeClr val="lt1"/>
+          </a:fontRef>
+        </p:style>
+        <p:txBody>
+          <a:bodyPr rtlCol="0" anchor="ctr"/>
+          <a:lstStyle/>
+          <a:p>
+            <a:pPr algn="ctr"/>
+            <a:endParaRPr lang="ru-RU"/>
+          </a:p>
+        </p:txBody>
+      </p:sp>
+      <p:sp>
+        <p:nvSpPr>
+          <p:cNvPr id="32" name="Овал 31"/>
+          <p:cNvSpPr/>
+          <p:nvPr/>
+        </p:nvSpPr>
+        <p:spPr>
+          <a:xfrm>
+            <a:off x="4731577" y="5076827"/>
+            <a:ext cx="219075" cy="228600"/>
+          </a:xfrm>
+          <a:prstGeom prst="ellipse">
+            <a:avLst/>
+          </a:prstGeom>
+        </p:spPr>
+        <p:style>
+          <a:lnRef idx="2">
+            <a:schemeClr val="accent1">
+              <a:shade val="50000"/>
+            </a:schemeClr>
+          </a:lnRef>
+          <a:fillRef idx="1">
+            <a:schemeClr val="accent1"/>
+          </a:fillRef>
+          <a:effectRef idx="0">
+            <a:schemeClr val="accent1"/>
+          </a:effectRef>
+          <a:fontRef idx="minor">
+            <a:schemeClr val="lt1"/>
+          </a:fontRef>
+        </p:style>
+        <p:txBody>
+          <a:bodyPr rtlCol="0" anchor="ctr"/>
+          <a:lstStyle/>
+          <a:p>
+            <a:pPr algn="ctr"/>
+            <a:endParaRPr lang="ru-RU"/>
+          </a:p>
+        </p:txBody>
+      </p:sp>
+      <p:sp>
+        <p:nvSpPr>
+          <p:cNvPr id="33" name="Овал 32"/>
+          <p:cNvSpPr/>
+          <p:nvPr/>
+        </p:nvSpPr>
+        <p:spPr>
+          <a:xfrm>
+            <a:off x="5569777" y="5076829"/>
+            <a:ext cx="219075" cy="228600"/>
+          </a:xfrm>
+          <a:prstGeom prst="ellipse">
+            <a:avLst/>
+          </a:prstGeom>
+        </p:spPr>
+        <p:style>
+          <a:lnRef idx="2">
+            <a:schemeClr val="accent1">
+              <a:shade val="50000"/>
+            </a:schemeClr>
+          </a:lnRef>
+          <a:fillRef idx="1">
+            <a:schemeClr val="accent1"/>
+          </a:fillRef>
+          <a:effectRef idx="0">
+            <a:schemeClr val="accent1"/>
+          </a:effectRef>
+          <a:fontRef idx="minor">
+            <a:schemeClr val="lt1"/>
+          </a:fontRef>
+        </p:style>
+        <p:txBody>
+          <a:bodyPr rtlCol="0" anchor="ctr"/>
+          <a:lstStyle/>
+          <a:p>
+            <a:pPr algn="ctr"/>
+            <a:endParaRPr lang="ru-RU"/>
+          </a:p>
+        </p:txBody>
+      </p:sp>
+      <p:sp>
+        <p:nvSpPr>
+          <p:cNvPr id="34" name="Овал 33"/>
+          <p:cNvSpPr/>
+          <p:nvPr/>
+        </p:nvSpPr>
+        <p:spPr>
+          <a:xfrm>
+            <a:off x="6446077" y="5076827"/>
+            <a:ext cx="219075" cy="228600"/>
+          </a:xfrm>
+          <a:prstGeom prst="ellipse">
+            <a:avLst/>
+          </a:prstGeom>
+        </p:spPr>
+        <p:style>
+          <a:lnRef idx="2">
+            <a:schemeClr val="accent1">
+              <a:shade val="50000"/>
+            </a:schemeClr>
+          </a:lnRef>
+          <a:fillRef idx="1">
+            <a:schemeClr val="accent1"/>
+          </a:fillRef>
+          <a:effectRef idx="0">
+            <a:schemeClr val="accent1"/>
+          </a:effectRef>
+          <a:fontRef idx="minor">
+            <a:schemeClr val="lt1"/>
+          </a:fontRef>
+        </p:style>
+        <p:txBody>
+          <a:bodyPr rtlCol="0" anchor="ctr"/>
+          <a:lstStyle/>
+          <a:p>
+            <a:pPr algn="ctr"/>
+            <a:endParaRPr lang="ru-RU"/>
+          </a:p>
+        </p:txBody>
+      </p:sp>
+      <p:sp>
+        <p:nvSpPr>
+          <p:cNvPr id="35" name="Овал 34"/>
+          <p:cNvSpPr/>
+          <p:nvPr/>
+        </p:nvSpPr>
+        <p:spPr>
+          <a:xfrm rot="16200000">
+            <a:off x="1104898" y="5662613"/>
+            <a:ext cx="219075" cy="228600"/>
+          </a:xfrm>
+          <a:prstGeom prst="ellipse">
+            <a:avLst/>
+          </a:prstGeom>
+        </p:spPr>
+        <p:style>
+          <a:lnRef idx="2">
+            <a:schemeClr val="accent1">
+              <a:shade val="50000"/>
+            </a:schemeClr>
+          </a:lnRef>
+          <a:fillRef idx="1">
+            <a:schemeClr val="accent1"/>
+          </a:fillRef>
+          <a:effectRef idx="0">
+            <a:schemeClr val="accent1"/>
+          </a:effectRef>
+          <a:fontRef idx="minor">
+            <a:schemeClr val="lt1"/>
+          </a:fontRef>
+        </p:style>
+        <p:txBody>
+          <a:bodyPr rtlCol="0" anchor="ctr"/>
+          <a:lstStyle/>
+          <a:p>
+            <a:pPr algn="ctr"/>
+            <a:endParaRPr lang="ru-RU"/>
+          </a:p>
+        </p:txBody>
+      </p:sp>
+      <p:sp>
+        <p:nvSpPr>
+          <p:cNvPr id="36" name="Овал 35"/>
+          <p:cNvSpPr/>
+          <p:nvPr/>
+        </p:nvSpPr>
+        <p:spPr>
+          <a:xfrm rot="16200000">
+            <a:off x="1104900" y="4824413"/>
+            <a:ext cx="219075" cy="228600"/>
+          </a:xfrm>
+          <a:prstGeom prst="ellipse">
+            <a:avLst/>
+          </a:prstGeom>
+        </p:spPr>
+        <p:style>
+          <a:lnRef idx="2">
+            <a:schemeClr val="accent1">
+              <a:shade val="50000"/>
+            </a:schemeClr>
+          </a:lnRef>
+          <a:fillRef idx="1">
+            <a:schemeClr val="accent1"/>
+          </a:fillRef>
+          <a:effectRef idx="0">
+            <a:schemeClr val="accent1"/>
+          </a:effectRef>
+          <a:fontRef idx="minor">
+            <a:schemeClr val="lt1"/>
+          </a:fontRef>
+        </p:style>
+        <p:txBody>
+          <a:bodyPr rtlCol="0" anchor="ctr"/>
+          <a:lstStyle/>
+          <a:p>
+            <a:pPr algn="ctr"/>
+            <a:endParaRPr lang="ru-RU"/>
+          </a:p>
+        </p:txBody>
+      </p:sp>
+      <p:sp>
+        <p:nvSpPr>
+          <p:cNvPr id="43" name="Овал 42"/>
+          <p:cNvSpPr/>
+          <p:nvPr/>
+        </p:nvSpPr>
+        <p:spPr>
+          <a:xfrm rot="16200000">
+            <a:off x="1655282" y="5357816"/>
+            <a:ext cx="219075" cy="228600"/>
+          </a:xfrm>
+          <a:prstGeom prst="ellipse">
+            <a:avLst/>
+          </a:prstGeom>
+        </p:spPr>
+        <p:style>
+          <a:lnRef idx="2">
+            <a:schemeClr val="accent1">
+              <a:shade val="50000"/>
+            </a:schemeClr>
+          </a:lnRef>
+          <a:fillRef idx="1">
+            <a:schemeClr val="accent1"/>
+          </a:fillRef>
+          <a:effectRef idx="0">
+            <a:schemeClr val="accent1"/>
+          </a:effectRef>
+          <a:fontRef idx="minor">
+            <a:schemeClr val="lt1"/>
+          </a:fontRef>
+        </p:style>
+        <p:txBody>
+          <a:bodyPr rtlCol="0" anchor="ctr"/>
+          <a:lstStyle/>
+          <a:p>
+            <a:pPr algn="ctr"/>
+            <a:endParaRPr lang="ru-RU"/>
+          </a:p>
+        </p:txBody>
+      </p:sp>
+      <p:sp>
+        <p:nvSpPr>
+          <p:cNvPr id="44" name="Овал 43"/>
+          <p:cNvSpPr/>
+          <p:nvPr/>
+        </p:nvSpPr>
+        <p:spPr>
+          <a:xfrm rot="16200000">
+            <a:off x="1655284" y="4519616"/>
+            <a:ext cx="219075" cy="228600"/>
+          </a:xfrm>
+          <a:prstGeom prst="ellipse">
+            <a:avLst/>
+          </a:prstGeom>
+        </p:spPr>
+        <p:style>
+          <a:lnRef idx="2">
+            <a:schemeClr val="accent1">
+              <a:shade val="50000"/>
+            </a:schemeClr>
+          </a:lnRef>
+          <a:fillRef idx="1">
+            <a:schemeClr val="accent1"/>
+          </a:fillRef>
+          <a:effectRef idx="0">
+            <a:schemeClr val="accent1"/>
+          </a:effectRef>
+          <a:fontRef idx="minor">
+            <a:schemeClr val="lt1"/>
+          </a:fontRef>
+        </p:style>
+        <p:txBody>
+          <a:bodyPr rtlCol="0" anchor="ctr"/>
+          <a:lstStyle/>
+          <a:p>
+            <a:pPr algn="ctr"/>
+            <a:endParaRPr lang="ru-RU"/>
+          </a:p>
+        </p:txBody>
+      </p:sp>
+      <p:sp>
+        <p:nvSpPr>
+          <p:cNvPr id="50" name="Овал 49"/>
+          <p:cNvSpPr/>
+          <p:nvPr/>
+        </p:nvSpPr>
+        <p:spPr>
+          <a:xfrm rot="16200000">
+            <a:off x="2221738" y="5081590"/>
+            <a:ext cx="219075" cy="228600"/>
+          </a:xfrm>
+          <a:prstGeom prst="ellipse">
+            <a:avLst/>
+          </a:prstGeom>
+        </p:spPr>
+        <p:style>
+          <a:lnRef idx="2">
+            <a:schemeClr val="accent1">
+              <a:shade val="50000"/>
+            </a:schemeClr>
+          </a:lnRef>
+          <a:fillRef idx="1">
+            <a:schemeClr val="accent1"/>
+          </a:fillRef>
+          <a:effectRef idx="0">
+            <a:schemeClr val="accent1"/>
+          </a:effectRef>
+          <a:fontRef idx="minor">
+            <a:schemeClr val="lt1"/>
+          </a:fontRef>
+        </p:style>
+        <p:txBody>
+          <a:bodyPr rtlCol="0" anchor="ctr"/>
+          <a:lstStyle/>
+          <a:p>
+            <a:pPr algn="ctr"/>
+            <a:endParaRPr lang="ru-RU"/>
+          </a:p>
+        </p:txBody>
+      </p:sp>
+      <p:sp>
+        <p:nvSpPr>
+          <p:cNvPr id="51" name="Овал 50"/>
+          <p:cNvSpPr/>
+          <p:nvPr/>
+        </p:nvSpPr>
+        <p:spPr>
+          <a:xfrm rot="16200000">
+            <a:off x="2221740" y="4243389"/>
+            <a:ext cx="219075" cy="228600"/>
+          </a:xfrm>
+          <a:prstGeom prst="ellipse">
+            <a:avLst/>
+          </a:prstGeom>
+        </p:spPr>
+        <p:style>
+          <a:lnRef idx="2">
+            <a:schemeClr val="accent1">
+              <a:shade val="50000"/>
+            </a:schemeClr>
+          </a:lnRef>
+          <a:fillRef idx="1">
+            <a:schemeClr val="accent1"/>
+          </a:fillRef>
+          <a:effectRef idx="0">
+            <a:schemeClr val="accent1"/>
+          </a:effectRef>
+          <a:fontRef idx="minor">
+            <a:schemeClr val="lt1"/>
+          </a:fontRef>
+        </p:style>
+        <p:txBody>
+          <a:bodyPr rtlCol="0" anchor="ctr"/>
+          <a:lstStyle/>
+          <a:p>
+            <a:pPr algn="ctr"/>
+            <a:endParaRPr lang="ru-RU"/>
+          </a:p>
+        </p:txBody>
+      </p:sp>
+      <p:sp>
+        <p:nvSpPr>
+          <p:cNvPr id="57" name="Овал 56"/>
+          <p:cNvSpPr/>
+          <p:nvPr/>
+        </p:nvSpPr>
+        <p:spPr>
+          <a:xfrm>
+            <a:off x="1726721" y="4886328"/>
+            <a:ext cx="219075" cy="228600"/>
+          </a:xfrm>
+          <a:prstGeom prst="ellipse">
+            <a:avLst/>
+          </a:prstGeom>
+          <a:solidFill>
+            <a:srgbClr val="00B050"/>
+          </a:solidFill>
+        </p:spPr>
+        <p:style>
+          <a:lnRef idx="2">
+            <a:schemeClr val="accent1">
+              <a:shade val="50000"/>
+            </a:schemeClr>
+          </a:lnRef>
+          <a:fillRef idx="1">
+            <a:schemeClr val="accent1"/>
+          </a:fillRef>
+          <a:effectRef idx="0">
+            <a:schemeClr val="accent1"/>
+          </a:effectRef>
+          <a:fontRef idx="minor">
+            <a:schemeClr val="lt1"/>
+          </a:fontRef>
+        </p:style>
+        <p:txBody>
+          <a:bodyPr rtlCol="0" anchor="ctr"/>
+          <a:lstStyle/>
+          <a:p>
+            <a:pPr algn="ctr"/>
+            <a:endParaRPr lang="ru-RU"/>
+          </a:p>
+        </p:txBody>
+      </p:sp>
+      <p:sp>
+        <p:nvSpPr>
+          <p:cNvPr id="58" name="Овал 57"/>
+          <p:cNvSpPr/>
+          <p:nvPr/>
+        </p:nvSpPr>
+        <p:spPr>
+          <a:xfrm>
+            <a:off x="2603021" y="4886326"/>
+            <a:ext cx="219075" cy="228600"/>
+          </a:xfrm>
+          <a:prstGeom prst="ellipse">
+            <a:avLst/>
+          </a:prstGeom>
+          <a:solidFill>
+            <a:srgbClr val="00B050"/>
+          </a:solidFill>
+        </p:spPr>
+        <p:style>
+          <a:lnRef idx="2">
+            <a:schemeClr val="accent1">
+              <a:shade val="50000"/>
+            </a:schemeClr>
+          </a:lnRef>
+          <a:fillRef idx="1">
+            <a:schemeClr val="accent1"/>
+          </a:fillRef>
+          <a:effectRef idx="0">
+            <a:schemeClr val="accent1"/>
+          </a:effectRef>
+          <a:fontRef idx="minor">
+            <a:schemeClr val="lt1"/>
+          </a:fontRef>
+        </p:style>
+        <p:txBody>
+          <a:bodyPr rtlCol="0" anchor="ctr"/>
+          <a:lstStyle/>
+          <a:p>
+            <a:pPr algn="ctr"/>
+            <a:endParaRPr lang="ru-RU"/>
+          </a:p>
+        </p:txBody>
+      </p:sp>
+      <p:sp>
+        <p:nvSpPr>
+          <p:cNvPr id="59" name="Овал 58"/>
+          <p:cNvSpPr/>
+          <p:nvPr/>
+        </p:nvSpPr>
+        <p:spPr>
+          <a:xfrm>
+            <a:off x="3393596" y="4886326"/>
+            <a:ext cx="219075" cy="228600"/>
+          </a:xfrm>
+          <a:prstGeom prst="ellipse">
+            <a:avLst/>
+          </a:prstGeom>
+          <a:solidFill>
+            <a:srgbClr val="00B050"/>
+          </a:solidFill>
+        </p:spPr>
+        <p:style>
+          <a:lnRef idx="2">
+            <a:schemeClr val="accent1">
+              <a:shade val="50000"/>
+            </a:schemeClr>
+          </a:lnRef>
+          <a:fillRef idx="1">
+            <a:schemeClr val="accent1"/>
+          </a:fillRef>
+          <a:effectRef idx="0">
+            <a:schemeClr val="accent1"/>
+          </a:effectRef>
+          <a:fontRef idx="minor">
+            <a:schemeClr val="lt1"/>
+          </a:fontRef>
+        </p:style>
+        <p:txBody>
+          <a:bodyPr rtlCol="0" anchor="ctr"/>
+          <a:lstStyle/>
+          <a:p>
+            <a:pPr algn="ctr"/>
+            <a:endParaRPr lang="ru-RU"/>
+          </a:p>
+        </p:txBody>
+      </p:sp>
+      <p:sp>
+        <p:nvSpPr>
+          <p:cNvPr id="60" name="Овал 59"/>
+          <p:cNvSpPr/>
+          <p:nvPr/>
+        </p:nvSpPr>
+        <p:spPr>
+          <a:xfrm>
+            <a:off x="4231796" y="4886328"/>
+            <a:ext cx="219075" cy="228600"/>
+          </a:xfrm>
+          <a:prstGeom prst="ellipse">
+            <a:avLst/>
+          </a:prstGeom>
+          <a:solidFill>
+            <a:srgbClr val="00B050"/>
+          </a:solidFill>
+        </p:spPr>
+        <p:style>
+          <a:lnRef idx="2">
+            <a:schemeClr val="accent1">
+              <a:shade val="50000"/>
+            </a:schemeClr>
+          </a:lnRef>
+          <a:fillRef idx="1">
+            <a:schemeClr val="accent1"/>
+          </a:fillRef>
+          <a:effectRef idx="0">
+            <a:schemeClr val="accent1"/>
+          </a:effectRef>
+          <a:fontRef idx="minor">
+            <a:schemeClr val="lt1"/>
+          </a:fontRef>
+        </p:style>
+        <p:txBody>
+          <a:bodyPr rtlCol="0" anchor="ctr"/>
+          <a:lstStyle/>
+          <a:p>
+            <a:pPr algn="ctr"/>
+            <a:endParaRPr lang="ru-RU"/>
+          </a:p>
+        </p:txBody>
+      </p:sp>
+      <p:sp>
+        <p:nvSpPr>
+          <p:cNvPr id="61" name="Овал 60"/>
+          <p:cNvSpPr/>
+          <p:nvPr/>
+        </p:nvSpPr>
+        <p:spPr>
+          <a:xfrm>
+            <a:off x="5108096" y="4886326"/>
+            <a:ext cx="219075" cy="228600"/>
+          </a:xfrm>
+          <a:prstGeom prst="ellipse">
+            <a:avLst/>
+          </a:prstGeom>
+          <a:solidFill>
+            <a:srgbClr val="00B050"/>
+          </a:solidFill>
+        </p:spPr>
+        <p:style>
+          <a:lnRef idx="2">
+            <a:schemeClr val="accent1">
+              <a:shade val="50000"/>
+            </a:schemeClr>
+          </a:lnRef>
+          <a:fillRef idx="1">
+            <a:schemeClr val="accent1"/>
+          </a:fillRef>
+          <a:effectRef idx="0">
+            <a:schemeClr val="accent1"/>
+          </a:effectRef>
+          <a:fontRef idx="minor">
+            <a:schemeClr val="lt1"/>
+          </a:fontRef>
+        </p:style>
+        <p:txBody>
+          <a:bodyPr rtlCol="0" anchor="ctr"/>
+          <a:lstStyle/>
+          <a:p>
+            <a:pPr algn="ctr"/>
+            <a:endParaRPr lang="ru-RU"/>
+          </a:p>
+        </p:txBody>
+      </p:sp>
+      <p:sp>
+        <p:nvSpPr>
+          <p:cNvPr id="62" name="Овал 61"/>
+          <p:cNvSpPr/>
+          <p:nvPr/>
+        </p:nvSpPr>
+        <p:spPr>
+          <a:xfrm>
+            <a:off x="3064702" y="4276729"/>
+            <a:ext cx="219075" cy="228600"/>
+          </a:xfrm>
+          <a:prstGeom prst="ellipse">
+            <a:avLst/>
+          </a:prstGeom>
+          <a:solidFill>
+            <a:srgbClr val="00B050"/>
+          </a:solidFill>
+        </p:spPr>
+        <p:style>
+          <a:lnRef idx="2">
+            <a:schemeClr val="accent1">
+              <a:shade val="50000"/>
+            </a:schemeClr>
+          </a:lnRef>
+          <a:fillRef idx="1">
+            <a:schemeClr val="accent1"/>
+          </a:fillRef>
+          <a:effectRef idx="0">
+            <a:schemeClr val="accent1"/>
+          </a:effectRef>
+          <a:fontRef idx="minor">
+            <a:schemeClr val="lt1"/>
+          </a:fontRef>
+        </p:style>
+        <p:txBody>
+          <a:bodyPr rtlCol="0" anchor="ctr"/>
+          <a:lstStyle/>
+          <a:p>
+            <a:pPr algn="ctr"/>
+            <a:endParaRPr lang="ru-RU"/>
+          </a:p>
+        </p:txBody>
+      </p:sp>
+      <p:sp>
+        <p:nvSpPr>
+          <p:cNvPr id="63" name="Овал 62"/>
+          <p:cNvSpPr/>
+          <p:nvPr/>
+        </p:nvSpPr>
+        <p:spPr>
+          <a:xfrm>
+            <a:off x="3941002" y="4276727"/>
+            <a:ext cx="219075" cy="228600"/>
+          </a:xfrm>
+          <a:prstGeom prst="ellipse">
+            <a:avLst/>
+          </a:prstGeom>
+          <a:solidFill>
+            <a:srgbClr val="00B050"/>
+          </a:solidFill>
+        </p:spPr>
+        <p:style>
+          <a:lnRef idx="2">
+            <a:schemeClr val="accent1">
+              <a:shade val="50000"/>
+            </a:schemeClr>
+          </a:lnRef>
+          <a:fillRef idx="1">
+            <a:schemeClr val="accent1"/>
+          </a:fillRef>
+          <a:effectRef idx="0">
+            <a:schemeClr val="accent1"/>
+          </a:effectRef>
+          <a:fontRef idx="minor">
+            <a:schemeClr val="lt1"/>
+          </a:fontRef>
+        </p:style>
+        <p:txBody>
+          <a:bodyPr rtlCol="0" anchor="ctr"/>
+          <a:lstStyle/>
+          <a:p>
+            <a:pPr algn="ctr"/>
+            <a:endParaRPr lang="ru-RU"/>
+          </a:p>
+        </p:txBody>
+      </p:sp>
+      <p:sp>
+        <p:nvSpPr>
+          <p:cNvPr id="64" name="Овал 63"/>
+          <p:cNvSpPr/>
+          <p:nvPr/>
+        </p:nvSpPr>
+        <p:spPr>
+          <a:xfrm>
+            <a:off x="4731577" y="4276727"/>
+            <a:ext cx="219075" cy="228600"/>
+          </a:xfrm>
+          <a:prstGeom prst="ellipse">
+            <a:avLst/>
+          </a:prstGeom>
+          <a:solidFill>
+            <a:srgbClr val="00B050"/>
+          </a:solidFill>
+        </p:spPr>
+        <p:style>
+          <a:lnRef idx="2">
+            <a:schemeClr val="accent1">
+              <a:shade val="50000"/>
+            </a:schemeClr>
+          </a:lnRef>
+          <a:fillRef idx="1">
+            <a:schemeClr val="accent1"/>
+          </a:fillRef>
+          <a:effectRef idx="0">
+            <a:schemeClr val="accent1"/>
+          </a:effectRef>
+          <a:fontRef idx="minor">
+            <a:schemeClr val="lt1"/>
+          </a:fontRef>
+        </p:style>
+        <p:txBody>
+          <a:bodyPr rtlCol="0" anchor="ctr"/>
+          <a:lstStyle/>
+          <a:p>
+            <a:pPr algn="ctr"/>
+            <a:endParaRPr lang="ru-RU"/>
+          </a:p>
+        </p:txBody>
+      </p:sp>
+      <p:sp>
+        <p:nvSpPr>
+          <p:cNvPr id="65" name="Овал 64"/>
+          <p:cNvSpPr/>
+          <p:nvPr/>
+        </p:nvSpPr>
+        <p:spPr>
+          <a:xfrm>
+            <a:off x="5569777" y="4276729"/>
+            <a:ext cx="219075" cy="228600"/>
+          </a:xfrm>
+          <a:prstGeom prst="ellipse">
+            <a:avLst/>
+          </a:prstGeom>
+          <a:solidFill>
+            <a:srgbClr val="00B050"/>
+          </a:solidFill>
+        </p:spPr>
+        <p:style>
+          <a:lnRef idx="2">
+            <a:schemeClr val="accent1">
+              <a:shade val="50000"/>
+            </a:schemeClr>
+          </a:lnRef>
+          <a:fillRef idx="1">
+            <a:schemeClr val="accent1"/>
+          </a:fillRef>
+          <a:effectRef idx="0">
+            <a:schemeClr val="accent1"/>
+          </a:effectRef>
+          <a:fontRef idx="minor">
+            <a:schemeClr val="lt1"/>
+          </a:fontRef>
+        </p:style>
+        <p:txBody>
+          <a:bodyPr rtlCol="0" anchor="ctr"/>
+          <a:lstStyle/>
+          <a:p>
+            <a:pPr algn="ctr"/>
+            <a:endParaRPr lang="ru-RU"/>
+          </a:p>
+        </p:txBody>
+      </p:sp>
+      <p:sp>
+        <p:nvSpPr>
+          <p:cNvPr id="66" name="Овал 65"/>
+          <p:cNvSpPr/>
+          <p:nvPr/>
+        </p:nvSpPr>
+        <p:spPr>
+          <a:xfrm>
+            <a:off x="6446077" y="4276727"/>
+            <a:ext cx="219075" cy="228600"/>
+          </a:xfrm>
+          <a:prstGeom prst="ellipse">
+            <a:avLst/>
+          </a:prstGeom>
+          <a:solidFill>
+            <a:srgbClr val="00B050"/>
+          </a:solidFill>
+        </p:spPr>
+        <p:style>
+          <a:lnRef idx="2">
+            <a:schemeClr val="accent1">
+              <a:shade val="50000"/>
+            </a:schemeClr>
+          </a:lnRef>
+          <a:fillRef idx="1">
+            <a:schemeClr val="accent1"/>
+          </a:fillRef>
+          <a:effectRef idx="0">
+            <a:schemeClr val="accent1"/>
+          </a:effectRef>
+          <a:fontRef idx="minor">
+            <a:schemeClr val="lt1"/>
+          </a:fontRef>
+        </p:style>
+        <p:txBody>
+          <a:bodyPr rtlCol="0" anchor="ctr"/>
+          <a:lstStyle/>
+          <a:p>
+            <a:pPr algn="ctr"/>
+            <a:endParaRPr lang="ru-RU"/>
           </a:p>
         </p:txBody>
       </p:sp>
     </p:spTree>
     <p:extLst>
       <p:ext uri="{BB962C8B-B14F-4D97-AF65-F5344CB8AC3E}">
-        <p14:creationId xmlns:p14="http://schemas.microsoft.com/office/powerpoint/2010/main" val="452639538"/>
+        <p14:creationId xmlns:p14="http://schemas.microsoft.com/office/powerpoint/2010/main" val="758353204"/>
       </p:ext>
     </p:extLst>
   </p:cSld>
@@ -6028,828 +8200,408 @@
       </p:grpSpPr>
       <p:sp>
         <p:nvSpPr>
-          <p:cNvPr id="4" name="Прямоугольник 3">
-            <a:extLst>
-              <a:ext uri="{FF2B5EF4-FFF2-40B4-BE49-F238E27FC236}">
-                <a16:creationId xmlns:a16="http://schemas.microsoft.com/office/drawing/2014/main" xmlns="" id="{88213514-88D4-4F0B-BF13-41739D4D2F0E}"/>
-              </a:ext>
-            </a:extLst>
-          </p:cNvPr>
-          <p:cNvSpPr/>
-          <p:nvPr/>
+          <p:cNvPr id="2" name="Заголовок 1"/>
+          <p:cNvSpPr>
+            <a:spLocks noGrp="1"/>
+          </p:cNvSpPr>
+          <p:nvPr>
+            <p:ph type="title"/>
+          </p:nvPr>
         </p:nvSpPr>
         <p:spPr>
           <a:xfrm>
-            <a:off x="1490767" y="1230616"/>
-            <a:ext cx="9667227" cy="5016758"/>
+            <a:off x="609600" y="198438"/>
+            <a:ext cx="10972800" cy="1143000"/>
           </a:xfrm>
-          <a:prstGeom prst="rect">
-            <a:avLst/>
-          </a:prstGeom>
         </p:spPr>
         <p:txBody>
-          <a:bodyPr wrap="square">
-            <a:spAutoFit/>
+          <a:bodyPr>
+            <a:normAutofit fontScale="90000"/>
           </a:bodyPr>
           <a:lstStyle/>
           <a:p>
             <a:r>
-              <a:rPr lang="fr-FR" sz="2000" dirty="0">
-                <a:solidFill>
-                  <a:srgbClr val="6F008A"/>
-                </a:solidFill>
-                <a:latin typeface="Consolas" panose="020B0609020204030204" pitchFamily="49" charset="0"/>
-              </a:rPr>
-              <a:t>__global__</a:t>
-            </a:r>
-            <a:r>
-              <a:rPr lang="fr-FR" sz="2000" dirty="0">
-                <a:solidFill>
-                  <a:srgbClr val="000000"/>
-                </a:solidFill>
-                <a:latin typeface="Consolas" panose="020B0609020204030204" pitchFamily="49" charset="0"/>
+              <a:rPr lang="ru-RU" dirty="0" smtClean="0">
+                <a:latin typeface="Times New Roman" pitchFamily="18" charset="0"/>
+                <a:cs typeface="Times New Roman" pitchFamily="18" charset="0"/>
+              </a:rPr>
+              <a:t>Основные этапы вычислений попеременно-треугольным методом</a:t>
+            </a:r>
+            <a:endParaRPr lang="ru-RU" dirty="0">
+              <a:latin typeface="Times New Roman" pitchFamily="18" charset="0"/>
+              <a:cs typeface="Times New Roman" pitchFamily="18" charset="0"/>
+            </a:endParaRPr>
+          </a:p>
+        </p:txBody>
+      </p:sp>
+      <p:sp>
+        <p:nvSpPr>
+          <p:cNvPr id="3" name="Объект 2"/>
+          <p:cNvSpPr>
+            <a:spLocks noGrp="1"/>
+          </p:cNvSpPr>
+          <p:nvPr>
+            <p:ph idx="1"/>
+          </p:nvPr>
+        </p:nvSpPr>
+        <p:spPr>
+          <a:xfrm>
+            <a:off x="609600" y="1914528"/>
+            <a:ext cx="10972800" cy="3390897"/>
+          </a:xfrm>
+        </p:spPr>
+        <p:txBody>
+          <a:bodyPr/>
+          <a:lstStyle/>
+          <a:p>
+            <a:r>
+              <a:rPr lang="ru-RU" dirty="0" smtClean="0">
+                <a:latin typeface="Times New Roman" pitchFamily="18" charset="0"/>
+                <a:cs typeface="Times New Roman" pitchFamily="18" charset="0"/>
+              </a:rPr>
+              <a:t>Вычисление</a:t>
+            </a:r>
+            <a:r>
+              <a:rPr lang="en-US" dirty="0" smtClean="0">
+                <a:latin typeface="Times New Roman" pitchFamily="18" charset="0"/>
+                <a:cs typeface="Times New Roman" pitchFamily="18" charset="0"/>
               </a:rPr>
               <a:t> </a:t>
             </a:r>
             <a:r>
-              <a:rPr lang="fr-FR" sz="2000" dirty="0">
-                <a:solidFill>
-                  <a:srgbClr val="0000FF"/>
-                </a:solidFill>
-                <a:latin typeface="Consolas" panose="020B0609020204030204" pitchFamily="49" charset="0"/>
-              </a:rPr>
-              <a:t>void</a:t>
-            </a:r>
-            <a:r>
-              <a:rPr lang="fr-FR" sz="2000" dirty="0">
-                <a:solidFill>
-                  <a:srgbClr val="000000"/>
-                </a:solidFill>
-                <a:latin typeface="Consolas" panose="020B0609020204030204" pitchFamily="49" charset="0"/>
-              </a:rPr>
-              <a:t> ptmKernel3(</a:t>
-            </a:r>
-            <a:r>
-              <a:rPr lang="fr-FR" sz="2000" dirty="0">
-                <a:solidFill>
-                  <a:srgbClr val="0000FF"/>
-                </a:solidFill>
-                <a:latin typeface="Consolas" panose="020B0609020204030204" pitchFamily="49" charset="0"/>
-              </a:rPr>
-              <a:t>double</a:t>
-            </a:r>
-            <a:r>
-              <a:rPr lang="fr-FR" sz="2000" dirty="0">
-                <a:solidFill>
-                  <a:srgbClr val="000000"/>
-                </a:solidFill>
-                <a:latin typeface="Consolas" panose="020B0609020204030204" pitchFamily="49" charset="0"/>
-              </a:rPr>
-              <a:t>* </a:t>
-            </a:r>
-            <a:r>
-              <a:rPr lang="fr-FR" sz="2000" dirty="0">
-                <a:solidFill>
-                  <a:srgbClr val="808080"/>
-                </a:solidFill>
-                <a:latin typeface="Consolas" panose="020B0609020204030204" pitchFamily="49" charset="0"/>
-              </a:rPr>
-              <a:t>r</a:t>
-            </a:r>
-            <a:r>
-              <a:rPr lang="fr-FR" sz="2000" dirty="0">
-                <a:solidFill>
-                  <a:srgbClr val="000000"/>
-                </a:solidFill>
-                <a:latin typeface="Consolas" panose="020B0609020204030204" pitchFamily="49" charset="0"/>
-              </a:rPr>
-              <a:t>, </a:t>
-            </a:r>
-            <a:r>
-              <a:rPr lang="fr-FR" sz="2000" dirty="0">
-                <a:solidFill>
-                  <a:srgbClr val="0000FF"/>
-                </a:solidFill>
-                <a:latin typeface="Consolas" panose="020B0609020204030204" pitchFamily="49" charset="0"/>
-              </a:rPr>
-              <a:t>double</a:t>
-            </a:r>
-            <a:r>
-              <a:rPr lang="fr-FR" sz="2000" dirty="0">
-                <a:solidFill>
-                  <a:srgbClr val="000000"/>
-                </a:solidFill>
-                <a:latin typeface="Consolas" panose="020B0609020204030204" pitchFamily="49" charset="0"/>
-              </a:rPr>
-              <a:t>* </a:t>
-            </a:r>
-            <a:r>
-              <a:rPr lang="fr-FR" sz="2000" dirty="0">
-                <a:solidFill>
-                  <a:srgbClr val="808080"/>
-                </a:solidFill>
-                <a:latin typeface="Consolas" panose="020B0609020204030204" pitchFamily="49" charset="0"/>
-              </a:rPr>
-              <a:t>c0</a:t>
-            </a:r>
-            <a:r>
-              <a:rPr lang="fr-FR" sz="2000" dirty="0">
-                <a:solidFill>
-                  <a:srgbClr val="000000"/>
-                </a:solidFill>
-                <a:latin typeface="Consolas" panose="020B0609020204030204" pitchFamily="49" charset="0"/>
-              </a:rPr>
-              <a:t>, </a:t>
-            </a:r>
-            <a:r>
-              <a:rPr lang="fr-FR" sz="2000" dirty="0">
-                <a:solidFill>
-                  <a:srgbClr val="0000FF"/>
-                </a:solidFill>
-                <a:latin typeface="Consolas" panose="020B0609020204030204" pitchFamily="49" charset="0"/>
-              </a:rPr>
-              <a:t>double</a:t>
-            </a:r>
-            <a:r>
-              <a:rPr lang="fr-FR" sz="2000" dirty="0">
-                <a:solidFill>
-                  <a:srgbClr val="000000"/>
-                </a:solidFill>
-                <a:latin typeface="Consolas" panose="020B0609020204030204" pitchFamily="49" charset="0"/>
-              </a:rPr>
-              <a:t>* </a:t>
-            </a:r>
-            <a:r>
-              <a:rPr lang="fr-FR" sz="2000" dirty="0">
-                <a:solidFill>
-                  <a:srgbClr val="808080"/>
-                </a:solidFill>
-                <a:latin typeface="Consolas" panose="020B0609020204030204" pitchFamily="49" charset="0"/>
-              </a:rPr>
-              <a:t>c2</a:t>
-            </a:r>
-            <a:r>
-              <a:rPr lang="fr-FR" sz="2000" dirty="0">
-                <a:solidFill>
-                  <a:srgbClr val="000000"/>
-                </a:solidFill>
-                <a:latin typeface="Consolas" panose="020B0609020204030204" pitchFamily="49" charset="0"/>
-              </a:rPr>
-              <a:t>,</a:t>
-            </a:r>
-          </a:p>
-          <a:p>
-            <a:r>
-              <a:rPr lang="fr-FR" sz="2000" dirty="0">
-                <a:solidFill>
-                  <a:srgbClr val="0000FF"/>
-                </a:solidFill>
-                <a:latin typeface="Consolas" panose="020B0609020204030204" pitchFamily="49" charset="0"/>
-              </a:rPr>
-              <a:t>double</a:t>
-            </a:r>
-            <a:r>
-              <a:rPr lang="fr-FR" sz="2000" dirty="0">
-                <a:solidFill>
-                  <a:srgbClr val="000000"/>
-                </a:solidFill>
-                <a:latin typeface="Consolas" panose="020B0609020204030204" pitchFamily="49" charset="0"/>
-              </a:rPr>
-              <a:t>* </a:t>
-            </a:r>
-            <a:r>
-              <a:rPr lang="fr-FR" sz="2000" dirty="0">
-                <a:solidFill>
-                  <a:srgbClr val="808080"/>
-                </a:solidFill>
-                <a:latin typeface="Consolas" panose="020B0609020204030204" pitchFamily="49" charset="0"/>
-              </a:rPr>
-              <a:t>c4</a:t>
-            </a:r>
-            <a:r>
-              <a:rPr lang="fr-FR" sz="2000" dirty="0">
-                <a:solidFill>
-                  <a:srgbClr val="000000"/>
-                </a:solidFill>
-                <a:latin typeface="Consolas" panose="020B0609020204030204" pitchFamily="49" charset="0"/>
-              </a:rPr>
-              <a:t>, </a:t>
-            </a:r>
-            <a:r>
-              <a:rPr lang="fr-FR" sz="2000" dirty="0">
-                <a:solidFill>
-                  <a:srgbClr val="0000FF"/>
-                </a:solidFill>
-                <a:latin typeface="Consolas" panose="020B0609020204030204" pitchFamily="49" charset="0"/>
-              </a:rPr>
-              <a:t>double</a:t>
-            </a:r>
-            <a:r>
-              <a:rPr lang="fr-FR" sz="2000" dirty="0">
-                <a:solidFill>
-                  <a:srgbClr val="000000"/>
-                </a:solidFill>
-                <a:latin typeface="Consolas" panose="020B0609020204030204" pitchFamily="49" charset="0"/>
-              </a:rPr>
-              <a:t>* </a:t>
-            </a:r>
-            <a:r>
-              <a:rPr lang="fr-FR" sz="2000" dirty="0">
-                <a:solidFill>
-                  <a:srgbClr val="808080"/>
-                </a:solidFill>
-                <a:latin typeface="Consolas" panose="020B0609020204030204" pitchFamily="49" charset="0"/>
-              </a:rPr>
-              <a:t>c6</a:t>
-            </a:r>
-            <a:r>
-              <a:rPr lang="fr-FR" sz="2000" dirty="0">
-                <a:solidFill>
-                  <a:srgbClr val="000000"/>
-                </a:solidFill>
-                <a:latin typeface="Consolas" panose="020B0609020204030204" pitchFamily="49" charset="0"/>
-              </a:rPr>
-              <a:t>, </a:t>
-            </a:r>
-            <a:r>
-              <a:rPr lang="fr-FR" sz="2000" dirty="0">
-                <a:solidFill>
-                  <a:srgbClr val="0000FF"/>
-                </a:solidFill>
-                <a:latin typeface="Consolas" panose="020B0609020204030204" pitchFamily="49" charset="0"/>
-              </a:rPr>
-              <a:t>double</a:t>
-            </a:r>
-            <a:r>
-              <a:rPr lang="fr-FR" sz="2000" dirty="0">
-                <a:solidFill>
-                  <a:srgbClr val="000000"/>
-                </a:solidFill>
-                <a:latin typeface="Consolas" panose="020B0609020204030204" pitchFamily="49" charset="0"/>
+              <a:rPr lang="ru-RU" dirty="0" smtClean="0">
+                <a:latin typeface="Times New Roman" pitchFamily="18" charset="0"/>
+                <a:cs typeface="Times New Roman" pitchFamily="18" charset="0"/>
+              </a:rPr>
+              <a:t>вектора невязки</a:t>
+            </a:r>
+            <a:r>
+              <a:rPr lang="en-US" dirty="0" smtClean="0">
+                <a:latin typeface="Times New Roman" pitchFamily="18" charset="0"/>
+                <a:cs typeface="Times New Roman" pitchFamily="18" charset="0"/>
               </a:rPr>
               <a:t> </a:t>
             </a:r>
             <a:r>
-              <a:rPr lang="fr-FR" sz="2000" dirty="0">
-                <a:solidFill>
-                  <a:srgbClr val="808080"/>
-                </a:solidFill>
-                <a:latin typeface="Consolas" panose="020B0609020204030204" pitchFamily="49" charset="0"/>
-              </a:rPr>
-              <a:t>omega</a:t>
-            </a:r>
-            <a:r>
-              <a:rPr lang="fr-FR" sz="2000" dirty="0">
-                <a:solidFill>
-                  <a:srgbClr val="000000"/>
-                </a:solidFill>
-                <a:latin typeface="Consolas" panose="020B0609020204030204" pitchFamily="49" charset="0"/>
+              <a:rPr lang="ru-RU" dirty="0">
+                <a:latin typeface="Times New Roman" pitchFamily="18" charset="0"/>
+                <a:cs typeface="Times New Roman" pitchFamily="18" charset="0"/>
+              </a:rPr>
+              <a:t>–</a:t>
+            </a:r>
+            <a:r>
+              <a:rPr lang="ru-RU" dirty="0" smtClean="0">
+                <a:latin typeface="Times New Roman" pitchFamily="18" charset="0"/>
+                <a:cs typeface="Times New Roman" pitchFamily="18" charset="0"/>
+              </a:rPr>
+              <a:t> 1,73 %</a:t>
+            </a:r>
+          </a:p>
+          <a:p>
+            <a:r>
+              <a:rPr lang="ru-RU" b="1" dirty="0" smtClean="0">
+                <a:latin typeface="Times New Roman" pitchFamily="18" charset="0"/>
+                <a:cs typeface="Times New Roman" pitchFamily="18" charset="0"/>
+              </a:rPr>
+              <a:t>Проход от (1,1,1) до (</a:t>
+            </a:r>
+            <a:r>
+              <a:rPr lang="en-US" b="1" i="1" dirty="0" smtClean="0">
+                <a:latin typeface="Times New Roman" pitchFamily="18" charset="0"/>
+                <a:cs typeface="Times New Roman" pitchFamily="18" charset="0"/>
+              </a:rPr>
+              <a:t>N</a:t>
+            </a:r>
+            <a:r>
+              <a:rPr lang="en-US" b="1" i="1" baseline="-25000" dirty="0" smtClean="0">
+                <a:latin typeface="Times New Roman" pitchFamily="18" charset="0"/>
+                <a:cs typeface="Times New Roman" pitchFamily="18" charset="0"/>
+              </a:rPr>
+              <a:t>x</a:t>
+            </a:r>
+            <a:r>
+              <a:rPr lang="en-US" b="1" dirty="0" smtClean="0">
+                <a:latin typeface="Times New Roman" pitchFamily="18" charset="0"/>
+                <a:cs typeface="Times New Roman" pitchFamily="18" charset="0"/>
+              </a:rPr>
+              <a:t>-1,</a:t>
+            </a:r>
+            <a:r>
+              <a:rPr lang="en-US" b="1" dirty="0">
+                <a:latin typeface="Times New Roman" pitchFamily="18" charset="0"/>
+                <a:cs typeface="Times New Roman" pitchFamily="18" charset="0"/>
+              </a:rPr>
+              <a:t> </a:t>
+            </a:r>
+            <a:r>
+              <a:rPr lang="en-US" b="1" i="1" dirty="0" smtClean="0">
+                <a:latin typeface="Times New Roman" pitchFamily="18" charset="0"/>
+                <a:cs typeface="Times New Roman" pitchFamily="18" charset="0"/>
+              </a:rPr>
+              <a:t>N</a:t>
+            </a:r>
+            <a:r>
+              <a:rPr lang="en-US" b="1" i="1" baseline="-25000" dirty="0" smtClean="0">
+                <a:latin typeface="Times New Roman" pitchFamily="18" charset="0"/>
+                <a:cs typeface="Times New Roman" pitchFamily="18" charset="0"/>
+              </a:rPr>
+              <a:t>y</a:t>
+            </a:r>
+            <a:r>
+              <a:rPr lang="en-US" b="1" dirty="0" smtClean="0">
+                <a:latin typeface="Times New Roman" pitchFamily="18" charset="0"/>
+                <a:cs typeface="Times New Roman" pitchFamily="18" charset="0"/>
+              </a:rPr>
+              <a:t>-1,</a:t>
+            </a:r>
+            <a:r>
+              <a:rPr lang="en-US" b="1" dirty="0">
+                <a:latin typeface="Times New Roman" pitchFamily="18" charset="0"/>
+                <a:cs typeface="Times New Roman" pitchFamily="18" charset="0"/>
+              </a:rPr>
+              <a:t> </a:t>
+            </a:r>
+            <a:r>
+              <a:rPr lang="en-US" b="1" i="1" dirty="0" smtClean="0">
+                <a:latin typeface="Times New Roman" pitchFamily="18" charset="0"/>
+                <a:cs typeface="Times New Roman" pitchFamily="18" charset="0"/>
+              </a:rPr>
+              <a:t>N</a:t>
+            </a:r>
+            <a:r>
+              <a:rPr lang="en-US" b="1" i="1" baseline="-25000" dirty="0" smtClean="0">
+                <a:latin typeface="Times New Roman" pitchFamily="18" charset="0"/>
+                <a:cs typeface="Times New Roman" pitchFamily="18" charset="0"/>
+              </a:rPr>
+              <a:t>z</a:t>
+            </a:r>
+            <a:r>
+              <a:rPr lang="en-US" b="1" dirty="0" smtClean="0">
+                <a:latin typeface="Times New Roman" pitchFamily="18" charset="0"/>
+                <a:cs typeface="Times New Roman" pitchFamily="18" charset="0"/>
+              </a:rPr>
+              <a:t>-1</a:t>
+            </a:r>
+            <a:r>
+              <a:rPr lang="ru-RU" b="1" dirty="0" smtClean="0">
+                <a:latin typeface="Times New Roman" pitchFamily="18" charset="0"/>
+                <a:cs typeface="Times New Roman" pitchFamily="18" charset="0"/>
               </a:rPr>
               <a:t>)</a:t>
             </a:r>
-          </a:p>
-          <a:p>
-            <a:r>
-              <a:rPr lang="ru-RU" sz="2000" dirty="0">
-                <a:solidFill>
-                  <a:srgbClr val="000000"/>
-                </a:solidFill>
-                <a:latin typeface="Consolas" panose="020B0609020204030204" pitchFamily="49" charset="0"/>
-              </a:rPr>
-              <a:t>{</a:t>
-            </a:r>
-          </a:p>
-          <a:p>
-            <a:r>
-              <a:rPr lang="en-US" sz="2000" dirty="0">
-                <a:solidFill>
-                  <a:srgbClr val="000000"/>
-                </a:solidFill>
-                <a:latin typeface="Consolas" panose="020B0609020204030204" pitchFamily="49" charset="0"/>
-              </a:rPr>
-              <a:t>    </a:t>
-            </a:r>
-            <a:r>
-              <a:rPr lang="en-US" sz="2000" dirty="0">
-                <a:solidFill>
-                  <a:srgbClr val="6F008A"/>
-                </a:solidFill>
-                <a:latin typeface="Consolas" panose="020B0609020204030204" pitchFamily="49" charset="0"/>
-              </a:rPr>
-              <a:t>__shared__</a:t>
-            </a:r>
-            <a:r>
-              <a:rPr lang="en-US" sz="2000" dirty="0">
-                <a:solidFill>
-                  <a:srgbClr val="000000"/>
-                </a:solidFill>
-                <a:latin typeface="Consolas" panose="020B0609020204030204" pitchFamily="49" charset="0"/>
+            <a:r>
+              <a:rPr lang="en-US" b="1" dirty="0" smtClean="0">
+                <a:latin typeface="Times New Roman" pitchFamily="18" charset="0"/>
+                <a:cs typeface="Times New Roman" pitchFamily="18" charset="0"/>
               </a:rPr>
               <a:t> </a:t>
             </a:r>
             <a:r>
-              <a:rPr lang="en-US" sz="2000" dirty="0">
-                <a:solidFill>
-                  <a:srgbClr val="0000FF"/>
-                </a:solidFill>
-                <a:latin typeface="Consolas" panose="020B0609020204030204" pitchFamily="49" charset="0"/>
-              </a:rPr>
-              <a:t>double</a:t>
-            </a:r>
-            <a:r>
-              <a:rPr lang="en-US" sz="2000" dirty="0">
-                <a:solidFill>
-                  <a:srgbClr val="000000"/>
-                </a:solidFill>
-                <a:latin typeface="Consolas" panose="020B0609020204030204" pitchFamily="49" charset="0"/>
-              </a:rPr>
-              <a:t> cache[</a:t>
-            </a:r>
-            <a:r>
-              <a:rPr lang="en-US" sz="2000" dirty="0" err="1">
-                <a:solidFill>
-                  <a:srgbClr val="6F008A"/>
-                </a:solidFill>
-                <a:latin typeface="Consolas" panose="020B0609020204030204" pitchFamily="49" charset="0"/>
-              </a:rPr>
-              <a:t>BlockSizeX</a:t>
-            </a:r>
-            <a:r>
-              <a:rPr lang="en-US" sz="2000" dirty="0" smtClean="0">
-                <a:solidFill>
-                  <a:srgbClr val="000000"/>
-                </a:solidFill>
-                <a:latin typeface="Consolas" panose="020B0609020204030204" pitchFamily="49" charset="0"/>
-              </a:rPr>
-              <a:t>][</a:t>
-            </a:r>
-            <a:r>
-              <a:rPr lang="en-US" sz="2000" dirty="0" smtClean="0">
-                <a:solidFill>
-                  <a:srgbClr val="6F008A"/>
-                </a:solidFill>
-                <a:latin typeface="Consolas" panose="020B0609020204030204" pitchFamily="49" charset="0"/>
-              </a:rPr>
-              <a:t>BlockSizeZ</a:t>
-            </a:r>
-            <a:r>
-              <a:rPr lang="en-US" sz="2000" dirty="0" smtClean="0">
-                <a:solidFill>
-                  <a:srgbClr val="000000"/>
-                </a:solidFill>
-                <a:latin typeface="Consolas" panose="020B0609020204030204" pitchFamily="49" charset="0"/>
-              </a:rPr>
-              <a:t>];</a:t>
-            </a:r>
-            <a:endParaRPr lang="en-US" sz="2000" dirty="0">
-              <a:solidFill>
-                <a:srgbClr val="000000"/>
-              </a:solidFill>
-              <a:latin typeface="Consolas" panose="020B0609020204030204" pitchFamily="49" charset="0"/>
+              <a:rPr lang="ru-RU" b="1" dirty="0">
+                <a:latin typeface="Times New Roman" pitchFamily="18" charset="0"/>
+                <a:cs typeface="Times New Roman" pitchFamily="18" charset="0"/>
+              </a:rPr>
+              <a:t>–</a:t>
+            </a:r>
+            <a:r>
+              <a:rPr lang="en-US" b="1" dirty="0" smtClean="0">
+                <a:latin typeface="Times New Roman" pitchFamily="18" charset="0"/>
+                <a:cs typeface="Times New Roman" pitchFamily="18" charset="0"/>
+              </a:rPr>
+              <a:t> </a:t>
+            </a:r>
+            <a:r>
+              <a:rPr lang="ru-RU" b="1" dirty="0" smtClean="0">
+                <a:latin typeface="Times New Roman" pitchFamily="18" charset="0"/>
+                <a:cs typeface="Times New Roman" pitchFamily="18" charset="0"/>
+              </a:rPr>
+              <a:t>47,61 %</a:t>
+            </a:r>
+            <a:endParaRPr lang="en-US" b="1" dirty="0" smtClean="0">
+              <a:latin typeface="Times New Roman" pitchFamily="18" charset="0"/>
+              <a:cs typeface="Times New Roman" pitchFamily="18" charset="0"/>
             </a:endParaRPr>
           </a:p>
           <a:p>
             <a:r>
-              <a:rPr lang="en-US" sz="2000" dirty="0">
-                <a:solidFill>
-                  <a:srgbClr val="000000"/>
-                </a:solidFill>
-                <a:latin typeface="Consolas" panose="020B0609020204030204" pitchFamily="49" charset="0"/>
-              </a:rPr>
-              <a:t>    </a:t>
-            </a:r>
-          </a:p>
-          <a:p>
-            <a:r>
-              <a:rPr lang="en-US" sz="2000" dirty="0">
-                <a:solidFill>
-                  <a:srgbClr val="000000"/>
-                </a:solidFill>
-                <a:latin typeface="Consolas" panose="020B0609020204030204" pitchFamily="49" charset="0"/>
-              </a:rPr>
-              <a:t>    </a:t>
-            </a:r>
-            <a:r>
-              <a:rPr lang="en-US" sz="2000" dirty="0">
-                <a:solidFill>
-                  <a:srgbClr val="0000FF"/>
-                </a:solidFill>
-                <a:latin typeface="Consolas" panose="020B0609020204030204" pitchFamily="49" charset="0"/>
-              </a:rPr>
-              <a:t>const</a:t>
-            </a:r>
-            <a:r>
-              <a:rPr lang="en-US" sz="2000" dirty="0">
-                <a:solidFill>
-                  <a:srgbClr val="000000"/>
-                </a:solidFill>
-                <a:latin typeface="Consolas" panose="020B0609020204030204" pitchFamily="49" charset="0"/>
+              <a:rPr lang="ru-RU" b="1" dirty="0">
+                <a:latin typeface="Times New Roman" pitchFamily="18" charset="0"/>
+                <a:cs typeface="Times New Roman" pitchFamily="18" charset="0"/>
+              </a:rPr>
+              <a:t>Проход </a:t>
+            </a:r>
+            <a:r>
+              <a:rPr lang="ru-RU" b="1" dirty="0" smtClean="0">
+                <a:latin typeface="Times New Roman" pitchFamily="18" charset="0"/>
+                <a:cs typeface="Times New Roman" pitchFamily="18" charset="0"/>
+              </a:rPr>
+              <a:t>от</a:t>
+            </a:r>
+            <a:r>
+              <a:rPr lang="en-US" b="1" dirty="0" smtClean="0">
+                <a:latin typeface="Times New Roman" pitchFamily="18" charset="0"/>
+                <a:cs typeface="Times New Roman" pitchFamily="18" charset="0"/>
               </a:rPr>
               <a:t> </a:t>
             </a:r>
             <a:r>
-              <a:rPr lang="en-US" sz="2000" dirty="0">
-                <a:solidFill>
-                  <a:srgbClr val="2B91AF"/>
-                </a:solidFill>
-                <a:latin typeface="Consolas" panose="020B0609020204030204" pitchFamily="49" charset="0"/>
-              </a:rPr>
-              <a:t>size_t</a:t>
-            </a:r>
-            <a:r>
-              <a:rPr lang="en-US" sz="2000" dirty="0">
-                <a:solidFill>
-                  <a:srgbClr val="000000"/>
-                </a:solidFill>
-                <a:latin typeface="Consolas" panose="020B0609020204030204" pitchFamily="49" charset="0"/>
-              </a:rPr>
-              <a:t> threadX = blockDim.x * blockIdx.x + threadIdx.x;</a:t>
-            </a:r>
-          </a:p>
-          <a:p>
-            <a:r>
-              <a:rPr lang="en-US" sz="2000" dirty="0">
-                <a:solidFill>
-                  <a:srgbClr val="000000"/>
-                </a:solidFill>
-                <a:latin typeface="Consolas" panose="020B0609020204030204" pitchFamily="49" charset="0"/>
-              </a:rPr>
-              <a:t>    </a:t>
-            </a:r>
-            <a:r>
-              <a:rPr lang="en-US" sz="2000" dirty="0">
-                <a:solidFill>
-                  <a:srgbClr val="0000FF"/>
-                </a:solidFill>
-                <a:latin typeface="Consolas" panose="020B0609020204030204" pitchFamily="49" charset="0"/>
-              </a:rPr>
-              <a:t>const</a:t>
-            </a:r>
-            <a:r>
-              <a:rPr lang="en-US" sz="2000" dirty="0">
-                <a:solidFill>
-                  <a:srgbClr val="000000"/>
-                </a:solidFill>
-                <a:latin typeface="Consolas" panose="020B0609020204030204" pitchFamily="49" charset="0"/>
+              <a:rPr lang="ru-RU" b="1" dirty="0">
+                <a:latin typeface="Times New Roman" pitchFamily="18" charset="0"/>
+                <a:cs typeface="Times New Roman" pitchFamily="18" charset="0"/>
+              </a:rPr>
+              <a:t>(</a:t>
+            </a:r>
+            <a:r>
+              <a:rPr lang="en-US" b="1" i="1" dirty="0">
+                <a:latin typeface="Times New Roman" pitchFamily="18" charset="0"/>
+                <a:cs typeface="Times New Roman" pitchFamily="18" charset="0"/>
+              </a:rPr>
+              <a:t>N</a:t>
+            </a:r>
+            <a:r>
+              <a:rPr lang="en-US" b="1" i="1" baseline="-25000" dirty="0">
+                <a:latin typeface="Times New Roman" pitchFamily="18" charset="0"/>
+                <a:cs typeface="Times New Roman" pitchFamily="18" charset="0"/>
+              </a:rPr>
+              <a:t>x</a:t>
+            </a:r>
+            <a:r>
+              <a:rPr lang="en-US" b="1" dirty="0">
+                <a:latin typeface="Times New Roman" pitchFamily="18" charset="0"/>
+                <a:cs typeface="Times New Roman" pitchFamily="18" charset="0"/>
+              </a:rPr>
+              <a:t>-1, </a:t>
+            </a:r>
+            <a:r>
+              <a:rPr lang="en-US" b="1" i="1" dirty="0">
+                <a:latin typeface="Times New Roman" pitchFamily="18" charset="0"/>
+                <a:cs typeface="Times New Roman" pitchFamily="18" charset="0"/>
+              </a:rPr>
+              <a:t>N</a:t>
+            </a:r>
+            <a:r>
+              <a:rPr lang="en-US" b="1" i="1" baseline="-25000" dirty="0">
+                <a:latin typeface="Times New Roman" pitchFamily="18" charset="0"/>
+                <a:cs typeface="Times New Roman" pitchFamily="18" charset="0"/>
+              </a:rPr>
+              <a:t>y</a:t>
+            </a:r>
+            <a:r>
+              <a:rPr lang="en-US" b="1" dirty="0">
+                <a:latin typeface="Times New Roman" pitchFamily="18" charset="0"/>
+                <a:cs typeface="Times New Roman" pitchFamily="18" charset="0"/>
+              </a:rPr>
+              <a:t>-1, </a:t>
+            </a:r>
+            <a:r>
+              <a:rPr lang="en-US" b="1" i="1" dirty="0">
+                <a:latin typeface="Times New Roman" pitchFamily="18" charset="0"/>
+                <a:cs typeface="Times New Roman" pitchFamily="18" charset="0"/>
+              </a:rPr>
+              <a:t>N</a:t>
+            </a:r>
+            <a:r>
+              <a:rPr lang="en-US" b="1" i="1" baseline="-25000" dirty="0">
+                <a:latin typeface="Times New Roman" pitchFamily="18" charset="0"/>
+                <a:cs typeface="Times New Roman" pitchFamily="18" charset="0"/>
+              </a:rPr>
+              <a:t>z</a:t>
+            </a:r>
+            <a:r>
+              <a:rPr lang="en-US" b="1" dirty="0">
+                <a:latin typeface="Times New Roman" pitchFamily="18" charset="0"/>
+                <a:cs typeface="Times New Roman" pitchFamily="18" charset="0"/>
+              </a:rPr>
+              <a:t>-1</a:t>
+            </a:r>
+            <a:r>
+              <a:rPr lang="ru-RU" b="1" dirty="0" smtClean="0">
+                <a:latin typeface="Times New Roman" pitchFamily="18" charset="0"/>
+                <a:cs typeface="Times New Roman" pitchFamily="18" charset="0"/>
+              </a:rPr>
+              <a:t>)</a:t>
+            </a:r>
+            <a:r>
+              <a:rPr lang="en-US" b="1" dirty="0" smtClean="0">
+                <a:latin typeface="Times New Roman" pitchFamily="18" charset="0"/>
+                <a:cs typeface="Times New Roman" pitchFamily="18" charset="0"/>
               </a:rPr>
               <a:t> </a:t>
             </a:r>
             <a:r>
-              <a:rPr lang="en-US" sz="2000" dirty="0">
-                <a:solidFill>
-                  <a:srgbClr val="2B91AF"/>
-                </a:solidFill>
-                <a:latin typeface="Consolas" panose="020B0609020204030204" pitchFamily="49" charset="0"/>
-              </a:rPr>
-              <a:t>size_t</a:t>
-            </a:r>
-            <a:r>
-              <a:rPr lang="en-US" sz="2000" dirty="0">
-                <a:solidFill>
-                  <a:srgbClr val="000000"/>
-                </a:solidFill>
-                <a:latin typeface="Consolas" panose="020B0609020204030204" pitchFamily="49" charset="0"/>
+              <a:rPr lang="ru-RU" b="1" dirty="0">
+                <a:latin typeface="Times New Roman" pitchFamily="18" charset="0"/>
+                <a:cs typeface="Times New Roman" pitchFamily="18" charset="0"/>
+              </a:rPr>
+              <a:t>до</a:t>
+            </a:r>
+            <a:r>
+              <a:rPr lang="ru-RU" b="1" dirty="0" smtClean="0">
+                <a:latin typeface="Times New Roman" pitchFamily="18" charset="0"/>
+                <a:cs typeface="Times New Roman" pitchFamily="18" charset="0"/>
               </a:rPr>
               <a:t> </a:t>
             </a:r>
             <a:r>
-              <a:rPr lang="en-US" sz="2000" dirty="0" smtClean="0">
-                <a:solidFill>
-                  <a:srgbClr val="000000"/>
-                </a:solidFill>
-                <a:latin typeface="Consolas" panose="020B0609020204030204" pitchFamily="49" charset="0"/>
-              </a:rPr>
-              <a:t>threadZ </a:t>
-            </a:r>
-            <a:r>
-              <a:rPr lang="en-US" sz="2000" dirty="0">
-                <a:solidFill>
-                  <a:srgbClr val="000000"/>
-                </a:solidFill>
-                <a:latin typeface="Consolas" panose="020B0609020204030204" pitchFamily="49" charset="0"/>
-              </a:rPr>
-              <a:t>= </a:t>
-            </a:r>
-            <a:r>
-              <a:rPr lang="en-US" sz="2000" dirty="0" smtClean="0">
-                <a:solidFill>
-                  <a:srgbClr val="000000"/>
-                </a:solidFill>
-                <a:latin typeface="Consolas" panose="020B0609020204030204" pitchFamily="49" charset="0"/>
-              </a:rPr>
-              <a:t>blockDim.z </a:t>
-            </a:r>
-            <a:r>
-              <a:rPr lang="en-US" sz="2000" dirty="0">
-                <a:solidFill>
-                  <a:srgbClr val="000000"/>
-                </a:solidFill>
-                <a:latin typeface="Consolas" panose="020B0609020204030204" pitchFamily="49" charset="0"/>
-              </a:rPr>
-              <a:t>* </a:t>
-            </a:r>
-            <a:r>
-              <a:rPr lang="en-US" sz="2000" dirty="0" smtClean="0">
-                <a:solidFill>
-                  <a:srgbClr val="000000"/>
-                </a:solidFill>
-                <a:latin typeface="Consolas" panose="020B0609020204030204" pitchFamily="49" charset="0"/>
-              </a:rPr>
-              <a:t>blockIdx.z </a:t>
-            </a:r>
-            <a:r>
-              <a:rPr lang="en-US" sz="2000" dirty="0">
-                <a:solidFill>
-                  <a:srgbClr val="000000"/>
-                </a:solidFill>
-                <a:latin typeface="Consolas" panose="020B0609020204030204" pitchFamily="49" charset="0"/>
-              </a:rPr>
-              <a:t>+ </a:t>
-            </a:r>
-            <a:r>
-              <a:rPr lang="en-US" sz="2000" dirty="0" smtClean="0">
-                <a:solidFill>
-                  <a:srgbClr val="000000"/>
-                </a:solidFill>
-                <a:latin typeface="Consolas" panose="020B0609020204030204" pitchFamily="49" charset="0"/>
-              </a:rPr>
-              <a:t>threadIdx.z;</a:t>
-            </a:r>
-            <a:endParaRPr lang="en-US" sz="2000" dirty="0">
-              <a:solidFill>
-                <a:srgbClr val="000000"/>
-              </a:solidFill>
-              <a:latin typeface="Consolas" panose="020B0609020204030204" pitchFamily="49" charset="0"/>
+              <a:rPr lang="ru-RU" b="1" dirty="0">
+                <a:latin typeface="Times New Roman" pitchFamily="18" charset="0"/>
+                <a:cs typeface="Times New Roman" pitchFamily="18" charset="0"/>
+              </a:rPr>
+              <a:t>(1,1,1) –</a:t>
+            </a:r>
+            <a:r>
+              <a:rPr lang="en-US" b="1" dirty="0" smtClean="0">
+                <a:latin typeface="Times New Roman" pitchFamily="18" charset="0"/>
+                <a:cs typeface="Times New Roman" pitchFamily="18" charset="0"/>
+              </a:rPr>
+              <a:t> </a:t>
+            </a:r>
+            <a:r>
+              <a:rPr lang="ru-RU" b="1" dirty="0" smtClean="0">
+                <a:latin typeface="Times New Roman" pitchFamily="18" charset="0"/>
+                <a:cs typeface="Times New Roman" pitchFamily="18" charset="0"/>
+              </a:rPr>
+              <a:t>47,61 %</a:t>
+            </a:r>
+            <a:endParaRPr lang="en-US" b="1" dirty="0" smtClean="0">
+              <a:latin typeface="Times New Roman" pitchFamily="18" charset="0"/>
+              <a:cs typeface="Times New Roman" pitchFamily="18" charset="0"/>
             </a:endParaRPr>
           </a:p>
           <a:p>
-            <a:endParaRPr lang="ru-RU" sz="2000" dirty="0">
-              <a:solidFill>
-                <a:srgbClr val="000000"/>
-              </a:solidFill>
-              <a:latin typeface="Consolas" panose="020B0609020204030204" pitchFamily="49" charset="0"/>
+            <a:r>
+              <a:rPr lang="ru-RU" dirty="0" smtClean="0">
+                <a:latin typeface="Times New Roman" pitchFamily="18" charset="0"/>
+                <a:cs typeface="Times New Roman" pitchFamily="18" charset="0"/>
+              </a:rPr>
+              <a:t>Расчет скалярных произведений – 2,69 %</a:t>
+            </a:r>
+          </a:p>
+          <a:p>
+            <a:r>
+              <a:rPr lang="ru-RU" dirty="0" smtClean="0">
+                <a:latin typeface="Times New Roman" pitchFamily="18" charset="0"/>
+                <a:cs typeface="Times New Roman" pitchFamily="18" charset="0"/>
+              </a:rPr>
+              <a:t>Пересчет вектора скорости – 0,36 %</a:t>
+            </a:r>
+            <a:endParaRPr lang="ru-RU" dirty="0">
+              <a:latin typeface="Times New Roman" pitchFamily="18" charset="0"/>
+              <a:cs typeface="Times New Roman" pitchFamily="18" charset="0"/>
             </a:endParaRPr>
           </a:p>
           <a:p>
-            <a:r>
-              <a:rPr lang="ru-RU" sz="2000" dirty="0">
-                <a:solidFill>
-                  <a:srgbClr val="000000"/>
-                </a:solidFill>
-                <a:latin typeface="Consolas" panose="020B0609020204030204" pitchFamily="49" charset="0"/>
-              </a:rPr>
-              <a:t>    </a:t>
-            </a:r>
-            <a:r>
-              <a:rPr lang="ru-RU" sz="2000" dirty="0">
-                <a:solidFill>
-                  <a:srgbClr val="008000"/>
-                </a:solidFill>
-                <a:latin typeface="Consolas" panose="020B0609020204030204" pitchFamily="49" charset="0"/>
-              </a:rPr>
-              <a:t>// Индекс строки, которую обрабатывает текущий поток </a:t>
-            </a:r>
-            <a:endParaRPr lang="ru-RU" sz="2000" dirty="0">
-              <a:solidFill>
-                <a:srgbClr val="000000"/>
-              </a:solidFill>
-              <a:latin typeface="Consolas" panose="020B0609020204030204" pitchFamily="49" charset="0"/>
+            <a:endParaRPr lang="ru-RU" dirty="0">
+              <a:latin typeface="Times New Roman" pitchFamily="18" charset="0"/>
+              <a:cs typeface="Times New Roman" pitchFamily="18" charset="0"/>
             </a:endParaRPr>
-          </a:p>
-          <a:p>
-            <a:r>
-              <a:rPr lang="en-US" sz="2000" dirty="0">
-                <a:solidFill>
-                  <a:srgbClr val="000000"/>
-                </a:solidFill>
-                <a:latin typeface="Consolas" panose="020B0609020204030204" pitchFamily="49" charset="0"/>
-              </a:rPr>
-              <a:t>    </a:t>
-            </a:r>
-            <a:r>
-              <a:rPr lang="en-US" sz="2000" dirty="0">
-                <a:solidFill>
-                  <a:srgbClr val="0000FF"/>
-                </a:solidFill>
-                <a:latin typeface="Consolas" panose="020B0609020204030204" pitchFamily="49" charset="0"/>
-              </a:rPr>
-              <a:t>const</a:t>
-            </a:r>
-            <a:r>
-              <a:rPr lang="en-US" sz="2000" dirty="0">
-                <a:solidFill>
-                  <a:srgbClr val="000000"/>
-                </a:solidFill>
-                <a:latin typeface="Consolas" panose="020B0609020204030204" pitchFamily="49" charset="0"/>
-              </a:rPr>
-              <a:t> </a:t>
-            </a:r>
-            <a:r>
-              <a:rPr lang="en-US" sz="2000" dirty="0">
-                <a:solidFill>
-                  <a:srgbClr val="2B91AF"/>
-                </a:solidFill>
-                <a:latin typeface="Consolas" panose="020B0609020204030204" pitchFamily="49" charset="0"/>
-              </a:rPr>
-              <a:t>size_t</a:t>
-            </a:r>
-            <a:r>
-              <a:rPr lang="en-US" sz="2000" dirty="0">
-                <a:solidFill>
-                  <a:srgbClr val="000000"/>
-                </a:solidFill>
-                <a:latin typeface="Consolas" panose="020B0609020204030204" pitchFamily="49" charset="0"/>
-              </a:rPr>
-              <a:t> idx_x = threadX + 1;</a:t>
-            </a:r>
-          </a:p>
-          <a:p>
-            <a:r>
-              <a:rPr lang="ru-RU" sz="2000" dirty="0">
-                <a:solidFill>
-                  <a:srgbClr val="000000"/>
-                </a:solidFill>
-                <a:latin typeface="Consolas" panose="020B0609020204030204" pitchFamily="49" charset="0"/>
-              </a:rPr>
-              <a:t>    </a:t>
-            </a:r>
-            <a:r>
-              <a:rPr lang="ru-RU" sz="2000" dirty="0">
-                <a:solidFill>
-                  <a:srgbClr val="008000"/>
-                </a:solidFill>
-                <a:latin typeface="Consolas" panose="020B0609020204030204" pitchFamily="49" charset="0"/>
-              </a:rPr>
-              <a:t>// Индекс слоя, который обрабатывает текущий поток </a:t>
-            </a:r>
-            <a:endParaRPr lang="ru-RU" sz="2000" dirty="0">
-              <a:solidFill>
-                <a:srgbClr val="000000"/>
-              </a:solidFill>
-              <a:latin typeface="Consolas" panose="020B0609020204030204" pitchFamily="49" charset="0"/>
-            </a:endParaRPr>
-          </a:p>
-          <a:p>
-            <a:r>
-              <a:rPr lang="en-US" sz="2000" dirty="0">
-                <a:solidFill>
-                  <a:srgbClr val="000000"/>
-                </a:solidFill>
-                <a:latin typeface="Consolas" panose="020B0609020204030204" pitchFamily="49" charset="0"/>
-              </a:rPr>
-              <a:t>    </a:t>
-            </a:r>
-            <a:r>
-              <a:rPr lang="en-US" sz="2000" dirty="0">
-                <a:solidFill>
-                  <a:srgbClr val="0000FF"/>
-                </a:solidFill>
-                <a:latin typeface="Consolas" panose="020B0609020204030204" pitchFamily="49" charset="0"/>
-              </a:rPr>
-              <a:t>const</a:t>
-            </a:r>
-            <a:r>
-              <a:rPr lang="en-US" sz="2000" dirty="0">
-                <a:solidFill>
-                  <a:srgbClr val="000000"/>
-                </a:solidFill>
-                <a:latin typeface="Consolas" panose="020B0609020204030204" pitchFamily="49" charset="0"/>
-              </a:rPr>
-              <a:t> </a:t>
-            </a:r>
-            <a:r>
-              <a:rPr lang="en-US" sz="2000" dirty="0">
-                <a:solidFill>
-                  <a:srgbClr val="2B91AF"/>
-                </a:solidFill>
-                <a:latin typeface="Consolas" panose="020B0609020204030204" pitchFamily="49" charset="0"/>
-              </a:rPr>
-              <a:t>size_t</a:t>
-            </a:r>
-            <a:r>
-              <a:rPr lang="en-US" sz="2000" dirty="0">
-                <a:solidFill>
-                  <a:srgbClr val="000000"/>
-                </a:solidFill>
-                <a:latin typeface="Consolas" panose="020B0609020204030204" pitchFamily="49" charset="0"/>
-              </a:rPr>
-              <a:t> </a:t>
-            </a:r>
-            <a:r>
-              <a:rPr lang="en-US" sz="2000" dirty="0" smtClean="0">
-                <a:solidFill>
-                  <a:srgbClr val="000000"/>
-                </a:solidFill>
-                <a:latin typeface="Consolas" panose="020B0609020204030204" pitchFamily="49" charset="0"/>
-              </a:rPr>
-              <a:t>idx_z </a:t>
-            </a:r>
-            <a:r>
-              <a:rPr lang="en-US" sz="2000" dirty="0">
-                <a:solidFill>
-                  <a:srgbClr val="000000"/>
-                </a:solidFill>
-                <a:latin typeface="Consolas" panose="020B0609020204030204" pitchFamily="49" charset="0"/>
-              </a:rPr>
-              <a:t>= </a:t>
-            </a:r>
-            <a:r>
-              <a:rPr lang="en-US" sz="2000" dirty="0" smtClean="0">
-                <a:solidFill>
-                  <a:srgbClr val="000000"/>
-                </a:solidFill>
-                <a:latin typeface="Consolas" panose="020B0609020204030204" pitchFamily="49" charset="0"/>
-              </a:rPr>
-              <a:t>threadZ </a:t>
-            </a:r>
-            <a:r>
-              <a:rPr lang="en-US" sz="2000" dirty="0">
-                <a:solidFill>
-                  <a:srgbClr val="000000"/>
-                </a:solidFill>
-                <a:latin typeface="Consolas" panose="020B0609020204030204" pitchFamily="49" charset="0"/>
-              </a:rPr>
-              <a:t>+ 1;</a:t>
-            </a:r>
-          </a:p>
-          <a:p>
-            <a:endParaRPr lang="ru-RU" sz="2000" dirty="0">
-              <a:solidFill>
-                <a:srgbClr val="000000"/>
-              </a:solidFill>
-              <a:latin typeface="Consolas" panose="020B0609020204030204" pitchFamily="49" charset="0"/>
-            </a:endParaRPr>
-          </a:p>
-          <a:p>
-            <a:r>
-              <a:rPr lang="en-US" sz="2000" dirty="0">
-                <a:solidFill>
-                  <a:srgbClr val="000000"/>
-                </a:solidFill>
-                <a:latin typeface="Consolas" panose="020B0609020204030204" pitchFamily="49" charset="0"/>
-              </a:rPr>
-              <a:t>    </a:t>
-            </a:r>
-            <a:r>
-              <a:rPr lang="en-US" sz="2000" dirty="0">
-                <a:solidFill>
-                  <a:srgbClr val="2B91AF"/>
-                </a:solidFill>
-                <a:latin typeface="Consolas" panose="020B0609020204030204" pitchFamily="49" charset="0"/>
-              </a:rPr>
-              <a:t>size_t</a:t>
-            </a:r>
-            <a:r>
-              <a:rPr lang="en-US" sz="2000" dirty="0">
-                <a:solidFill>
-                  <a:srgbClr val="000000"/>
-                </a:solidFill>
-                <a:latin typeface="Consolas" panose="020B0609020204030204" pitchFamily="49" charset="0"/>
-              </a:rPr>
-              <a:t> currentY = 1; </a:t>
-            </a:r>
-            <a:r>
-              <a:rPr lang="en-US" sz="2000" dirty="0">
-                <a:solidFill>
-                  <a:srgbClr val="008000"/>
-                </a:solidFill>
-                <a:latin typeface="Consolas" panose="020B0609020204030204" pitchFamily="49" charset="0"/>
-              </a:rPr>
-              <a:t>// 0 - граница, берём 1</a:t>
-            </a:r>
-            <a:endParaRPr lang="en-US" sz="2000" dirty="0">
-              <a:solidFill>
-                <a:srgbClr val="000000"/>
-              </a:solidFill>
-              <a:latin typeface="Consolas" panose="020B0609020204030204" pitchFamily="49" charset="0"/>
-            </a:endParaRPr>
-          </a:p>
-          <a:p>
-            <a:endParaRPr lang="ru-RU" sz="2000" dirty="0">
-              <a:solidFill>
-                <a:srgbClr val="000000"/>
-              </a:solidFill>
-              <a:latin typeface="Consolas" panose="020B0609020204030204" pitchFamily="49" charset="0"/>
-            </a:endParaRPr>
-          </a:p>
-          <a:p>
-            <a:r>
-              <a:rPr lang="en-US" sz="2000" dirty="0">
-                <a:solidFill>
-                  <a:srgbClr val="000000"/>
-                </a:solidFill>
-                <a:latin typeface="Consolas" panose="020B0609020204030204" pitchFamily="49" charset="0"/>
-              </a:rPr>
-              <a:t>    </a:t>
-            </a:r>
-            <a:endParaRPr lang="ru-RU" sz="2000" dirty="0"/>
           </a:p>
         </p:txBody>
       </p:sp>
     </p:spTree>
     <p:extLst>
       <p:ext uri="{BB962C8B-B14F-4D97-AF65-F5344CB8AC3E}">
-        <p14:creationId xmlns:p14="http://schemas.microsoft.com/office/powerpoint/2010/main" val="3952201763"/>
+        <p14:creationId xmlns:p14="http://schemas.microsoft.com/office/powerpoint/2010/main" val="506944721"/>
       </p:ext>
     </p:extLst>
   </p:cSld>
@@ -6878,20 +8630,14 @@
       </p:grpSpPr>
       <p:sp>
         <p:nvSpPr>
-          <p:cNvPr id="4" name="Прямоугольник 3">
-            <a:extLst>
-              <a:ext uri="{FF2B5EF4-FFF2-40B4-BE49-F238E27FC236}">
-                <a16:creationId xmlns:a16="http://schemas.microsoft.com/office/drawing/2014/main" xmlns="" id="{ACD123A0-37E4-43F8-BA23-CF6274D29C67}"/>
-              </a:ext>
-            </a:extLst>
-          </p:cNvPr>
+          <p:cNvPr id="6" name="Прямоугольник 5"/>
           <p:cNvSpPr/>
           <p:nvPr/>
         </p:nvSpPr>
         <p:spPr>
           <a:xfrm>
-            <a:off x="138716" y="973241"/>
-            <a:ext cx="12384911" cy="5324535"/>
+            <a:off x="827314" y="231839"/>
+            <a:ext cx="11321142" cy="6463308"/>
           </a:xfrm>
           <a:prstGeom prst="rect">
             <a:avLst/>
@@ -6904,516 +8650,855 @@
           <a:lstStyle/>
           <a:p>
             <a:r>
-              <a:rPr lang="en-US" sz="2000" dirty="0">
-                <a:solidFill>
-                  <a:srgbClr val="0000FF"/>
-                </a:solidFill>
-                <a:latin typeface="Consolas" panose="020B0609020204030204" pitchFamily="49" charset="0"/>
-              </a:rPr>
-              <a:t>for</a:t>
-            </a:r>
-            <a:r>
-              <a:rPr lang="en-US" sz="2000" dirty="0">
-                <a:solidFill>
-                  <a:srgbClr val="000000"/>
-                </a:solidFill>
-                <a:latin typeface="Consolas" panose="020B0609020204030204" pitchFamily="49" charset="0"/>
-              </a:rPr>
-              <a:t> (</a:t>
-            </a:r>
-            <a:r>
-              <a:rPr lang="en-US" sz="2000" dirty="0">
-                <a:solidFill>
-                  <a:srgbClr val="2B91AF"/>
-                </a:solidFill>
-                <a:latin typeface="Consolas" panose="020B0609020204030204" pitchFamily="49" charset="0"/>
-              </a:rPr>
-              <a:t>size_t</a:t>
-            </a:r>
-            <a:r>
-              <a:rPr lang="en-US" sz="2000" dirty="0">
-                <a:solidFill>
-                  <a:srgbClr val="000000"/>
-                </a:solidFill>
-                <a:latin typeface="Consolas" panose="020B0609020204030204" pitchFamily="49" charset="0"/>
-              </a:rPr>
-              <a:t> s = 2; s &lt;= GridNx + GridNy + GridNz - 3; s++)</a:t>
-            </a:r>
-          </a:p>
-          <a:p>
-            <a:r>
-              <a:rPr lang="ru-RU" sz="2000" dirty="0">
-                <a:solidFill>
-                  <a:srgbClr val="000000"/>
-                </a:solidFill>
-                <a:latin typeface="Consolas" panose="020B0609020204030204" pitchFamily="49" charset="0"/>
-              </a:rPr>
-              <a:t>    {</a:t>
-            </a:r>
-          </a:p>
-          <a:p>
-            <a:r>
-              <a:rPr lang="en-US" sz="2000" dirty="0">
-                <a:solidFill>
-                  <a:srgbClr val="000000"/>
-                </a:solidFill>
-                <a:latin typeface="Consolas" panose="020B0609020204030204" pitchFamily="49" charset="0"/>
-              </a:rPr>
-              <a:t>        __syncthreads();</a:t>
-            </a:r>
-          </a:p>
-          <a:p>
-            <a:r>
-              <a:rPr lang="en-US" sz="2000" dirty="0">
-                <a:solidFill>
-                  <a:srgbClr val="000000"/>
-                </a:solidFill>
-                <a:latin typeface="Consolas" panose="020B0609020204030204" pitchFamily="49" charset="0"/>
-              </a:rPr>
-              <a:t>        </a:t>
-            </a:r>
-            <a:r>
-              <a:rPr lang="en-US" sz="2000" dirty="0">
-                <a:solidFill>
-                  <a:srgbClr val="0000FF"/>
-                </a:solidFill>
-                <a:latin typeface="Consolas" panose="020B0609020204030204" pitchFamily="49" charset="0"/>
-              </a:rPr>
-              <a:t>if</a:t>
-            </a:r>
-            <a:r>
-              <a:rPr lang="en-US" sz="2000" dirty="0">
-                <a:solidFill>
-                  <a:srgbClr val="000000"/>
-                </a:solidFill>
-                <a:latin typeface="Consolas" panose="020B0609020204030204" pitchFamily="49" charset="0"/>
-              </a:rPr>
-              <a:t> (idx_x + currentY + </a:t>
-            </a:r>
-            <a:r>
-              <a:rPr lang="en-US" sz="2000" dirty="0" smtClean="0">
-                <a:solidFill>
-                  <a:srgbClr val="000000"/>
-                </a:solidFill>
-                <a:latin typeface="Consolas" panose="020B0609020204030204" pitchFamily="49" charset="0"/>
-              </a:rPr>
-              <a:t>idx_z </a:t>
-            </a:r>
-            <a:r>
-              <a:rPr lang="en-US" sz="2000" dirty="0">
-                <a:solidFill>
-                  <a:srgbClr val="000000"/>
-                </a:solidFill>
-                <a:latin typeface="Consolas" panose="020B0609020204030204" pitchFamily="49" charset="0"/>
-              </a:rPr>
-              <a:t>== s &amp;&amp; s &lt; </a:t>
-            </a:r>
-            <a:r>
-              <a:rPr lang="en-US" sz="2000" dirty="0">
-                <a:solidFill>
-                  <a:srgbClr val="6F008A"/>
-                </a:solidFill>
-                <a:latin typeface="Consolas" panose="020B0609020204030204" pitchFamily="49" charset="0"/>
-              </a:rPr>
-              <a:t>GridNy</a:t>
-            </a:r>
-            <a:r>
-              <a:rPr lang="en-US" sz="2000" dirty="0">
-                <a:solidFill>
-                  <a:srgbClr val="000000"/>
-                </a:solidFill>
-                <a:latin typeface="Consolas" panose="020B0609020204030204" pitchFamily="49" charset="0"/>
-              </a:rPr>
-              <a:t> + idx_x + </a:t>
-            </a:r>
-            <a:r>
-              <a:rPr lang="en-US" sz="2000" dirty="0" smtClean="0">
-                <a:solidFill>
-                  <a:srgbClr val="000000"/>
-                </a:solidFill>
-                <a:latin typeface="Consolas" panose="020B0609020204030204" pitchFamily="49" charset="0"/>
-              </a:rPr>
-              <a:t>idx_z)</a:t>
-            </a:r>
-            <a:endParaRPr lang="en-US" sz="2000" dirty="0">
+              <a:rPr lang="ru-RU" dirty="0" smtClean="0">
+                <a:solidFill>
+                  <a:srgbClr val="008000"/>
+                </a:solidFill>
+                <a:latin typeface="Consolas"/>
+              </a:rPr>
+              <a:t>// </a:t>
+            </a:r>
+            <a:r>
+              <a:rPr lang="ru-RU" dirty="0">
+                <a:solidFill>
+                  <a:srgbClr val="008000"/>
+                </a:solidFill>
+                <a:latin typeface="Consolas"/>
+              </a:rPr>
+              <a:t>1. Вычисляем размер массива данных</a:t>
+            </a:r>
+            <a:endParaRPr lang="ru-RU" dirty="0">
               <a:solidFill>
                 <a:srgbClr val="000000"/>
               </a:solidFill>
-              <a:latin typeface="Consolas" panose="020B0609020204030204" pitchFamily="49" charset="0"/>
+              <a:latin typeface="Consolas"/>
             </a:endParaRPr>
           </a:p>
           <a:p>
             <a:r>
-              <a:rPr lang="ru-RU" sz="2000" dirty="0">
-                <a:solidFill>
-                  <a:srgbClr val="000000"/>
-                </a:solidFill>
-                <a:latin typeface="Consolas" panose="020B0609020204030204" pitchFamily="49" charset="0"/>
-              </a:rPr>
-              <a:t>        {</a:t>
-            </a:r>
-          </a:p>
-          <a:p>
-            <a:r>
-              <a:rPr lang="en-US" sz="2000" dirty="0">
-                <a:solidFill>
-                  <a:srgbClr val="000000"/>
-                </a:solidFill>
-                <a:latin typeface="Consolas" panose="020B0609020204030204" pitchFamily="49" charset="0"/>
-              </a:rPr>
-              <a:t>            </a:t>
-            </a:r>
-            <a:r>
-              <a:rPr lang="en-US" sz="2000" dirty="0">
+              <a:rPr lang="ru-RU" dirty="0" smtClean="0">
                 <a:solidFill>
                   <a:srgbClr val="2B91AF"/>
                 </a:solidFill>
-                <a:latin typeface="Consolas" panose="020B0609020204030204" pitchFamily="49" charset="0"/>
+                <a:latin typeface="Consolas"/>
               </a:rPr>
               <a:t>size_t</a:t>
             </a:r>
             <a:r>
-              <a:rPr lang="en-US" sz="2000" dirty="0">
-                <a:solidFill>
-                  <a:srgbClr val="000000"/>
-                </a:solidFill>
-                <a:latin typeface="Consolas" panose="020B0609020204030204" pitchFamily="49" charset="0"/>
-              </a:rPr>
-              <a:t> nodeIndex = idx_x + (</a:t>
-            </a:r>
-            <a:r>
-              <a:rPr lang="en-US" sz="2000" dirty="0">
+              <a:rPr lang="ru-RU" dirty="0" smtClean="0">
+                <a:solidFill>
+                  <a:srgbClr val="000000"/>
+                </a:solidFill>
+                <a:latin typeface="Consolas"/>
+              </a:rPr>
+              <a:t> </a:t>
+            </a:r>
+            <a:r>
+              <a:rPr lang="ru-RU" dirty="0">
+                <a:solidFill>
+                  <a:srgbClr val="000000"/>
+                </a:solidFill>
+                <a:latin typeface="Consolas"/>
+              </a:rPr>
+              <a:t>size = </a:t>
+            </a:r>
+            <a:r>
+              <a:rPr lang="ru-RU" dirty="0">
                 <a:solidFill>
                   <a:srgbClr val="6F008A"/>
                 </a:solidFill>
-                <a:latin typeface="Consolas" panose="020B0609020204030204" pitchFamily="49" charset="0"/>
-              </a:rPr>
-              <a:t>BlockSizeX</a:t>
-            </a:r>
-            <a:r>
-              <a:rPr lang="en-US" sz="2000" dirty="0">
-                <a:solidFill>
-                  <a:srgbClr val="000000"/>
-                </a:solidFill>
-                <a:latin typeface="Consolas" panose="020B0609020204030204" pitchFamily="49" charset="0"/>
-              </a:rPr>
-              <a:t> + 1) * currentY + </a:t>
-            </a:r>
-            <a:r>
-              <a:rPr lang="en-US" sz="2000" dirty="0">
-                <a:solidFill>
-                  <a:srgbClr val="6F008A"/>
-                </a:solidFill>
-                <a:latin typeface="Consolas" panose="020B0609020204030204" pitchFamily="49" charset="0"/>
-              </a:rPr>
-              <a:t>GridXY</a:t>
-            </a:r>
-            <a:r>
-              <a:rPr lang="en-US" sz="2000" dirty="0">
-                <a:solidFill>
-                  <a:srgbClr val="000000"/>
-                </a:solidFill>
-                <a:latin typeface="Consolas" panose="020B0609020204030204" pitchFamily="49" charset="0"/>
-              </a:rPr>
-              <a:t> * </a:t>
-            </a:r>
-            <a:r>
-              <a:rPr lang="en-US" sz="2000" dirty="0" smtClean="0">
-                <a:solidFill>
-                  <a:srgbClr val="000000"/>
-                </a:solidFill>
-                <a:latin typeface="Consolas" panose="020B0609020204030204" pitchFamily="49" charset="0"/>
-              </a:rPr>
-              <a:t>idx_z;</a:t>
-            </a:r>
-            <a:endParaRPr lang="en-US" sz="2000" dirty="0">
+                <a:latin typeface="Consolas"/>
+              </a:rPr>
+              <a:t>GridN</a:t>
+            </a:r>
+            <a:r>
+              <a:rPr lang="ru-RU" dirty="0">
+                <a:solidFill>
+                  <a:srgbClr val="000000"/>
+                </a:solidFill>
+                <a:latin typeface="Consolas"/>
+              </a:rPr>
+              <a:t>; </a:t>
+            </a:r>
+            <a:r>
+              <a:rPr lang="ru-RU" dirty="0">
+                <a:solidFill>
+                  <a:srgbClr val="008000"/>
+                </a:solidFill>
+                <a:latin typeface="Consolas"/>
+              </a:rPr>
+              <a:t>// Кол-во элементов</a:t>
+            </a:r>
+            <a:endParaRPr lang="ru-RU" dirty="0">
               <a:solidFill>
                 <a:srgbClr val="000000"/>
               </a:solidFill>
-              <a:latin typeface="Consolas" panose="020B0609020204030204" pitchFamily="49" charset="0"/>
+              <a:latin typeface="Consolas"/>
             </a:endParaRPr>
           </a:p>
           <a:p>
-            <a:endParaRPr lang="ru-RU" sz="2000" dirty="0">
+            <a:r>
+              <a:rPr lang="en-US" dirty="0" smtClean="0">
+                <a:solidFill>
+                  <a:srgbClr val="2B91AF"/>
+                </a:solidFill>
+                <a:latin typeface="Consolas"/>
+              </a:rPr>
+              <a:t>size_t</a:t>
+            </a:r>
+            <a:r>
+              <a:rPr lang="en-US" dirty="0" smtClean="0">
+                <a:solidFill>
+                  <a:srgbClr val="000000"/>
+                </a:solidFill>
+                <a:latin typeface="Consolas"/>
+              </a:rPr>
+              <a:t> </a:t>
+            </a:r>
+            <a:r>
+              <a:rPr lang="en-US" dirty="0">
+                <a:solidFill>
+                  <a:srgbClr val="000000"/>
+                </a:solidFill>
+                <a:latin typeface="Consolas"/>
+              </a:rPr>
+              <a:t>sizeInBytesInt = size * </a:t>
+            </a:r>
+            <a:r>
+              <a:rPr lang="en-US" dirty="0">
+                <a:solidFill>
+                  <a:srgbClr val="0000FF"/>
+                </a:solidFill>
+                <a:latin typeface="Consolas"/>
+              </a:rPr>
+              <a:t>sizeof</a:t>
+            </a:r>
+            <a:r>
+              <a:rPr lang="en-US" dirty="0">
+                <a:solidFill>
+                  <a:srgbClr val="000000"/>
+                </a:solidFill>
+                <a:latin typeface="Consolas"/>
+              </a:rPr>
+              <a:t>(</a:t>
+            </a:r>
+            <a:r>
+              <a:rPr lang="en-US" dirty="0" err="1">
+                <a:solidFill>
+                  <a:srgbClr val="0000FF"/>
+                </a:solidFill>
+                <a:latin typeface="Consolas"/>
+              </a:rPr>
+              <a:t>int</a:t>
+            </a:r>
+            <a:r>
+              <a:rPr lang="en-US" dirty="0">
+                <a:solidFill>
+                  <a:srgbClr val="000000"/>
+                </a:solidFill>
+                <a:latin typeface="Consolas"/>
+              </a:rPr>
+              <a:t>);   </a:t>
+            </a:r>
+            <a:r>
+              <a:rPr lang="en-US" dirty="0">
+                <a:solidFill>
+                  <a:srgbClr val="008000"/>
+                </a:solidFill>
+                <a:latin typeface="Consolas"/>
+              </a:rPr>
+              <a:t>// </a:t>
+            </a:r>
+            <a:r>
+              <a:rPr lang="ru-RU" dirty="0">
+                <a:solidFill>
+                  <a:srgbClr val="008000"/>
+                </a:solidFill>
+                <a:latin typeface="Consolas"/>
+              </a:rPr>
+              <a:t>Размер массива </a:t>
+            </a:r>
+            <a:r>
+              <a:rPr lang="en-US" dirty="0" err="1">
+                <a:solidFill>
+                  <a:srgbClr val="008000"/>
+                </a:solidFill>
+                <a:latin typeface="Consolas"/>
+              </a:rPr>
+              <a:t>int</a:t>
+            </a:r>
+            <a:r>
+              <a:rPr lang="en-US" dirty="0">
+                <a:solidFill>
+                  <a:srgbClr val="008000"/>
+                </a:solidFill>
+                <a:latin typeface="Consolas"/>
+              </a:rPr>
+              <a:t> </a:t>
+            </a:r>
+            <a:r>
+              <a:rPr lang="ru-RU" dirty="0">
+                <a:solidFill>
+                  <a:srgbClr val="008000"/>
+                </a:solidFill>
+                <a:latin typeface="Consolas"/>
+              </a:rPr>
+              <a:t>в байтах</a:t>
+            </a:r>
+            <a:endParaRPr lang="ru-RU" dirty="0">
               <a:solidFill>
                 <a:srgbClr val="000000"/>
               </a:solidFill>
-              <a:latin typeface="Consolas" panose="020B0609020204030204" pitchFamily="49" charset="0"/>
+              <a:latin typeface="Consolas"/>
             </a:endParaRPr>
           </a:p>
           <a:p>
             <a:r>
-              <a:rPr lang="en-US" sz="2000" dirty="0">
-                <a:solidFill>
-                  <a:srgbClr val="000000"/>
-                </a:solidFill>
-                <a:latin typeface="Consolas" panose="020B0609020204030204" pitchFamily="49" charset="0"/>
-              </a:rPr>
-              <a:t>            </a:t>
-            </a:r>
-            <a:r>
-              <a:rPr lang="en-US" sz="2000" dirty="0">
+              <a:rPr lang="en-US" dirty="0" smtClean="0">
                 <a:solidFill>
                   <a:srgbClr val="2B91AF"/>
                 </a:solidFill>
-                <a:latin typeface="Consolas" panose="020B0609020204030204" pitchFamily="49" charset="0"/>
+                <a:latin typeface="Consolas"/>
               </a:rPr>
               <a:t>size_t</a:t>
             </a:r>
             <a:r>
-              <a:rPr lang="en-US" sz="2000" dirty="0">
-                <a:solidFill>
-                  <a:srgbClr val="000000"/>
-                </a:solidFill>
-                <a:latin typeface="Consolas" panose="020B0609020204030204" pitchFamily="49" charset="0"/>
-              </a:rPr>
-              <a:t> m0 = nodeIndex;</a:t>
-            </a:r>
-          </a:p>
-          <a:p>
-            <a:endParaRPr lang="ru-RU" sz="2000" dirty="0">
+              <a:rPr lang="en-US" dirty="0" smtClean="0">
+                <a:solidFill>
+                  <a:srgbClr val="000000"/>
+                </a:solidFill>
+                <a:latin typeface="Consolas"/>
+              </a:rPr>
+              <a:t> </a:t>
+            </a:r>
+            <a:r>
+              <a:rPr lang="en-US" dirty="0">
+                <a:solidFill>
+                  <a:srgbClr val="000000"/>
+                </a:solidFill>
+                <a:latin typeface="Consolas"/>
+              </a:rPr>
+              <a:t>sizeInBytesDouble = size * </a:t>
+            </a:r>
+            <a:r>
+              <a:rPr lang="en-US" dirty="0">
+                <a:solidFill>
+                  <a:srgbClr val="0000FF"/>
+                </a:solidFill>
+                <a:latin typeface="Consolas"/>
+              </a:rPr>
+              <a:t>sizeof</a:t>
+            </a:r>
+            <a:r>
+              <a:rPr lang="en-US" dirty="0">
+                <a:solidFill>
+                  <a:srgbClr val="000000"/>
+                </a:solidFill>
+                <a:latin typeface="Consolas"/>
+              </a:rPr>
+              <a:t>(</a:t>
+            </a:r>
+            <a:r>
+              <a:rPr lang="en-US" dirty="0">
+                <a:solidFill>
+                  <a:srgbClr val="0000FF"/>
+                </a:solidFill>
+                <a:latin typeface="Consolas"/>
+              </a:rPr>
+              <a:t>double</a:t>
+            </a:r>
+            <a:r>
+              <a:rPr lang="en-US" dirty="0">
+                <a:solidFill>
+                  <a:srgbClr val="000000"/>
+                </a:solidFill>
+                <a:latin typeface="Consolas"/>
+              </a:rPr>
+              <a:t>);</a:t>
+            </a:r>
+            <a:r>
+              <a:rPr lang="en-US" dirty="0">
+                <a:solidFill>
+                  <a:srgbClr val="008000"/>
+                </a:solidFill>
+                <a:latin typeface="Consolas"/>
+              </a:rPr>
+              <a:t>// </a:t>
+            </a:r>
+            <a:r>
+              <a:rPr lang="ru-RU" dirty="0">
+                <a:solidFill>
+                  <a:srgbClr val="008000"/>
+                </a:solidFill>
+                <a:latin typeface="Consolas"/>
+              </a:rPr>
+              <a:t>Размер массива </a:t>
+            </a:r>
+            <a:r>
+              <a:rPr lang="en-US" dirty="0">
+                <a:solidFill>
+                  <a:srgbClr val="008000"/>
+                </a:solidFill>
+                <a:latin typeface="Consolas"/>
+              </a:rPr>
+              <a:t>double </a:t>
+            </a:r>
+            <a:r>
+              <a:rPr lang="ru-RU" dirty="0">
+                <a:solidFill>
+                  <a:srgbClr val="008000"/>
+                </a:solidFill>
+                <a:latin typeface="Consolas"/>
+              </a:rPr>
+              <a:t>в байтах</a:t>
+            </a:r>
+            <a:endParaRPr lang="ru-RU" dirty="0">
               <a:solidFill>
                 <a:srgbClr val="000000"/>
               </a:solidFill>
-              <a:latin typeface="Consolas" panose="020B0609020204030204" pitchFamily="49" charset="0"/>
+              <a:latin typeface="Consolas"/>
             </a:endParaRPr>
           </a:p>
           <a:p>
-            <a:r>
-              <a:rPr lang="en-US" sz="2000" dirty="0">
-                <a:solidFill>
-                  <a:srgbClr val="000000"/>
-                </a:solidFill>
-                <a:latin typeface="Consolas" panose="020B0609020204030204" pitchFamily="49" charset="0"/>
-              </a:rPr>
-              <a:t>            </a:t>
-            </a:r>
-            <a:r>
-              <a:rPr lang="en-US" sz="2000" dirty="0">
-                <a:solidFill>
-                  <a:srgbClr val="0000FF"/>
-                </a:solidFill>
-                <a:latin typeface="Consolas" panose="020B0609020204030204" pitchFamily="49" charset="0"/>
-              </a:rPr>
-              <a:t>double</a:t>
-            </a:r>
-            <a:r>
-              <a:rPr lang="en-US" sz="2000" dirty="0">
-                <a:solidFill>
-                  <a:srgbClr val="000000"/>
-                </a:solidFill>
-                <a:latin typeface="Consolas" panose="020B0609020204030204" pitchFamily="49" charset="0"/>
-              </a:rPr>
-              <a:t> c0m0 = </a:t>
-            </a:r>
-            <a:r>
-              <a:rPr lang="en-US" sz="2000" dirty="0">
-                <a:solidFill>
-                  <a:srgbClr val="808080"/>
-                </a:solidFill>
-                <a:latin typeface="Consolas" panose="020B0609020204030204" pitchFamily="49" charset="0"/>
-              </a:rPr>
-              <a:t>c0</a:t>
-            </a:r>
-            <a:r>
-              <a:rPr lang="en-US" sz="2000" dirty="0">
-                <a:solidFill>
-                  <a:srgbClr val="000000"/>
-                </a:solidFill>
-                <a:latin typeface="Consolas" panose="020B0609020204030204" pitchFamily="49" charset="0"/>
-              </a:rPr>
-              <a:t>[m0];</a:t>
-            </a:r>
-          </a:p>
-          <a:p>
-            <a:r>
-              <a:rPr lang="en-US" sz="2000" dirty="0">
-                <a:solidFill>
-                  <a:srgbClr val="000000"/>
-                </a:solidFill>
-                <a:latin typeface="Consolas" panose="020B0609020204030204" pitchFamily="49" charset="0"/>
-              </a:rPr>
-              <a:t>            </a:t>
-            </a:r>
-            <a:r>
-              <a:rPr lang="en-US" sz="2000" dirty="0">
-                <a:solidFill>
-                  <a:srgbClr val="0000FF"/>
-                </a:solidFill>
-                <a:latin typeface="Consolas" panose="020B0609020204030204" pitchFamily="49" charset="0"/>
-              </a:rPr>
-              <a:t>if</a:t>
-            </a:r>
-            <a:r>
-              <a:rPr lang="en-US" sz="2000" dirty="0">
-                <a:solidFill>
-                  <a:srgbClr val="000000"/>
-                </a:solidFill>
-                <a:latin typeface="Consolas" panose="020B0609020204030204" pitchFamily="49" charset="0"/>
-              </a:rPr>
-              <a:t> (c0m0 &gt; 0)</a:t>
-            </a:r>
-          </a:p>
-          <a:p>
-            <a:r>
-              <a:rPr lang="ru-RU" sz="2000" dirty="0">
-                <a:solidFill>
-                  <a:srgbClr val="000000"/>
-                </a:solidFill>
-                <a:latin typeface="Consolas" panose="020B0609020204030204" pitchFamily="49" charset="0"/>
-              </a:rPr>
-              <a:t>            {</a:t>
-            </a:r>
-          </a:p>
-          <a:p>
-            <a:r>
-              <a:rPr lang="en-US" sz="2000" dirty="0">
-                <a:solidFill>
-                  <a:srgbClr val="000000"/>
-                </a:solidFill>
-                <a:latin typeface="Consolas" panose="020B0609020204030204" pitchFamily="49" charset="0"/>
-              </a:rPr>
-              <a:t>                </a:t>
-            </a:r>
-            <a:r>
-              <a:rPr lang="en-US" sz="2000" dirty="0">
-                <a:solidFill>
-                  <a:srgbClr val="2B91AF"/>
-                </a:solidFill>
-                <a:latin typeface="Consolas" panose="020B0609020204030204" pitchFamily="49" charset="0"/>
-              </a:rPr>
-              <a:t>size_t</a:t>
-            </a:r>
-            <a:r>
-              <a:rPr lang="en-US" sz="2000" dirty="0">
-                <a:solidFill>
-                  <a:srgbClr val="000000"/>
-                </a:solidFill>
-                <a:latin typeface="Consolas" panose="020B0609020204030204" pitchFamily="49" charset="0"/>
-              </a:rPr>
-              <a:t> m2 = m0 - 1;</a:t>
-            </a:r>
-          </a:p>
-          <a:p>
-            <a:r>
-              <a:rPr lang="en-US" sz="2000" dirty="0">
-                <a:solidFill>
-                  <a:srgbClr val="000000"/>
-                </a:solidFill>
-                <a:latin typeface="Consolas" panose="020B0609020204030204" pitchFamily="49" charset="0"/>
-              </a:rPr>
-              <a:t>                </a:t>
-            </a:r>
-            <a:r>
-              <a:rPr lang="en-US" sz="2000" dirty="0">
-                <a:solidFill>
-                  <a:srgbClr val="2B91AF"/>
-                </a:solidFill>
-                <a:latin typeface="Consolas" panose="020B0609020204030204" pitchFamily="49" charset="0"/>
-              </a:rPr>
-              <a:t>size_t</a:t>
-            </a:r>
-            <a:r>
-              <a:rPr lang="en-US" sz="2000" dirty="0">
-                <a:solidFill>
-                  <a:srgbClr val="000000"/>
-                </a:solidFill>
-                <a:latin typeface="Consolas" panose="020B0609020204030204" pitchFamily="49" charset="0"/>
-              </a:rPr>
-              <a:t> m4 = m0 - </a:t>
-            </a:r>
-            <a:r>
-              <a:rPr lang="en-US" sz="2000" dirty="0">
-                <a:solidFill>
-                  <a:srgbClr val="6F008A"/>
-                </a:solidFill>
-                <a:latin typeface="Consolas" panose="020B0609020204030204" pitchFamily="49" charset="0"/>
-              </a:rPr>
-              <a:t>GridNx</a:t>
-            </a:r>
-            <a:r>
-              <a:rPr lang="en-US" sz="2000" dirty="0">
-                <a:solidFill>
-                  <a:srgbClr val="000000"/>
-                </a:solidFill>
-                <a:latin typeface="Consolas" panose="020B0609020204030204" pitchFamily="49" charset="0"/>
-              </a:rPr>
-              <a:t>;</a:t>
-            </a:r>
-          </a:p>
-          <a:p>
-            <a:r>
-              <a:rPr lang="en-US" sz="2000" dirty="0">
-                <a:solidFill>
-                  <a:srgbClr val="000000"/>
-                </a:solidFill>
-                <a:latin typeface="Consolas" panose="020B0609020204030204" pitchFamily="49" charset="0"/>
-              </a:rPr>
-              <a:t>                </a:t>
-            </a:r>
-            <a:r>
-              <a:rPr lang="en-US" sz="2000" dirty="0">
-                <a:solidFill>
-                  <a:srgbClr val="2B91AF"/>
-                </a:solidFill>
-                <a:latin typeface="Consolas" panose="020B0609020204030204" pitchFamily="49" charset="0"/>
-              </a:rPr>
-              <a:t>size_t</a:t>
-            </a:r>
-            <a:r>
-              <a:rPr lang="en-US" sz="2000" dirty="0">
-                <a:solidFill>
-                  <a:srgbClr val="000000"/>
-                </a:solidFill>
-                <a:latin typeface="Consolas" panose="020B0609020204030204" pitchFamily="49" charset="0"/>
-              </a:rPr>
-              <a:t> m6 = m0 - </a:t>
-            </a:r>
-            <a:r>
-              <a:rPr lang="en-US" sz="2000" dirty="0">
-                <a:solidFill>
-                  <a:srgbClr val="6F008A"/>
-                </a:solidFill>
-                <a:latin typeface="Consolas" panose="020B0609020204030204" pitchFamily="49" charset="0"/>
-              </a:rPr>
-              <a:t>GridXY</a:t>
-            </a:r>
-            <a:r>
-              <a:rPr lang="en-US" sz="2000" dirty="0">
-                <a:solidFill>
-                  <a:srgbClr val="000000"/>
-                </a:solidFill>
-                <a:latin typeface="Consolas" panose="020B0609020204030204" pitchFamily="49" charset="0"/>
-              </a:rPr>
-              <a:t>;</a:t>
-            </a:r>
-          </a:p>
-          <a:p>
-            <a:endParaRPr lang="ru-RU" sz="2000" dirty="0">
+            <a:endParaRPr lang="ru-RU" dirty="0">
               <a:solidFill>
                 <a:srgbClr val="000000"/>
               </a:solidFill>
-              <a:latin typeface="Consolas" panose="020B0609020204030204" pitchFamily="49" charset="0"/>
+              <a:latin typeface="Consolas"/>
             </a:endParaRPr>
           </a:p>
           <a:p>
             <a:r>
-              <a:rPr lang="en-US" sz="2000" dirty="0">
-                <a:solidFill>
-                  <a:srgbClr val="000000"/>
-                </a:solidFill>
-                <a:latin typeface="Consolas" panose="020B0609020204030204" pitchFamily="49" charset="0"/>
-              </a:rPr>
-              <a:t>                </a:t>
-            </a:r>
-            <a:endParaRPr lang="ru-RU" sz="2000" dirty="0"/>
+              <a:rPr lang="ru-RU" dirty="0" smtClean="0">
+                <a:solidFill>
+                  <a:srgbClr val="008000"/>
+                </a:solidFill>
+                <a:latin typeface="Consolas"/>
+              </a:rPr>
+              <a:t>// </a:t>
+            </a:r>
+            <a:r>
+              <a:rPr lang="ru-RU" dirty="0">
+                <a:solidFill>
+                  <a:srgbClr val="008000"/>
+                </a:solidFill>
+                <a:latin typeface="Consolas"/>
+              </a:rPr>
+              <a:t>2. Выделяем память под массив в ОЗУ    </a:t>
+            </a:r>
+            <a:endParaRPr lang="ru-RU" dirty="0">
+              <a:solidFill>
+                <a:srgbClr val="000000"/>
+              </a:solidFill>
+              <a:latin typeface="Consolas"/>
+            </a:endParaRPr>
+          </a:p>
+          <a:p>
+            <a:r>
+              <a:rPr lang="en-US" dirty="0" smtClean="0">
+                <a:solidFill>
+                  <a:srgbClr val="0000FF"/>
+                </a:solidFill>
+                <a:latin typeface="Consolas"/>
+              </a:rPr>
+              <a:t>double</a:t>
+            </a:r>
+            <a:r>
+              <a:rPr lang="en-US" dirty="0">
+                <a:solidFill>
+                  <a:srgbClr val="000000"/>
+                </a:solidFill>
+                <a:latin typeface="Consolas"/>
+              </a:rPr>
+              <a:t>* host_c0 = (</a:t>
+            </a:r>
+            <a:r>
+              <a:rPr lang="en-US" dirty="0">
+                <a:solidFill>
+                  <a:srgbClr val="0000FF"/>
+                </a:solidFill>
+                <a:latin typeface="Consolas"/>
+              </a:rPr>
+              <a:t>double</a:t>
+            </a:r>
+            <a:r>
+              <a:rPr lang="en-US" dirty="0">
+                <a:solidFill>
+                  <a:srgbClr val="000000"/>
+                </a:solidFill>
+                <a:latin typeface="Consolas"/>
+              </a:rPr>
+              <a:t>*)malloc(sizeInBytesDouble</a:t>
+            </a:r>
+            <a:r>
+              <a:rPr lang="en-US" dirty="0" smtClean="0">
+                <a:solidFill>
+                  <a:srgbClr val="000000"/>
+                </a:solidFill>
+                <a:latin typeface="Consolas"/>
+              </a:rPr>
+              <a:t>);</a:t>
+            </a:r>
+            <a:endParaRPr lang="ru-RU" dirty="0" smtClean="0">
+              <a:solidFill>
+                <a:srgbClr val="000000"/>
+              </a:solidFill>
+              <a:latin typeface="Consolas"/>
+            </a:endParaRPr>
+          </a:p>
+          <a:p>
+            <a:r>
+              <a:rPr lang="ru-RU" dirty="0" smtClean="0">
+                <a:solidFill>
+                  <a:srgbClr val="000000"/>
+                </a:solidFill>
+                <a:latin typeface="Consolas"/>
+              </a:rPr>
+              <a:t>...</a:t>
+            </a:r>
+            <a:endParaRPr lang="en-US" dirty="0" smtClean="0">
+              <a:solidFill>
+                <a:srgbClr val="000000"/>
+              </a:solidFill>
+              <a:latin typeface="Consolas"/>
+            </a:endParaRPr>
+          </a:p>
+          <a:p>
+            <a:r>
+              <a:rPr lang="en-US" dirty="0" smtClean="0">
+                <a:solidFill>
+                  <a:srgbClr val="000000"/>
+                </a:solidFill>
+                <a:latin typeface="Consolas"/>
+              </a:rPr>
+              <a:t>    </a:t>
+            </a:r>
+            <a:endParaRPr lang="ru-RU" dirty="0" smtClean="0">
+              <a:solidFill>
+                <a:srgbClr val="000000"/>
+              </a:solidFill>
+              <a:latin typeface="Consolas"/>
+            </a:endParaRPr>
+          </a:p>
+          <a:p>
+            <a:r>
+              <a:rPr lang="ru-RU" dirty="0" smtClean="0">
+                <a:solidFill>
+                  <a:srgbClr val="008000"/>
+                </a:solidFill>
+                <a:latin typeface="Consolas"/>
+              </a:rPr>
+              <a:t>// </a:t>
+            </a:r>
+            <a:r>
+              <a:rPr lang="ru-RU" dirty="0">
+                <a:solidFill>
+                  <a:srgbClr val="008000"/>
+                </a:solidFill>
+                <a:latin typeface="Consolas"/>
+              </a:rPr>
+              <a:t>3. Выделяем память под массивы на видеокарте    </a:t>
+            </a:r>
+            <a:endParaRPr lang="ru-RU" dirty="0">
+              <a:solidFill>
+                <a:srgbClr val="000000"/>
+              </a:solidFill>
+              <a:latin typeface="Consolas"/>
+            </a:endParaRPr>
+          </a:p>
+          <a:p>
+            <a:r>
+              <a:rPr lang="en-US" dirty="0" smtClean="0">
+                <a:solidFill>
+                  <a:srgbClr val="0000FF"/>
+                </a:solidFill>
+                <a:latin typeface="Consolas"/>
+              </a:rPr>
+              <a:t>double</a:t>
+            </a:r>
+            <a:r>
+              <a:rPr lang="en-US" dirty="0">
+                <a:solidFill>
+                  <a:srgbClr val="000000"/>
+                </a:solidFill>
+                <a:latin typeface="Consolas"/>
+              </a:rPr>
+              <a:t>* dev_c0 = </a:t>
+            </a:r>
+            <a:r>
+              <a:rPr lang="en-US" dirty="0">
+                <a:solidFill>
+                  <a:srgbClr val="6F008A"/>
+                </a:solidFill>
+                <a:latin typeface="Consolas"/>
+              </a:rPr>
+              <a:t>NULL</a:t>
+            </a:r>
+            <a:r>
+              <a:rPr lang="en-US" dirty="0">
+                <a:solidFill>
+                  <a:srgbClr val="000000"/>
+                </a:solidFill>
+                <a:latin typeface="Consolas"/>
+              </a:rPr>
+              <a:t>;</a:t>
+            </a:r>
+          </a:p>
+          <a:p>
+            <a:r>
+              <a:rPr lang="en-US" dirty="0" smtClean="0">
+                <a:solidFill>
+                  <a:srgbClr val="000000"/>
+                </a:solidFill>
+                <a:latin typeface="Consolas"/>
+              </a:rPr>
+              <a:t>cudaMalloc</a:t>
+            </a:r>
+            <a:r>
+              <a:rPr lang="en-US" dirty="0">
+                <a:solidFill>
+                  <a:srgbClr val="000000"/>
+                </a:solidFill>
+                <a:latin typeface="Consolas"/>
+              </a:rPr>
+              <a:t>((</a:t>
+            </a:r>
+            <a:r>
+              <a:rPr lang="en-US" dirty="0">
+                <a:solidFill>
+                  <a:srgbClr val="0000FF"/>
+                </a:solidFill>
+                <a:latin typeface="Consolas"/>
+              </a:rPr>
+              <a:t>void</a:t>
+            </a:r>
+            <a:r>
+              <a:rPr lang="en-US" dirty="0">
+                <a:solidFill>
+                  <a:srgbClr val="000000"/>
+                </a:solidFill>
+                <a:latin typeface="Consolas"/>
+              </a:rPr>
+              <a:t>**)&amp;dev_c0, sizeInBytesDouble</a:t>
+            </a:r>
+            <a:r>
+              <a:rPr lang="en-US" dirty="0" smtClean="0">
+                <a:solidFill>
+                  <a:srgbClr val="000000"/>
+                </a:solidFill>
+                <a:latin typeface="Consolas"/>
+              </a:rPr>
+              <a:t>);</a:t>
+            </a:r>
+            <a:endParaRPr lang="ru-RU" dirty="0" smtClean="0">
+              <a:solidFill>
+                <a:srgbClr val="000000"/>
+              </a:solidFill>
+              <a:latin typeface="Consolas"/>
+            </a:endParaRPr>
+          </a:p>
+          <a:p>
+            <a:r>
+              <a:rPr lang="ru-RU" dirty="0" smtClean="0">
+                <a:solidFill>
+                  <a:srgbClr val="000000"/>
+                </a:solidFill>
+                <a:latin typeface="Consolas"/>
+              </a:rPr>
+              <a:t>...</a:t>
+            </a:r>
+          </a:p>
+          <a:p>
+            <a:endParaRPr lang="ru-RU" dirty="0" smtClean="0">
+              <a:solidFill>
+                <a:srgbClr val="000000"/>
+              </a:solidFill>
+              <a:latin typeface="Consolas"/>
+            </a:endParaRPr>
+          </a:p>
+          <a:p>
+            <a:r>
+              <a:rPr lang="ru-RU" dirty="0" smtClean="0">
+                <a:solidFill>
+                  <a:srgbClr val="008000"/>
+                </a:solidFill>
+                <a:latin typeface="Consolas"/>
+              </a:rPr>
+              <a:t>// </a:t>
+            </a:r>
+            <a:r>
+              <a:rPr lang="ru-RU" dirty="0">
+                <a:solidFill>
+                  <a:srgbClr val="008000"/>
+                </a:solidFill>
+                <a:latin typeface="Consolas"/>
+              </a:rPr>
+              <a:t>4. Копируем массивы из ОЗУ в GPU</a:t>
+            </a:r>
+            <a:endParaRPr lang="ru-RU" dirty="0">
+              <a:solidFill>
+                <a:srgbClr val="000000"/>
+              </a:solidFill>
+              <a:latin typeface="Consolas"/>
+            </a:endParaRPr>
+          </a:p>
+          <a:p>
+            <a:r>
+              <a:rPr lang="en-US" dirty="0" smtClean="0">
+                <a:solidFill>
+                  <a:srgbClr val="000000"/>
+                </a:solidFill>
+                <a:latin typeface="Consolas"/>
+              </a:rPr>
+              <a:t>cudaMemcpy(dev_c0</a:t>
+            </a:r>
+            <a:r>
+              <a:rPr lang="en-US" dirty="0">
+                <a:solidFill>
+                  <a:srgbClr val="000000"/>
+                </a:solidFill>
+                <a:latin typeface="Consolas"/>
+              </a:rPr>
+              <a:t>, host_c0, sizeInBytesDouble, </a:t>
+            </a:r>
+            <a:r>
+              <a:rPr lang="en-US" dirty="0">
+                <a:solidFill>
+                  <a:srgbClr val="2F4F4F"/>
+                </a:solidFill>
+                <a:latin typeface="Consolas"/>
+              </a:rPr>
+              <a:t>cudaMemcpyHostToDevice</a:t>
+            </a:r>
+            <a:r>
+              <a:rPr lang="en-US" dirty="0" smtClean="0">
+                <a:solidFill>
+                  <a:srgbClr val="000000"/>
+                </a:solidFill>
+                <a:latin typeface="Consolas"/>
+              </a:rPr>
+              <a:t>);</a:t>
+            </a:r>
+            <a:endParaRPr lang="ru-RU" dirty="0" smtClean="0">
+              <a:solidFill>
+                <a:srgbClr val="000000"/>
+              </a:solidFill>
+              <a:latin typeface="Consolas"/>
+            </a:endParaRPr>
+          </a:p>
+          <a:p>
+            <a:endParaRPr lang="ru-RU" dirty="0" smtClean="0">
+              <a:solidFill>
+                <a:srgbClr val="000000"/>
+              </a:solidFill>
+              <a:latin typeface="Consolas"/>
+            </a:endParaRPr>
+          </a:p>
+          <a:p>
+            <a:r>
+              <a:rPr lang="ru-RU" dirty="0">
+                <a:solidFill>
+                  <a:srgbClr val="008000"/>
+                </a:solidFill>
+                <a:latin typeface="Consolas"/>
+              </a:rPr>
+              <a:t>// </a:t>
+            </a:r>
+            <a:r>
+              <a:rPr lang="en-GB" dirty="0" smtClean="0">
+                <a:solidFill>
+                  <a:srgbClr val="008000"/>
+                </a:solidFill>
+                <a:latin typeface="Consolas"/>
+              </a:rPr>
+              <a:t>5</a:t>
+            </a:r>
+            <a:r>
+              <a:rPr lang="ru-RU" dirty="0" smtClean="0">
+                <a:solidFill>
+                  <a:srgbClr val="008000"/>
+                </a:solidFill>
+                <a:latin typeface="Consolas"/>
+              </a:rPr>
+              <a:t>. Запуск «ядра» </a:t>
+            </a:r>
+            <a:r>
+              <a:rPr lang="en-US" dirty="0" smtClean="0">
+                <a:solidFill>
+                  <a:srgbClr val="008000"/>
+                </a:solidFill>
+                <a:latin typeface="Consolas"/>
+              </a:rPr>
+              <a:t>CUDA</a:t>
+            </a:r>
+            <a:endParaRPr lang="ru-RU" dirty="0">
+              <a:solidFill>
+                <a:srgbClr val="000000"/>
+              </a:solidFill>
+              <a:latin typeface="Consolas"/>
+            </a:endParaRPr>
+          </a:p>
+          <a:p>
+            <a:r>
+              <a:rPr lang="en-US" dirty="0" smtClean="0">
+                <a:solidFill>
+                  <a:srgbClr val="000000"/>
+                </a:solidFill>
+                <a:latin typeface="Consolas"/>
+              </a:rPr>
+              <a:t>ptmKernel3 </a:t>
+            </a:r>
+            <a:r>
+              <a:rPr lang="en-US" dirty="0">
+                <a:solidFill>
+                  <a:srgbClr val="000000"/>
+                </a:solidFill>
+                <a:latin typeface="Consolas"/>
+              </a:rPr>
+              <a:t>&lt;&lt; &lt; 1, dim3(</a:t>
+            </a:r>
+            <a:r>
+              <a:rPr lang="en-US" dirty="0" err="1">
+                <a:solidFill>
+                  <a:srgbClr val="6F008A"/>
+                </a:solidFill>
+                <a:latin typeface="Consolas"/>
+              </a:rPr>
+              <a:t>BlockSizeX</a:t>
+            </a:r>
+            <a:r>
+              <a:rPr lang="en-US" dirty="0">
+                <a:solidFill>
+                  <a:srgbClr val="000000"/>
+                </a:solidFill>
+                <a:latin typeface="Consolas"/>
+              </a:rPr>
+              <a:t>, 1, </a:t>
+            </a:r>
+            <a:r>
+              <a:rPr lang="en-US" dirty="0">
+                <a:solidFill>
+                  <a:srgbClr val="6F008A"/>
+                </a:solidFill>
+                <a:latin typeface="Consolas"/>
+              </a:rPr>
+              <a:t>BlockSizeZ</a:t>
+            </a:r>
+            <a:r>
+              <a:rPr lang="en-US" dirty="0">
+                <a:solidFill>
+                  <a:srgbClr val="000000"/>
+                </a:solidFill>
+                <a:latin typeface="Consolas"/>
+              </a:rPr>
+              <a:t>) &gt;&gt; &gt; (dev_r, dev_c0, dev_c2, dev_c4, dev_c6, </a:t>
+            </a:r>
+            <a:r>
+              <a:rPr lang="en-US" dirty="0">
+                <a:solidFill>
+                  <a:srgbClr val="6F008A"/>
+                </a:solidFill>
+                <a:latin typeface="Consolas"/>
+              </a:rPr>
+              <a:t>GridN</a:t>
+            </a:r>
+            <a:r>
+              <a:rPr lang="en-US" dirty="0">
+                <a:solidFill>
+                  <a:srgbClr val="000000"/>
+                </a:solidFill>
+                <a:latin typeface="Consolas"/>
+              </a:rPr>
+              <a:t>, omega</a:t>
+            </a:r>
+            <a:r>
+              <a:rPr lang="en-US" dirty="0" smtClean="0">
+                <a:solidFill>
+                  <a:srgbClr val="000000"/>
+                </a:solidFill>
+                <a:latin typeface="Consolas"/>
+              </a:rPr>
+              <a:t>);</a:t>
+            </a:r>
+          </a:p>
+          <a:p>
+            <a:endParaRPr lang="en-US" dirty="0">
+              <a:solidFill>
+                <a:srgbClr val="000000"/>
+              </a:solidFill>
+              <a:latin typeface="Consolas"/>
+            </a:endParaRPr>
+          </a:p>
+          <a:p>
+            <a:r>
+              <a:rPr lang="ru-RU" dirty="0">
+                <a:solidFill>
+                  <a:srgbClr val="008000"/>
+                </a:solidFill>
+                <a:latin typeface="Consolas"/>
+              </a:rPr>
+              <a:t>// Копируем массив с результатами вычислений из памяти GPU в ОЗУ</a:t>
+            </a:r>
+            <a:endParaRPr lang="ru-RU" dirty="0">
+              <a:solidFill>
+                <a:srgbClr val="000000"/>
+              </a:solidFill>
+              <a:latin typeface="Consolas"/>
+            </a:endParaRPr>
+          </a:p>
+          <a:p>
+            <a:r>
+              <a:rPr lang="en-US" dirty="0" smtClean="0">
+                <a:solidFill>
+                  <a:srgbClr val="000000"/>
+                </a:solidFill>
+                <a:latin typeface="Consolas"/>
+              </a:rPr>
+              <a:t>cudaMemcpy(</a:t>
+            </a:r>
+            <a:r>
+              <a:rPr lang="en-US" dirty="0" err="1" smtClean="0">
+                <a:solidFill>
+                  <a:srgbClr val="000000"/>
+                </a:solidFill>
+                <a:latin typeface="Consolas"/>
+              </a:rPr>
+              <a:t>host_r</a:t>
+            </a:r>
+            <a:r>
+              <a:rPr lang="en-US" dirty="0">
+                <a:solidFill>
+                  <a:srgbClr val="000000"/>
+                </a:solidFill>
+                <a:latin typeface="Consolas"/>
+              </a:rPr>
+              <a:t>, dev_r, sizeInBytesDouble, </a:t>
+            </a:r>
+            <a:r>
+              <a:rPr lang="en-US" dirty="0">
+                <a:solidFill>
+                  <a:srgbClr val="2F4F4F"/>
+                </a:solidFill>
+                <a:latin typeface="Consolas"/>
+              </a:rPr>
+              <a:t>cudaMemcpyDeviceToHost</a:t>
+            </a:r>
+            <a:r>
+              <a:rPr lang="en-US" dirty="0">
+                <a:solidFill>
+                  <a:srgbClr val="000000"/>
+                </a:solidFill>
+                <a:latin typeface="Consolas"/>
+              </a:rPr>
+              <a:t>);    </a:t>
+            </a:r>
           </a:p>
         </p:txBody>
       </p:sp>
     </p:spTree>
     <p:extLst>
       <p:ext uri="{BB962C8B-B14F-4D97-AF65-F5344CB8AC3E}">
-        <p14:creationId xmlns:p14="http://schemas.microsoft.com/office/powerpoint/2010/main" val="1117047287"/>
+        <p14:creationId xmlns:p14="http://schemas.microsoft.com/office/powerpoint/2010/main" val="452639538"/>
       </p:ext>
     </p:extLst>
   </p:cSld>
@@ -7445,7 +9530,7 @@
           <p:cNvPr id="4" name="Прямоугольник 3">
             <a:extLst>
               <a:ext uri="{FF2B5EF4-FFF2-40B4-BE49-F238E27FC236}">
-                <a16:creationId xmlns:a16="http://schemas.microsoft.com/office/drawing/2014/main" xmlns="" id="{E1028892-F7A5-4AD9-8241-0AC06DB80118}"/>
+                <a16:creationId xmlns:a16="http://schemas.microsoft.com/office/drawing/2014/main" xmlns="" id="{88213514-88D4-4F0B-BF13-41739D4D2F0E}"/>
               </a:ext>
             </a:extLst>
           </p:cNvPr>
@@ -7454,8 +9539,8 @@
         </p:nvSpPr>
         <p:spPr>
           <a:xfrm>
-            <a:off x="580753" y="38919"/>
-            <a:ext cx="11335474" cy="6863417"/>
+            <a:off x="1490767" y="1230616"/>
+            <a:ext cx="9667227" cy="5016758"/>
           </a:xfrm>
           <a:prstGeom prst="rect">
             <a:avLst/>
@@ -7468,13 +9553,307 @@
           <a:lstStyle/>
           <a:p>
             <a:r>
+              <a:rPr lang="fr-FR" sz="2000" dirty="0">
+                <a:solidFill>
+                  <a:srgbClr val="6F008A"/>
+                </a:solidFill>
+                <a:latin typeface="Consolas" panose="020B0609020204030204" pitchFamily="49" charset="0"/>
+              </a:rPr>
+              <a:t>__global__</a:t>
+            </a:r>
+            <a:r>
+              <a:rPr lang="fr-FR" sz="2000" dirty="0">
+                <a:solidFill>
+                  <a:srgbClr val="000000"/>
+                </a:solidFill>
+                <a:latin typeface="Consolas" panose="020B0609020204030204" pitchFamily="49" charset="0"/>
+              </a:rPr>
+              <a:t> </a:t>
+            </a:r>
+            <a:r>
+              <a:rPr lang="fr-FR" sz="2000" dirty="0">
+                <a:solidFill>
+                  <a:srgbClr val="0000FF"/>
+                </a:solidFill>
+                <a:latin typeface="Consolas" panose="020B0609020204030204" pitchFamily="49" charset="0"/>
+              </a:rPr>
+              <a:t>void</a:t>
+            </a:r>
+            <a:r>
+              <a:rPr lang="fr-FR" sz="2000" dirty="0">
+                <a:solidFill>
+                  <a:srgbClr val="000000"/>
+                </a:solidFill>
+                <a:latin typeface="Consolas" panose="020B0609020204030204" pitchFamily="49" charset="0"/>
+              </a:rPr>
+              <a:t> ptmKernel3(</a:t>
+            </a:r>
+            <a:r>
+              <a:rPr lang="fr-FR" sz="2000" dirty="0">
+                <a:solidFill>
+                  <a:srgbClr val="0000FF"/>
+                </a:solidFill>
+                <a:latin typeface="Consolas" panose="020B0609020204030204" pitchFamily="49" charset="0"/>
+              </a:rPr>
+              <a:t>double</a:t>
+            </a:r>
+            <a:r>
+              <a:rPr lang="fr-FR" sz="2000" dirty="0">
+                <a:solidFill>
+                  <a:srgbClr val="000000"/>
+                </a:solidFill>
+                <a:latin typeface="Consolas" panose="020B0609020204030204" pitchFamily="49" charset="0"/>
+              </a:rPr>
+              <a:t>* </a:t>
+            </a:r>
+            <a:r>
+              <a:rPr lang="fr-FR" sz="2000" dirty="0">
+                <a:solidFill>
+                  <a:srgbClr val="808080"/>
+                </a:solidFill>
+                <a:latin typeface="Consolas" panose="020B0609020204030204" pitchFamily="49" charset="0"/>
+              </a:rPr>
+              <a:t>r</a:t>
+            </a:r>
+            <a:r>
+              <a:rPr lang="fr-FR" sz="2000" dirty="0">
+                <a:solidFill>
+                  <a:srgbClr val="000000"/>
+                </a:solidFill>
+                <a:latin typeface="Consolas" panose="020B0609020204030204" pitchFamily="49" charset="0"/>
+              </a:rPr>
+              <a:t>, </a:t>
+            </a:r>
+            <a:r>
+              <a:rPr lang="fr-FR" sz="2000" dirty="0">
+                <a:solidFill>
+                  <a:srgbClr val="0000FF"/>
+                </a:solidFill>
+                <a:latin typeface="Consolas" panose="020B0609020204030204" pitchFamily="49" charset="0"/>
+              </a:rPr>
+              <a:t>double</a:t>
+            </a:r>
+            <a:r>
+              <a:rPr lang="fr-FR" sz="2000" dirty="0">
+                <a:solidFill>
+                  <a:srgbClr val="000000"/>
+                </a:solidFill>
+                <a:latin typeface="Consolas" panose="020B0609020204030204" pitchFamily="49" charset="0"/>
+              </a:rPr>
+              <a:t>* </a:t>
+            </a:r>
+            <a:r>
+              <a:rPr lang="fr-FR" sz="2000" dirty="0">
+                <a:solidFill>
+                  <a:srgbClr val="808080"/>
+                </a:solidFill>
+                <a:latin typeface="Consolas" panose="020B0609020204030204" pitchFamily="49" charset="0"/>
+              </a:rPr>
+              <a:t>c0</a:t>
+            </a:r>
+            <a:r>
+              <a:rPr lang="fr-FR" sz="2000" dirty="0">
+                <a:solidFill>
+                  <a:srgbClr val="000000"/>
+                </a:solidFill>
+                <a:latin typeface="Consolas" panose="020B0609020204030204" pitchFamily="49" charset="0"/>
+              </a:rPr>
+              <a:t>, </a:t>
+            </a:r>
+            <a:r>
+              <a:rPr lang="fr-FR" sz="2000" dirty="0">
+                <a:solidFill>
+                  <a:srgbClr val="0000FF"/>
+                </a:solidFill>
+                <a:latin typeface="Consolas" panose="020B0609020204030204" pitchFamily="49" charset="0"/>
+              </a:rPr>
+              <a:t>double</a:t>
+            </a:r>
+            <a:r>
+              <a:rPr lang="fr-FR" sz="2000" dirty="0">
+                <a:solidFill>
+                  <a:srgbClr val="000000"/>
+                </a:solidFill>
+                <a:latin typeface="Consolas" panose="020B0609020204030204" pitchFamily="49" charset="0"/>
+              </a:rPr>
+              <a:t>* </a:t>
+            </a:r>
+            <a:r>
+              <a:rPr lang="fr-FR" sz="2000" dirty="0">
+                <a:solidFill>
+                  <a:srgbClr val="808080"/>
+                </a:solidFill>
+                <a:latin typeface="Consolas" panose="020B0609020204030204" pitchFamily="49" charset="0"/>
+              </a:rPr>
+              <a:t>c2</a:t>
+            </a:r>
+            <a:r>
+              <a:rPr lang="fr-FR" sz="2000" dirty="0">
+                <a:solidFill>
+                  <a:srgbClr val="000000"/>
+                </a:solidFill>
+                <a:latin typeface="Consolas" panose="020B0609020204030204" pitchFamily="49" charset="0"/>
+              </a:rPr>
+              <a:t>,</a:t>
+            </a:r>
+          </a:p>
+          <a:p>
+            <a:r>
+              <a:rPr lang="fr-FR" sz="2000" dirty="0">
+                <a:solidFill>
+                  <a:srgbClr val="0000FF"/>
+                </a:solidFill>
+                <a:latin typeface="Consolas" panose="020B0609020204030204" pitchFamily="49" charset="0"/>
+              </a:rPr>
+              <a:t>double</a:t>
+            </a:r>
+            <a:r>
+              <a:rPr lang="fr-FR" sz="2000" dirty="0">
+                <a:solidFill>
+                  <a:srgbClr val="000000"/>
+                </a:solidFill>
+                <a:latin typeface="Consolas" panose="020B0609020204030204" pitchFamily="49" charset="0"/>
+              </a:rPr>
+              <a:t>* </a:t>
+            </a:r>
+            <a:r>
+              <a:rPr lang="fr-FR" sz="2000" dirty="0">
+                <a:solidFill>
+                  <a:srgbClr val="808080"/>
+                </a:solidFill>
+                <a:latin typeface="Consolas" panose="020B0609020204030204" pitchFamily="49" charset="0"/>
+              </a:rPr>
+              <a:t>c4</a:t>
+            </a:r>
+            <a:r>
+              <a:rPr lang="fr-FR" sz="2000" dirty="0">
+                <a:solidFill>
+                  <a:srgbClr val="000000"/>
+                </a:solidFill>
+                <a:latin typeface="Consolas" panose="020B0609020204030204" pitchFamily="49" charset="0"/>
+              </a:rPr>
+              <a:t>, </a:t>
+            </a:r>
+            <a:r>
+              <a:rPr lang="fr-FR" sz="2000" dirty="0">
+                <a:solidFill>
+                  <a:srgbClr val="0000FF"/>
+                </a:solidFill>
+                <a:latin typeface="Consolas" panose="020B0609020204030204" pitchFamily="49" charset="0"/>
+              </a:rPr>
+              <a:t>double</a:t>
+            </a:r>
+            <a:r>
+              <a:rPr lang="fr-FR" sz="2000" dirty="0">
+                <a:solidFill>
+                  <a:srgbClr val="000000"/>
+                </a:solidFill>
+                <a:latin typeface="Consolas" panose="020B0609020204030204" pitchFamily="49" charset="0"/>
+              </a:rPr>
+              <a:t>* </a:t>
+            </a:r>
+            <a:r>
+              <a:rPr lang="fr-FR" sz="2000" dirty="0">
+                <a:solidFill>
+                  <a:srgbClr val="808080"/>
+                </a:solidFill>
+                <a:latin typeface="Consolas" panose="020B0609020204030204" pitchFamily="49" charset="0"/>
+              </a:rPr>
+              <a:t>c6</a:t>
+            </a:r>
+            <a:r>
+              <a:rPr lang="fr-FR" sz="2000" dirty="0">
+                <a:solidFill>
+                  <a:srgbClr val="000000"/>
+                </a:solidFill>
+                <a:latin typeface="Consolas" panose="020B0609020204030204" pitchFamily="49" charset="0"/>
+              </a:rPr>
+              <a:t>, </a:t>
+            </a:r>
+            <a:r>
+              <a:rPr lang="fr-FR" sz="2000" dirty="0">
+                <a:solidFill>
+                  <a:srgbClr val="0000FF"/>
+                </a:solidFill>
+                <a:latin typeface="Consolas" panose="020B0609020204030204" pitchFamily="49" charset="0"/>
+              </a:rPr>
+              <a:t>double</a:t>
+            </a:r>
+            <a:r>
+              <a:rPr lang="fr-FR" sz="2000" dirty="0">
+                <a:solidFill>
+                  <a:srgbClr val="000000"/>
+                </a:solidFill>
+                <a:latin typeface="Consolas" panose="020B0609020204030204" pitchFamily="49" charset="0"/>
+              </a:rPr>
+              <a:t> </a:t>
+            </a:r>
+            <a:r>
+              <a:rPr lang="fr-FR" sz="2000" dirty="0">
+                <a:solidFill>
+                  <a:srgbClr val="808080"/>
+                </a:solidFill>
+                <a:latin typeface="Consolas" panose="020B0609020204030204" pitchFamily="49" charset="0"/>
+              </a:rPr>
+              <a:t>omega</a:t>
+            </a:r>
+            <a:r>
+              <a:rPr lang="fr-FR" sz="2000" dirty="0">
+                <a:solidFill>
+                  <a:srgbClr val="000000"/>
+                </a:solidFill>
+                <a:latin typeface="Consolas" panose="020B0609020204030204" pitchFamily="49" charset="0"/>
+              </a:rPr>
+              <a:t>)</a:t>
+            </a:r>
+          </a:p>
+          <a:p>
+            <a:r>
+              <a:rPr lang="ru-RU" sz="2000" dirty="0">
+                <a:solidFill>
+                  <a:srgbClr val="000000"/>
+                </a:solidFill>
+                <a:latin typeface="Consolas" panose="020B0609020204030204" pitchFamily="49" charset="0"/>
+              </a:rPr>
+              <a:t>{</a:t>
+            </a:r>
+          </a:p>
+          <a:p>
+            <a:r>
               <a:rPr lang="en-US" sz="2000" dirty="0">
                 <a:solidFill>
+                  <a:srgbClr val="000000"/>
+                </a:solidFill>
+                <a:latin typeface="Consolas" panose="020B0609020204030204" pitchFamily="49" charset="0"/>
+              </a:rPr>
+              <a:t>    </a:t>
+            </a:r>
+            <a:r>
+              <a:rPr lang="en-US" sz="2000" dirty="0">
+                <a:solidFill>
+                  <a:srgbClr val="6F008A"/>
+                </a:solidFill>
+                <a:latin typeface="Consolas" panose="020B0609020204030204" pitchFamily="49" charset="0"/>
+              </a:rPr>
+              <a:t>__shared__</a:t>
+            </a:r>
+            <a:r>
+              <a:rPr lang="en-US" sz="2000" dirty="0">
+                <a:solidFill>
+                  <a:srgbClr val="000000"/>
+                </a:solidFill>
+                <a:latin typeface="Consolas" panose="020B0609020204030204" pitchFamily="49" charset="0"/>
+              </a:rPr>
+              <a:t> </a:t>
+            </a:r>
+            <a:r>
+              <a:rPr lang="en-US" sz="2000" dirty="0">
+                <a:solidFill>
                   <a:srgbClr val="0000FF"/>
                 </a:solidFill>
                 <a:latin typeface="Consolas" panose="020B0609020204030204" pitchFamily="49" charset="0"/>
               </a:rPr>
-              <a:t>				   double</a:t>
+              <a:t>double</a:t>
             </a:r>
             <a:r>
               <a:rPr lang="en-US" sz="2000" dirty="0">
@@ -7483,36 +9862,16 @@
                 </a:solidFill>
                 <a:latin typeface="Consolas" panose="020B0609020204030204" pitchFamily="49" charset="0"/>
               </a:rPr>
-              <a:t> rm4 = 0;</a:t>
-            </a:r>
-          </a:p>
-          <a:p>
-            <a:r>
-              <a:rPr lang="en-US" sz="2000" dirty="0">
-                <a:solidFill>
-                  <a:srgbClr val="000000"/>
-                </a:solidFill>
-                <a:latin typeface="Consolas" panose="020B0609020204030204" pitchFamily="49" charset="0"/>
-              </a:rPr>
-              <a:t>                </a:t>
-            </a:r>
-            <a:r>
-              <a:rPr lang="en-US" sz="2000" dirty="0">
-                <a:solidFill>
-                  <a:srgbClr val="0000FF"/>
-                </a:solidFill>
-                <a:latin typeface="Consolas" panose="020B0609020204030204" pitchFamily="49" charset="0"/>
-              </a:rPr>
-              <a:t>if</a:t>
-            </a:r>
-            <a:r>
-              <a:rPr lang="en-US" sz="2000" dirty="0">
-                <a:solidFill>
-                  <a:srgbClr val="000000"/>
-                </a:solidFill>
-                <a:latin typeface="Consolas" panose="020B0609020204030204" pitchFamily="49" charset="0"/>
-              </a:rPr>
-              <a:t> (s &gt; 3 + threadX + </a:t>
+              <a:t> cache[</a:t>
+            </a:r>
+            <a:r>
+              <a:rPr lang="en-US" sz="2000" dirty="0" err="1">
+                <a:solidFill>
+                  <a:srgbClr val="6F008A"/>
+                </a:solidFill>
+                <a:latin typeface="Consolas" panose="020B0609020204030204" pitchFamily="49" charset="0"/>
+              </a:rPr>
+              <a:t>BlockSizeX</a:t>
             </a:r>
             <a:r>
               <a:rPr lang="en-US" sz="2000" dirty="0" smtClean="0">
@@ -7521,7 +9880,25 @@
                 </a:solidFill>
                 <a:latin typeface="Consolas" panose="020B0609020204030204" pitchFamily="49" charset="0"/>
               </a:rPr>
-              <a:t>threadZ)</a:t>
+              <a:t>][</a:t>
+            </a:r>
+            <a:r>
+              <a:rPr lang="en-US" sz="2000" dirty="0" smtClean="0">
+                <a:solidFill>
+                  <a:srgbClr val="6F008A"/>
+                </a:solidFill>
+                <a:latin typeface="Consolas" panose="020B0609020204030204" pitchFamily="49" charset="0"/>
+              </a:rPr>
+              <a:t>BlockSizeZ</a:t>
+            </a:r>
+            <a:r>
+              <a:rPr lang="en-US" sz="2000" dirty="0" smtClean="0">
+                <a:solidFill>
+                  <a:srgbClr val="000000"/>
+                </a:solidFill>
+                <a:latin typeface="Consolas" panose="020B0609020204030204" pitchFamily="49" charset="0"/>
+              </a:rPr>
+              <a:t>];</a:t>
             </a:r>
             <a:endParaRPr lang="en-US" sz="2000" dirty="0">
               <a:solidFill>
@@ -7532,24 +9909,107 @@
           </a:p>
           <a:p>
             <a:r>
-              <a:rPr lang="ru-RU" sz="2000" dirty="0">
-                <a:solidFill>
-                  <a:srgbClr val="000000"/>
-                </a:solidFill>
-                <a:latin typeface="Consolas" panose="020B0609020204030204" pitchFamily="49" charset="0"/>
-              </a:rPr>
-              <a:t>                {                    </a:t>
-            </a:r>
-          </a:p>
-          <a:p>
-            <a:r>
               <a:rPr lang="en-US" sz="2000" dirty="0">
                 <a:solidFill>
                   <a:srgbClr val="000000"/>
                 </a:solidFill>
                 <a:latin typeface="Consolas" panose="020B0609020204030204" pitchFamily="49" charset="0"/>
               </a:rPr>
-              <a:t>                    rm4 = cache[threadX][</a:t>
+              <a:t>    </a:t>
+            </a:r>
+          </a:p>
+          <a:p>
+            <a:r>
+              <a:rPr lang="en-US" sz="2000" dirty="0">
+                <a:solidFill>
+                  <a:srgbClr val="000000"/>
+                </a:solidFill>
+                <a:latin typeface="Consolas" panose="020B0609020204030204" pitchFamily="49" charset="0"/>
+              </a:rPr>
+              <a:t>    </a:t>
+            </a:r>
+            <a:r>
+              <a:rPr lang="en-US" sz="2000" dirty="0">
+                <a:solidFill>
+                  <a:srgbClr val="0000FF"/>
+                </a:solidFill>
+                <a:latin typeface="Consolas" panose="020B0609020204030204" pitchFamily="49" charset="0"/>
+              </a:rPr>
+              <a:t>const</a:t>
+            </a:r>
+            <a:r>
+              <a:rPr lang="en-US" sz="2000" dirty="0">
+                <a:solidFill>
+                  <a:srgbClr val="000000"/>
+                </a:solidFill>
+                <a:latin typeface="Consolas" panose="020B0609020204030204" pitchFamily="49" charset="0"/>
+              </a:rPr>
+              <a:t> </a:t>
+            </a:r>
+            <a:r>
+              <a:rPr lang="en-US" sz="2000" dirty="0">
+                <a:solidFill>
+                  <a:srgbClr val="2B91AF"/>
+                </a:solidFill>
+                <a:latin typeface="Consolas" panose="020B0609020204030204" pitchFamily="49" charset="0"/>
+              </a:rPr>
+              <a:t>size_t</a:t>
+            </a:r>
+            <a:r>
+              <a:rPr lang="en-US" sz="2000" dirty="0">
+                <a:solidFill>
+                  <a:srgbClr val="000000"/>
+                </a:solidFill>
+                <a:latin typeface="Consolas" panose="020B0609020204030204" pitchFamily="49" charset="0"/>
+              </a:rPr>
+              <a:t> threadX = blockDim.x * blockIdx.x + threadIdx.x;</a:t>
+            </a:r>
+          </a:p>
+          <a:p>
+            <a:r>
+              <a:rPr lang="en-US" sz="2000" dirty="0">
+                <a:solidFill>
+                  <a:srgbClr val="000000"/>
+                </a:solidFill>
+                <a:latin typeface="Consolas" panose="020B0609020204030204" pitchFamily="49" charset="0"/>
+              </a:rPr>
+              <a:t>    </a:t>
+            </a:r>
+            <a:r>
+              <a:rPr lang="en-US" sz="2000" dirty="0">
+                <a:solidFill>
+                  <a:srgbClr val="0000FF"/>
+                </a:solidFill>
+                <a:latin typeface="Consolas" panose="020B0609020204030204" pitchFamily="49" charset="0"/>
+              </a:rPr>
+              <a:t>const</a:t>
+            </a:r>
+            <a:r>
+              <a:rPr lang="en-US" sz="2000" dirty="0">
+                <a:solidFill>
+                  <a:srgbClr val="000000"/>
+                </a:solidFill>
+                <a:latin typeface="Consolas" panose="020B0609020204030204" pitchFamily="49" charset="0"/>
+              </a:rPr>
+              <a:t> </a:t>
+            </a:r>
+            <a:r>
+              <a:rPr lang="en-US" sz="2000" dirty="0">
+                <a:solidFill>
+                  <a:srgbClr val="2B91AF"/>
+                </a:solidFill>
+                <a:latin typeface="Consolas" panose="020B0609020204030204" pitchFamily="49" charset="0"/>
+              </a:rPr>
+              <a:t>size_t</a:t>
+            </a:r>
+            <a:r>
+              <a:rPr lang="en-US" sz="2000" dirty="0">
+                <a:solidFill>
+                  <a:srgbClr val="000000"/>
+                </a:solidFill>
+                <a:latin typeface="Consolas" panose="020B0609020204030204" pitchFamily="49" charset="0"/>
+              </a:rPr>
+              <a:t> </a:t>
             </a:r>
             <a:r>
               <a:rPr lang="en-US" sz="2000" dirty="0" smtClean="0">
@@ -7558,7 +10018,61 @@
                 </a:solidFill>
                 <a:latin typeface="Consolas" panose="020B0609020204030204" pitchFamily="49" charset="0"/>
               </a:rPr>
-              <a:t>threadZ];</a:t>
+              <a:t>threadZ </a:t>
+            </a:r>
+            <a:r>
+              <a:rPr lang="en-US" sz="2000" dirty="0">
+                <a:solidFill>
+                  <a:srgbClr val="000000"/>
+                </a:solidFill>
+                <a:latin typeface="Consolas" panose="020B0609020204030204" pitchFamily="49" charset="0"/>
+              </a:rPr>
+              <a:t>= </a:t>
+            </a:r>
+            <a:r>
+              <a:rPr lang="en-US" sz="2000" dirty="0" smtClean="0">
+                <a:solidFill>
+                  <a:srgbClr val="000000"/>
+                </a:solidFill>
+                <a:latin typeface="Consolas" panose="020B0609020204030204" pitchFamily="49" charset="0"/>
+              </a:rPr>
+              <a:t>blockDim.z </a:t>
+            </a:r>
+            <a:r>
+              <a:rPr lang="en-US" sz="2000" dirty="0">
+                <a:solidFill>
+                  <a:srgbClr val="000000"/>
+                </a:solidFill>
+                <a:latin typeface="Consolas" panose="020B0609020204030204" pitchFamily="49" charset="0"/>
+              </a:rPr>
+              <a:t>* </a:t>
+            </a:r>
+            <a:r>
+              <a:rPr lang="en-US" sz="2000" dirty="0" smtClean="0">
+                <a:solidFill>
+                  <a:srgbClr val="000000"/>
+                </a:solidFill>
+                <a:latin typeface="Consolas" panose="020B0609020204030204" pitchFamily="49" charset="0"/>
+              </a:rPr>
+              <a:t>blockIdx.z </a:t>
+            </a:r>
+            <a:r>
+              <a:rPr lang="en-US" sz="2000" dirty="0">
+                <a:solidFill>
+                  <a:srgbClr val="000000"/>
+                </a:solidFill>
+                <a:latin typeface="Consolas" panose="020B0609020204030204" pitchFamily="49" charset="0"/>
+              </a:rPr>
+              <a:t>+ </a:t>
+            </a:r>
+            <a:r>
+              <a:rPr lang="en-US" sz="2000" dirty="0" smtClean="0">
+                <a:solidFill>
+                  <a:srgbClr val="000000"/>
+                </a:solidFill>
+                <a:latin typeface="Consolas" panose="020B0609020204030204" pitchFamily="49" charset="0"/>
+              </a:rPr>
+              <a:t>threadIdx.z;</a:t>
             </a:r>
             <a:endParaRPr lang="en-US" sz="2000" dirty="0">
               <a:solidFill>
@@ -7568,6 +10082,14 @@
             </a:endParaRPr>
           </a:p>
           <a:p>
+            <a:endParaRPr lang="ru-RU" sz="2000" dirty="0">
+              <a:solidFill>
+                <a:srgbClr val="000000"/>
+              </a:solidFill>
+              <a:latin typeface="Consolas" panose="020B0609020204030204" pitchFamily="49" charset="0"/>
+            </a:endParaRPr>
+          </a:p>
+          <a:p>
             <a:r>
               <a:rPr lang="ru-RU" sz="2000" dirty="0">
                 <a:solidFill>
@@ -7575,8 +10097,23 @@
                 </a:solidFill>
                 <a:latin typeface="Consolas" panose="020B0609020204030204" pitchFamily="49" charset="0"/>
               </a:rPr>
-              <a:t>                }</a:t>
-            </a:r>
+              <a:t>    </a:t>
+            </a:r>
+            <a:r>
+              <a:rPr lang="ru-RU" sz="2000" dirty="0">
+                <a:solidFill>
+                  <a:srgbClr val="008000"/>
+                </a:solidFill>
+                <a:latin typeface="Consolas" panose="020B0609020204030204" pitchFamily="49" charset="0"/>
+              </a:rPr>
+              <a:t>// Индекс строки, которую обрабатывает текущий поток </a:t>
+            </a:r>
+            <a:endParaRPr lang="ru-RU" sz="2000" dirty="0">
+              <a:solidFill>
+                <a:srgbClr val="000000"/>
+              </a:solidFill>
+              <a:latin typeface="Consolas" panose="020B0609020204030204" pitchFamily="49" charset="0"/>
+            </a:endParaRPr>
           </a:p>
           <a:p>
             <a:r>
@@ -7586,7 +10123,7 @@
                 </a:solidFill>
                 <a:latin typeface="Consolas" panose="020B0609020204030204" pitchFamily="49" charset="0"/>
               </a:rPr>
-              <a:t>                </a:t>
+              <a:t>    </a:t>
             </a:r>
             <a:r>
               <a:rPr lang="en-US" sz="2000" dirty="0">
@@ -7595,7 +10132,189 @@
                 </a:solidFill>
                 <a:latin typeface="Consolas" panose="020B0609020204030204" pitchFamily="49" charset="0"/>
               </a:rPr>
-              <a:t>else</a:t>
+              <a:t>const</a:t>
+            </a:r>
+            <a:r>
+              <a:rPr lang="en-US" sz="2000" dirty="0">
+                <a:solidFill>
+                  <a:srgbClr val="000000"/>
+                </a:solidFill>
+                <a:latin typeface="Consolas" panose="020B0609020204030204" pitchFamily="49" charset="0"/>
+              </a:rPr>
+              <a:t> </a:t>
+            </a:r>
+            <a:r>
+              <a:rPr lang="en-US" sz="2000" dirty="0">
+                <a:solidFill>
+                  <a:srgbClr val="2B91AF"/>
+                </a:solidFill>
+                <a:latin typeface="Consolas" panose="020B0609020204030204" pitchFamily="49" charset="0"/>
+              </a:rPr>
+              <a:t>size_t</a:t>
+            </a:r>
+            <a:r>
+              <a:rPr lang="en-US" sz="2000" dirty="0">
+                <a:solidFill>
+                  <a:srgbClr val="000000"/>
+                </a:solidFill>
+                <a:latin typeface="Consolas" panose="020B0609020204030204" pitchFamily="49" charset="0"/>
+              </a:rPr>
+              <a:t> idx_x = threadX + 1;</a:t>
+            </a:r>
+          </a:p>
+          <a:p>
+            <a:r>
+              <a:rPr lang="ru-RU" sz="2000" dirty="0">
+                <a:solidFill>
+                  <a:srgbClr val="000000"/>
+                </a:solidFill>
+                <a:latin typeface="Consolas" panose="020B0609020204030204" pitchFamily="49" charset="0"/>
+              </a:rPr>
+              <a:t>    </a:t>
+            </a:r>
+            <a:r>
+              <a:rPr lang="ru-RU" sz="2000" dirty="0">
+                <a:solidFill>
+                  <a:srgbClr val="008000"/>
+                </a:solidFill>
+                <a:latin typeface="Consolas" panose="020B0609020204030204" pitchFamily="49" charset="0"/>
+              </a:rPr>
+              <a:t>// Индекс слоя, который обрабатывает текущий поток </a:t>
+            </a:r>
+            <a:endParaRPr lang="ru-RU" sz="2000" dirty="0">
+              <a:solidFill>
+                <a:srgbClr val="000000"/>
+              </a:solidFill>
+              <a:latin typeface="Consolas" panose="020B0609020204030204" pitchFamily="49" charset="0"/>
+            </a:endParaRPr>
+          </a:p>
+          <a:p>
+            <a:r>
+              <a:rPr lang="en-US" sz="2000" dirty="0">
+                <a:solidFill>
+                  <a:srgbClr val="000000"/>
+                </a:solidFill>
+                <a:latin typeface="Consolas" panose="020B0609020204030204" pitchFamily="49" charset="0"/>
+              </a:rPr>
+              <a:t>    </a:t>
+            </a:r>
+            <a:r>
+              <a:rPr lang="en-US" sz="2000" dirty="0">
+                <a:solidFill>
+                  <a:srgbClr val="0000FF"/>
+                </a:solidFill>
+                <a:latin typeface="Consolas" panose="020B0609020204030204" pitchFamily="49" charset="0"/>
+              </a:rPr>
+              <a:t>const</a:t>
+            </a:r>
+            <a:r>
+              <a:rPr lang="en-US" sz="2000" dirty="0">
+                <a:solidFill>
+                  <a:srgbClr val="000000"/>
+                </a:solidFill>
+                <a:latin typeface="Consolas" panose="020B0609020204030204" pitchFamily="49" charset="0"/>
+              </a:rPr>
+              <a:t> </a:t>
+            </a:r>
+            <a:r>
+              <a:rPr lang="en-US" sz="2000" dirty="0">
+                <a:solidFill>
+                  <a:srgbClr val="2B91AF"/>
+                </a:solidFill>
+                <a:latin typeface="Consolas" panose="020B0609020204030204" pitchFamily="49" charset="0"/>
+              </a:rPr>
+              <a:t>size_t</a:t>
+            </a:r>
+            <a:r>
+              <a:rPr lang="en-US" sz="2000" dirty="0">
+                <a:solidFill>
+                  <a:srgbClr val="000000"/>
+                </a:solidFill>
+                <a:latin typeface="Consolas" panose="020B0609020204030204" pitchFamily="49" charset="0"/>
+              </a:rPr>
+              <a:t> </a:t>
+            </a:r>
+            <a:r>
+              <a:rPr lang="en-US" sz="2000" dirty="0" smtClean="0">
+                <a:solidFill>
+                  <a:srgbClr val="000000"/>
+                </a:solidFill>
+                <a:latin typeface="Consolas" panose="020B0609020204030204" pitchFamily="49" charset="0"/>
+              </a:rPr>
+              <a:t>idx_z </a:t>
+            </a:r>
+            <a:r>
+              <a:rPr lang="en-US" sz="2000" dirty="0">
+                <a:solidFill>
+                  <a:srgbClr val="000000"/>
+                </a:solidFill>
+                <a:latin typeface="Consolas" panose="020B0609020204030204" pitchFamily="49" charset="0"/>
+              </a:rPr>
+              <a:t>= </a:t>
+            </a:r>
+            <a:r>
+              <a:rPr lang="en-US" sz="2000" dirty="0" smtClean="0">
+                <a:solidFill>
+                  <a:srgbClr val="000000"/>
+                </a:solidFill>
+                <a:latin typeface="Consolas" panose="020B0609020204030204" pitchFamily="49" charset="0"/>
+              </a:rPr>
+              <a:t>threadZ </a:t>
+            </a:r>
+            <a:r>
+              <a:rPr lang="en-US" sz="2000" dirty="0">
+                <a:solidFill>
+                  <a:srgbClr val="000000"/>
+                </a:solidFill>
+                <a:latin typeface="Consolas" panose="020B0609020204030204" pitchFamily="49" charset="0"/>
+              </a:rPr>
+              <a:t>+ 1;</a:t>
+            </a:r>
+          </a:p>
+          <a:p>
+            <a:endParaRPr lang="ru-RU" sz="2000" dirty="0">
+              <a:solidFill>
+                <a:srgbClr val="000000"/>
+              </a:solidFill>
+              <a:latin typeface="Consolas" panose="020B0609020204030204" pitchFamily="49" charset="0"/>
+            </a:endParaRPr>
+          </a:p>
+          <a:p>
+            <a:r>
+              <a:rPr lang="en-US" sz="2000" dirty="0">
+                <a:solidFill>
+                  <a:srgbClr val="000000"/>
+                </a:solidFill>
+                <a:latin typeface="Consolas" panose="020B0609020204030204" pitchFamily="49" charset="0"/>
+              </a:rPr>
+              <a:t>    </a:t>
+            </a:r>
+            <a:r>
+              <a:rPr lang="en-US" sz="2000" dirty="0">
+                <a:solidFill>
+                  <a:srgbClr val="2B91AF"/>
+                </a:solidFill>
+                <a:latin typeface="Consolas" panose="020B0609020204030204" pitchFamily="49" charset="0"/>
+              </a:rPr>
+              <a:t>size_t</a:t>
+            </a:r>
+            <a:r>
+              <a:rPr lang="en-US" sz="2000" dirty="0">
+                <a:solidFill>
+                  <a:srgbClr val="000000"/>
+                </a:solidFill>
+                <a:latin typeface="Consolas" panose="020B0609020204030204" pitchFamily="49" charset="0"/>
+              </a:rPr>
+              <a:t> currentY = 1; </a:t>
+            </a:r>
+            <a:r>
+              <a:rPr lang="en-US" sz="2000" dirty="0">
+                <a:solidFill>
+                  <a:srgbClr val="008000"/>
+                </a:solidFill>
+                <a:latin typeface="Consolas" panose="020B0609020204030204" pitchFamily="49" charset="0"/>
+              </a:rPr>
+              <a:t>// 0 - граница, берём 1</a:t>
             </a:r>
             <a:endParaRPr lang="en-US" sz="2000" dirty="0">
               <a:solidFill>
@@ -7605,64 +10324,6 @@
             </a:endParaRPr>
           </a:p>
           <a:p>
-            <a:r>
-              <a:rPr lang="ru-RU" sz="2000" dirty="0">
-                <a:solidFill>
-                  <a:srgbClr val="000000"/>
-                </a:solidFill>
-                <a:latin typeface="Consolas" panose="020B0609020204030204" pitchFamily="49" charset="0"/>
-              </a:rPr>
-              <a:t>                {</a:t>
-            </a:r>
-          </a:p>
-          <a:p>
-            <a:r>
-              <a:rPr lang="en-US" sz="2000" dirty="0">
-                <a:solidFill>
-                  <a:srgbClr val="000000"/>
-                </a:solidFill>
-                <a:latin typeface="Consolas" panose="020B0609020204030204" pitchFamily="49" charset="0"/>
-              </a:rPr>
-              <a:t>                    rm4 = </a:t>
-            </a:r>
-            <a:r>
-              <a:rPr lang="en-US" sz="2000" dirty="0">
-                <a:solidFill>
-                  <a:srgbClr val="808080"/>
-                </a:solidFill>
-                <a:latin typeface="Consolas" panose="020B0609020204030204" pitchFamily="49" charset="0"/>
-              </a:rPr>
-              <a:t>r</a:t>
-            </a:r>
-            <a:r>
-              <a:rPr lang="en-US" sz="2000" dirty="0">
-                <a:solidFill>
-                  <a:srgbClr val="000000"/>
-                </a:solidFill>
-                <a:latin typeface="Consolas" panose="020B0609020204030204" pitchFamily="49" charset="0"/>
-              </a:rPr>
-              <a:t>[m4];</a:t>
-            </a:r>
-          </a:p>
-          <a:p>
-            <a:r>
-              <a:rPr lang="ru-RU" sz="2000" dirty="0">
-                <a:solidFill>
-                  <a:srgbClr val="000000"/>
-                </a:solidFill>
-                <a:latin typeface="Consolas" panose="020B0609020204030204" pitchFamily="49" charset="0"/>
-              </a:rPr>
-              <a:t>                </a:t>
-            </a:r>
-            <a:r>
-              <a:rPr lang="ru-RU" sz="2000" dirty="0" smtClean="0">
-                <a:solidFill>
-                  <a:srgbClr val="000000"/>
-                </a:solidFill>
-                <a:latin typeface="Consolas" panose="020B0609020204030204" pitchFamily="49" charset="0"/>
-              </a:rPr>
-              <a:t>}                </a:t>
-            </a:r>
             <a:endParaRPr lang="ru-RU" sz="2000" dirty="0">
               <a:solidFill>
                 <a:srgbClr val="000000"/>
@@ -7678,394 +10339,7 @@
                 </a:solidFill>
                 <a:latin typeface="Consolas" panose="020B0609020204030204" pitchFamily="49" charset="0"/>
               </a:rPr>
-              <a:t> </a:t>
-            </a:r>
-            <a:r>
-              <a:rPr lang="ru-RU" sz="2000" dirty="0" smtClean="0">
-                <a:solidFill>
-                  <a:srgbClr val="000000"/>
-                </a:solidFill>
-                <a:latin typeface="Consolas" panose="020B0609020204030204" pitchFamily="49" charset="0"/>
-              </a:rPr>
-              <a:t>					</a:t>
-            </a:r>
-            <a:r>
-              <a:rPr lang="ru-RU" sz="2000" dirty="0" smtClean="0">
-                <a:solidFill>
-                  <a:srgbClr val="008000"/>
-                </a:solidFill>
-                <a:latin typeface="Consolas" panose="020B0609020204030204" pitchFamily="49" charset="0"/>
-              </a:rPr>
-              <a:t>// Аналогично </a:t>
-            </a:r>
-            <a:r>
-              <a:rPr lang="en-US" sz="2000" dirty="0" smtClean="0">
-                <a:solidFill>
-                  <a:srgbClr val="008000"/>
-                </a:solidFill>
-                <a:latin typeface="Consolas" panose="020B0609020204030204" pitchFamily="49" charset="0"/>
-              </a:rPr>
-              <a:t>rm2 </a:t>
-            </a:r>
-            <a:r>
-              <a:rPr lang="ru-RU" sz="2000" dirty="0" smtClean="0">
-                <a:solidFill>
-                  <a:srgbClr val="008000"/>
-                </a:solidFill>
-                <a:latin typeface="Consolas" panose="020B0609020204030204" pitchFamily="49" charset="0"/>
-              </a:rPr>
-              <a:t>и </a:t>
-            </a:r>
-            <a:r>
-              <a:rPr lang="en-US" sz="2000" dirty="0" smtClean="0">
-                <a:solidFill>
-                  <a:srgbClr val="008000"/>
-                </a:solidFill>
-                <a:latin typeface="Consolas" panose="020B0609020204030204" pitchFamily="49" charset="0"/>
-              </a:rPr>
-              <a:t>rm6</a:t>
-            </a:r>
-            <a:endParaRPr lang="ru-RU" sz="2000" dirty="0">
-              <a:solidFill>
-                <a:srgbClr val="000000"/>
-              </a:solidFill>
-              <a:latin typeface="Consolas" panose="020B0609020204030204" pitchFamily="49" charset="0"/>
-            </a:endParaRPr>
-          </a:p>
-          <a:p>
-            <a:r>
-              <a:rPr lang="nn-NO" sz="2000" dirty="0">
-                <a:solidFill>
-                  <a:srgbClr val="0000FF"/>
-                </a:solidFill>
-                <a:latin typeface="Consolas" panose="020B0609020204030204" pitchFamily="49" charset="0"/>
-              </a:rPr>
-              <a:t>				  </a:t>
-            </a:r>
-            <a:r>
-              <a:rPr lang="ru-RU" sz="2000" dirty="0">
-                <a:solidFill>
-                  <a:srgbClr val="0000FF"/>
-                </a:solidFill>
-                <a:latin typeface="Consolas" panose="020B0609020204030204" pitchFamily="49" charset="0"/>
-              </a:rPr>
-              <a:t> </a:t>
-            </a:r>
-            <a:r>
-              <a:rPr lang="nn-NO" sz="2000" dirty="0">
-                <a:solidFill>
-                  <a:srgbClr val="0000FF"/>
-                </a:solidFill>
-                <a:latin typeface="Consolas" panose="020B0609020204030204" pitchFamily="49" charset="0"/>
-              </a:rPr>
-              <a:t>double</a:t>
-            </a:r>
-            <a:r>
-              <a:rPr lang="nn-NO" sz="2000" dirty="0">
-                <a:solidFill>
-                  <a:srgbClr val="000000"/>
-                </a:solidFill>
-                <a:latin typeface="Consolas" panose="020B0609020204030204" pitchFamily="49" charset="0"/>
-              </a:rPr>
-              <a:t> rm0 = (</a:t>
-            </a:r>
-            <a:r>
-              <a:rPr lang="nn-NO" sz="2000" dirty="0">
-                <a:solidFill>
-                  <a:srgbClr val="808080"/>
-                </a:solidFill>
-                <a:latin typeface="Consolas" panose="020B0609020204030204" pitchFamily="49" charset="0"/>
-              </a:rPr>
-              <a:t>omega</a:t>
-            </a:r>
-            <a:r>
-              <a:rPr lang="nn-NO" sz="2000" dirty="0">
-                <a:solidFill>
-                  <a:srgbClr val="000000"/>
-                </a:solidFill>
-                <a:latin typeface="Consolas" panose="020B0609020204030204" pitchFamily="49" charset="0"/>
-              </a:rPr>
-              <a:t> * (</a:t>
-            </a:r>
-            <a:r>
-              <a:rPr lang="nn-NO" sz="2000" dirty="0">
-                <a:solidFill>
-                  <a:srgbClr val="808080"/>
-                </a:solidFill>
-                <a:latin typeface="Consolas" panose="020B0609020204030204" pitchFamily="49" charset="0"/>
-              </a:rPr>
-              <a:t>c2</a:t>
-            </a:r>
-            <a:r>
-              <a:rPr lang="nn-NO" sz="2000" dirty="0">
-                <a:solidFill>
-                  <a:srgbClr val="000000"/>
-                </a:solidFill>
-                <a:latin typeface="Consolas" panose="020B0609020204030204" pitchFamily="49" charset="0"/>
-              </a:rPr>
-              <a:t>[m0] * rm2 + </a:t>
-            </a:r>
-            <a:r>
-              <a:rPr lang="nn-NO" sz="2000" dirty="0">
-                <a:solidFill>
-                  <a:srgbClr val="808080"/>
-                </a:solidFill>
-                <a:latin typeface="Consolas" panose="020B0609020204030204" pitchFamily="49" charset="0"/>
-              </a:rPr>
-              <a:t>c4</a:t>
-            </a:r>
-            <a:r>
-              <a:rPr lang="nn-NO" sz="2000" dirty="0">
-                <a:solidFill>
-                  <a:srgbClr val="000000"/>
-                </a:solidFill>
-                <a:latin typeface="Consolas" panose="020B0609020204030204" pitchFamily="49" charset="0"/>
-              </a:rPr>
-              <a:t>[m0] * rm4 </a:t>
-            </a:r>
-            <a:r>
-              <a:rPr lang="nn-NO" sz="2000" dirty="0" smtClean="0">
-                <a:solidFill>
-                  <a:srgbClr val="000000"/>
-                </a:solidFill>
-                <a:latin typeface="Consolas" panose="020B0609020204030204" pitchFamily="49" charset="0"/>
-              </a:rPr>
-              <a:t>+</a:t>
-            </a:r>
-          </a:p>
-          <a:p>
-            <a:r>
-              <a:rPr lang="nn-NO" sz="2000" dirty="0" smtClean="0">
-                <a:solidFill>
-                  <a:srgbClr val="808080"/>
-                </a:solidFill>
-                <a:latin typeface="Consolas" panose="020B0609020204030204" pitchFamily="49" charset="0"/>
-              </a:rPr>
-              <a:t>										c6</a:t>
-            </a:r>
-            <a:r>
-              <a:rPr lang="nn-NO" sz="2000" dirty="0" smtClean="0">
-                <a:solidFill>
-                  <a:srgbClr val="000000"/>
-                </a:solidFill>
-                <a:latin typeface="Consolas" panose="020B0609020204030204" pitchFamily="49" charset="0"/>
-              </a:rPr>
-              <a:t>[m0</a:t>
-            </a:r>
-            <a:r>
-              <a:rPr lang="nn-NO" sz="2000" dirty="0">
-                <a:solidFill>
-                  <a:srgbClr val="000000"/>
-                </a:solidFill>
-                <a:latin typeface="Consolas" panose="020B0609020204030204" pitchFamily="49" charset="0"/>
-              </a:rPr>
-              <a:t>] * rm6) +</a:t>
-            </a:r>
-          </a:p>
-          <a:p>
-            <a:r>
-              <a:rPr lang="nn-NO" sz="2000" dirty="0">
-                <a:solidFill>
-                  <a:srgbClr val="000000"/>
-                </a:solidFill>
-                <a:latin typeface="Consolas" panose="020B0609020204030204" pitchFamily="49" charset="0"/>
-              </a:rPr>
-              <a:t>										</a:t>
-            </a:r>
-            <a:r>
-              <a:rPr lang="nn-NO" sz="2000" dirty="0" smtClean="0">
-                <a:solidFill>
-                  <a:srgbClr val="808080"/>
-                </a:solidFill>
-                <a:latin typeface="Consolas" panose="020B0609020204030204" pitchFamily="49" charset="0"/>
-              </a:rPr>
-              <a:t>r</a:t>
-            </a:r>
-            <a:r>
-              <a:rPr lang="nn-NO" sz="2000" dirty="0" smtClean="0">
-                <a:solidFill>
-                  <a:srgbClr val="000000"/>
-                </a:solidFill>
-                <a:latin typeface="Consolas" panose="020B0609020204030204" pitchFamily="49" charset="0"/>
-              </a:rPr>
-              <a:t>[m0</a:t>
-            </a:r>
-            <a:r>
-              <a:rPr lang="nn-NO" sz="2000" dirty="0">
-                <a:solidFill>
-                  <a:srgbClr val="000000"/>
-                </a:solidFill>
-                <a:latin typeface="Consolas" panose="020B0609020204030204" pitchFamily="49" charset="0"/>
-              </a:rPr>
-              <a:t>]) / ((0.5 * </a:t>
-            </a:r>
-            <a:r>
-              <a:rPr lang="nn-NO" sz="2000" dirty="0">
-                <a:solidFill>
-                  <a:srgbClr val="808080"/>
-                </a:solidFill>
-                <a:latin typeface="Consolas" panose="020B0609020204030204" pitchFamily="49" charset="0"/>
-              </a:rPr>
-              <a:t>omega</a:t>
-            </a:r>
-            <a:r>
-              <a:rPr lang="nn-NO" sz="2000" dirty="0">
-                <a:solidFill>
-                  <a:srgbClr val="000000"/>
-                </a:solidFill>
-                <a:latin typeface="Consolas" panose="020B0609020204030204" pitchFamily="49" charset="0"/>
-              </a:rPr>
-              <a:t> + 1) * c0m0);</a:t>
-            </a:r>
-          </a:p>
-          <a:p>
-            <a:r>
-              <a:rPr lang="pt-BR" sz="2000" dirty="0">
-                <a:solidFill>
-                  <a:srgbClr val="000000"/>
-                </a:solidFill>
-                <a:latin typeface="Consolas" panose="020B0609020204030204" pitchFamily="49" charset="0"/>
-              </a:rPr>
-              <a:t>                </a:t>
-            </a:r>
-          </a:p>
-          <a:p>
-            <a:r>
-              <a:rPr lang="en-US" sz="2000" dirty="0">
-                <a:solidFill>
-                  <a:srgbClr val="000000"/>
-                </a:solidFill>
-                <a:latin typeface="Consolas" panose="020B0609020204030204" pitchFamily="49" charset="0"/>
-              </a:rPr>
-              <a:t>                cache[</a:t>
-            </a:r>
-            <a:r>
-              <a:rPr lang="en-US" sz="2000" dirty="0" err="1">
-                <a:solidFill>
-                  <a:srgbClr val="000000"/>
-                </a:solidFill>
-                <a:latin typeface="Consolas" panose="020B0609020204030204" pitchFamily="49" charset="0"/>
-              </a:rPr>
-              <a:t>threadX</a:t>
-            </a:r>
-            <a:r>
-              <a:rPr lang="en-US" sz="2000" dirty="0">
-                <a:solidFill>
-                  <a:srgbClr val="000000"/>
-                </a:solidFill>
-                <a:latin typeface="Consolas" panose="020B0609020204030204" pitchFamily="49" charset="0"/>
-              </a:rPr>
-              <a:t>][</a:t>
-            </a:r>
-            <a:r>
-              <a:rPr lang="en-US" sz="2000" dirty="0" smtClean="0">
-                <a:solidFill>
-                  <a:srgbClr val="000000"/>
-                </a:solidFill>
-                <a:latin typeface="Consolas" panose="020B0609020204030204" pitchFamily="49" charset="0"/>
-              </a:rPr>
-              <a:t>threadZ] </a:t>
-            </a:r>
-            <a:r>
-              <a:rPr lang="en-US" sz="2000" dirty="0">
-                <a:solidFill>
-                  <a:srgbClr val="000000"/>
-                </a:solidFill>
-                <a:latin typeface="Consolas" panose="020B0609020204030204" pitchFamily="49" charset="0"/>
-              </a:rPr>
-              <a:t>= rm0;</a:t>
-            </a:r>
-          </a:p>
-          <a:p>
-            <a:r>
-              <a:rPr lang="en-US" sz="2000" dirty="0">
-                <a:solidFill>
-                  <a:srgbClr val="000000"/>
-                </a:solidFill>
-                <a:latin typeface="Consolas" panose="020B0609020204030204" pitchFamily="49" charset="0"/>
-              </a:rPr>
-              <a:t>                </a:t>
-            </a:r>
-            <a:r>
-              <a:rPr lang="en-US" sz="2000" dirty="0">
-                <a:solidFill>
-                  <a:srgbClr val="808080"/>
-                </a:solidFill>
-                <a:latin typeface="Consolas" panose="020B0609020204030204" pitchFamily="49" charset="0"/>
-              </a:rPr>
-              <a:t>r</a:t>
-            </a:r>
-            <a:r>
-              <a:rPr lang="en-US" sz="2000" dirty="0">
-                <a:solidFill>
-                  <a:srgbClr val="000000"/>
-                </a:solidFill>
-                <a:latin typeface="Consolas" panose="020B0609020204030204" pitchFamily="49" charset="0"/>
-              </a:rPr>
-              <a:t>[m0] = rm0;</a:t>
-            </a:r>
-          </a:p>
-          <a:p>
-            <a:r>
-              <a:rPr lang="ru-RU" sz="2000" dirty="0">
-                <a:solidFill>
-                  <a:srgbClr val="000000"/>
-                </a:solidFill>
-                <a:latin typeface="Consolas" panose="020B0609020204030204" pitchFamily="49" charset="0"/>
-              </a:rPr>
-              <a:t>            }</a:t>
-            </a:r>
-          </a:p>
-          <a:p>
-            <a:endParaRPr lang="ru-RU" sz="2000" dirty="0">
-              <a:solidFill>
-                <a:srgbClr val="000000"/>
-              </a:solidFill>
-              <a:latin typeface="Consolas" panose="020B0609020204030204" pitchFamily="49" charset="0"/>
-            </a:endParaRPr>
-          </a:p>
-          <a:p>
-            <a:r>
-              <a:rPr lang="en-US" sz="2000" dirty="0">
-                <a:solidFill>
-                  <a:srgbClr val="000000"/>
-                </a:solidFill>
-                <a:latin typeface="Consolas" panose="020B0609020204030204" pitchFamily="49" charset="0"/>
-              </a:rPr>
-              <a:t>            currentY++;</a:t>
-            </a:r>
-          </a:p>
-          <a:p>
-            <a:r>
-              <a:rPr lang="ru-RU" sz="2000" dirty="0">
-                <a:solidFill>
-                  <a:srgbClr val="000000"/>
-                </a:solidFill>
-                <a:latin typeface="Consolas" panose="020B0609020204030204" pitchFamily="49" charset="0"/>
-              </a:rPr>
-              <a:t>        }</a:t>
-            </a:r>
-          </a:p>
-          <a:p>
-            <a:r>
-              <a:rPr lang="ru-RU" sz="2000" dirty="0">
-                <a:solidFill>
-                  <a:srgbClr val="000000"/>
-                </a:solidFill>
-                <a:latin typeface="Consolas" panose="020B0609020204030204" pitchFamily="49" charset="0"/>
-              </a:rPr>
-              <a:t>    }</a:t>
-            </a:r>
-          </a:p>
-          <a:p>
-            <a:r>
-              <a:rPr lang="ru-RU" sz="2000" dirty="0">
-                <a:solidFill>
-                  <a:srgbClr val="000000"/>
-                </a:solidFill>
-                <a:latin typeface="Consolas" panose="020B0609020204030204" pitchFamily="49" charset="0"/>
-              </a:rPr>
-              <a:t>}</a:t>
+              <a:t>    </a:t>
             </a:r>
             <a:endParaRPr lang="ru-RU" sz="2000" dirty="0"/>
           </a:p>
@@ -8074,7 +10348,7 @@
     </p:spTree>
     <p:extLst>
       <p:ext uri="{BB962C8B-B14F-4D97-AF65-F5344CB8AC3E}">
-        <p14:creationId xmlns:p14="http://schemas.microsoft.com/office/powerpoint/2010/main" val="3916071853"/>
+        <p14:creationId xmlns:p14="http://schemas.microsoft.com/office/powerpoint/2010/main" val="3952201763"/>
       </p:ext>
     </p:extLst>
   </p:cSld>

--- a/_09_PtmConvTest/ptm conveyor.pptx
+++ b/_09_PtmConvTest/ptm conveyor.pptx
@@ -10,14 +10,13 @@
     <p:sldId id="259" r:id="rId4"/>
     <p:sldId id="261" r:id="rId5"/>
     <p:sldId id="258" r:id="rId6"/>
-    <p:sldId id="267" r:id="rId7"/>
-    <p:sldId id="268" r:id="rId8"/>
-    <p:sldId id="265" r:id="rId9"/>
-    <p:sldId id="260" r:id="rId10"/>
-    <p:sldId id="262" r:id="rId11"/>
-    <p:sldId id="263" r:id="rId12"/>
-    <p:sldId id="264" r:id="rId13"/>
-    <p:sldId id="266" r:id="rId14"/>
+    <p:sldId id="268" r:id="rId7"/>
+    <p:sldId id="265" r:id="rId8"/>
+    <p:sldId id="260" r:id="rId9"/>
+    <p:sldId id="262" r:id="rId10"/>
+    <p:sldId id="263" r:id="rId11"/>
+    <p:sldId id="264" r:id="rId12"/>
+    <p:sldId id="266" r:id="rId13"/>
   </p:sldIdLst>
   <p:sldSz cx="12192000" cy="6858000"/>
   <p:notesSz cx="6858000" cy="9144000"/>
@@ -4403,597 +4402,6 @@
           <p:cNvPr id="4" name="Прямоугольник 3">
             <a:extLst>
               <a:ext uri="{FF2B5EF4-FFF2-40B4-BE49-F238E27FC236}">
-                <a16:creationId xmlns:a16="http://schemas.microsoft.com/office/drawing/2014/main" xmlns="" id="{ACD123A0-37E4-43F8-BA23-CF6274D29C67}"/>
-              </a:ext>
-            </a:extLst>
-          </p:cNvPr>
-          <p:cNvSpPr/>
-          <p:nvPr/>
-        </p:nvSpPr>
-        <p:spPr>
-          <a:xfrm>
-            <a:off x="138716" y="973241"/>
-            <a:ext cx="12384911" cy="5324535"/>
-          </a:xfrm>
-          <a:prstGeom prst="rect">
-            <a:avLst/>
-          </a:prstGeom>
-        </p:spPr>
-        <p:txBody>
-          <a:bodyPr wrap="square">
-            <a:spAutoFit/>
-          </a:bodyPr>
-          <a:lstStyle/>
-          <a:p>
-            <a:r>
-              <a:rPr lang="en-US" sz="2000" dirty="0">
-                <a:solidFill>
-                  <a:srgbClr val="0000FF"/>
-                </a:solidFill>
-                <a:latin typeface="Consolas" panose="020B0609020204030204" pitchFamily="49" charset="0"/>
-              </a:rPr>
-              <a:t>for</a:t>
-            </a:r>
-            <a:r>
-              <a:rPr lang="en-US" sz="2000" dirty="0">
-                <a:solidFill>
-                  <a:srgbClr val="000000"/>
-                </a:solidFill>
-                <a:latin typeface="Consolas" panose="020B0609020204030204" pitchFamily="49" charset="0"/>
-              </a:rPr>
-              <a:t> (</a:t>
-            </a:r>
-            <a:r>
-              <a:rPr lang="en-US" sz="2000" dirty="0">
-                <a:solidFill>
-                  <a:srgbClr val="2B91AF"/>
-                </a:solidFill>
-                <a:latin typeface="Consolas" panose="020B0609020204030204" pitchFamily="49" charset="0"/>
-              </a:rPr>
-              <a:t>size_t</a:t>
-            </a:r>
-            <a:r>
-              <a:rPr lang="en-US" sz="2000" dirty="0">
-                <a:solidFill>
-                  <a:srgbClr val="000000"/>
-                </a:solidFill>
-                <a:latin typeface="Consolas" panose="020B0609020204030204" pitchFamily="49" charset="0"/>
-              </a:rPr>
-              <a:t> s = </a:t>
-            </a:r>
-            <a:r>
-              <a:rPr lang="ru-RU" sz="2000" dirty="0" smtClean="0">
-                <a:solidFill>
-                  <a:srgbClr val="000000"/>
-                </a:solidFill>
-                <a:latin typeface="Consolas" panose="020B0609020204030204" pitchFamily="49" charset="0"/>
-              </a:rPr>
-              <a:t>3</a:t>
-            </a:r>
-            <a:r>
-              <a:rPr lang="en-US" sz="2000" dirty="0" smtClean="0">
-                <a:solidFill>
-                  <a:srgbClr val="000000"/>
-                </a:solidFill>
-                <a:latin typeface="Consolas" panose="020B0609020204030204" pitchFamily="49" charset="0"/>
-              </a:rPr>
-              <a:t>; </a:t>
-            </a:r>
-            <a:r>
-              <a:rPr lang="en-US" sz="2000" dirty="0">
-                <a:solidFill>
-                  <a:srgbClr val="000000"/>
-                </a:solidFill>
-                <a:latin typeface="Consolas" panose="020B0609020204030204" pitchFamily="49" charset="0"/>
-              </a:rPr>
-              <a:t>s &lt;= GridNx + GridNy + GridNz - 3; s++)</a:t>
-            </a:r>
-          </a:p>
-          <a:p>
-            <a:r>
-              <a:rPr lang="ru-RU" sz="2000" dirty="0">
-                <a:solidFill>
-                  <a:srgbClr val="000000"/>
-                </a:solidFill>
-                <a:latin typeface="Consolas" panose="020B0609020204030204" pitchFamily="49" charset="0"/>
-              </a:rPr>
-              <a:t>    {</a:t>
-            </a:r>
-          </a:p>
-          <a:p>
-            <a:r>
-              <a:rPr lang="en-US" sz="2000" dirty="0">
-                <a:solidFill>
-                  <a:srgbClr val="000000"/>
-                </a:solidFill>
-                <a:latin typeface="Consolas" panose="020B0609020204030204" pitchFamily="49" charset="0"/>
-              </a:rPr>
-              <a:t>        __syncthreads();</a:t>
-            </a:r>
-          </a:p>
-          <a:p>
-            <a:r>
-              <a:rPr lang="en-US" sz="2000" dirty="0">
-                <a:solidFill>
-                  <a:srgbClr val="000000"/>
-                </a:solidFill>
-                <a:latin typeface="Consolas" panose="020B0609020204030204" pitchFamily="49" charset="0"/>
-              </a:rPr>
-              <a:t>        </a:t>
-            </a:r>
-            <a:r>
-              <a:rPr lang="en-US" sz="2000" dirty="0">
-                <a:solidFill>
-                  <a:srgbClr val="0000FF"/>
-                </a:solidFill>
-                <a:latin typeface="Consolas" panose="020B0609020204030204" pitchFamily="49" charset="0"/>
-              </a:rPr>
-              <a:t>if</a:t>
-            </a:r>
-            <a:r>
-              <a:rPr lang="en-US" sz="2000" dirty="0">
-                <a:solidFill>
-                  <a:srgbClr val="000000"/>
-                </a:solidFill>
-                <a:latin typeface="Consolas" panose="020B0609020204030204" pitchFamily="49" charset="0"/>
-              </a:rPr>
-              <a:t> (idx_x + currentY + </a:t>
-            </a:r>
-            <a:r>
-              <a:rPr lang="en-US" sz="2000" dirty="0" smtClean="0">
-                <a:solidFill>
-                  <a:srgbClr val="000000"/>
-                </a:solidFill>
-                <a:latin typeface="Consolas" panose="020B0609020204030204" pitchFamily="49" charset="0"/>
-              </a:rPr>
-              <a:t>idx_z </a:t>
-            </a:r>
-            <a:r>
-              <a:rPr lang="en-US" sz="2000" dirty="0">
-                <a:solidFill>
-                  <a:srgbClr val="000000"/>
-                </a:solidFill>
-                <a:latin typeface="Consolas" panose="020B0609020204030204" pitchFamily="49" charset="0"/>
-              </a:rPr>
-              <a:t>== s &amp;&amp; s &lt; </a:t>
-            </a:r>
-            <a:r>
-              <a:rPr lang="en-US" sz="2000" dirty="0">
-                <a:solidFill>
-                  <a:srgbClr val="6F008A"/>
-                </a:solidFill>
-                <a:latin typeface="Consolas" panose="020B0609020204030204" pitchFamily="49" charset="0"/>
-              </a:rPr>
-              <a:t>GridNy</a:t>
-            </a:r>
-            <a:r>
-              <a:rPr lang="en-US" sz="2000" dirty="0">
-                <a:solidFill>
-                  <a:srgbClr val="000000"/>
-                </a:solidFill>
-                <a:latin typeface="Consolas" panose="020B0609020204030204" pitchFamily="49" charset="0"/>
-              </a:rPr>
-              <a:t> + idx_x + </a:t>
-            </a:r>
-            <a:r>
-              <a:rPr lang="en-US" sz="2000" dirty="0" smtClean="0">
-                <a:solidFill>
-                  <a:srgbClr val="000000"/>
-                </a:solidFill>
-                <a:latin typeface="Consolas" panose="020B0609020204030204" pitchFamily="49" charset="0"/>
-              </a:rPr>
-              <a:t>idx_z)</a:t>
-            </a:r>
-            <a:endParaRPr lang="en-US" sz="2000" dirty="0">
-              <a:solidFill>
-                <a:srgbClr val="000000"/>
-              </a:solidFill>
-              <a:latin typeface="Consolas" panose="020B0609020204030204" pitchFamily="49" charset="0"/>
-            </a:endParaRPr>
-          </a:p>
-          <a:p>
-            <a:r>
-              <a:rPr lang="ru-RU" sz="2000" dirty="0">
-                <a:solidFill>
-                  <a:srgbClr val="000000"/>
-                </a:solidFill>
-                <a:latin typeface="Consolas" panose="020B0609020204030204" pitchFamily="49" charset="0"/>
-              </a:rPr>
-              <a:t>        {</a:t>
-            </a:r>
-          </a:p>
-          <a:p>
-            <a:r>
-              <a:rPr lang="en-US" sz="2000" dirty="0">
-                <a:solidFill>
-                  <a:srgbClr val="000000"/>
-                </a:solidFill>
-                <a:latin typeface="Consolas" panose="020B0609020204030204" pitchFamily="49" charset="0"/>
-              </a:rPr>
-              <a:t>            </a:t>
-            </a:r>
-            <a:r>
-              <a:rPr lang="en-US" sz="2000" dirty="0">
-                <a:solidFill>
-                  <a:srgbClr val="2B91AF"/>
-                </a:solidFill>
-                <a:latin typeface="Consolas" panose="020B0609020204030204" pitchFamily="49" charset="0"/>
-              </a:rPr>
-              <a:t>size_t</a:t>
-            </a:r>
-            <a:r>
-              <a:rPr lang="en-US" sz="2000" dirty="0">
-                <a:solidFill>
-                  <a:srgbClr val="000000"/>
-                </a:solidFill>
-                <a:latin typeface="Consolas" panose="020B0609020204030204" pitchFamily="49" charset="0"/>
-              </a:rPr>
-              <a:t> nodeIndex = idx_x + (</a:t>
-            </a:r>
-            <a:r>
-              <a:rPr lang="en-US" sz="2000" dirty="0">
-                <a:solidFill>
-                  <a:srgbClr val="6F008A"/>
-                </a:solidFill>
-                <a:latin typeface="Consolas" panose="020B0609020204030204" pitchFamily="49" charset="0"/>
-              </a:rPr>
-              <a:t>BlockSizeX</a:t>
-            </a:r>
-            <a:r>
-              <a:rPr lang="en-US" sz="2000" dirty="0">
-                <a:solidFill>
-                  <a:srgbClr val="000000"/>
-                </a:solidFill>
-                <a:latin typeface="Consolas" panose="020B0609020204030204" pitchFamily="49" charset="0"/>
-              </a:rPr>
-              <a:t> + 1) * currentY + </a:t>
-            </a:r>
-            <a:r>
-              <a:rPr lang="en-US" sz="2000" dirty="0">
-                <a:solidFill>
-                  <a:srgbClr val="6F008A"/>
-                </a:solidFill>
-                <a:latin typeface="Consolas" panose="020B0609020204030204" pitchFamily="49" charset="0"/>
-              </a:rPr>
-              <a:t>GridXY</a:t>
-            </a:r>
-            <a:r>
-              <a:rPr lang="en-US" sz="2000" dirty="0">
-                <a:solidFill>
-                  <a:srgbClr val="000000"/>
-                </a:solidFill>
-                <a:latin typeface="Consolas" panose="020B0609020204030204" pitchFamily="49" charset="0"/>
-              </a:rPr>
-              <a:t> * </a:t>
-            </a:r>
-            <a:r>
-              <a:rPr lang="en-US" sz="2000" dirty="0" smtClean="0">
-                <a:solidFill>
-                  <a:srgbClr val="000000"/>
-                </a:solidFill>
-                <a:latin typeface="Consolas" panose="020B0609020204030204" pitchFamily="49" charset="0"/>
-              </a:rPr>
-              <a:t>idx_z;</a:t>
-            </a:r>
-            <a:endParaRPr lang="en-US" sz="2000" dirty="0">
-              <a:solidFill>
-                <a:srgbClr val="000000"/>
-              </a:solidFill>
-              <a:latin typeface="Consolas" panose="020B0609020204030204" pitchFamily="49" charset="0"/>
-            </a:endParaRPr>
-          </a:p>
-          <a:p>
-            <a:endParaRPr lang="ru-RU" sz="2000" dirty="0">
-              <a:solidFill>
-                <a:srgbClr val="000000"/>
-              </a:solidFill>
-              <a:latin typeface="Consolas" panose="020B0609020204030204" pitchFamily="49" charset="0"/>
-            </a:endParaRPr>
-          </a:p>
-          <a:p>
-            <a:r>
-              <a:rPr lang="en-US" sz="2000" dirty="0">
-                <a:solidFill>
-                  <a:srgbClr val="000000"/>
-                </a:solidFill>
-                <a:latin typeface="Consolas" panose="020B0609020204030204" pitchFamily="49" charset="0"/>
-              </a:rPr>
-              <a:t>            </a:t>
-            </a:r>
-            <a:r>
-              <a:rPr lang="en-US" sz="2000" dirty="0">
-                <a:solidFill>
-                  <a:srgbClr val="2B91AF"/>
-                </a:solidFill>
-                <a:latin typeface="Consolas" panose="020B0609020204030204" pitchFamily="49" charset="0"/>
-              </a:rPr>
-              <a:t>size_t</a:t>
-            </a:r>
-            <a:r>
-              <a:rPr lang="en-US" sz="2000" dirty="0">
-                <a:solidFill>
-                  <a:srgbClr val="000000"/>
-                </a:solidFill>
-                <a:latin typeface="Consolas" panose="020B0609020204030204" pitchFamily="49" charset="0"/>
-              </a:rPr>
-              <a:t> m0 = nodeIndex;</a:t>
-            </a:r>
-          </a:p>
-          <a:p>
-            <a:endParaRPr lang="ru-RU" sz="2000" dirty="0">
-              <a:solidFill>
-                <a:srgbClr val="000000"/>
-              </a:solidFill>
-              <a:latin typeface="Consolas" panose="020B0609020204030204" pitchFamily="49" charset="0"/>
-            </a:endParaRPr>
-          </a:p>
-          <a:p>
-            <a:r>
-              <a:rPr lang="en-US" sz="2000" dirty="0">
-                <a:solidFill>
-                  <a:srgbClr val="000000"/>
-                </a:solidFill>
-                <a:latin typeface="Consolas" panose="020B0609020204030204" pitchFamily="49" charset="0"/>
-              </a:rPr>
-              <a:t>            </a:t>
-            </a:r>
-            <a:r>
-              <a:rPr lang="en-US" sz="2000" dirty="0">
-                <a:solidFill>
-                  <a:srgbClr val="0000FF"/>
-                </a:solidFill>
-                <a:latin typeface="Consolas" panose="020B0609020204030204" pitchFamily="49" charset="0"/>
-              </a:rPr>
-              <a:t>double</a:t>
-            </a:r>
-            <a:r>
-              <a:rPr lang="en-US" sz="2000" dirty="0">
-                <a:solidFill>
-                  <a:srgbClr val="000000"/>
-                </a:solidFill>
-                <a:latin typeface="Consolas" panose="020B0609020204030204" pitchFamily="49" charset="0"/>
-              </a:rPr>
-              <a:t> c0m0 = </a:t>
-            </a:r>
-            <a:r>
-              <a:rPr lang="en-US" sz="2000" dirty="0">
-                <a:solidFill>
-                  <a:srgbClr val="808080"/>
-                </a:solidFill>
-                <a:latin typeface="Consolas" panose="020B0609020204030204" pitchFamily="49" charset="0"/>
-              </a:rPr>
-              <a:t>c0</a:t>
-            </a:r>
-            <a:r>
-              <a:rPr lang="en-US" sz="2000" dirty="0">
-                <a:solidFill>
-                  <a:srgbClr val="000000"/>
-                </a:solidFill>
-                <a:latin typeface="Consolas" panose="020B0609020204030204" pitchFamily="49" charset="0"/>
-              </a:rPr>
-              <a:t>[m0];</a:t>
-            </a:r>
-          </a:p>
-          <a:p>
-            <a:r>
-              <a:rPr lang="en-US" sz="2000" dirty="0">
-                <a:solidFill>
-                  <a:srgbClr val="000000"/>
-                </a:solidFill>
-                <a:latin typeface="Consolas" panose="020B0609020204030204" pitchFamily="49" charset="0"/>
-              </a:rPr>
-              <a:t>            </a:t>
-            </a:r>
-            <a:r>
-              <a:rPr lang="en-US" sz="2000" dirty="0">
-                <a:solidFill>
-                  <a:srgbClr val="0000FF"/>
-                </a:solidFill>
-                <a:latin typeface="Consolas" panose="020B0609020204030204" pitchFamily="49" charset="0"/>
-              </a:rPr>
-              <a:t>if</a:t>
-            </a:r>
-            <a:r>
-              <a:rPr lang="en-US" sz="2000" dirty="0">
-                <a:solidFill>
-                  <a:srgbClr val="000000"/>
-                </a:solidFill>
-                <a:latin typeface="Consolas" panose="020B0609020204030204" pitchFamily="49" charset="0"/>
-              </a:rPr>
-              <a:t> (c0m0 &gt; 0)</a:t>
-            </a:r>
-          </a:p>
-          <a:p>
-            <a:r>
-              <a:rPr lang="ru-RU" sz="2000" dirty="0">
-                <a:solidFill>
-                  <a:srgbClr val="000000"/>
-                </a:solidFill>
-                <a:latin typeface="Consolas" panose="020B0609020204030204" pitchFamily="49" charset="0"/>
-              </a:rPr>
-              <a:t>            {</a:t>
-            </a:r>
-          </a:p>
-          <a:p>
-            <a:r>
-              <a:rPr lang="en-US" sz="2000" dirty="0">
-                <a:solidFill>
-                  <a:srgbClr val="000000"/>
-                </a:solidFill>
-                <a:latin typeface="Consolas" panose="020B0609020204030204" pitchFamily="49" charset="0"/>
-              </a:rPr>
-              <a:t>                </a:t>
-            </a:r>
-            <a:r>
-              <a:rPr lang="en-US" sz="2000" dirty="0">
-                <a:solidFill>
-                  <a:srgbClr val="2B91AF"/>
-                </a:solidFill>
-                <a:latin typeface="Consolas" panose="020B0609020204030204" pitchFamily="49" charset="0"/>
-              </a:rPr>
-              <a:t>size_t</a:t>
-            </a:r>
-            <a:r>
-              <a:rPr lang="en-US" sz="2000" dirty="0">
-                <a:solidFill>
-                  <a:srgbClr val="000000"/>
-                </a:solidFill>
-                <a:latin typeface="Consolas" panose="020B0609020204030204" pitchFamily="49" charset="0"/>
-              </a:rPr>
-              <a:t> m2 = m0 - 1;</a:t>
-            </a:r>
-          </a:p>
-          <a:p>
-            <a:r>
-              <a:rPr lang="en-US" sz="2000" dirty="0">
-                <a:solidFill>
-                  <a:srgbClr val="000000"/>
-                </a:solidFill>
-                <a:latin typeface="Consolas" panose="020B0609020204030204" pitchFamily="49" charset="0"/>
-              </a:rPr>
-              <a:t>                </a:t>
-            </a:r>
-            <a:r>
-              <a:rPr lang="en-US" sz="2000" dirty="0">
-                <a:solidFill>
-                  <a:srgbClr val="2B91AF"/>
-                </a:solidFill>
-                <a:latin typeface="Consolas" panose="020B0609020204030204" pitchFamily="49" charset="0"/>
-              </a:rPr>
-              <a:t>size_t</a:t>
-            </a:r>
-            <a:r>
-              <a:rPr lang="en-US" sz="2000" dirty="0">
-                <a:solidFill>
-                  <a:srgbClr val="000000"/>
-                </a:solidFill>
-                <a:latin typeface="Consolas" panose="020B0609020204030204" pitchFamily="49" charset="0"/>
-              </a:rPr>
-              <a:t> m4 = m0 - </a:t>
-            </a:r>
-            <a:r>
-              <a:rPr lang="en-US" sz="2000" dirty="0">
-                <a:solidFill>
-                  <a:srgbClr val="6F008A"/>
-                </a:solidFill>
-                <a:latin typeface="Consolas" panose="020B0609020204030204" pitchFamily="49" charset="0"/>
-              </a:rPr>
-              <a:t>GridNx</a:t>
-            </a:r>
-            <a:r>
-              <a:rPr lang="en-US" sz="2000" dirty="0">
-                <a:solidFill>
-                  <a:srgbClr val="000000"/>
-                </a:solidFill>
-                <a:latin typeface="Consolas" panose="020B0609020204030204" pitchFamily="49" charset="0"/>
-              </a:rPr>
-              <a:t>;</a:t>
-            </a:r>
-          </a:p>
-          <a:p>
-            <a:r>
-              <a:rPr lang="en-US" sz="2000" dirty="0">
-                <a:solidFill>
-                  <a:srgbClr val="000000"/>
-                </a:solidFill>
-                <a:latin typeface="Consolas" panose="020B0609020204030204" pitchFamily="49" charset="0"/>
-              </a:rPr>
-              <a:t>                </a:t>
-            </a:r>
-            <a:r>
-              <a:rPr lang="en-US" sz="2000" dirty="0">
-                <a:solidFill>
-                  <a:srgbClr val="2B91AF"/>
-                </a:solidFill>
-                <a:latin typeface="Consolas" panose="020B0609020204030204" pitchFamily="49" charset="0"/>
-              </a:rPr>
-              <a:t>size_t</a:t>
-            </a:r>
-            <a:r>
-              <a:rPr lang="en-US" sz="2000" dirty="0">
-                <a:solidFill>
-                  <a:srgbClr val="000000"/>
-                </a:solidFill>
-                <a:latin typeface="Consolas" panose="020B0609020204030204" pitchFamily="49" charset="0"/>
-              </a:rPr>
-              <a:t> m6 = m0 - </a:t>
-            </a:r>
-            <a:r>
-              <a:rPr lang="en-US" sz="2000" dirty="0">
-                <a:solidFill>
-                  <a:srgbClr val="6F008A"/>
-                </a:solidFill>
-                <a:latin typeface="Consolas" panose="020B0609020204030204" pitchFamily="49" charset="0"/>
-              </a:rPr>
-              <a:t>GridXY</a:t>
-            </a:r>
-            <a:r>
-              <a:rPr lang="en-US" sz="2000" dirty="0">
-                <a:solidFill>
-                  <a:srgbClr val="000000"/>
-                </a:solidFill>
-                <a:latin typeface="Consolas" panose="020B0609020204030204" pitchFamily="49" charset="0"/>
-              </a:rPr>
-              <a:t>;</a:t>
-            </a:r>
-          </a:p>
-          <a:p>
-            <a:endParaRPr lang="ru-RU" sz="2000" dirty="0">
-              <a:solidFill>
-                <a:srgbClr val="000000"/>
-              </a:solidFill>
-              <a:latin typeface="Consolas" panose="020B0609020204030204" pitchFamily="49" charset="0"/>
-            </a:endParaRPr>
-          </a:p>
-          <a:p>
-            <a:r>
-              <a:rPr lang="en-US" sz="2000" dirty="0">
-                <a:solidFill>
-                  <a:srgbClr val="000000"/>
-                </a:solidFill>
-                <a:latin typeface="Consolas" panose="020B0609020204030204" pitchFamily="49" charset="0"/>
-              </a:rPr>
-              <a:t>                </a:t>
-            </a:r>
-            <a:endParaRPr lang="ru-RU" sz="2000" dirty="0"/>
-          </a:p>
-        </p:txBody>
-      </p:sp>
-    </p:spTree>
-    <p:extLst>
-      <p:ext uri="{BB962C8B-B14F-4D97-AF65-F5344CB8AC3E}">
-        <p14:creationId xmlns:p14="http://schemas.microsoft.com/office/powerpoint/2010/main" val="1117047287"/>
-      </p:ext>
-    </p:extLst>
-  </p:cSld>
-  <p:clrMapOvr>
-    <a:masterClrMapping/>
-  </p:clrMapOvr>
-</p:sld>
-</file>
-
-<file path=ppt/slides/slide11.xml><?xml version="1.0" encoding="utf-8"?>
-<p:sld xmlns:a="http://schemas.openxmlformats.org/drawingml/2006/main" xmlns:r="http://schemas.openxmlformats.org/officeDocument/2006/relationships" xmlns:p="http://schemas.openxmlformats.org/presentationml/2006/main">
-  <p:cSld>
-    <p:spTree>
-      <p:nvGrpSpPr>
-        <p:cNvPr id="1" name=""/>
-        <p:cNvGrpSpPr/>
-        <p:nvPr/>
-      </p:nvGrpSpPr>
-      <p:grpSpPr>
-        <a:xfrm>
-          <a:off x="0" y="0"/>
-          <a:ext cx="0" cy="0"/>
-          <a:chOff x="0" y="0"/>
-          <a:chExt cx="0" cy="0"/>
-        </a:xfrm>
-      </p:grpSpPr>
-      <p:sp>
-        <p:nvSpPr>
-          <p:cNvPr id="4" name="Прямоугольник 3">
-            <a:extLst>
-              <a:ext uri="{FF2B5EF4-FFF2-40B4-BE49-F238E27FC236}">
                 <a16:creationId xmlns:a16="http://schemas.microsoft.com/office/drawing/2014/main" xmlns="" id="{E1028892-F7A5-4AD9-8241-0AC06DB80118}"/>
               </a:ext>
             </a:extLst>
@@ -5633,7 +5041,7 @@
 </p:sld>
 </file>
 
-<file path=ppt/slides/slide12.xml><?xml version="1.0" encoding="utf-8"?>
+<file path=ppt/slides/slide11.xml><?xml version="1.0" encoding="utf-8"?>
 <p:sld xmlns:a="http://schemas.openxmlformats.org/drawingml/2006/main" xmlns:r="http://schemas.openxmlformats.org/officeDocument/2006/relationships" xmlns:p="http://schemas.openxmlformats.org/presentationml/2006/main">
   <p:cSld>
     <p:spTree>
@@ -5820,7 +5228,7 @@
 </p:sld>
 </file>
 
-<file path=ppt/slides/slide13.xml><?xml version="1.0" encoding="utf-8"?>
+<file path=ppt/slides/slide12.xml><?xml version="1.0" encoding="utf-8"?>
 <p:sld xmlns:a="http://schemas.openxmlformats.org/drawingml/2006/main" xmlns:r="http://schemas.openxmlformats.org/officeDocument/2006/relationships" xmlns:p="http://schemas.openxmlformats.org/presentationml/2006/main">
   <p:cSld>
     <p:spTree>
@@ -6550,1654 +5958,6 @@
           <a:chExt cx="0" cy="0"/>
         </a:xfrm>
       </p:grpSpPr>
-      <p:cxnSp>
-        <p:nvCxnSpPr>
-          <p:cNvPr id="5" name="Прямая со стрелкой 4"/>
-          <p:cNvCxnSpPr/>
-          <p:nvPr/>
-        </p:nvCxnSpPr>
-        <p:spPr>
-          <a:xfrm>
-            <a:off x="1219200" y="5772150"/>
-            <a:ext cx="6362700" cy="0"/>
-          </a:xfrm>
-          <a:prstGeom prst="straightConnector1">
-            <a:avLst/>
-          </a:prstGeom>
-          <a:ln w="38100">
-            <a:tailEnd type="arrow"/>
-          </a:ln>
-        </p:spPr>
-        <p:style>
-          <a:lnRef idx="1">
-            <a:schemeClr val="accent1"/>
-          </a:lnRef>
-          <a:fillRef idx="0">
-            <a:schemeClr val="accent1"/>
-          </a:fillRef>
-          <a:effectRef idx="0">
-            <a:schemeClr val="accent1"/>
-          </a:effectRef>
-          <a:fontRef idx="minor">
-            <a:schemeClr val="tx1"/>
-          </a:fontRef>
-        </p:style>
-      </p:cxnSp>
-      <p:cxnSp>
-        <p:nvCxnSpPr>
-          <p:cNvPr id="7" name="Прямая со стрелкой 6"/>
-          <p:cNvCxnSpPr/>
-          <p:nvPr/>
-        </p:nvCxnSpPr>
-        <p:spPr>
-          <a:xfrm flipV="1">
-            <a:off x="1219200" y="600075"/>
-            <a:ext cx="0" cy="5172076"/>
-          </a:xfrm>
-          <a:prstGeom prst="straightConnector1">
-            <a:avLst/>
-          </a:prstGeom>
-          <a:ln w="38100">
-            <a:tailEnd type="arrow"/>
-          </a:ln>
-        </p:spPr>
-        <p:style>
-          <a:lnRef idx="1">
-            <a:schemeClr val="accent1"/>
-          </a:lnRef>
-          <a:fillRef idx="0">
-            <a:schemeClr val="accent1"/>
-          </a:fillRef>
-          <a:effectRef idx="0">
-            <a:schemeClr val="accent1"/>
-          </a:effectRef>
-          <a:fontRef idx="minor">
-            <a:schemeClr val="tx1"/>
-          </a:fontRef>
-        </p:style>
-      </p:cxnSp>
-      <p:cxnSp>
-        <p:nvCxnSpPr>
-          <p:cNvPr id="10" name="Прямая со стрелкой 9"/>
-          <p:cNvCxnSpPr/>
-          <p:nvPr/>
-        </p:nvCxnSpPr>
-        <p:spPr>
-          <a:xfrm flipV="1">
-            <a:off x="1219200" y="2590800"/>
-            <a:ext cx="6362700" cy="3181352"/>
-          </a:xfrm>
-          <a:prstGeom prst="straightConnector1">
-            <a:avLst/>
-          </a:prstGeom>
-          <a:ln w="38100">
-            <a:tailEnd type="arrow"/>
-          </a:ln>
-        </p:spPr>
-        <p:style>
-          <a:lnRef idx="1">
-            <a:schemeClr val="accent1"/>
-          </a:lnRef>
-          <a:fillRef idx="0">
-            <a:schemeClr val="accent1"/>
-          </a:fillRef>
-          <a:effectRef idx="0">
-            <a:schemeClr val="accent1"/>
-          </a:effectRef>
-          <a:fontRef idx="minor">
-            <a:schemeClr val="tx1"/>
-          </a:fontRef>
-        </p:style>
-      </p:cxnSp>
-      <p:sp>
-        <p:nvSpPr>
-          <p:cNvPr id="14" name="Овал 13"/>
-          <p:cNvSpPr/>
-          <p:nvPr/>
-        </p:nvSpPr>
-        <p:spPr>
-          <a:xfrm>
-            <a:off x="1109662" y="5657850"/>
-            <a:ext cx="219075" cy="228600"/>
-          </a:xfrm>
-          <a:prstGeom prst="ellipse">
-            <a:avLst/>
-          </a:prstGeom>
-        </p:spPr>
-        <p:style>
-          <a:lnRef idx="2">
-            <a:schemeClr val="accent1">
-              <a:shade val="50000"/>
-            </a:schemeClr>
-          </a:lnRef>
-          <a:fillRef idx="1">
-            <a:schemeClr val="accent1"/>
-          </a:fillRef>
-          <a:effectRef idx="0">
-            <a:schemeClr val="accent1"/>
-          </a:effectRef>
-          <a:fontRef idx="minor">
-            <a:schemeClr val="lt1"/>
-          </a:fontRef>
-        </p:style>
-        <p:txBody>
-          <a:bodyPr rtlCol="0" anchor="ctr"/>
-          <a:lstStyle/>
-          <a:p>
-            <a:pPr algn="ctr"/>
-            <a:endParaRPr lang="ru-RU"/>
-          </a:p>
-        </p:txBody>
-      </p:sp>
-      <p:sp>
-        <p:nvSpPr>
-          <p:cNvPr id="15" name="Овал 14"/>
-          <p:cNvSpPr/>
-          <p:nvPr/>
-        </p:nvSpPr>
-        <p:spPr>
-          <a:xfrm>
-            <a:off x="1947862" y="5657852"/>
-            <a:ext cx="219075" cy="228600"/>
-          </a:xfrm>
-          <a:prstGeom prst="ellipse">
-            <a:avLst/>
-          </a:prstGeom>
-        </p:spPr>
-        <p:style>
-          <a:lnRef idx="2">
-            <a:schemeClr val="accent1">
-              <a:shade val="50000"/>
-            </a:schemeClr>
-          </a:lnRef>
-          <a:fillRef idx="1">
-            <a:schemeClr val="accent1"/>
-          </a:fillRef>
-          <a:effectRef idx="0">
-            <a:schemeClr val="accent1"/>
-          </a:effectRef>
-          <a:fontRef idx="minor">
-            <a:schemeClr val="lt1"/>
-          </a:fontRef>
-        </p:style>
-        <p:txBody>
-          <a:bodyPr rtlCol="0" anchor="ctr"/>
-          <a:lstStyle/>
-          <a:p>
-            <a:pPr algn="ctr"/>
-            <a:endParaRPr lang="ru-RU"/>
-          </a:p>
-        </p:txBody>
-      </p:sp>
-      <p:sp>
-        <p:nvSpPr>
-          <p:cNvPr id="16" name="Овал 15"/>
-          <p:cNvSpPr/>
-          <p:nvPr/>
-        </p:nvSpPr>
-        <p:spPr>
-          <a:xfrm>
-            <a:off x="2824162" y="5657850"/>
-            <a:ext cx="219075" cy="228600"/>
-          </a:xfrm>
-          <a:prstGeom prst="ellipse">
-            <a:avLst/>
-          </a:prstGeom>
-        </p:spPr>
-        <p:style>
-          <a:lnRef idx="2">
-            <a:schemeClr val="accent1">
-              <a:shade val="50000"/>
-            </a:schemeClr>
-          </a:lnRef>
-          <a:fillRef idx="1">
-            <a:schemeClr val="accent1"/>
-          </a:fillRef>
-          <a:effectRef idx="0">
-            <a:schemeClr val="accent1"/>
-          </a:effectRef>
-          <a:fontRef idx="minor">
-            <a:schemeClr val="lt1"/>
-          </a:fontRef>
-        </p:style>
-        <p:txBody>
-          <a:bodyPr rtlCol="0" anchor="ctr"/>
-          <a:lstStyle/>
-          <a:p>
-            <a:pPr algn="ctr"/>
-            <a:endParaRPr lang="ru-RU"/>
-          </a:p>
-        </p:txBody>
-      </p:sp>
-      <p:sp>
-        <p:nvSpPr>
-          <p:cNvPr id="17" name="Овал 16"/>
-          <p:cNvSpPr/>
-          <p:nvPr/>
-        </p:nvSpPr>
-        <p:spPr>
-          <a:xfrm>
-            <a:off x="3614737" y="5657850"/>
-            <a:ext cx="219075" cy="228600"/>
-          </a:xfrm>
-          <a:prstGeom prst="ellipse">
-            <a:avLst/>
-          </a:prstGeom>
-        </p:spPr>
-        <p:style>
-          <a:lnRef idx="2">
-            <a:schemeClr val="accent1">
-              <a:shade val="50000"/>
-            </a:schemeClr>
-          </a:lnRef>
-          <a:fillRef idx="1">
-            <a:schemeClr val="accent1"/>
-          </a:fillRef>
-          <a:effectRef idx="0">
-            <a:schemeClr val="accent1"/>
-          </a:effectRef>
-          <a:fontRef idx="minor">
-            <a:schemeClr val="lt1"/>
-          </a:fontRef>
-        </p:style>
-        <p:txBody>
-          <a:bodyPr rtlCol="0" anchor="ctr"/>
-          <a:lstStyle/>
-          <a:p>
-            <a:pPr algn="ctr"/>
-            <a:endParaRPr lang="ru-RU"/>
-          </a:p>
-        </p:txBody>
-      </p:sp>
-      <p:sp>
-        <p:nvSpPr>
-          <p:cNvPr id="18" name="Овал 17"/>
-          <p:cNvSpPr/>
-          <p:nvPr/>
-        </p:nvSpPr>
-        <p:spPr>
-          <a:xfrm>
-            <a:off x="4452937" y="5657852"/>
-            <a:ext cx="219075" cy="228600"/>
-          </a:xfrm>
-          <a:prstGeom prst="ellipse">
-            <a:avLst/>
-          </a:prstGeom>
-        </p:spPr>
-        <p:style>
-          <a:lnRef idx="2">
-            <a:schemeClr val="accent1">
-              <a:shade val="50000"/>
-            </a:schemeClr>
-          </a:lnRef>
-          <a:fillRef idx="1">
-            <a:schemeClr val="accent1"/>
-          </a:fillRef>
-          <a:effectRef idx="0">
-            <a:schemeClr val="accent1"/>
-          </a:effectRef>
-          <a:fontRef idx="minor">
-            <a:schemeClr val="lt1"/>
-          </a:fontRef>
-        </p:style>
-        <p:txBody>
-          <a:bodyPr rtlCol="0" anchor="ctr"/>
-          <a:lstStyle/>
-          <a:p>
-            <a:pPr algn="ctr"/>
-            <a:endParaRPr lang="ru-RU"/>
-          </a:p>
-        </p:txBody>
-      </p:sp>
-      <p:sp>
-        <p:nvSpPr>
-          <p:cNvPr id="19" name="Овал 18"/>
-          <p:cNvSpPr/>
-          <p:nvPr/>
-        </p:nvSpPr>
-        <p:spPr>
-          <a:xfrm>
-            <a:off x="5329237" y="5657850"/>
-            <a:ext cx="219075" cy="228600"/>
-          </a:xfrm>
-          <a:prstGeom prst="ellipse">
-            <a:avLst/>
-          </a:prstGeom>
-        </p:spPr>
-        <p:style>
-          <a:lnRef idx="2">
-            <a:schemeClr val="accent1">
-              <a:shade val="50000"/>
-            </a:schemeClr>
-          </a:lnRef>
-          <a:fillRef idx="1">
-            <a:schemeClr val="accent1"/>
-          </a:fillRef>
-          <a:effectRef idx="0">
-            <a:schemeClr val="accent1"/>
-          </a:effectRef>
-          <a:fontRef idx="minor">
-            <a:schemeClr val="lt1"/>
-          </a:fontRef>
-        </p:style>
-        <p:txBody>
-          <a:bodyPr rtlCol="0" anchor="ctr"/>
-          <a:lstStyle/>
-          <a:p>
-            <a:pPr algn="ctr"/>
-            <a:endParaRPr lang="ru-RU"/>
-          </a:p>
-        </p:txBody>
-      </p:sp>
-      <p:sp>
-        <p:nvSpPr>
-          <p:cNvPr id="20" name="TextBox 19"/>
-          <p:cNvSpPr txBox="1"/>
-          <p:nvPr/>
-        </p:nvSpPr>
-        <p:spPr>
-          <a:xfrm>
-            <a:off x="7100678" y="5969942"/>
-            <a:ext cx="510076" cy="461665"/>
-          </a:xfrm>
-          <a:prstGeom prst="rect">
-            <a:avLst/>
-          </a:prstGeom>
-          <a:noFill/>
-        </p:spPr>
-        <p:txBody>
-          <a:bodyPr wrap="none" rtlCol="0">
-            <a:spAutoFit/>
-          </a:bodyPr>
-          <a:lstStyle/>
-          <a:p>
-            <a:r>
-              <a:rPr lang="en-US" sz="2400" b="1" i="1" dirty="0" smtClean="0">
-                <a:latin typeface="Times New Roman" pitchFamily="18" charset="0"/>
-                <a:cs typeface="Times New Roman" pitchFamily="18" charset="0"/>
-              </a:rPr>
-              <a:t>N</a:t>
-            </a:r>
-            <a:r>
-              <a:rPr lang="en-US" sz="2400" b="1" i="1" baseline="-25000" dirty="0" smtClean="0">
-                <a:latin typeface="Times New Roman" pitchFamily="18" charset="0"/>
-                <a:cs typeface="Times New Roman" pitchFamily="18" charset="0"/>
-              </a:rPr>
-              <a:t>x</a:t>
-            </a:r>
-            <a:endParaRPr lang="ru-RU" sz="2400" b="1" i="1" baseline="-25000" dirty="0">
-              <a:latin typeface="Times New Roman" pitchFamily="18" charset="0"/>
-              <a:cs typeface="Times New Roman" pitchFamily="18" charset="0"/>
-            </a:endParaRPr>
-          </a:p>
-        </p:txBody>
-      </p:sp>
-      <p:sp>
-        <p:nvSpPr>
-          <p:cNvPr id="21" name="TextBox 20"/>
-          <p:cNvSpPr txBox="1"/>
-          <p:nvPr/>
-        </p:nvSpPr>
-        <p:spPr>
-          <a:xfrm>
-            <a:off x="7610754" y="2474267"/>
-            <a:ext cx="510076" cy="461665"/>
-          </a:xfrm>
-          <a:prstGeom prst="rect">
-            <a:avLst/>
-          </a:prstGeom>
-          <a:noFill/>
-        </p:spPr>
-        <p:txBody>
-          <a:bodyPr wrap="none" rtlCol="0">
-            <a:spAutoFit/>
-          </a:bodyPr>
-          <a:lstStyle/>
-          <a:p>
-            <a:r>
-              <a:rPr lang="en-US" sz="2400" b="1" i="1" dirty="0" smtClean="0">
-                <a:latin typeface="Times New Roman" pitchFamily="18" charset="0"/>
-                <a:cs typeface="Times New Roman" pitchFamily="18" charset="0"/>
-              </a:rPr>
-              <a:t>N</a:t>
-            </a:r>
-            <a:r>
-              <a:rPr lang="en-US" sz="2400" b="1" i="1" baseline="-25000" dirty="0" smtClean="0">
-                <a:latin typeface="Times New Roman" pitchFamily="18" charset="0"/>
-                <a:cs typeface="Times New Roman" pitchFamily="18" charset="0"/>
-              </a:rPr>
-              <a:t>y</a:t>
-            </a:r>
-            <a:endParaRPr lang="ru-RU" sz="2400" b="1" i="1" baseline="-25000" dirty="0">
-              <a:latin typeface="Times New Roman" pitchFamily="18" charset="0"/>
-              <a:cs typeface="Times New Roman" pitchFamily="18" charset="0"/>
-            </a:endParaRPr>
-          </a:p>
-        </p:txBody>
-      </p:sp>
-      <p:sp>
-        <p:nvSpPr>
-          <p:cNvPr id="22" name="TextBox 21"/>
-          <p:cNvSpPr txBox="1"/>
-          <p:nvPr/>
-        </p:nvSpPr>
-        <p:spPr>
-          <a:xfrm>
-            <a:off x="471278" y="512117"/>
-            <a:ext cx="487634" cy="461665"/>
-          </a:xfrm>
-          <a:prstGeom prst="rect">
-            <a:avLst/>
-          </a:prstGeom>
-          <a:noFill/>
-        </p:spPr>
-        <p:txBody>
-          <a:bodyPr wrap="none" rtlCol="0">
-            <a:spAutoFit/>
-          </a:bodyPr>
-          <a:lstStyle/>
-          <a:p>
-            <a:r>
-              <a:rPr lang="en-US" sz="2400" b="1" i="1" dirty="0" smtClean="0">
-                <a:latin typeface="Times New Roman" pitchFamily="18" charset="0"/>
-                <a:cs typeface="Times New Roman" pitchFamily="18" charset="0"/>
-              </a:rPr>
-              <a:t>N</a:t>
-            </a:r>
-            <a:r>
-              <a:rPr lang="en-US" sz="2400" b="1" i="1" baseline="-25000" dirty="0" smtClean="0">
-                <a:latin typeface="Times New Roman" pitchFamily="18" charset="0"/>
-                <a:cs typeface="Times New Roman" pitchFamily="18" charset="0"/>
-              </a:rPr>
-              <a:t>z</a:t>
-            </a:r>
-            <a:endParaRPr lang="ru-RU" sz="2400" b="1" i="1" baseline="-25000" dirty="0">
-              <a:latin typeface="Times New Roman" pitchFamily="18" charset="0"/>
-              <a:cs typeface="Times New Roman" pitchFamily="18" charset="0"/>
-            </a:endParaRPr>
-          </a:p>
-        </p:txBody>
-      </p:sp>
-      <p:sp>
-        <p:nvSpPr>
-          <p:cNvPr id="23" name="Овал 22"/>
-          <p:cNvSpPr/>
-          <p:nvPr/>
-        </p:nvSpPr>
-        <p:spPr>
-          <a:xfrm>
-            <a:off x="1660046" y="5353051"/>
-            <a:ext cx="219075" cy="228600"/>
-          </a:xfrm>
-          <a:prstGeom prst="ellipse">
-            <a:avLst/>
-          </a:prstGeom>
-        </p:spPr>
-        <p:style>
-          <a:lnRef idx="2">
-            <a:schemeClr val="accent1">
-              <a:shade val="50000"/>
-            </a:schemeClr>
-          </a:lnRef>
-          <a:fillRef idx="1">
-            <a:schemeClr val="accent1"/>
-          </a:fillRef>
-          <a:effectRef idx="0">
-            <a:schemeClr val="accent1"/>
-          </a:effectRef>
-          <a:fontRef idx="minor">
-            <a:schemeClr val="lt1"/>
-          </a:fontRef>
-        </p:style>
-        <p:txBody>
-          <a:bodyPr rtlCol="0" anchor="ctr"/>
-          <a:lstStyle/>
-          <a:p>
-            <a:pPr algn="ctr"/>
-            <a:endParaRPr lang="ru-RU"/>
-          </a:p>
-        </p:txBody>
-      </p:sp>
-      <p:sp>
-        <p:nvSpPr>
-          <p:cNvPr id="24" name="Овал 23"/>
-          <p:cNvSpPr/>
-          <p:nvPr/>
-        </p:nvSpPr>
-        <p:spPr>
-          <a:xfrm>
-            <a:off x="2498246" y="5353053"/>
-            <a:ext cx="219075" cy="228600"/>
-          </a:xfrm>
-          <a:prstGeom prst="ellipse">
-            <a:avLst/>
-          </a:prstGeom>
-        </p:spPr>
-        <p:style>
-          <a:lnRef idx="2">
-            <a:schemeClr val="accent1">
-              <a:shade val="50000"/>
-            </a:schemeClr>
-          </a:lnRef>
-          <a:fillRef idx="1">
-            <a:schemeClr val="accent1"/>
-          </a:fillRef>
-          <a:effectRef idx="0">
-            <a:schemeClr val="accent1"/>
-          </a:effectRef>
-          <a:fontRef idx="minor">
-            <a:schemeClr val="lt1"/>
-          </a:fontRef>
-        </p:style>
-        <p:txBody>
-          <a:bodyPr rtlCol="0" anchor="ctr"/>
-          <a:lstStyle/>
-          <a:p>
-            <a:pPr algn="ctr"/>
-            <a:endParaRPr lang="ru-RU"/>
-          </a:p>
-        </p:txBody>
-      </p:sp>
-      <p:sp>
-        <p:nvSpPr>
-          <p:cNvPr id="25" name="Овал 24"/>
-          <p:cNvSpPr/>
-          <p:nvPr/>
-        </p:nvSpPr>
-        <p:spPr>
-          <a:xfrm>
-            <a:off x="3374546" y="5353051"/>
-            <a:ext cx="219075" cy="228600"/>
-          </a:xfrm>
-          <a:prstGeom prst="ellipse">
-            <a:avLst/>
-          </a:prstGeom>
-        </p:spPr>
-        <p:style>
-          <a:lnRef idx="2">
-            <a:schemeClr val="accent1">
-              <a:shade val="50000"/>
-            </a:schemeClr>
-          </a:lnRef>
-          <a:fillRef idx="1">
-            <a:schemeClr val="accent1"/>
-          </a:fillRef>
-          <a:effectRef idx="0">
-            <a:schemeClr val="accent1"/>
-          </a:effectRef>
-          <a:fontRef idx="minor">
-            <a:schemeClr val="lt1"/>
-          </a:fontRef>
-        </p:style>
-        <p:txBody>
-          <a:bodyPr rtlCol="0" anchor="ctr"/>
-          <a:lstStyle/>
-          <a:p>
-            <a:pPr algn="ctr"/>
-            <a:endParaRPr lang="ru-RU"/>
-          </a:p>
-        </p:txBody>
-      </p:sp>
-      <p:sp>
-        <p:nvSpPr>
-          <p:cNvPr id="26" name="Овал 25"/>
-          <p:cNvSpPr/>
-          <p:nvPr/>
-        </p:nvSpPr>
-        <p:spPr>
-          <a:xfrm>
-            <a:off x="4165121" y="5353051"/>
-            <a:ext cx="219075" cy="228600"/>
-          </a:xfrm>
-          <a:prstGeom prst="ellipse">
-            <a:avLst/>
-          </a:prstGeom>
-        </p:spPr>
-        <p:style>
-          <a:lnRef idx="2">
-            <a:schemeClr val="accent1">
-              <a:shade val="50000"/>
-            </a:schemeClr>
-          </a:lnRef>
-          <a:fillRef idx="1">
-            <a:schemeClr val="accent1"/>
-          </a:fillRef>
-          <a:effectRef idx="0">
-            <a:schemeClr val="accent1"/>
-          </a:effectRef>
-          <a:fontRef idx="minor">
-            <a:schemeClr val="lt1"/>
-          </a:fontRef>
-        </p:style>
-        <p:txBody>
-          <a:bodyPr rtlCol="0" anchor="ctr"/>
-          <a:lstStyle/>
-          <a:p>
-            <a:pPr algn="ctr"/>
-            <a:endParaRPr lang="ru-RU"/>
-          </a:p>
-        </p:txBody>
-      </p:sp>
-      <p:sp>
-        <p:nvSpPr>
-          <p:cNvPr id="27" name="Овал 26"/>
-          <p:cNvSpPr/>
-          <p:nvPr/>
-        </p:nvSpPr>
-        <p:spPr>
-          <a:xfrm>
-            <a:off x="5003321" y="5353053"/>
-            <a:ext cx="219075" cy="228600"/>
-          </a:xfrm>
-          <a:prstGeom prst="ellipse">
-            <a:avLst/>
-          </a:prstGeom>
-        </p:spPr>
-        <p:style>
-          <a:lnRef idx="2">
-            <a:schemeClr val="accent1">
-              <a:shade val="50000"/>
-            </a:schemeClr>
-          </a:lnRef>
-          <a:fillRef idx="1">
-            <a:schemeClr val="accent1"/>
-          </a:fillRef>
-          <a:effectRef idx="0">
-            <a:schemeClr val="accent1"/>
-          </a:effectRef>
-          <a:fontRef idx="minor">
-            <a:schemeClr val="lt1"/>
-          </a:fontRef>
-        </p:style>
-        <p:txBody>
-          <a:bodyPr rtlCol="0" anchor="ctr"/>
-          <a:lstStyle/>
-          <a:p>
-            <a:pPr algn="ctr"/>
-            <a:endParaRPr lang="ru-RU"/>
-          </a:p>
-        </p:txBody>
-      </p:sp>
-      <p:sp>
-        <p:nvSpPr>
-          <p:cNvPr id="28" name="Овал 27"/>
-          <p:cNvSpPr/>
-          <p:nvPr/>
-        </p:nvSpPr>
-        <p:spPr>
-          <a:xfrm>
-            <a:off x="5879621" y="5353051"/>
-            <a:ext cx="219075" cy="228600"/>
-          </a:xfrm>
-          <a:prstGeom prst="ellipse">
-            <a:avLst/>
-          </a:prstGeom>
-        </p:spPr>
-        <p:style>
-          <a:lnRef idx="2">
-            <a:schemeClr val="accent1">
-              <a:shade val="50000"/>
-            </a:schemeClr>
-          </a:lnRef>
-          <a:fillRef idx="1">
-            <a:schemeClr val="accent1"/>
-          </a:fillRef>
-          <a:effectRef idx="0">
-            <a:schemeClr val="accent1"/>
-          </a:effectRef>
-          <a:fontRef idx="minor">
-            <a:schemeClr val="lt1"/>
-          </a:fontRef>
-        </p:style>
-        <p:txBody>
-          <a:bodyPr rtlCol="0" anchor="ctr"/>
-          <a:lstStyle/>
-          <a:p>
-            <a:pPr algn="ctr"/>
-            <a:endParaRPr lang="ru-RU"/>
-          </a:p>
-        </p:txBody>
-      </p:sp>
-      <p:sp>
-        <p:nvSpPr>
-          <p:cNvPr id="29" name="Овал 28"/>
-          <p:cNvSpPr/>
-          <p:nvPr/>
-        </p:nvSpPr>
-        <p:spPr>
-          <a:xfrm>
-            <a:off x="2226502" y="5076827"/>
-            <a:ext cx="219075" cy="228600"/>
-          </a:xfrm>
-          <a:prstGeom prst="ellipse">
-            <a:avLst/>
-          </a:prstGeom>
-        </p:spPr>
-        <p:style>
-          <a:lnRef idx="2">
-            <a:schemeClr val="accent1">
-              <a:shade val="50000"/>
-            </a:schemeClr>
-          </a:lnRef>
-          <a:fillRef idx="1">
-            <a:schemeClr val="accent1"/>
-          </a:fillRef>
-          <a:effectRef idx="0">
-            <a:schemeClr val="accent1"/>
-          </a:effectRef>
-          <a:fontRef idx="minor">
-            <a:schemeClr val="lt1"/>
-          </a:fontRef>
-        </p:style>
-        <p:txBody>
-          <a:bodyPr rtlCol="0" anchor="ctr"/>
-          <a:lstStyle/>
-          <a:p>
-            <a:pPr algn="ctr"/>
-            <a:endParaRPr lang="ru-RU"/>
-          </a:p>
-        </p:txBody>
-      </p:sp>
-      <p:sp>
-        <p:nvSpPr>
-          <p:cNvPr id="30" name="Овал 29"/>
-          <p:cNvSpPr/>
-          <p:nvPr/>
-        </p:nvSpPr>
-        <p:spPr>
-          <a:xfrm>
-            <a:off x="3064702" y="5076829"/>
-            <a:ext cx="219075" cy="228600"/>
-          </a:xfrm>
-          <a:prstGeom prst="ellipse">
-            <a:avLst/>
-          </a:prstGeom>
-        </p:spPr>
-        <p:style>
-          <a:lnRef idx="2">
-            <a:schemeClr val="accent1">
-              <a:shade val="50000"/>
-            </a:schemeClr>
-          </a:lnRef>
-          <a:fillRef idx="1">
-            <a:schemeClr val="accent1"/>
-          </a:fillRef>
-          <a:effectRef idx="0">
-            <a:schemeClr val="accent1"/>
-          </a:effectRef>
-          <a:fontRef idx="minor">
-            <a:schemeClr val="lt1"/>
-          </a:fontRef>
-        </p:style>
-        <p:txBody>
-          <a:bodyPr rtlCol="0" anchor="ctr"/>
-          <a:lstStyle/>
-          <a:p>
-            <a:pPr algn="ctr"/>
-            <a:endParaRPr lang="ru-RU"/>
-          </a:p>
-        </p:txBody>
-      </p:sp>
-      <p:sp>
-        <p:nvSpPr>
-          <p:cNvPr id="31" name="Овал 30"/>
-          <p:cNvSpPr/>
-          <p:nvPr/>
-        </p:nvSpPr>
-        <p:spPr>
-          <a:xfrm>
-            <a:off x="3941002" y="5076827"/>
-            <a:ext cx="219075" cy="228600"/>
-          </a:xfrm>
-          <a:prstGeom prst="ellipse">
-            <a:avLst/>
-          </a:prstGeom>
-        </p:spPr>
-        <p:style>
-          <a:lnRef idx="2">
-            <a:schemeClr val="accent1">
-              <a:shade val="50000"/>
-            </a:schemeClr>
-          </a:lnRef>
-          <a:fillRef idx="1">
-            <a:schemeClr val="accent1"/>
-          </a:fillRef>
-          <a:effectRef idx="0">
-            <a:schemeClr val="accent1"/>
-          </a:effectRef>
-          <a:fontRef idx="minor">
-            <a:schemeClr val="lt1"/>
-          </a:fontRef>
-        </p:style>
-        <p:txBody>
-          <a:bodyPr rtlCol="0" anchor="ctr"/>
-          <a:lstStyle/>
-          <a:p>
-            <a:pPr algn="ctr"/>
-            <a:endParaRPr lang="ru-RU"/>
-          </a:p>
-        </p:txBody>
-      </p:sp>
-      <p:sp>
-        <p:nvSpPr>
-          <p:cNvPr id="32" name="Овал 31"/>
-          <p:cNvSpPr/>
-          <p:nvPr/>
-        </p:nvSpPr>
-        <p:spPr>
-          <a:xfrm>
-            <a:off x="4731577" y="5076827"/>
-            <a:ext cx="219075" cy="228600"/>
-          </a:xfrm>
-          <a:prstGeom prst="ellipse">
-            <a:avLst/>
-          </a:prstGeom>
-        </p:spPr>
-        <p:style>
-          <a:lnRef idx="2">
-            <a:schemeClr val="accent1">
-              <a:shade val="50000"/>
-            </a:schemeClr>
-          </a:lnRef>
-          <a:fillRef idx="1">
-            <a:schemeClr val="accent1"/>
-          </a:fillRef>
-          <a:effectRef idx="0">
-            <a:schemeClr val="accent1"/>
-          </a:effectRef>
-          <a:fontRef idx="minor">
-            <a:schemeClr val="lt1"/>
-          </a:fontRef>
-        </p:style>
-        <p:txBody>
-          <a:bodyPr rtlCol="0" anchor="ctr"/>
-          <a:lstStyle/>
-          <a:p>
-            <a:pPr algn="ctr"/>
-            <a:endParaRPr lang="ru-RU"/>
-          </a:p>
-        </p:txBody>
-      </p:sp>
-      <p:sp>
-        <p:nvSpPr>
-          <p:cNvPr id="33" name="Овал 32"/>
-          <p:cNvSpPr/>
-          <p:nvPr/>
-        </p:nvSpPr>
-        <p:spPr>
-          <a:xfrm>
-            <a:off x="5569777" y="5076829"/>
-            <a:ext cx="219075" cy="228600"/>
-          </a:xfrm>
-          <a:prstGeom prst="ellipse">
-            <a:avLst/>
-          </a:prstGeom>
-        </p:spPr>
-        <p:style>
-          <a:lnRef idx="2">
-            <a:schemeClr val="accent1">
-              <a:shade val="50000"/>
-            </a:schemeClr>
-          </a:lnRef>
-          <a:fillRef idx="1">
-            <a:schemeClr val="accent1"/>
-          </a:fillRef>
-          <a:effectRef idx="0">
-            <a:schemeClr val="accent1"/>
-          </a:effectRef>
-          <a:fontRef idx="minor">
-            <a:schemeClr val="lt1"/>
-          </a:fontRef>
-        </p:style>
-        <p:txBody>
-          <a:bodyPr rtlCol="0" anchor="ctr"/>
-          <a:lstStyle/>
-          <a:p>
-            <a:pPr algn="ctr"/>
-            <a:endParaRPr lang="ru-RU"/>
-          </a:p>
-        </p:txBody>
-      </p:sp>
-      <p:sp>
-        <p:nvSpPr>
-          <p:cNvPr id="34" name="Овал 33"/>
-          <p:cNvSpPr/>
-          <p:nvPr/>
-        </p:nvSpPr>
-        <p:spPr>
-          <a:xfrm>
-            <a:off x="6446077" y="5076827"/>
-            <a:ext cx="219075" cy="228600"/>
-          </a:xfrm>
-          <a:prstGeom prst="ellipse">
-            <a:avLst/>
-          </a:prstGeom>
-        </p:spPr>
-        <p:style>
-          <a:lnRef idx="2">
-            <a:schemeClr val="accent1">
-              <a:shade val="50000"/>
-            </a:schemeClr>
-          </a:lnRef>
-          <a:fillRef idx="1">
-            <a:schemeClr val="accent1"/>
-          </a:fillRef>
-          <a:effectRef idx="0">
-            <a:schemeClr val="accent1"/>
-          </a:effectRef>
-          <a:fontRef idx="minor">
-            <a:schemeClr val="lt1"/>
-          </a:fontRef>
-        </p:style>
-        <p:txBody>
-          <a:bodyPr rtlCol="0" anchor="ctr"/>
-          <a:lstStyle/>
-          <a:p>
-            <a:pPr algn="ctr"/>
-            <a:endParaRPr lang="ru-RU"/>
-          </a:p>
-        </p:txBody>
-      </p:sp>
-      <p:sp>
-        <p:nvSpPr>
-          <p:cNvPr id="35" name="Овал 34"/>
-          <p:cNvSpPr/>
-          <p:nvPr/>
-        </p:nvSpPr>
-        <p:spPr>
-          <a:xfrm rot="16200000">
-            <a:off x="1104898" y="5662613"/>
-            <a:ext cx="219075" cy="228600"/>
-          </a:xfrm>
-          <a:prstGeom prst="ellipse">
-            <a:avLst/>
-          </a:prstGeom>
-        </p:spPr>
-        <p:style>
-          <a:lnRef idx="2">
-            <a:schemeClr val="accent1">
-              <a:shade val="50000"/>
-            </a:schemeClr>
-          </a:lnRef>
-          <a:fillRef idx="1">
-            <a:schemeClr val="accent1"/>
-          </a:fillRef>
-          <a:effectRef idx="0">
-            <a:schemeClr val="accent1"/>
-          </a:effectRef>
-          <a:fontRef idx="minor">
-            <a:schemeClr val="lt1"/>
-          </a:fontRef>
-        </p:style>
-        <p:txBody>
-          <a:bodyPr rtlCol="0" anchor="ctr"/>
-          <a:lstStyle/>
-          <a:p>
-            <a:pPr algn="ctr"/>
-            <a:endParaRPr lang="ru-RU"/>
-          </a:p>
-        </p:txBody>
-      </p:sp>
-      <p:sp>
-        <p:nvSpPr>
-          <p:cNvPr id="36" name="Овал 35"/>
-          <p:cNvSpPr/>
-          <p:nvPr/>
-        </p:nvSpPr>
-        <p:spPr>
-          <a:xfrm rot="16200000">
-            <a:off x="1104900" y="4824413"/>
-            <a:ext cx="219075" cy="228600"/>
-          </a:xfrm>
-          <a:prstGeom prst="ellipse">
-            <a:avLst/>
-          </a:prstGeom>
-        </p:spPr>
-        <p:style>
-          <a:lnRef idx="2">
-            <a:schemeClr val="accent1">
-              <a:shade val="50000"/>
-            </a:schemeClr>
-          </a:lnRef>
-          <a:fillRef idx="1">
-            <a:schemeClr val="accent1"/>
-          </a:fillRef>
-          <a:effectRef idx="0">
-            <a:schemeClr val="accent1"/>
-          </a:effectRef>
-          <a:fontRef idx="minor">
-            <a:schemeClr val="lt1"/>
-          </a:fontRef>
-        </p:style>
-        <p:txBody>
-          <a:bodyPr rtlCol="0" anchor="ctr"/>
-          <a:lstStyle/>
-          <a:p>
-            <a:pPr algn="ctr"/>
-            <a:endParaRPr lang="ru-RU"/>
-          </a:p>
-        </p:txBody>
-      </p:sp>
-      <p:sp>
-        <p:nvSpPr>
-          <p:cNvPr id="43" name="Овал 42"/>
-          <p:cNvSpPr/>
-          <p:nvPr/>
-        </p:nvSpPr>
-        <p:spPr>
-          <a:xfrm rot="16200000">
-            <a:off x="1655282" y="5357816"/>
-            <a:ext cx="219075" cy="228600"/>
-          </a:xfrm>
-          <a:prstGeom prst="ellipse">
-            <a:avLst/>
-          </a:prstGeom>
-        </p:spPr>
-        <p:style>
-          <a:lnRef idx="2">
-            <a:schemeClr val="accent1">
-              <a:shade val="50000"/>
-            </a:schemeClr>
-          </a:lnRef>
-          <a:fillRef idx="1">
-            <a:schemeClr val="accent1"/>
-          </a:fillRef>
-          <a:effectRef idx="0">
-            <a:schemeClr val="accent1"/>
-          </a:effectRef>
-          <a:fontRef idx="minor">
-            <a:schemeClr val="lt1"/>
-          </a:fontRef>
-        </p:style>
-        <p:txBody>
-          <a:bodyPr rtlCol="0" anchor="ctr"/>
-          <a:lstStyle/>
-          <a:p>
-            <a:pPr algn="ctr"/>
-            <a:endParaRPr lang="ru-RU"/>
-          </a:p>
-        </p:txBody>
-      </p:sp>
-      <p:sp>
-        <p:nvSpPr>
-          <p:cNvPr id="44" name="Овал 43"/>
-          <p:cNvSpPr/>
-          <p:nvPr/>
-        </p:nvSpPr>
-        <p:spPr>
-          <a:xfrm rot="16200000">
-            <a:off x="1655284" y="4519616"/>
-            <a:ext cx="219075" cy="228600"/>
-          </a:xfrm>
-          <a:prstGeom prst="ellipse">
-            <a:avLst/>
-          </a:prstGeom>
-        </p:spPr>
-        <p:style>
-          <a:lnRef idx="2">
-            <a:schemeClr val="accent1">
-              <a:shade val="50000"/>
-            </a:schemeClr>
-          </a:lnRef>
-          <a:fillRef idx="1">
-            <a:schemeClr val="accent1"/>
-          </a:fillRef>
-          <a:effectRef idx="0">
-            <a:schemeClr val="accent1"/>
-          </a:effectRef>
-          <a:fontRef idx="minor">
-            <a:schemeClr val="lt1"/>
-          </a:fontRef>
-        </p:style>
-        <p:txBody>
-          <a:bodyPr rtlCol="0" anchor="ctr"/>
-          <a:lstStyle/>
-          <a:p>
-            <a:pPr algn="ctr"/>
-            <a:endParaRPr lang="ru-RU"/>
-          </a:p>
-        </p:txBody>
-      </p:sp>
-      <p:sp>
-        <p:nvSpPr>
-          <p:cNvPr id="50" name="Овал 49"/>
-          <p:cNvSpPr/>
-          <p:nvPr/>
-        </p:nvSpPr>
-        <p:spPr>
-          <a:xfrm rot="16200000">
-            <a:off x="2221738" y="5081590"/>
-            <a:ext cx="219075" cy="228600"/>
-          </a:xfrm>
-          <a:prstGeom prst="ellipse">
-            <a:avLst/>
-          </a:prstGeom>
-        </p:spPr>
-        <p:style>
-          <a:lnRef idx="2">
-            <a:schemeClr val="accent1">
-              <a:shade val="50000"/>
-            </a:schemeClr>
-          </a:lnRef>
-          <a:fillRef idx="1">
-            <a:schemeClr val="accent1"/>
-          </a:fillRef>
-          <a:effectRef idx="0">
-            <a:schemeClr val="accent1"/>
-          </a:effectRef>
-          <a:fontRef idx="minor">
-            <a:schemeClr val="lt1"/>
-          </a:fontRef>
-        </p:style>
-        <p:txBody>
-          <a:bodyPr rtlCol="0" anchor="ctr"/>
-          <a:lstStyle/>
-          <a:p>
-            <a:pPr algn="ctr"/>
-            <a:endParaRPr lang="ru-RU"/>
-          </a:p>
-        </p:txBody>
-      </p:sp>
-      <p:sp>
-        <p:nvSpPr>
-          <p:cNvPr id="51" name="Овал 50"/>
-          <p:cNvSpPr/>
-          <p:nvPr/>
-        </p:nvSpPr>
-        <p:spPr>
-          <a:xfrm rot="16200000">
-            <a:off x="2221740" y="4243389"/>
-            <a:ext cx="219075" cy="228600"/>
-          </a:xfrm>
-          <a:prstGeom prst="ellipse">
-            <a:avLst/>
-          </a:prstGeom>
-        </p:spPr>
-        <p:style>
-          <a:lnRef idx="2">
-            <a:schemeClr val="accent1">
-              <a:shade val="50000"/>
-            </a:schemeClr>
-          </a:lnRef>
-          <a:fillRef idx="1">
-            <a:schemeClr val="accent1"/>
-          </a:fillRef>
-          <a:effectRef idx="0">
-            <a:schemeClr val="accent1"/>
-          </a:effectRef>
-          <a:fontRef idx="minor">
-            <a:schemeClr val="lt1"/>
-          </a:fontRef>
-        </p:style>
-        <p:txBody>
-          <a:bodyPr rtlCol="0" anchor="ctr"/>
-          <a:lstStyle/>
-          <a:p>
-            <a:pPr algn="ctr"/>
-            <a:endParaRPr lang="ru-RU"/>
-          </a:p>
-        </p:txBody>
-      </p:sp>
-      <p:sp>
-        <p:nvSpPr>
-          <p:cNvPr id="57" name="Овал 56"/>
-          <p:cNvSpPr/>
-          <p:nvPr/>
-        </p:nvSpPr>
-        <p:spPr>
-          <a:xfrm>
-            <a:off x="1726721" y="4886328"/>
-            <a:ext cx="219075" cy="228600"/>
-          </a:xfrm>
-          <a:prstGeom prst="ellipse">
-            <a:avLst/>
-          </a:prstGeom>
-          <a:solidFill>
-            <a:srgbClr val="00B050"/>
-          </a:solidFill>
-        </p:spPr>
-        <p:style>
-          <a:lnRef idx="2">
-            <a:schemeClr val="accent1">
-              <a:shade val="50000"/>
-            </a:schemeClr>
-          </a:lnRef>
-          <a:fillRef idx="1">
-            <a:schemeClr val="accent1"/>
-          </a:fillRef>
-          <a:effectRef idx="0">
-            <a:schemeClr val="accent1"/>
-          </a:effectRef>
-          <a:fontRef idx="minor">
-            <a:schemeClr val="lt1"/>
-          </a:fontRef>
-        </p:style>
-        <p:txBody>
-          <a:bodyPr rtlCol="0" anchor="ctr"/>
-          <a:lstStyle/>
-          <a:p>
-            <a:pPr algn="ctr"/>
-            <a:endParaRPr lang="ru-RU"/>
-          </a:p>
-        </p:txBody>
-      </p:sp>
-      <p:sp>
-        <p:nvSpPr>
-          <p:cNvPr id="58" name="Овал 57"/>
-          <p:cNvSpPr/>
-          <p:nvPr/>
-        </p:nvSpPr>
-        <p:spPr>
-          <a:xfrm>
-            <a:off x="2603021" y="4886326"/>
-            <a:ext cx="219075" cy="228600"/>
-          </a:xfrm>
-          <a:prstGeom prst="ellipse">
-            <a:avLst/>
-          </a:prstGeom>
-          <a:solidFill>
-            <a:srgbClr val="00B050"/>
-          </a:solidFill>
-        </p:spPr>
-        <p:style>
-          <a:lnRef idx="2">
-            <a:schemeClr val="accent1">
-              <a:shade val="50000"/>
-            </a:schemeClr>
-          </a:lnRef>
-          <a:fillRef idx="1">
-            <a:schemeClr val="accent1"/>
-          </a:fillRef>
-          <a:effectRef idx="0">
-            <a:schemeClr val="accent1"/>
-          </a:effectRef>
-          <a:fontRef idx="minor">
-            <a:schemeClr val="lt1"/>
-          </a:fontRef>
-        </p:style>
-        <p:txBody>
-          <a:bodyPr rtlCol="0" anchor="ctr"/>
-          <a:lstStyle/>
-          <a:p>
-            <a:pPr algn="ctr"/>
-            <a:endParaRPr lang="ru-RU"/>
-          </a:p>
-        </p:txBody>
-      </p:sp>
-      <p:sp>
-        <p:nvSpPr>
-          <p:cNvPr id="59" name="Овал 58"/>
-          <p:cNvSpPr/>
-          <p:nvPr/>
-        </p:nvSpPr>
-        <p:spPr>
-          <a:xfrm>
-            <a:off x="3393596" y="4886326"/>
-            <a:ext cx="219075" cy="228600"/>
-          </a:xfrm>
-          <a:prstGeom prst="ellipse">
-            <a:avLst/>
-          </a:prstGeom>
-          <a:solidFill>
-            <a:srgbClr val="00B050"/>
-          </a:solidFill>
-        </p:spPr>
-        <p:style>
-          <a:lnRef idx="2">
-            <a:schemeClr val="accent1">
-              <a:shade val="50000"/>
-            </a:schemeClr>
-          </a:lnRef>
-          <a:fillRef idx="1">
-            <a:schemeClr val="accent1"/>
-          </a:fillRef>
-          <a:effectRef idx="0">
-            <a:schemeClr val="accent1"/>
-          </a:effectRef>
-          <a:fontRef idx="minor">
-            <a:schemeClr val="lt1"/>
-          </a:fontRef>
-        </p:style>
-        <p:txBody>
-          <a:bodyPr rtlCol="0" anchor="ctr"/>
-          <a:lstStyle/>
-          <a:p>
-            <a:pPr algn="ctr"/>
-            <a:endParaRPr lang="ru-RU"/>
-          </a:p>
-        </p:txBody>
-      </p:sp>
-      <p:sp>
-        <p:nvSpPr>
-          <p:cNvPr id="60" name="Овал 59"/>
-          <p:cNvSpPr/>
-          <p:nvPr/>
-        </p:nvSpPr>
-        <p:spPr>
-          <a:xfrm>
-            <a:off x="4231796" y="4886328"/>
-            <a:ext cx="219075" cy="228600"/>
-          </a:xfrm>
-          <a:prstGeom prst="ellipse">
-            <a:avLst/>
-          </a:prstGeom>
-          <a:solidFill>
-            <a:srgbClr val="00B050"/>
-          </a:solidFill>
-        </p:spPr>
-        <p:style>
-          <a:lnRef idx="2">
-            <a:schemeClr val="accent1">
-              <a:shade val="50000"/>
-            </a:schemeClr>
-          </a:lnRef>
-          <a:fillRef idx="1">
-            <a:schemeClr val="accent1"/>
-          </a:fillRef>
-          <a:effectRef idx="0">
-            <a:schemeClr val="accent1"/>
-          </a:effectRef>
-          <a:fontRef idx="minor">
-            <a:schemeClr val="lt1"/>
-          </a:fontRef>
-        </p:style>
-        <p:txBody>
-          <a:bodyPr rtlCol="0" anchor="ctr"/>
-          <a:lstStyle/>
-          <a:p>
-            <a:pPr algn="ctr"/>
-            <a:endParaRPr lang="ru-RU"/>
-          </a:p>
-        </p:txBody>
-      </p:sp>
-      <p:sp>
-        <p:nvSpPr>
-          <p:cNvPr id="61" name="Овал 60"/>
-          <p:cNvSpPr/>
-          <p:nvPr/>
-        </p:nvSpPr>
-        <p:spPr>
-          <a:xfrm>
-            <a:off x="5108096" y="4886326"/>
-            <a:ext cx="219075" cy="228600"/>
-          </a:xfrm>
-          <a:prstGeom prst="ellipse">
-            <a:avLst/>
-          </a:prstGeom>
-          <a:solidFill>
-            <a:srgbClr val="00B050"/>
-          </a:solidFill>
-        </p:spPr>
-        <p:style>
-          <a:lnRef idx="2">
-            <a:schemeClr val="accent1">
-              <a:shade val="50000"/>
-            </a:schemeClr>
-          </a:lnRef>
-          <a:fillRef idx="1">
-            <a:schemeClr val="accent1"/>
-          </a:fillRef>
-          <a:effectRef idx="0">
-            <a:schemeClr val="accent1"/>
-          </a:effectRef>
-          <a:fontRef idx="minor">
-            <a:schemeClr val="lt1"/>
-          </a:fontRef>
-        </p:style>
-        <p:txBody>
-          <a:bodyPr rtlCol="0" anchor="ctr"/>
-          <a:lstStyle/>
-          <a:p>
-            <a:pPr algn="ctr"/>
-            <a:endParaRPr lang="ru-RU"/>
-          </a:p>
-        </p:txBody>
-      </p:sp>
-      <p:sp>
-        <p:nvSpPr>
-          <p:cNvPr id="62" name="Овал 61"/>
-          <p:cNvSpPr/>
-          <p:nvPr/>
-        </p:nvSpPr>
-        <p:spPr>
-          <a:xfrm>
-            <a:off x="3064702" y="4276729"/>
-            <a:ext cx="219075" cy="228600"/>
-          </a:xfrm>
-          <a:prstGeom prst="ellipse">
-            <a:avLst/>
-          </a:prstGeom>
-          <a:solidFill>
-            <a:srgbClr val="00B050"/>
-          </a:solidFill>
-        </p:spPr>
-        <p:style>
-          <a:lnRef idx="2">
-            <a:schemeClr val="accent1">
-              <a:shade val="50000"/>
-            </a:schemeClr>
-          </a:lnRef>
-          <a:fillRef idx="1">
-            <a:schemeClr val="accent1"/>
-          </a:fillRef>
-          <a:effectRef idx="0">
-            <a:schemeClr val="accent1"/>
-          </a:effectRef>
-          <a:fontRef idx="minor">
-            <a:schemeClr val="lt1"/>
-          </a:fontRef>
-        </p:style>
-        <p:txBody>
-          <a:bodyPr rtlCol="0" anchor="ctr"/>
-          <a:lstStyle/>
-          <a:p>
-            <a:pPr algn="ctr"/>
-            <a:endParaRPr lang="ru-RU"/>
-          </a:p>
-        </p:txBody>
-      </p:sp>
-      <p:sp>
-        <p:nvSpPr>
-          <p:cNvPr id="63" name="Овал 62"/>
-          <p:cNvSpPr/>
-          <p:nvPr/>
-        </p:nvSpPr>
-        <p:spPr>
-          <a:xfrm>
-            <a:off x="3941002" y="4276727"/>
-            <a:ext cx="219075" cy="228600"/>
-          </a:xfrm>
-          <a:prstGeom prst="ellipse">
-            <a:avLst/>
-          </a:prstGeom>
-          <a:solidFill>
-            <a:srgbClr val="00B050"/>
-          </a:solidFill>
-        </p:spPr>
-        <p:style>
-          <a:lnRef idx="2">
-            <a:schemeClr val="accent1">
-              <a:shade val="50000"/>
-            </a:schemeClr>
-          </a:lnRef>
-          <a:fillRef idx="1">
-            <a:schemeClr val="accent1"/>
-          </a:fillRef>
-          <a:effectRef idx="0">
-            <a:schemeClr val="accent1"/>
-          </a:effectRef>
-          <a:fontRef idx="minor">
-            <a:schemeClr val="lt1"/>
-          </a:fontRef>
-        </p:style>
-        <p:txBody>
-          <a:bodyPr rtlCol="0" anchor="ctr"/>
-          <a:lstStyle/>
-          <a:p>
-            <a:pPr algn="ctr"/>
-            <a:endParaRPr lang="ru-RU"/>
-          </a:p>
-        </p:txBody>
-      </p:sp>
-      <p:sp>
-        <p:nvSpPr>
-          <p:cNvPr id="64" name="Овал 63"/>
-          <p:cNvSpPr/>
-          <p:nvPr/>
-        </p:nvSpPr>
-        <p:spPr>
-          <a:xfrm>
-            <a:off x="4731577" y="4276727"/>
-            <a:ext cx="219075" cy="228600"/>
-          </a:xfrm>
-          <a:prstGeom prst="ellipse">
-            <a:avLst/>
-          </a:prstGeom>
-          <a:solidFill>
-            <a:srgbClr val="00B050"/>
-          </a:solidFill>
-        </p:spPr>
-        <p:style>
-          <a:lnRef idx="2">
-            <a:schemeClr val="accent1">
-              <a:shade val="50000"/>
-            </a:schemeClr>
-          </a:lnRef>
-          <a:fillRef idx="1">
-            <a:schemeClr val="accent1"/>
-          </a:fillRef>
-          <a:effectRef idx="0">
-            <a:schemeClr val="accent1"/>
-          </a:effectRef>
-          <a:fontRef idx="minor">
-            <a:schemeClr val="lt1"/>
-          </a:fontRef>
-        </p:style>
-        <p:txBody>
-          <a:bodyPr rtlCol="0" anchor="ctr"/>
-          <a:lstStyle/>
-          <a:p>
-            <a:pPr algn="ctr"/>
-            <a:endParaRPr lang="ru-RU"/>
-          </a:p>
-        </p:txBody>
-      </p:sp>
-      <p:sp>
-        <p:nvSpPr>
-          <p:cNvPr id="65" name="Овал 64"/>
-          <p:cNvSpPr/>
-          <p:nvPr/>
-        </p:nvSpPr>
-        <p:spPr>
-          <a:xfrm>
-            <a:off x="5569777" y="4276729"/>
-            <a:ext cx="219075" cy="228600"/>
-          </a:xfrm>
-          <a:prstGeom prst="ellipse">
-            <a:avLst/>
-          </a:prstGeom>
-          <a:solidFill>
-            <a:srgbClr val="00B050"/>
-          </a:solidFill>
-        </p:spPr>
-        <p:style>
-          <a:lnRef idx="2">
-            <a:schemeClr val="accent1">
-              <a:shade val="50000"/>
-            </a:schemeClr>
-          </a:lnRef>
-          <a:fillRef idx="1">
-            <a:schemeClr val="accent1"/>
-          </a:fillRef>
-          <a:effectRef idx="0">
-            <a:schemeClr val="accent1"/>
-          </a:effectRef>
-          <a:fontRef idx="minor">
-            <a:schemeClr val="lt1"/>
-          </a:fontRef>
-        </p:style>
-        <p:txBody>
-          <a:bodyPr rtlCol="0" anchor="ctr"/>
-          <a:lstStyle/>
-          <a:p>
-            <a:pPr algn="ctr"/>
-            <a:endParaRPr lang="ru-RU"/>
-          </a:p>
-        </p:txBody>
-      </p:sp>
-      <p:sp>
-        <p:nvSpPr>
-          <p:cNvPr id="66" name="Овал 65"/>
-          <p:cNvSpPr/>
-          <p:nvPr/>
-        </p:nvSpPr>
-        <p:spPr>
-          <a:xfrm>
-            <a:off x="6446077" y="4276727"/>
-            <a:ext cx="219075" cy="228600"/>
-          </a:xfrm>
-          <a:prstGeom prst="ellipse">
-            <a:avLst/>
-          </a:prstGeom>
-          <a:solidFill>
-            <a:srgbClr val="00B050"/>
-          </a:solidFill>
-        </p:spPr>
-        <p:style>
-          <a:lnRef idx="2">
-            <a:schemeClr val="accent1">
-              <a:shade val="50000"/>
-            </a:schemeClr>
-          </a:lnRef>
-          <a:fillRef idx="1">
-            <a:schemeClr val="accent1"/>
-          </a:fillRef>
-          <a:effectRef idx="0">
-            <a:schemeClr val="accent1"/>
-          </a:effectRef>
-          <a:fontRef idx="minor">
-            <a:schemeClr val="lt1"/>
-          </a:fontRef>
-        </p:style>
-        <p:txBody>
-          <a:bodyPr rtlCol="0" anchor="ctr"/>
-          <a:lstStyle/>
-          <a:p>
-            <a:pPr algn="ctr"/>
-            <a:endParaRPr lang="ru-RU"/>
-          </a:p>
-        </p:txBody>
-      </p:sp>
-    </p:spTree>
-    <p:extLst>
-      <p:ext uri="{BB962C8B-B14F-4D97-AF65-F5344CB8AC3E}">
-        <p14:creationId xmlns:p14="http://schemas.microsoft.com/office/powerpoint/2010/main" val="758353204"/>
-      </p:ext>
-    </p:extLst>
-  </p:cSld>
-  <p:clrMapOvr>
-    <a:masterClrMapping/>
-  </p:clrMapOvr>
-</p:sld>
-</file>
-
-<file path=ppt/slides/slide7.xml><?xml version="1.0" encoding="utf-8"?>
-<p:sld xmlns:a="http://schemas.openxmlformats.org/drawingml/2006/main" xmlns:r="http://schemas.openxmlformats.org/officeDocument/2006/relationships" xmlns:p="http://schemas.openxmlformats.org/presentationml/2006/main">
-  <p:cSld>
-    <p:spTree>
-      <p:nvGrpSpPr>
-        <p:cNvPr id="1" name=""/>
-        <p:cNvGrpSpPr/>
-        <p:nvPr/>
-      </p:nvGrpSpPr>
-      <p:grpSpPr>
-        <a:xfrm>
-          <a:off x="0" y="0"/>
-          <a:ext cx="0" cy="0"/>
-          <a:chOff x="0" y="0"/>
-          <a:chExt cx="0" cy="0"/>
-        </a:xfrm>
-      </p:grpSpPr>
       <p:sp>
         <p:nvSpPr>
           <p:cNvPr id="2" name="Заголовок 1"/>
@@ -8611,7 +6371,7 @@
 </p:sld>
 </file>
 
-<file path=ppt/slides/slide8.xml><?xml version="1.0" encoding="utf-8"?>
+<file path=ppt/slides/slide7.xml><?xml version="1.0" encoding="utf-8"?>
 <p:sld xmlns:a="http://schemas.openxmlformats.org/drawingml/2006/main" xmlns:r="http://schemas.openxmlformats.org/officeDocument/2006/relationships" xmlns:p="http://schemas.openxmlformats.org/presentationml/2006/main">
   <p:cSld>
     <p:spTree>
@@ -9508,7 +7268,7 @@
 </p:sld>
 </file>
 
-<file path=ppt/slides/slide9.xml><?xml version="1.0" encoding="utf-8"?>
+<file path=ppt/slides/slide8.xml><?xml version="1.0" encoding="utf-8"?>
 <p:sld xmlns:a="http://schemas.openxmlformats.org/drawingml/2006/main" xmlns:r="http://schemas.openxmlformats.org/officeDocument/2006/relationships" xmlns:p="http://schemas.openxmlformats.org/presentationml/2006/main">
   <p:cSld>
     <p:spTree>
@@ -10349,6 +8109,597 @@
     <p:extLst>
       <p:ext uri="{BB962C8B-B14F-4D97-AF65-F5344CB8AC3E}">
         <p14:creationId xmlns:p14="http://schemas.microsoft.com/office/powerpoint/2010/main" val="3952201763"/>
+      </p:ext>
+    </p:extLst>
+  </p:cSld>
+  <p:clrMapOvr>
+    <a:masterClrMapping/>
+  </p:clrMapOvr>
+</p:sld>
+</file>
+
+<file path=ppt/slides/slide9.xml><?xml version="1.0" encoding="utf-8"?>
+<p:sld xmlns:a="http://schemas.openxmlformats.org/drawingml/2006/main" xmlns:r="http://schemas.openxmlformats.org/officeDocument/2006/relationships" xmlns:p="http://schemas.openxmlformats.org/presentationml/2006/main">
+  <p:cSld>
+    <p:spTree>
+      <p:nvGrpSpPr>
+        <p:cNvPr id="1" name=""/>
+        <p:cNvGrpSpPr/>
+        <p:nvPr/>
+      </p:nvGrpSpPr>
+      <p:grpSpPr>
+        <a:xfrm>
+          <a:off x="0" y="0"/>
+          <a:ext cx="0" cy="0"/>
+          <a:chOff x="0" y="0"/>
+          <a:chExt cx="0" cy="0"/>
+        </a:xfrm>
+      </p:grpSpPr>
+      <p:sp>
+        <p:nvSpPr>
+          <p:cNvPr id="4" name="Прямоугольник 3">
+            <a:extLst>
+              <a:ext uri="{FF2B5EF4-FFF2-40B4-BE49-F238E27FC236}">
+                <a16:creationId xmlns:a16="http://schemas.microsoft.com/office/drawing/2014/main" xmlns="" id="{ACD123A0-37E4-43F8-BA23-CF6274D29C67}"/>
+              </a:ext>
+            </a:extLst>
+          </p:cNvPr>
+          <p:cNvSpPr/>
+          <p:nvPr/>
+        </p:nvSpPr>
+        <p:spPr>
+          <a:xfrm>
+            <a:off x="138716" y="973241"/>
+            <a:ext cx="12384911" cy="5324535"/>
+          </a:xfrm>
+          <a:prstGeom prst="rect">
+            <a:avLst/>
+          </a:prstGeom>
+        </p:spPr>
+        <p:txBody>
+          <a:bodyPr wrap="square">
+            <a:spAutoFit/>
+          </a:bodyPr>
+          <a:lstStyle/>
+          <a:p>
+            <a:r>
+              <a:rPr lang="en-US" sz="2000" dirty="0">
+                <a:solidFill>
+                  <a:srgbClr val="0000FF"/>
+                </a:solidFill>
+                <a:latin typeface="Consolas" panose="020B0609020204030204" pitchFamily="49" charset="0"/>
+              </a:rPr>
+              <a:t>for</a:t>
+            </a:r>
+            <a:r>
+              <a:rPr lang="en-US" sz="2000" dirty="0">
+                <a:solidFill>
+                  <a:srgbClr val="000000"/>
+                </a:solidFill>
+                <a:latin typeface="Consolas" panose="020B0609020204030204" pitchFamily="49" charset="0"/>
+              </a:rPr>
+              <a:t> (</a:t>
+            </a:r>
+            <a:r>
+              <a:rPr lang="en-US" sz="2000" dirty="0">
+                <a:solidFill>
+                  <a:srgbClr val="2B91AF"/>
+                </a:solidFill>
+                <a:latin typeface="Consolas" panose="020B0609020204030204" pitchFamily="49" charset="0"/>
+              </a:rPr>
+              <a:t>size_t</a:t>
+            </a:r>
+            <a:r>
+              <a:rPr lang="en-US" sz="2000" dirty="0">
+                <a:solidFill>
+                  <a:srgbClr val="000000"/>
+                </a:solidFill>
+                <a:latin typeface="Consolas" panose="020B0609020204030204" pitchFamily="49" charset="0"/>
+              </a:rPr>
+              <a:t> s = </a:t>
+            </a:r>
+            <a:r>
+              <a:rPr lang="ru-RU" sz="2000" dirty="0" smtClean="0">
+                <a:solidFill>
+                  <a:srgbClr val="000000"/>
+                </a:solidFill>
+                <a:latin typeface="Consolas" panose="020B0609020204030204" pitchFamily="49" charset="0"/>
+              </a:rPr>
+              <a:t>3</a:t>
+            </a:r>
+            <a:r>
+              <a:rPr lang="en-US" sz="2000" dirty="0" smtClean="0">
+                <a:solidFill>
+                  <a:srgbClr val="000000"/>
+                </a:solidFill>
+                <a:latin typeface="Consolas" panose="020B0609020204030204" pitchFamily="49" charset="0"/>
+              </a:rPr>
+              <a:t>; </a:t>
+            </a:r>
+            <a:r>
+              <a:rPr lang="en-US" sz="2000" dirty="0">
+                <a:solidFill>
+                  <a:srgbClr val="000000"/>
+                </a:solidFill>
+                <a:latin typeface="Consolas" panose="020B0609020204030204" pitchFamily="49" charset="0"/>
+              </a:rPr>
+              <a:t>s &lt;= GridNx + GridNy + GridNz - 3; s++)</a:t>
+            </a:r>
+          </a:p>
+          <a:p>
+            <a:r>
+              <a:rPr lang="ru-RU" sz="2000" dirty="0">
+                <a:solidFill>
+                  <a:srgbClr val="000000"/>
+                </a:solidFill>
+                <a:latin typeface="Consolas" panose="020B0609020204030204" pitchFamily="49" charset="0"/>
+              </a:rPr>
+              <a:t>    {</a:t>
+            </a:r>
+          </a:p>
+          <a:p>
+            <a:r>
+              <a:rPr lang="en-US" sz="2000" dirty="0">
+                <a:solidFill>
+                  <a:srgbClr val="000000"/>
+                </a:solidFill>
+                <a:latin typeface="Consolas" panose="020B0609020204030204" pitchFamily="49" charset="0"/>
+              </a:rPr>
+              <a:t>        __syncthreads();</a:t>
+            </a:r>
+          </a:p>
+          <a:p>
+            <a:r>
+              <a:rPr lang="en-US" sz="2000" dirty="0">
+                <a:solidFill>
+                  <a:srgbClr val="000000"/>
+                </a:solidFill>
+                <a:latin typeface="Consolas" panose="020B0609020204030204" pitchFamily="49" charset="0"/>
+              </a:rPr>
+              <a:t>        </a:t>
+            </a:r>
+            <a:r>
+              <a:rPr lang="en-US" sz="2000" dirty="0">
+                <a:solidFill>
+                  <a:srgbClr val="0000FF"/>
+                </a:solidFill>
+                <a:latin typeface="Consolas" panose="020B0609020204030204" pitchFamily="49" charset="0"/>
+              </a:rPr>
+              <a:t>if</a:t>
+            </a:r>
+            <a:r>
+              <a:rPr lang="en-US" sz="2000" dirty="0">
+                <a:solidFill>
+                  <a:srgbClr val="000000"/>
+                </a:solidFill>
+                <a:latin typeface="Consolas" panose="020B0609020204030204" pitchFamily="49" charset="0"/>
+              </a:rPr>
+              <a:t> (idx_x + currentY + </a:t>
+            </a:r>
+            <a:r>
+              <a:rPr lang="en-US" sz="2000" dirty="0" smtClean="0">
+                <a:solidFill>
+                  <a:srgbClr val="000000"/>
+                </a:solidFill>
+                <a:latin typeface="Consolas" panose="020B0609020204030204" pitchFamily="49" charset="0"/>
+              </a:rPr>
+              <a:t>idx_z </a:t>
+            </a:r>
+            <a:r>
+              <a:rPr lang="en-US" sz="2000" dirty="0">
+                <a:solidFill>
+                  <a:srgbClr val="000000"/>
+                </a:solidFill>
+                <a:latin typeface="Consolas" panose="020B0609020204030204" pitchFamily="49" charset="0"/>
+              </a:rPr>
+              <a:t>== s &amp;&amp; s &lt; </a:t>
+            </a:r>
+            <a:r>
+              <a:rPr lang="en-US" sz="2000" dirty="0">
+                <a:solidFill>
+                  <a:srgbClr val="6F008A"/>
+                </a:solidFill>
+                <a:latin typeface="Consolas" panose="020B0609020204030204" pitchFamily="49" charset="0"/>
+              </a:rPr>
+              <a:t>GridNy</a:t>
+            </a:r>
+            <a:r>
+              <a:rPr lang="en-US" sz="2000" dirty="0">
+                <a:solidFill>
+                  <a:srgbClr val="000000"/>
+                </a:solidFill>
+                <a:latin typeface="Consolas" panose="020B0609020204030204" pitchFamily="49" charset="0"/>
+              </a:rPr>
+              <a:t> + idx_x + </a:t>
+            </a:r>
+            <a:r>
+              <a:rPr lang="en-US" sz="2000" dirty="0" smtClean="0">
+                <a:solidFill>
+                  <a:srgbClr val="000000"/>
+                </a:solidFill>
+                <a:latin typeface="Consolas" panose="020B0609020204030204" pitchFamily="49" charset="0"/>
+              </a:rPr>
+              <a:t>idx_z)</a:t>
+            </a:r>
+            <a:endParaRPr lang="en-US" sz="2000" dirty="0">
+              <a:solidFill>
+                <a:srgbClr val="000000"/>
+              </a:solidFill>
+              <a:latin typeface="Consolas" panose="020B0609020204030204" pitchFamily="49" charset="0"/>
+            </a:endParaRPr>
+          </a:p>
+          <a:p>
+            <a:r>
+              <a:rPr lang="ru-RU" sz="2000" dirty="0">
+                <a:solidFill>
+                  <a:srgbClr val="000000"/>
+                </a:solidFill>
+                <a:latin typeface="Consolas" panose="020B0609020204030204" pitchFamily="49" charset="0"/>
+              </a:rPr>
+              <a:t>        {</a:t>
+            </a:r>
+          </a:p>
+          <a:p>
+            <a:r>
+              <a:rPr lang="en-US" sz="2000" dirty="0">
+                <a:solidFill>
+                  <a:srgbClr val="000000"/>
+                </a:solidFill>
+                <a:latin typeface="Consolas" panose="020B0609020204030204" pitchFamily="49" charset="0"/>
+              </a:rPr>
+              <a:t>            </a:t>
+            </a:r>
+            <a:r>
+              <a:rPr lang="en-US" sz="2000" dirty="0">
+                <a:solidFill>
+                  <a:srgbClr val="2B91AF"/>
+                </a:solidFill>
+                <a:latin typeface="Consolas" panose="020B0609020204030204" pitchFamily="49" charset="0"/>
+              </a:rPr>
+              <a:t>size_t</a:t>
+            </a:r>
+            <a:r>
+              <a:rPr lang="en-US" sz="2000" dirty="0">
+                <a:solidFill>
+                  <a:srgbClr val="000000"/>
+                </a:solidFill>
+                <a:latin typeface="Consolas" panose="020B0609020204030204" pitchFamily="49" charset="0"/>
+              </a:rPr>
+              <a:t> nodeIndex = idx_x + (</a:t>
+            </a:r>
+            <a:r>
+              <a:rPr lang="en-US" sz="2000" dirty="0">
+                <a:solidFill>
+                  <a:srgbClr val="6F008A"/>
+                </a:solidFill>
+                <a:latin typeface="Consolas" panose="020B0609020204030204" pitchFamily="49" charset="0"/>
+              </a:rPr>
+              <a:t>BlockSizeX</a:t>
+            </a:r>
+            <a:r>
+              <a:rPr lang="en-US" sz="2000" dirty="0">
+                <a:solidFill>
+                  <a:srgbClr val="000000"/>
+                </a:solidFill>
+                <a:latin typeface="Consolas" panose="020B0609020204030204" pitchFamily="49" charset="0"/>
+              </a:rPr>
+              <a:t> + 1) * currentY + </a:t>
+            </a:r>
+            <a:r>
+              <a:rPr lang="en-US" sz="2000" dirty="0">
+                <a:solidFill>
+                  <a:srgbClr val="6F008A"/>
+                </a:solidFill>
+                <a:latin typeface="Consolas" panose="020B0609020204030204" pitchFamily="49" charset="0"/>
+              </a:rPr>
+              <a:t>GridXY</a:t>
+            </a:r>
+            <a:r>
+              <a:rPr lang="en-US" sz="2000" dirty="0">
+                <a:solidFill>
+                  <a:srgbClr val="000000"/>
+                </a:solidFill>
+                <a:latin typeface="Consolas" panose="020B0609020204030204" pitchFamily="49" charset="0"/>
+              </a:rPr>
+              <a:t> * </a:t>
+            </a:r>
+            <a:r>
+              <a:rPr lang="en-US" sz="2000" dirty="0" smtClean="0">
+                <a:solidFill>
+                  <a:srgbClr val="000000"/>
+                </a:solidFill>
+                <a:latin typeface="Consolas" panose="020B0609020204030204" pitchFamily="49" charset="0"/>
+              </a:rPr>
+              <a:t>idx_z;</a:t>
+            </a:r>
+            <a:endParaRPr lang="en-US" sz="2000" dirty="0">
+              <a:solidFill>
+                <a:srgbClr val="000000"/>
+              </a:solidFill>
+              <a:latin typeface="Consolas" panose="020B0609020204030204" pitchFamily="49" charset="0"/>
+            </a:endParaRPr>
+          </a:p>
+          <a:p>
+            <a:endParaRPr lang="ru-RU" sz="2000" dirty="0">
+              <a:solidFill>
+                <a:srgbClr val="000000"/>
+              </a:solidFill>
+              <a:latin typeface="Consolas" panose="020B0609020204030204" pitchFamily="49" charset="0"/>
+            </a:endParaRPr>
+          </a:p>
+          <a:p>
+            <a:r>
+              <a:rPr lang="en-US" sz="2000" dirty="0">
+                <a:solidFill>
+                  <a:srgbClr val="000000"/>
+                </a:solidFill>
+                <a:latin typeface="Consolas" panose="020B0609020204030204" pitchFamily="49" charset="0"/>
+              </a:rPr>
+              <a:t>            </a:t>
+            </a:r>
+            <a:r>
+              <a:rPr lang="en-US" sz="2000" dirty="0">
+                <a:solidFill>
+                  <a:srgbClr val="2B91AF"/>
+                </a:solidFill>
+                <a:latin typeface="Consolas" panose="020B0609020204030204" pitchFamily="49" charset="0"/>
+              </a:rPr>
+              <a:t>size_t</a:t>
+            </a:r>
+            <a:r>
+              <a:rPr lang="en-US" sz="2000" dirty="0">
+                <a:solidFill>
+                  <a:srgbClr val="000000"/>
+                </a:solidFill>
+                <a:latin typeface="Consolas" panose="020B0609020204030204" pitchFamily="49" charset="0"/>
+              </a:rPr>
+              <a:t> m0 = nodeIndex;</a:t>
+            </a:r>
+          </a:p>
+          <a:p>
+            <a:endParaRPr lang="ru-RU" sz="2000" dirty="0">
+              <a:solidFill>
+                <a:srgbClr val="000000"/>
+              </a:solidFill>
+              <a:latin typeface="Consolas" panose="020B0609020204030204" pitchFamily="49" charset="0"/>
+            </a:endParaRPr>
+          </a:p>
+          <a:p>
+            <a:r>
+              <a:rPr lang="en-US" sz="2000" dirty="0">
+                <a:solidFill>
+                  <a:srgbClr val="000000"/>
+                </a:solidFill>
+                <a:latin typeface="Consolas" panose="020B0609020204030204" pitchFamily="49" charset="0"/>
+              </a:rPr>
+              <a:t>            </a:t>
+            </a:r>
+            <a:r>
+              <a:rPr lang="en-US" sz="2000" dirty="0">
+                <a:solidFill>
+                  <a:srgbClr val="0000FF"/>
+                </a:solidFill>
+                <a:latin typeface="Consolas" panose="020B0609020204030204" pitchFamily="49" charset="0"/>
+              </a:rPr>
+              <a:t>double</a:t>
+            </a:r>
+            <a:r>
+              <a:rPr lang="en-US" sz="2000" dirty="0">
+                <a:solidFill>
+                  <a:srgbClr val="000000"/>
+                </a:solidFill>
+                <a:latin typeface="Consolas" panose="020B0609020204030204" pitchFamily="49" charset="0"/>
+              </a:rPr>
+              <a:t> c0m0 = </a:t>
+            </a:r>
+            <a:r>
+              <a:rPr lang="en-US" sz="2000" dirty="0">
+                <a:solidFill>
+                  <a:srgbClr val="808080"/>
+                </a:solidFill>
+                <a:latin typeface="Consolas" panose="020B0609020204030204" pitchFamily="49" charset="0"/>
+              </a:rPr>
+              <a:t>c0</a:t>
+            </a:r>
+            <a:r>
+              <a:rPr lang="en-US" sz="2000" dirty="0">
+                <a:solidFill>
+                  <a:srgbClr val="000000"/>
+                </a:solidFill>
+                <a:latin typeface="Consolas" panose="020B0609020204030204" pitchFamily="49" charset="0"/>
+              </a:rPr>
+              <a:t>[m0];</a:t>
+            </a:r>
+          </a:p>
+          <a:p>
+            <a:r>
+              <a:rPr lang="en-US" sz="2000" dirty="0">
+                <a:solidFill>
+                  <a:srgbClr val="000000"/>
+                </a:solidFill>
+                <a:latin typeface="Consolas" panose="020B0609020204030204" pitchFamily="49" charset="0"/>
+              </a:rPr>
+              <a:t>            </a:t>
+            </a:r>
+            <a:r>
+              <a:rPr lang="en-US" sz="2000" dirty="0">
+                <a:solidFill>
+                  <a:srgbClr val="0000FF"/>
+                </a:solidFill>
+                <a:latin typeface="Consolas" panose="020B0609020204030204" pitchFamily="49" charset="0"/>
+              </a:rPr>
+              <a:t>if</a:t>
+            </a:r>
+            <a:r>
+              <a:rPr lang="en-US" sz="2000" dirty="0">
+                <a:solidFill>
+                  <a:srgbClr val="000000"/>
+                </a:solidFill>
+                <a:latin typeface="Consolas" panose="020B0609020204030204" pitchFamily="49" charset="0"/>
+              </a:rPr>
+              <a:t> (c0m0 &gt; 0)</a:t>
+            </a:r>
+          </a:p>
+          <a:p>
+            <a:r>
+              <a:rPr lang="ru-RU" sz="2000" dirty="0">
+                <a:solidFill>
+                  <a:srgbClr val="000000"/>
+                </a:solidFill>
+                <a:latin typeface="Consolas" panose="020B0609020204030204" pitchFamily="49" charset="0"/>
+              </a:rPr>
+              <a:t>            {</a:t>
+            </a:r>
+          </a:p>
+          <a:p>
+            <a:r>
+              <a:rPr lang="en-US" sz="2000" dirty="0">
+                <a:solidFill>
+                  <a:srgbClr val="000000"/>
+                </a:solidFill>
+                <a:latin typeface="Consolas" panose="020B0609020204030204" pitchFamily="49" charset="0"/>
+              </a:rPr>
+              <a:t>                </a:t>
+            </a:r>
+            <a:r>
+              <a:rPr lang="en-US" sz="2000" dirty="0">
+                <a:solidFill>
+                  <a:srgbClr val="2B91AF"/>
+                </a:solidFill>
+                <a:latin typeface="Consolas" panose="020B0609020204030204" pitchFamily="49" charset="0"/>
+              </a:rPr>
+              <a:t>size_t</a:t>
+            </a:r>
+            <a:r>
+              <a:rPr lang="en-US" sz="2000" dirty="0">
+                <a:solidFill>
+                  <a:srgbClr val="000000"/>
+                </a:solidFill>
+                <a:latin typeface="Consolas" panose="020B0609020204030204" pitchFamily="49" charset="0"/>
+              </a:rPr>
+              <a:t> m2 = m0 - 1;</a:t>
+            </a:r>
+          </a:p>
+          <a:p>
+            <a:r>
+              <a:rPr lang="en-US" sz="2000" dirty="0">
+                <a:solidFill>
+                  <a:srgbClr val="000000"/>
+                </a:solidFill>
+                <a:latin typeface="Consolas" panose="020B0609020204030204" pitchFamily="49" charset="0"/>
+              </a:rPr>
+              <a:t>                </a:t>
+            </a:r>
+            <a:r>
+              <a:rPr lang="en-US" sz="2000" dirty="0">
+                <a:solidFill>
+                  <a:srgbClr val="2B91AF"/>
+                </a:solidFill>
+                <a:latin typeface="Consolas" panose="020B0609020204030204" pitchFamily="49" charset="0"/>
+              </a:rPr>
+              <a:t>size_t</a:t>
+            </a:r>
+            <a:r>
+              <a:rPr lang="en-US" sz="2000" dirty="0">
+                <a:solidFill>
+                  <a:srgbClr val="000000"/>
+                </a:solidFill>
+                <a:latin typeface="Consolas" panose="020B0609020204030204" pitchFamily="49" charset="0"/>
+              </a:rPr>
+              <a:t> m4 = m0 - </a:t>
+            </a:r>
+            <a:r>
+              <a:rPr lang="en-US" sz="2000" dirty="0">
+                <a:solidFill>
+                  <a:srgbClr val="6F008A"/>
+                </a:solidFill>
+                <a:latin typeface="Consolas" panose="020B0609020204030204" pitchFamily="49" charset="0"/>
+              </a:rPr>
+              <a:t>GridNx</a:t>
+            </a:r>
+            <a:r>
+              <a:rPr lang="en-US" sz="2000" dirty="0">
+                <a:solidFill>
+                  <a:srgbClr val="000000"/>
+                </a:solidFill>
+                <a:latin typeface="Consolas" panose="020B0609020204030204" pitchFamily="49" charset="0"/>
+              </a:rPr>
+              <a:t>;</a:t>
+            </a:r>
+          </a:p>
+          <a:p>
+            <a:r>
+              <a:rPr lang="en-US" sz="2000" dirty="0">
+                <a:solidFill>
+                  <a:srgbClr val="000000"/>
+                </a:solidFill>
+                <a:latin typeface="Consolas" panose="020B0609020204030204" pitchFamily="49" charset="0"/>
+              </a:rPr>
+              <a:t>                </a:t>
+            </a:r>
+            <a:r>
+              <a:rPr lang="en-US" sz="2000" dirty="0">
+                <a:solidFill>
+                  <a:srgbClr val="2B91AF"/>
+                </a:solidFill>
+                <a:latin typeface="Consolas" panose="020B0609020204030204" pitchFamily="49" charset="0"/>
+              </a:rPr>
+              <a:t>size_t</a:t>
+            </a:r>
+            <a:r>
+              <a:rPr lang="en-US" sz="2000" dirty="0">
+                <a:solidFill>
+                  <a:srgbClr val="000000"/>
+                </a:solidFill>
+                <a:latin typeface="Consolas" panose="020B0609020204030204" pitchFamily="49" charset="0"/>
+              </a:rPr>
+              <a:t> m6 = m0 - </a:t>
+            </a:r>
+            <a:r>
+              <a:rPr lang="en-US" sz="2000" dirty="0">
+                <a:solidFill>
+                  <a:srgbClr val="6F008A"/>
+                </a:solidFill>
+                <a:latin typeface="Consolas" panose="020B0609020204030204" pitchFamily="49" charset="0"/>
+              </a:rPr>
+              <a:t>GridXY</a:t>
+            </a:r>
+            <a:r>
+              <a:rPr lang="en-US" sz="2000" dirty="0">
+                <a:solidFill>
+                  <a:srgbClr val="000000"/>
+                </a:solidFill>
+                <a:latin typeface="Consolas" panose="020B0609020204030204" pitchFamily="49" charset="0"/>
+              </a:rPr>
+              <a:t>;</a:t>
+            </a:r>
+          </a:p>
+          <a:p>
+            <a:endParaRPr lang="ru-RU" sz="2000" dirty="0">
+              <a:solidFill>
+                <a:srgbClr val="000000"/>
+              </a:solidFill>
+              <a:latin typeface="Consolas" panose="020B0609020204030204" pitchFamily="49" charset="0"/>
+            </a:endParaRPr>
+          </a:p>
+          <a:p>
+            <a:r>
+              <a:rPr lang="en-US" sz="2000" dirty="0">
+                <a:solidFill>
+                  <a:srgbClr val="000000"/>
+                </a:solidFill>
+                <a:latin typeface="Consolas" panose="020B0609020204030204" pitchFamily="49" charset="0"/>
+              </a:rPr>
+              <a:t>                </a:t>
+            </a:r>
+            <a:endParaRPr lang="ru-RU" sz="2000" dirty="0"/>
+          </a:p>
+        </p:txBody>
+      </p:sp>
+    </p:spTree>
+    <p:extLst>
+      <p:ext uri="{BB962C8B-B14F-4D97-AF65-F5344CB8AC3E}">
+        <p14:creationId xmlns:p14="http://schemas.microsoft.com/office/powerpoint/2010/main" val="1117047287"/>
       </p:ext>
     </p:extLst>
   </p:cSld>

--- a/_09_PtmConvTest/ptm conveyor.pptx
+++ b/_09_PtmConvTest/ptm conveyor.pptx
@@ -9,14 +9,17 @@
     <p:sldId id="257" r:id="rId3"/>
     <p:sldId id="259" r:id="rId4"/>
     <p:sldId id="261" r:id="rId5"/>
-    <p:sldId id="258" r:id="rId6"/>
-    <p:sldId id="268" r:id="rId7"/>
-    <p:sldId id="265" r:id="rId8"/>
-    <p:sldId id="260" r:id="rId9"/>
-    <p:sldId id="262" r:id="rId10"/>
-    <p:sldId id="263" r:id="rId11"/>
-    <p:sldId id="264" r:id="rId12"/>
-    <p:sldId id="266" r:id="rId13"/>
+    <p:sldId id="268" r:id="rId6"/>
+    <p:sldId id="265" r:id="rId7"/>
+    <p:sldId id="260" r:id="rId8"/>
+    <p:sldId id="262" r:id="rId9"/>
+    <p:sldId id="263" r:id="rId10"/>
+    <p:sldId id="269" r:id="rId11"/>
+    <p:sldId id="270" r:id="rId12"/>
+    <p:sldId id="264" r:id="rId13"/>
+    <p:sldId id="266" r:id="rId14"/>
+    <p:sldId id="271" r:id="rId15"/>
+    <p:sldId id="272" r:id="rId16"/>
   </p:sldIdLst>
   <p:sldSz cx="12192000" cy="6858000"/>
   <p:notesSz cx="6858000" cy="9144000"/>
@@ -284,11 +287,11 @@
           <c:showPercent val="0"/>
           <c:showBubbleSize val="0"/>
         </c:dLbls>
-        <c:axId val="186795136"/>
-        <c:axId val="186796672"/>
+        <c:axId val="153240704"/>
+        <c:axId val="153242240"/>
       </c:scatterChart>
       <c:valAx>
-        <c:axId val="186795136"/>
+        <c:axId val="153240704"/>
         <c:scaling>
           <c:orientation val="minMax"/>
           <c:max val="60000"/>
@@ -299,13 +302,13 @@
         <c:majorTickMark val="out"/>
         <c:minorTickMark val="none"/>
         <c:tickLblPos val="nextTo"/>
-        <c:crossAx val="186796672"/>
+        <c:crossAx val="153242240"/>
         <c:crosses val="autoZero"/>
         <c:crossBetween val="midCat"/>
         <c:majorUnit val="15000"/>
       </c:valAx>
       <c:valAx>
-        <c:axId val="186796672"/>
+        <c:axId val="153242240"/>
         <c:scaling>
           <c:orientation val="minMax"/>
           <c:max val="150"/>
@@ -317,7 +320,7 @@
         <c:majorTickMark val="out"/>
         <c:minorTickMark val="none"/>
         <c:tickLblPos val="nextTo"/>
-        <c:crossAx val="186795136"/>
+        <c:crossAx val="153240704"/>
         <c:crosses val="autoZero"/>
         <c:crossBetween val="midCat"/>
         <c:majorUnit val="25"/>
@@ -471,11 +474,11 @@
           <c:showPercent val="0"/>
           <c:showBubbleSize val="0"/>
         </c:dLbls>
-        <c:axId val="186836096"/>
-        <c:axId val="186837632"/>
+        <c:axId val="175498368"/>
+        <c:axId val="175499904"/>
       </c:scatterChart>
       <c:valAx>
-        <c:axId val="186836096"/>
+        <c:axId val="175498368"/>
         <c:scaling>
           <c:orientation val="minMax"/>
           <c:max val="60000"/>
@@ -499,13 +502,13 @@
             <a:endParaRPr lang="ru-RU"/>
           </a:p>
         </c:txPr>
-        <c:crossAx val="186837632"/>
+        <c:crossAx val="175499904"/>
         <c:crosses val="autoZero"/>
         <c:crossBetween val="midCat"/>
         <c:majorUnit val="15000"/>
       </c:valAx>
       <c:valAx>
-        <c:axId val="186837632"/>
+        <c:axId val="175499904"/>
         <c:scaling>
           <c:orientation val="minMax"/>
         </c:scaling>
@@ -529,7 +532,7 @@
             <a:endParaRPr lang="ru-RU"/>
           </a:p>
         </c:txPr>
-        <c:crossAx val="186836096"/>
+        <c:crossAx val="175498368"/>
         <c:crosses val="autoZero"/>
         <c:crossBetween val="midCat"/>
       </c:valAx>
@@ -1159,7 +1162,7 @@
           <a:p>
             <a:fld id="{C9AB1DDE-96C9-49F8-BE20-CAE803612F5F}" type="datetimeFigureOut">
               <a:rPr lang="ru-RU" smtClean="0"/>
-              <a:t>10.02.2021</a:t>
+              <a:t>11.02.2021</a:t>
             </a:fld>
             <a:endParaRPr lang="ru-RU"/>
           </a:p>
@@ -1329,7 +1332,7 @@
           <a:p>
             <a:fld id="{C9AB1DDE-96C9-49F8-BE20-CAE803612F5F}" type="datetimeFigureOut">
               <a:rPr lang="ru-RU" smtClean="0"/>
-              <a:t>10.02.2021</a:t>
+              <a:t>11.02.2021</a:t>
             </a:fld>
             <a:endParaRPr lang="ru-RU"/>
           </a:p>
@@ -1509,7 +1512,7 @@
           <a:p>
             <a:fld id="{C9AB1DDE-96C9-49F8-BE20-CAE803612F5F}" type="datetimeFigureOut">
               <a:rPr lang="ru-RU" smtClean="0"/>
-              <a:t>10.02.2021</a:t>
+              <a:t>11.02.2021</a:t>
             </a:fld>
             <a:endParaRPr lang="ru-RU"/>
           </a:p>
@@ -1679,7 +1682,7 @@
           <a:p>
             <a:fld id="{C9AB1DDE-96C9-49F8-BE20-CAE803612F5F}" type="datetimeFigureOut">
               <a:rPr lang="ru-RU" smtClean="0"/>
-              <a:t>10.02.2021</a:t>
+              <a:t>11.02.2021</a:t>
             </a:fld>
             <a:endParaRPr lang="ru-RU"/>
           </a:p>
@@ -1925,7 +1928,7 @@
           <a:p>
             <a:fld id="{C9AB1DDE-96C9-49F8-BE20-CAE803612F5F}" type="datetimeFigureOut">
               <a:rPr lang="ru-RU" smtClean="0"/>
-              <a:t>10.02.2021</a:t>
+              <a:t>11.02.2021</a:t>
             </a:fld>
             <a:endParaRPr lang="ru-RU"/>
           </a:p>
@@ -2213,7 +2216,7 @@
           <a:p>
             <a:fld id="{C9AB1DDE-96C9-49F8-BE20-CAE803612F5F}" type="datetimeFigureOut">
               <a:rPr lang="ru-RU" smtClean="0"/>
-              <a:t>10.02.2021</a:t>
+              <a:t>11.02.2021</a:t>
             </a:fld>
             <a:endParaRPr lang="ru-RU"/>
           </a:p>
@@ -2640,7 +2643,7 @@
           <a:p>
             <a:fld id="{C9AB1DDE-96C9-49F8-BE20-CAE803612F5F}" type="datetimeFigureOut">
               <a:rPr lang="ru-RU" smtClean="0"/>
-              <a:t>10.02.2021</a:t>
+              <a:t>11.02.2021</a:t>
             </a:fld>
             <a:endParaRPr lang="ru-RU"/>
           </a:p>
@@ -2758,7 +2761,7 @@
           <a:p>
             <a:fld id="{C9AB1DDE-96C9-49F8-BE20-CAE803612F5F}" type="datetimeFigureOut">
               <a:rPr lang="ru-RU" smtClean="0"/>
-              <a:t>10.02.2021</a:t>
+              <a:t>11.02.2021</a:t>
             </a:fld>
             <a:endParaRPr lang="ru-RU"/>
           </a:p>
@@ -2853,7 +2856,7 @@
           <a:p>
             <a:fld id="{C9AB1DDE-96C9-49F8-BE20-CAE803612F5F}" type="datetimeFigureOut">
               <a:rPr lang="ru-RU" smtClean="0"/>
-              <a:t>10.02.2021</a:t>
+              <a:t>11.02.2021</a:t>
             </a:fld>
             <a:endParaRPr lang="ru-RU"/>
           </a:p>
@@ -3130,7 +3133,7 @@
           <a:p>
             <a:fld id="{C9AB1DDE-96C9-49F8-BE20-CAE803612F5F}" type="datetimeFigureOut">
               <a:rPr lang="ru-RU" smtClean="0"/>
-              <a:t>10.02.2021</a:t>
+              <a:t>11.02.2021</a:t>
             </a:fld>
             <a:endParaRPr lang="ru-RU"/>
           </a:p>
@@ -3383,7 +3386,7 @@
           <a:p>
             <a:fld id="{C9AB1DDE-96C9-49F8-BE20-CAE803612F5F}" type="datetimeFigureOut">
               <a:rPr lang="ru-RU" smtClean="0"/>
-              <a:t>10.02.2021</a:t>
+              <a:t>11.02.2021</a:t>
             </a:fld>
             <a:endParaRPr lang="ru-RU"/>
           </a:p>
@@ -3596,7 +3599,7 @@
           <a:p>
             <a:fld id="{C9AB1DDE-96C9-49F8-BE20-CAE803612F5F}" type="datetimeFigureOut">
               <a:rPr lang="ru-RU" smtClean="0"/>
-              <a:t>10.02.2021</a:t>
+              <a:t>11.02.2021</a:t>
             </a:fld>
             <a:endParaRPr lang="ru-RU"/>
           </a:p>
@@ -3976,7 +3979,7 @@
           <p:cNvPr id="2" name="Заголовок 1">
             <a:extLst>
               <a:ext uri="{FF2B5EF4-FFF2-40B4-BE49-F238E27FC236}">
-                <a16:creationId xmlns:a16="http://schemas.microsoft.com/office/drawing/2014/main" xmlns="" id="{041F5A59-528A-4356-9483-FC2CEE174F52}"/>
+                <a16:creationId xmlns="" xmlns:a16="http://schemas.microsoft.com/office/drawing/2014/main" id="{041F5A59-528A-4356-9483-FC2CEE174F52}"/>
               </a:ext>
             </a:extLst>
           </p:cNvPr>
@@ -4042,7 +4045,7 @@
           <p:cNvPr id="3" name="Подзаголовок 2">
             <a:extLst>
               <a:ext uri="{FF2B5EF4-FFF2-40B4-BE49-F238E27FC236}">
-                <a16:creationId xmlns:a16="http://schemas.microsoft.com/office/drawing/2014/main" xmlns="" id="{D544EA7D-9219-4EF3-8A83-71C5FDBB2658}"/>
+                <a16:creationId xmlns="" xmlns:a16="http://schemas.microsoft.com/office/drawing/2014/main" id="{D544EA7D-9219-4EF3-8A83-71C5FDBB2658}"/>
               </a:ext>
             </a:extLst>
           </p:cNvPr>
@@ -4278,25 +4281,8 @@
                 <a:latin typeface="Times New Roman" pitchFamily="18" charset="0"/>
                 <a:cs typeface="Times New Roman" pitchFamily="18" charset="0"/>
               </a:rPr>
-              <a:t>ФГБОУ ВО Донской </a:t>
-            </a:r>
-            <a:r>
-              <a:rPr lang="ru-RU" dirty="0" smtClean="0">
-                <a:solidFill>
-                  <a:schemeClr val="tx1"/>
-                </a:solidFill>
-                <a:latin typeface="Times New Roman" pitchFamily="18" charset="0"/>
-                <a:cs typeface="Times New Roman" pitchFamily="18" charset="0"/>
-              </a:rPr>
-              <a:t>ГАУ,</a:t>
-            </a:r>
-            <a:endParaRPr lang="ru-RU" dirty="0" smtClean="0">
-              <a:solidFill>
-                <a:schemeClr val="tx1"/>
-              </a:solidFill>
-              <a:latin typeface="Times New Roman" pitchFamily="18" charset="0"/>
-              <a:cs typeface="Times New Roman" pitchFamily="18" charset="0"/>
-            </a:endParaRPr>
+              <a:t>ФГБОУ ВО Донской ГАУ,</a:t>
+            </a:r>
           </a:p>
           <a:p>
             <a:pPr algn="l">
@@ -4399,10 +4385,74 @@
       </p:grpSpPr>
       <p:sp>
         <p:nvSpPr>
-          <p:cNvPr id="4" name="Прямоугольник 3">
+          <p:cNvPr id="2" name="Заголовок 1"/>
+          <p:cNvSpPr>
+            <a:spLocks noGrp="1"/>
+          </p:cNvSpPr>
+          <p:nvPr>
+            <p:ph type="title"/>
+          </p:nvPr>
+        </p:nvSpPr>
+        <p:spPr>
+          <a:xfrm>
+            <a:off x="2181225" y="17463"/>
+            <a:ext cx="7629525" cy="763587"/>
+          </a:xfrm>
+        </p:spPr>
+        <p:txBody>
+          <a:bodyPr/>
+          <a:lstStyle/>
+          <a:p>
+            <a:r>
+              <a:rPr lang="en-US" dirty="0">
+                <a:latin typeface="Times New Roman" pitchFamily="18" charset="0"/>
+                <a:cs typeface="Times New Roman" pitchFamily="18" charset="0"/>
+              </a:rPr>
+              <a:t>NVIDIA GeForce GT 710</a:t>
+            </a:r>
+            <a:endParaRPr lang="ru-RU" dirty="0">
+              <a:latin typeface="Times New Roman" pitchFamily="18" charset="0"/>
+              <a:cs typeface="Times New Roman" pitchFamily="18" charset="0"/>
+            </a:endParaRPr>
+          </a:p>
+        </p:txBody>
+      </p:sp>
+      <p:pic>
+        <p:nvPicPr>
+          <p:cNvPr id="4" name="Рисунок 3" descr="Вырезка экрана"/>
+          <p:cNvPicPr>
+            <a:picLocks noChangeAspect="1"/>
+          </p:cNvPicPr>
+          <p:nvPr/>
+        </p:nvPicPr>
+        <p:blipFill>
+          <a:blip r:embed="rId2">
+            <a:extLst>
+              <a:ext uri="{28A0092B-C50C-407E-A947-70E740481C1C}">
+                <a14:useLocalDpi xmlns:a14="http://schemas.microsoft.com/office/drawing/2010/main" val="0"/>
+              </a:ext>
+            </a:extLst>
+          </a:blip>
+          <a:stretch>
+            <a:fillRect/>
+          </a:stretch>
+        </p:blipFill>
+        <p:spPr>
+          <a:xfrm>
+            <a:off x="3023809" y="785456"/>
+            <a:ext cx="6234491" cy="5882633"/>
+          </a:xfrm>
+          <a:prstGeom prst="rect">
+            <a:avLst/>
+          </a:prstGeom>
+        </p:spPr>
+      </p:pic>
+      <p:sp>
+        <p:nvSpPr>
+          <p:cNvPr id="5" name="Прямоугольник 4">
             <a:extLst>
               <a:ext uri="{FF2B5EF4-FFF2-40B4-BE49-F238E27FC236}">
-                <a16:creationId xmlns:a16="http://schemas.microsoft.com/office/drawing/2014/main" xmlns="" id="{E1028892-F7A5-4AD9-8241-0AC06DB80118}"/>
+                <a16:creationId xmlns="" xmlns:a16="http://schemas.microsoft.com/office/drawing/2014/main" id="{58FDC502-1EE1-46FE-901C-583D7E60FEF1}"/>
               </a:ext>
             </a:extLst>
           </p:cNvPr>
@@ -4411,627 +4461,92 @@
         </p:nvSpPr>
         <p:spPr>
           <a:xfrm>
-            <a:off x="580753" y="38919"/>
-            <a:ext cx="11335474" cy="6863417"/>
+            <a:off x="7486456" y="1825907"/>
+            <a:ext cx="1381319" cy="1079217"/>
           </a:xfrm>
           <a:prstGeom prst="rect">
             <a:avLst/>
           </a:prstGeom>
+          <a:noFill/>
+          <a:ln w="31750"/>
         </p:spPr>
+        <p:style>
+          <a:lnRef idx="2">
+            <a:schemeClr val="accent1">
+              <a:shade val="50000"/>
+            </a:schemeClr>
+          </a:lnRef>
+          <a:fillRef idx="1">
+            <a:schemeClr val="accent1"/>
+          </a:fillRef>
+          <a:effectRef idx="0">
+            <a:schemeClr val="accent1"/>
+          </a:effectRef>
+          <a:fontRef idx="minor">
+            <a:schemeClr val="lt1"/>
+          </a:fontRef>
+        </p:style>
         <p:txBody>
-          <a:bodyPr wrap="square">
-            <a:spAutoFit/>
-          </a:bodyPr>
+          <a:bodyPr rtlCol="0" anchor="ctr"/>
           <a:lstStyle/>
           <a:p>
-            <a:r>
-              <a:rPr lang="en-US" sz="2000" dirty="0">
-                <a:solidFill>
-                  <a:srgbClr val="0000FF"/>
-                </a:solidFill>
-                <a:latin typeface="Consolas" panose="020B0609020204030204" pitchFamily="49" charset="0"/>
-              </a:rPr>
-              <a:t>				   double</a:t>
-            </a:r>
-            <a:r>
-              <a:rPr lang="en-US" sz="2000" dirty="0">
-                <a:solidFill>
-                  <a:srgbClr val="000000"/>
-                </a:solidFill>
-                <a:latin typeface="Consolas" panose="020B0609020204030204" pitchFamily="49" charset="0"/>
-              </a:rPr>
-              <a:t> rm4 = 0;</a:t>
-            </a:r>
-          </a:p>
-          <a:p>
-            <a:r>
-              <a:rPr lang="en-US" sz="2000" dirty="0">
-                <a:solidFill>
-                  <a:srgbClr val="000000"/>
-                </a:solidFill>
-                <a:latin typeface="Consolas" panose="020B0609020204030204" pitchFamily="49" charset="0"/>
-              </a:rPr>
-              <a:t>                </a:t>
-            </a:r>
-            <a:r>
-              <a:rPr lang="en-US" sz="2000" dirty="0">
-                <a:solidFill>
-                  <a:srgbClr val="0000FF"/>
-                </a:solidFill>
-                <a:latin typeface="Consolas" panose="020B0609020204030204" pitchFamily="49" charset="0"/>
-              </a:rPr>
-              <a:t>if</a:t>
-            </a:r>
-            <a:r>
-              <a:rPr lang="en-US" sz="2000" dirty="0">
-                <a:solidFill>
-                  <a:srgbClr val="000000"/>
-                </a:solidFill>
-                <a:latin typeface="Consolas" panose="020B0609020204030204" pitchFamily="49" charset="0"/>
-              </a:rPr>
-              <a:t> (s &gt; 3 + threadX + </a:t>
-            </a:r>
-            <a:r>
-              <a:rPr lang="en-US" sz="2000" dirty="0" smtClean="0">
-                <a:solidFill>
-                  <a:srgbClr val="000000"/>
-                </a:solidFill>
-                <a:latin typeface="Consolas" panose="020B0609020204030204" pitchFamily="49" charset="0"/>
-              </a:rPr>
-              <a:t>threadZ)</a:t>
-            </a:r>
-            <a:endParaRPr lang="en-US" sz="2000" dirty="0">
-              <a:solidFill>
-                <a:srgbClr val="000000"/>
-              </a:solidFill>
-              <a:latin typeface="Consolas" panose="020B0609020204030204" pitchFamily="49" charset="0"/>
-            </a:endParaRPr>
-          </a:p>
-          <a:p>
-            <a:r>
-              <a:rPr lang="ru-RU" sz="2000" dirty="0">
-                <a:solidFill>
-                  <a:srgbClr val="000000"/>
-                </a:solidFill>
-                <a:latin typeface="Consolas" panose="020B0609020204030204" pitchFamily="49" charset="0"/>
-              </a:rPr>
-              <a:t>                {                    </a:t>
-            </a:r>
-          </a:p>
-          <a:p>
-            <a:r>
-              <a:rPr lang="en-US" sz="2000" dirty="0">
-                <a:solidFill>
-                  <a:srgbClr val="000000"/>
-                </a:solidFill>
-                <a:latin typeface="Consolas" panose="020B0609020204030204" pitchFamily="49" charset="0"/>
-              </a:rPr>
-              <a:t>                    rm4 = cache[threadX][</a:t>
-            </a:r>
-            <a:r>
-              <a:rPr lang="en-US" sz="2000" dirty="0" smtClean="0">
-                <a:solidFill>
-                  <a:srgbClr val="000000"/>
-                </a:solidFill>
-                <a:latin typeface="Consolas" panose="020B0609020204030204" pitchFamily="49" charset="0"/>
-              </a:rPr>
-              <a:t>threadZ];</a:t>
-            </a:r>
-            <a:endParaRPr lang="en-US" sz="2000" dirty="0">
-              <a:solidFill>
-                <a:srgbClr val="000000"/>
-              </a:solidFill>
-              <a:latin typeface="Consolas" panose="020B0609020204030204" pitchFamily="49" charset="0"/>
-            </a:endParaRPr>
-          </a:p>
-          <a:p>
-            <a:r>
-              <a:rPr lang="ru-RU" sz="2000" dirty="0">
-                <a:solidFill>
-                  <a:srgbClr val="000000"/>
-                </a:solidFill>
-                <a:latin typeface="Consolas" panose="020B0609020204030204" pitchFamily="49" charset="0"/>
-              </a:rPr>
-              <a:t>                }</a:t>
-            </a:r>
-          </a:p>
-          <a:p>
-            <a:r>
-              <a:rPr lang="en-US" sz="2000" dirty="0">
-                <a:solidFill>
-                  <a:srgbClr val="000000"/>
-                </a:solidFill>
-                <a:latin typeface="Consolas" panose="020B0609020204030204" pitchFamily="49" charset="0"/>
-              </a:rPr>
-              <a:t>                </a:t>
-            </a:r>
-            <a:r>
-              <a:rPr lang="en-US" sz="2000" dirty="0">
-                <a:solidFill>
-                  <a:srgbClr val="0000FF"/>
-                </a:solidFill>
-                <a:latin typeface="Consolas" panose="020B0609020204030204" pitchFamily="49" charset="0"/>
-              </a:rPr>
-              <a:t>else</a:t>
-            </a:r>
-            <a:endParaRPr lang="en-US" sz="2000" dirty="0">
-              <a:solidFill>
-                <a:srgbClr val="000000"/>
-              </a:solidFill>
-              <a:latin typeface="Consolas" panose="020B0609020204030204" pitchFamily="49" charset="0"/>
-            </a:endParaRPr>
-          </a:p>
-          <a:p>
-            <a:r>
-              <a:rPr lang="ru-RU" sz="2000" dirty="0">
-                <a:solidFill>
-                  <a:srgbClr val="000000"/>
-                </a:solidFill>
-                <a:latin typeface="Consolas" panose="020B0609020204030204" pitchFamily="49" charset="0"/>
-              </a:rPr>
-              <a:t>                {</a:t>
-            </a:r>
-          </a:p>
-          <a:p>
-            <a:r>
-              <a:rPr lang="en-US" sz="2000" dirty="0">
-                <a:solidFill>
-                  <a:srgbClr val="000000"/>
-                </a:solidFill>
-                <a:latin typeface="Consolas" panose="020B0609020204030204" pitchFamily="49" charset="0"/>
-              </a:rPr>
-              <a:t>                    rm4 = </a:t>
-            </a:r>
-            <a:r>
-              <a:rPr lang="en-US" sz="2000" dirty="0">
-                <a:solidFill>
-                  <a:srgbClr val="808080"/>
-                </a:solidFill>
-                <a:latin typeface="Consolas" panose="020B0609020204030204" pitchFamily="49" charset="0"/>
-              </a:rPr>
-              <a:t>r</a:t>
-            </a:r>
-            <a:r>
-              <a:rPr lang="en-US" sz="2000" dirty="0">
-                <a:solidFill>
-                  <a:srgbClr val="000000"/>
-                </a:solidFill>
-                <a:latin typeface="Consolas" panose="020B0609020204030204" pitchFamily="49" charset="0"/>
-              </a:rPr>
-              <a:t>[m4];</a:t>
-            </a:r>
-          </a:p>
-          <a:p>
-            <a:r>
-              <a:rPr lang="ru-RU" sz="2000" dirty="0">
-                <a:solidFill>
-                  <a:srgbClr val="000000"/>
-                </a:solidFill>
-                <a:latin typeface="Consolas" panose="020B0609020204030204" pitchFamily="49" charset="0"/>
-              </a:rPr>
-              <a:t>                </a:t>
-            </a:r>
-            <a:r>
-              <a:rPr lang="ru-RU" sz="2000" dirty="0" smtClean="0">
-                <a:solidFill>
-                  <a:srgbClr val="000000"/>
-                </a:solidFill>
-                <a:latin typeface="Consolas" panose="020B0609020204030204" pitchFamily="49" charset="0"/>
-              </a:rPr>
-              <a:t>}                </a:t>
-            </a:r>
-            <a:endParaRPr lang="ru-RU" sz="2000" dirty="0">
-              <a:solidFill>
-                <a:srgbClr val="000000"/>
-              </a:solidFill>
-              <a:latin typeface="Consolas" panose="020B0609020204030204" pitchFamily="49" charset="0"/>
-            </a:endParaRPr>
-          </a:p>
-          <a:p>
-            <a:r>
-              <a:rPr lang="en-US" sz="2000" dirty="0">
-                <a:solidFill>
-                  <a:srgbClr val="000000"/>
-                </a:solidFill>
-                <a:latin typeface="Consolas" panose="020B0609020204030204" pitchFamily="49" charset="0"/>
-              </a:rPr>
-              <a:t> </a:t>
-            </a:r>
-            <a:r>
-              <a:rPr lang="ru-RU" sz="2000" dirty="0" smtClean="0">
-                <a:solidFill>
-                  <a:srgbClr val="000000"/>
-                </a:solidFill>
-                <a:latin typeface="Consolas" panose="020B0609020204030204" pitchFamily="49" charset="0"/>
-              </a:rPr>
-              <a:t>					</a:t>
-            </a:r>
-            <a:r>
-              <a:rPr lang="ru-RU" sz="2000" dirty="0" smtClean="0">
-                <a:solidFill>
-                  <a:srgbClr val="008000"/>
-                </a:solidFill>
-                <a:latin typeface="Consolas" panose="020B0609020204030204" pitchFamily="49" charset="0"/>
-              </a:rPr>
-              <a:t>// Аналогично </a:t>
-            </a:r>
-            <a:r>
-              <a:rPr lang="en-US" sz="2000" dirty="0" smtClean="0">
-                <a:solidFill>
-                  <a:srgbClr val="008000"/>
-                </a:solidFill>
-                <a:latin typeface="Consolas" panose="020B0609020204030204" pitchFamily="49" charset="0"/>
-              </a:rPr>
-              <a:t>rm2 </a:t>
-            </a:r>
-            <a:r>
-              <a:rPr lang="ru-RU" sz="2000" dirty="0" smtClean="0">
-                <a:solidFill>
-                  <a:srgbClr val="008000"/>
-                </a:solidFill>
-                <a:latin typeface="Consolas" panose="020B0609020204030204" pitchFamily="49" charset="0"/>
-              </a:rPr>
-              <a:t>и </a:t>
-            </a:r>
-            <a:r>
-              <a:rPr lang="en-US" sz="2000" dirty="0" smtClean="0">
-                <a:solidFill>
-                  <a:srgbClr val="008000"/>
-                </a:solidFill>
-                <a:latin typeface="Consolas" panose="020B0609020204030204" pitchFamily="49" charset="0"/>
-              </a:rPr>
-              <a:t>rm6</a:t>
-            </a:r>
-            <a:endParaRPr lang="ru-RU" sz="2000" dirty="0">
-              <a:solidFill>
-                <a:srgbClr val="000000"/>
-              </a:solidFill>
-              <a:latin typeface="Consolas" panose="020B0609020204030204" pitchFamily="49" charset="0"/>
-            </a:endParaRPr>
-          </a:p>
-          <a:p>
-            <a:r>
-              <a:rPr lang="nn-NO" sz="2000" dirty="0">
-                <a:solidFill>
-                  <a:srgbClr val="0000FF"/>
-                </a:solidFill>
-                <a:latin typeface="Consolas" panose="020B0609020204030204" pitchFamily="49" charset="0"/>
-              </a:rPr>
-              <a:t>				  </a:t>
-            </a:r>
-            <a:r>
-              <a:rPr lang="ru-RU" sz="2000" dirty="0">
-                <a:solidFill>
-                  <a:srgbClr val="0000FF"/>
-                </a:solidFill>
-                <a:latin typeface="Consolas" panose="020B0609020204030204" pitchFamily="49" charset="0"/>
-              </a:rPr>
-              <a:t> </a:t>
-            </a:r>
-            <a:r>
-              <a:rPr lang="nn-NO" sz="2000" dirty="0">
-                <a:solidFill>
-                  <a:srgbClr val="0000FF"/>
-                </a:solidFill>
-                <a:latin typeface="Consolas" panose="020B0609020204030204" pitchFamily="49" charset="0"/>
-              </a:rPr>
-              <a:t>double</a:t>
-            </a:r>
-            <a:r>
-              <a:rPr lang="nn-NO" sz="2000" dirty="0">
-                <a:solidFill>
-                  <a:srgbClr val="000000"/>
-                </a:solidFill>
-                <a:latin typeface="Consolas" panose="020B0609020204030204" pitchFamily="49" charset="0"/>
-              </a:rPr>
-              <a:t> rm0 = (</a:t>
-            </a:r>
-            <a:r>
-              <a:rPr lang="nn-NO" sz="2000" dirty="0">
-                <a:solidFill>
-                  <a:srgbClr val="808080"/>
-                </a:solidFill>
-                <a:latin typeface="Consolas" panose="020B0609020204030204" pitchFamily="49" charset="0"/>
-              </a:rPr>
-              <a:t>omega</a:t>
-            </a:r>
-            <a:r>
-              <a:rPr lang="nn-NO" sz="2000" dirty="0">
-                <a:solidFill>
-                  <a:srgbClr val="000000"/>
-                </a:solidFill>
-                <a:latin typeface="Consolas" panose="020B0609020204030204" pitchFamily="49" charset="0"/>
-              </a:rPr>
-              <a:t> * (</a:t>
-            </a:r>
-            <a:r>
-              <a:rPr lang="nn-NO" sz="2000" dirty="0">
-                <a:solidFill>
-                  <a:srgbClr val="808080"/>
-                </a:solidFill>
-                <a:latin typeface="Consolas" panose="020B0609020204030204" pitchFamily="49" charset="0"/>
-              </a:rPr>
-              <a:t>c2</a:t>
-            </a:r>
-            <a:r>
-              <a:rPr lang="nn-NO" sz="2000" dirty="0">
-                <a:solidFill>
-                  <a:srgbClr val="000000"/>
-                </a:solidFill>
-                <a:latin typeface="Consolas" panose="020B0609020204030204" pitchFamily="49" charset="0"/>
-              </a:rPr>
-              <a:t>[m0] * rm2 + </a:t>
-            </a:r>
-            <a:r>
-              <a:rPr lang="nn-NO" sz="2000" dirty="0">
-                <a:solidFill>
-                  <a:srgbClr val="808080"/>
-                </a:solidFill>
-                <a:latin typeface="Consolas" panose="020B0609020204030204" pitchFamily="49" charset="0"/>
-              </a:rPr>
-              <a:t>c4</a:t>
-            </a:r>
-            <a:r>
-              <a:rPr lang="nn-NO" sz="2000" dirty="0">
-                <a:solidFill>
-                  <a:srgbClr val="000000"/>
-                </a:solidFill>
-                <a:latin typeface="Consolas" panose="020B0609020204030204" pitchFamily="49" charset="0"/>
-              </a:rPr>
-              <a:t>[m0] * rm4 </a:t>
-            </a:r>
-            <a:r>
-              <a:rPr lang="nn-NO" sz="2000" dirty="0" smtClean="0">
-                <a:solidFill>
-                  <a:srgbClr val="000000"/>
-                </a:solidFill>
-                <a:latin typeface="Consolas" panose="020B0609020204030204" pitchFamily="49" charset="0"/>
-              </a:rPr>
-              <a:t>+</a:t>
-            </a:r>
-          </a:p>
-          <a:p>
-            <a:r>
-              <a:rPr lang="nn-NO" sz="2000" dirty="0" smtClean="0">
-                <a:solidFill>
-                  <a:srgbClr val="808080"/>
-                </a:solidFill>
-                <a:latin typeface="Consolas" panose="020B0609020204030204" pitchFamily="49" charset="0"/>
-              </a:rPr>
-              <a:t>										c6</a:t>
-            </a:r>
-            <a:r>
-              <a:rPr lang="nn-NO" sz="2000" dirty="0" smtClean="0">
-                <a:solidFill>
-                  <a:srgbClr val="000000"/>
-                </a:solidFill>
-                <a:latin typeface="Consolas" panose="020B0609020204030204" pitchFamily="49" charset="0"/>
-              </a:rPr>
-              <a:t>[m0</a:t>
-            </a:r>
-            <a:r>
-              <a:rPr lang="nn-NO" sz="2000" dirty="0">
-                <a:solidFill>
-                  <a:srgbClr val="000000"/>
-                </a:solidFill>
-                <a:latin typeface="Consolas" panose="020B0609020204030204" pitchFamily="49" charset="0"/>
-              </a:rPr>
-              <a:t>] * rm6) +</a:t>
-            </a:r>
-          </a:p>
-          <a:p>
-            <a:r>
-              <a:rPr lang="nn-NO" sz="2000" dirty="0">
-                <a:solidFill>
-                  <a:srgbClr val="000000"/>
-                </a:solidFill>
-                <a:latin typeface="Consolas" panose="020B0609020204030204" pitchFamily="49" charset="0"/>
-              </a:rPr>
-              <a:t>										</a:t>
-            </a:r>
-            <a:r>
-              <a:rPr lang="nn-NO" sz="2000" dirty="0" smtClean="0">
-                <a:solidFill>
-                  <a:srgbClr val="808080"/>
-                </a:solidFill>
-                <a:latin typeface="Consolas" panose="020B0609020204030204" pitchFamily="49" charset="0"/>
-              </a:rPr>
-              <a:t>r</a:t>
-            </a:r>
-            <a:r>
-              <a:rPr lang="nn-NO" sz="2000" dirty="0" smtClean="0">
-                <a:solidFill>
-                  <a:srgbClr val="000000"/>
-                </a:solidFill>
-                <a:latin typeface="Consolas" panose="020B0609020204030204" pitchFamily="49" charset="0"/>
-              </a:rPr>
-              <a:t>[m0</a:t>
-            </a:r>
-            <a:r>
-              <a:rPr lang="nn-NO" sz="2000" dirty="0">
-                <a:solidFill>
-                  <a:srgbClr val="000000"/>
-                </a:solidFill>
-                <a:latin typeface="Consolas" panose="020B0609020204030204" pitchFamily="49" charset="0"/>
-              </a:rPr>
-              <a:t>]) / ((0.5 * </a:t>
-            </a:r>
-            <a:r>
-              <a:rPr lang="nn-NO" sz="2000" dirty="0">
-                <a:solidFill>
-                  <a:srgbClr val="808080"/>
-                </a:solidFill>
-                <a:latin typeface="Consolas" panose="020B0609020204030204" pitchFamily="49" charset="0"/>
-              </a:rPr>
-              <a:t>omega</a:t>
-            </a:r>
-            <a:r>
-              <a:rPr lang="nn-NO" sz="2000" dirty="0">
-                <a:solidFill>
-                  <a:srgbClr val="000000"/>
-                </a:solidFill>
-                <a:latin typeface="Consolas" panose="020B0609020204030204" pitchFamily="49" charset="0"/>
-              </a:rPr>
-              <a:t> + 1) * c0m0);</a:t>
-            </a:r>
-          </a:p>
-          <a:p>
-            <a:r>
-              <a:rPr lang="pt-BR" sz="2000" dirty="0">
-                <a:solidFill>
-                  <a:srgbClr val="000000"/>
-                </a:solidFill>
-                <a:latin typeface="Consolas" panose="020B0609020204030204" pitchFamily="49" charset="0"/>
-              </a:rPr>
-              <a:t>                </a:t>
-            </a:r>
-          </a:p>
-          <a:p>
-            <a:r>
-              <a:rPr lang="en-US" sz="2000" dirty="0">
-                <a:solidFill>
-                  <a:srgbClr val="000000"/>
-                </a:solidFill>
-                <a:latin typeface="Consolas" panose="020B0609020204030204" pitchFamily="49" charset="0"/>
-              </a:rPr>
-              <a:t>                cache[</a:t>
-            </a:r>
-            <a:r>
-              <a:rPr lang="en-US" sz="2000" dirty="0" err="1">
-                <a:solidFill>
-                  <a:srgbClr val="000000"/>
-                </a:solidFill>
-                <a:latin typeface="Consolas" panose="020B0609020204030204" pitchFamily="49" charset="0"/>
-              </a:rPr>
-              <a:t>threadX</a:t>
-            </a:r>
-            <a:r>
-              <a:rPr lang="en-US" sz="2000" dirty="0">
-                <a:solidFill>
-                  <a:srgbClr val="000000"/>
-                </a:solidFill>
-                <a:latin typeface="Consolas" panose="020B0609020204030204" pitchFamily="49" charset="0"/>
-              </a:rPr>
-              <a:t>][</a:t>
-            </a:r>
-            <a:r>
-              <a:rPr lang="en-US" sz="2000" dirty="0" smtClean="0">
-                <a:solidFill>
-                  <a:srgbClr val="000000"/>
-                </a:solidFill>
-                <a:latin typeface="Consolas" panose="020B0609020204030204" pitchFamily="49" charset="0"/>
-              </a:rPr>
-              <a:t>threadZ] </a:t>
-            </a:r>
-            <a:r>
-              <a:rPr lang="en-US" sz="2000" dirty="0">
-                <a:solidFill>
-                  <a:srgbClr val="000000"/>
-                </a:solidFill>
-                <a:latin typeface="Consolas" panose="020B0609020204030204" pitchFamily="49" charset="0"/>
-              </a:rPr>
-              <a:t>= rm0;</a:t>
-            </a:r>
-          </a:p>
-          <a:p>
-            <a:r>
-              <a:rPr lang="en-US" sz="2000" dirty="0">
-                <a:solidFill>
-                  <a:srgbClr val="000000"/>
-                </a:solidFill>
-                <a:latin typeface="Consolas" panose="020B0609020204030204" pitchFamily="49" charset="0"/>
-              </a:rPr>
-              <a:t>                </a:t>
-            </a:r>
-            <a:r>
-              <a:rPr lang="en-US" sz="2000" dirty="0">
-                <a:solidFill>
-                  <a:srgbClr val="808080"/>
-                </a:solidFill>
-                <a:latin typeface="Consolas" panose="020B0609020204030204" pitchFamily="49" charset="0"/>
-              </a:rPr>
-              <a:t>r</a:t>
-            </a:r>
-            <a:r>
-              <a:rPr lang="en-US" sz="2000" dirty="0">
-                <a:solidFill>
-                  <a:srgbClr val="000000"/>
-                </a:solidFill>
-                <a:latin typeface="Consolas" panose="020B0609020204030204" pitchFamily="49" charset="0"/>
-              </a:rPr>
-              <a:t>[m0] = rm0;</a:t>
-            </a:r>
-          </a:p>
-          <a:p>
-            <a:r>
-              <a:rPr lang="ru-RU" sz="2000" dirty="0">
-                <a:solidFill>
-                  <a:srgbClr val="000000"/>
-                </a:solidFill>
-                <a:latin typeface="Consolas" panose="020B0609020204030204" pitchFamily="49" charset="0"/>
-              </a:rPr>
-              <a:t>            }</a:t>
-            </a:r>
-          </a:p>
-          <a:p>
-            <a:endParaRPr lang="ru-RU" sz="2000" dirty="0">
-              <a:solidFill>
-                <a:srgbClr val="000000"/>
-              </a:solidFill>
-              <a:latin typeface="Consolas" panose="020B0609020204030204" pitchFamily="49" charset="0"/>
-            </a:endParaRPr>
-          </a:p>
-          <a:p>
-            <a:r>
-              <a:rPr lang="en-US" sz="2000" dirty="0">
-                <a:solidFill>
-                  <a:srgbClr val="000000"/>
-                </a:solidFill>
-                <a:latin typeface="Consolas" panose="020B0609020204030204" pitchFamily="49" charset="0"/>
-              </a:rPr>
-              <a:t>            currentY++;</a:t>
-            </a:r>
-          </a:p>
-          <a:p>
-            <a:r>
-              <a:rPr lang="ru-RU" sz="2000" dirty="0">
-                <a:solidFill>
-                  <a:srgbClr val="000000"/>
-                </a:solidFill>
-                <a:latin typeface="Consolas" panose="020B0609020204030204" pitchFamily="49" charset="0"/>
-              </a:rPr>
-              <a:t>        }</a:t>
-            </a:r>
-          </a:p>
-          <a:p>
-            <a:r>
-              <a:rPr lang="ru-RU" sz="2000" dirty="0">
-                <a:solidFill>
-                  <a:srgbClr val="000000"/>
-                </a:solidFill>
-                <a:latin typeface="Consolas" panose="020B0609020204030204" pitchFamily="49" charset="0"/>
-              </a:rPr>
-              <a:t>    }</a:t>
-            </a:r>
-          </a:p>
-          <a:p>
-            <a:r>
-              <a:rPr lang="ru-RU" sz="2000" dirty="0">
-                <a:solidFill>
-                  <a:srgbClr val="000000"/>
-                </a:solidFill>
-                <a:latin typeface="Consolas" panose="020B0609020204030204" pitchFamily="49" charset="0"/>
-              </a:rPr>
-              <a:t>}</a:t>
-            </a:r>
-            <a:endParaRPr lang="ru-RU" sz="2000" dirty="0"/>
+            <a:pPr algn="ctr"/>
+            <a:endParaRPr lang="ru-RU"/>
+          </a:p>
+        </p:txBody>
+      </p:sp>
+      <p:sp>
+        <p:nvSpPr>
+          <p:cNvPr id="6" name="Прямоугольник 5">
+            <a:extLst>
+              <a:ext uri="{FF2B5EF4-FFF2-40B4-BE49-F238E27FC236}">
+                <a16:creationId xmlns="" xmlns:a16="http://schemas.microsoft.com/office/drawing/2014/main" id="{58FDC502-1EE1-46FE-901C-583D7E60FEF1}"/>
+              </a:ext>
+            </a:extLst>
+          </p:cNvPr>
+          <p:cNvSpPr/>
+          <p:nvPr/>
+        </p:nvSpPr>
+        <p:spPr>
+          <a:xfrm>
+            <a:off x="7486457" y="6265900"/>
+            <a:ext cx="1314644" cy="354564"/>
+          </a:xfrm>
+          <a:prstGeom prst="rect">
+            <a:avLst/>
+          </a:prstGeom>
+          <a:noFill/>
+          <a:ln w="31750"/>
+        </p:spPr>
+        <p:style>
+          <a:lnRef idx="2">
+            <a:schemeClr val="accent1">
+              <a:shade val="50000"/>
+            </a:schemeClr>
+          </a:lnRef>
+          <a:fillRef idx="1">
+            <a:schemeClr val="accent1"/>
+          </a:fillRef>
+          <a:effectRef idx="0">
+            <a:schemeClr val="accent1"/>
+          </a:effectRef>
+          <a:fontRef idx="minor">
+            <a:schemeClr val="lt1"/>
+          </a:fontRef>
+        </p:style>
+        <p:txBody>
+          <a:bodyPr rtlCol="0" anchor="ctr"/>
+          <a:lstStyle/>
+          <a:p>
+            <a:pPr algn="ctr"/>
+            <a:endParaRPr lang="ru-RU"/>
           </a:p>
         </p:txBody>
       </p:sp>
     </p:spTree>
     <p:extLst>
       <p:ext uri="{BB962C8B-B14F-4D97-AF65-F5344CB8AC3E}">
-        <p14:creationId xmlns:p14="http://schemas.microsoft.com/office/powerpoint/2010/main" val="3916071853"/>
+        <p14:creationId xmlns:p14="http://schemas.microsoft.com/office/powerpoint/2010/main" val="1782456665"/>
       </p:ext>
     </p:extLst>
   </p:cSld>
@@ -5058,12 +4573,315 @@
           <a:chExt cx="0" cy="0"/>
         </a:xfrm>
       </p:grpSpPr>
+      <p:pic>
+        <p:nvPicPr>
+          <p:cNvPr id="5" name="Рисунок 4">
+            <a:extLst>
+              <a:ext uri="{FF2B5EF4-FFF2-40B4-BE49-F238E27FC236}">
+                <a16:creationId xmlns="" xmlns:a16="http://schemas.microsoft.com/office/drawing/2014/main" id="{80F7FA8E-7C04-4FB5-BF8E-D1E6188568FD}"/>
+              </a:ext>
+            </a:extLst>
+          </p:cNvPr>
+          <p:cNvPicPr>
+            <a:picLocks noChangeAspect="1"/>
+          </p:cNvPicPr>
+          <p:nvPr/>
+        </p:nvPicPr>
+        <p:blipFill rotWithShape="1">
+          <a:blip r:embed="rId2">
+            <a:extLst>
+              <a:ext uri="{28A0092B-C50C-407E-A947-70E740481C1C}">
+                <a14:useLocalDpi xmlns:a14="http://schemas.microsoft.com/office/drawing/2010/main"/>
+              </a:ext>
+            </a:extLst>
+          </a:blip>
+          <a:srcRect b="23224"/>
+          <a:stretch/>
+        </p:blipFill>
+        <p:spPr>
+          <a:xfrm>
+            <a:off x="400083" y="1534936"/>
+            <a:ext cx="7806393" cy="4046713"/>
+          </a:xfrm>
+          <a:prstGeom prst="rect">
+            <a:avLst/>
+          </a:prstGeom>
+        </p:spPr>
+      </p:pic>
+      <p:sp>
+        <p:nvSpPr>
+          <p:cNvPr id="2" name="Заголовок 1">
+            <a:extLst>
+              <a:ext uri="{FF2B5EF4-FFF2-40B4-BE49-F238E27FC236}">
+                <a16:creationId xmlns="" xmlns:a16="http://schemas.microsoft.com/office/drawing/2014/main" id="{32E9B80E-E9DD-4573-A7FA-C41F3C2A576A}"/>
+              </a:ext>
+            </a:extLst>
+          </p:cNvPr>
+          <p:cNvSpPr>
+            <a:spLocks noGrp="1"/>
+          </p:cNvSpPr>
+          <p:nvPr>
+            <p:ph type="title"/>
+          </p:nvPr>
+        </p:nvSpPr>
+        <p:spPr>
+          <a:xfrm>
+            <a:off x="2475361" y="111060"/>
+            <a:ext cx="7601965" cy="1238275"/>
+          </a:xfrm>
+        </p:spPr>
+        <p:txBody>
+          <a:bodyPr/>
+          <a:lstStyle/>
+          <a:p>
+            <a:r>
+              <a:rPr lang="en-US" dirty="0">
+                <a:latin typeface="Times New Roman" pitchFamily="18" charset="0"/>
+                <a:cs typeface="Times New Roman" pitchFamily="18" charset="0"/>
+              </a:rPr>
+              <a:t>NVIDIA </a:t>
+            </a:r>
+            <a:r>
+              <a:rPr lang="en-US" dirty="0" smtClean="0">
+                <a:latin typeface="Times New Roman" pitchFamily="18" charset="0"/>
+                <a:cs typeface="Times New Roman" pitchFamily="18" charset="0"/>
+              </a:rPr>
+              <a:t>GEFORCE MX250</a:t>
+            </a:r>
+            <a:endParaRPr lang="ru-RU" dirty="0">
+              <a:latin typeface="Times New Roman" pitchFamily="18" charset="0"/>
+              <a:cs typeface="Times New Roman" pitchFamily="18" charset="0"/>
+            </a:endParaRPr>
+          </a:p>
+        </p:txBody>
+      </p:sp>
+      <p:pic>
+        <p:nvPicPr>
+          <p:cNvPr id="1026" name="Picture 2" descr="geforce-mx-250">
+            <a:extLst>
+              <a:ext uri="{FF2B5EF4-FFF2-40B4-BE49-F238E27FC236}">
+                <a16:creationId xmlns="" xmlns:a16="http://schemas.microsoft.com/office/drawing/2014/main" id="{EAB27F8C-270E-4971-B076-259EA55B1B17}"/>
+              </a:ext>
+            </a:extLst>
+          </p:cNvPr>
+          <p:cNvPicPr>
+            <a:picLocks noChangeAspect="1" noChangeArrowheads="1"/>
+          </p:cNvPicPr>
+          <p:nvPr/>
+        </p:nvPicPr>
+        <p:blipFill>
+          <a:blip r:embed="rId3" cstate="screen">
+            <a:extLst>
+              <a:ext uri="{28A0092B-C50C-407E-A947-70E740481C1C}">
+                <a14:useLocalDpi xmlns:a14="http://schemas.microsoft.com/office/drawing/2010/main"/>
+              </a:ext>
+            </a:extLst>
+          </a:blip>
+          <a:srcRect/>
+          <a:stretch>
+            <a:fillRect/>
+          </a:stretch>
+        </p:blipFill>
+        <p:spPr bwMode="auto">
+          <a:xfrm>
+            <a:off x="8206476" y="1995690"/>
+            <a:ext cx="3741700" cy="2297451"/>
+          </a:xfrm>
+          <a:prstGeom prst="rect">
+            <a:avLst/>
+          </a:prstGeom>
+          <a:noFill/>
+          <a:extLst>
+            <a:ext uri="{909E8E84-426E-40DD-AFC4-6F175D3DCCD1}">
+              <a14:hiddenFill xmlns:a14="http://schemas.microsoft.com/office/drawing/2010/main">
+                <a:solidFill>
+                  <a:srgbClr val="FFFFFF"/>
+                </a:solidFill>
+              </a14:hiddenFill>
+            </a:ext>
+          </a:extLst>
+        </p:spPr>
+      </p:pic>
+      <p:sp>
+        <p:nvSpPr>
+          <p:cNvPr id="6" name="Прямоугольник 5">
+            <a:extLst>
+              <a:ext uri="{FF2B5EF4-FFF2-40B4-BE49-F238E27FC236}">
+                <a16:creationId xmlns="" xmlns:a16="http://schemas.microsoft.com/office/drawing/2014/main" id="{58FDC502-1EE1-46FE-901C-583D7E60FEF1}"/>
+              </a:ext>
+            </a:extLst>
+          </p:cNvPr>
+          <p:cNvSpPr/>
+          <p:nvPr/>
+        </p:nvSpPr>
+        <p:spPr>
+          <a:xfrm>
+            <a:off x="5876731" y="3216558"/>
+            <a:ext cx="2219519" cy="354564"/>
+          </a:xfrm>
+          <a:prstGeom prst="rect">
+            <a:avLst/>
+          </a:prstGeom>
+          <a:noFill/>
+          <a:ln w="31750"/>
+        </p:spPr>
+        <p:style>
+          <a:lnRef idx="2">
+            <a:schemeClr val="accent1">
+              <a:shade val="50000"/>
+            </a:schemeClr>
+          </a:lnRef>
+          <a:fillRef idx="1">
+            <a:schemeClr val="accent1"/>
+          </a:fillRef>
+          <a:effectRef idx="0">
+            <a:schemeClr val="accent1"/>
+          </a:effectRef>
+          <a:fontRef idx="minor">
+            <a:schemeClr val="lt1"/>
+          </a:fontRef>
+        </p:style>
+        <p:txBody>
+          <a:bodyPr rtlCol="0" anchor="ctr"/>
+          <a:lstStyle/>
+          <a:p>
+            <a:pPr algn="ctr"/>
+            <a:endParaRPr lang="ru-RU"/>
+          </a:p>
+        </p:txBody>
+      </p:sp>
+      <p:sp>
+        <p:nvSpPr>
+          <p:cNvPr id="7" name="Прямоугольник 6">
+            <a:extLst>
+              <a:ext uri="{FF2B5EF4-FFF2-40B4-BE49-F238E27FC236}">
+                <a16:creationId xmlns="" xmlns:a16="http://schemas.microsoft.com/office/drawing/2014/main" id="{58FDC502-1EE1-46FE-901C-583D7E60FEF1}"/>
+              </a:ext>
+            </a:extLst>
+          </p:cNvPr>
+          <p:cNvSpPr/>
+          <p:nvPr/>
+        </p:nvSpPr>
+        <p:spPr>
+          <a:xfrm>
+            <a:off x="5876731" y="4007133"/>
+            <a:ext cx="2219519" cy="354564"/>
+          </a:xfrm>
+          <a:prstGeom prst="rect">
+            <a:avLst/>
+          </a:prstGeom>
+          <a:noFill/>
+          <a:ln w="31750"/>
+        </p:spPr>
+        <p:style>
+          <a:lnRef idx="2">
+            <a:schemeClr val="accent1">
+              <a:shade val="50000"/>
+            </a:schemeClr>
+          </a:lnRef>
+          <a:fillRef idx="1">
+            <a:schemeClr val="accent1"/>
+          </a:fillRef>
+          <a:effectRef idx="0">
+            <a:schemeClr val="accent1"/>
+          </a:effectRef>
+          <a:fontRef idx="minor">
+            <a:schemeClr val="lt1"/>
+          </a:fontRef>
+        </p:style>
+        <p:txBody>
+          <a:bodyPr rtlCol="0" anchor="ctr"/>
+          <a:lstStyle/>
+          <a:p>
+            <a:pPr algn="ctr"/>
+            <a:endParaRPr lang="ru-RU"/>
+          </a:p>
+        </p:txBody>
+      </p:sp>
+      <p:sp>
+        <p:nvSpPr>
+          <p:cNvPr id="8" name="Прямоугольник 7">
+            <a:extLst>
+              <a:ext uri="{FF2B5EF4-FFF2-40B4-BE49-F238E27FC236}">
+                <a16:creationId xmlns="" xmlns:a16="http://schemas.microsoft.com/office/drawing/2014/main" id="{58FDC502-1EE1-46FE-901C-583D7E60FEF1}"/>
+              </a:ext>
+            </a:extLst>
+          </p:cNvPr>
+          <p:cNvSpPr/>
+          <p:nvPr/>
+        </p:nvSpPr>
+        <p:spPr>
+          <a:xfrm>
+            <a:off x="5876731" y="4778658"/>
+            <a:ext cx="2219519" cy="354564"/>
+          </a:xfrm>
+          <a:prstGeom prst="rect">
+            <a:avLst/>
+          </a:prstGeom>
+          <a:noFill/>
+          <a:ln w="31750"/>
+        </p:spPr>
+        <p:style>
+          <a:lnRef idx="2">
+            <a:schemeClr val="accent1">
+              <a:shade val="50000"/>
+            </a:schemeClr>
+          </a:lnRef>
+          <a:fillRef idx="1">
+            <a:schemeClr val="accent1"/>
+          </a:fillRef>
+          <a:effectRef idx="0">
+            <a:schemeClr val="accent1"/>
+          </a:effectRef>
+          <a:fontRef idx="minor">
+            <a:schemeClr val="lt1"/>
+          </a:fontRef>
+        </p:style>
+        <p:txBody>
+          <a:bodyPr rtlCol="0" anchor="ctr"/>
+          <a:lstStyle/>
+          <a:p>
+            <a:pPr algn="ctr"/>
+            <a:endParaRPr lang="ru-RU"/>
+          </a:p>
+        </p:txBody>
+      </p:sp>
+    </p:spTree>
+    <p:extLst>
+      <p:ext uri="{BB962C8B-B14F-4D97-AF65-F5344CB8AC3E}">
+        <p14:creationId xmlns:p14="http://schemas.microsoft.com/office/powerpoint/2010/main" val="2643148583"/>
+      </p:ext>
+    </p:extLst>
+  </p:cSld>
+  <p:clrMapOvr>
+    <a:masterClrMapping/>
+  </p:clrMapOvr>
+</p:sld>
+</file>
+
+<file path=ppt/slides/slide12.xml><?xml version="1.0" encoding="utf-8"?>
+<p:sld xmlns:a="http://schemas.openxmlformats.org/drawingml/2006/main" xmlns:r="http://schemas.openxmlformats.org/officeDocument/2006/relationships" xmlns:p="http://schemas.openxmlformats.org/presentationml/2006/main">
+  <p:cSld>
+    <p:spTree>
+      <p:nvGrpSpPr>
+        <p:cNvPr id="1" name=""/>
+        <p:cNvGrpSpPr/>
+        <p:nvPr/>
+      </p:nvGrpSpPr>
+      <p:grpSpPr>
+        <a:xfrm>
+          <a:off x="0" y="0"/>
+          <a:ext cx="0" cy="0"/>
+          <a:chOff x="0" y="0"/>
+          <a:chExt cx="0" cy="0"/>
+        </a:xfrm>
+      </p:grpSpPr>
       <p:sp>
         <p:nvSpPr>
           <p:cNvPr id="4" name="Прямоугольник 3">
             <a:extLst>
               <a:ext uri="{FF2B5EF4-FFF2-40B4-BE49-F238E27FC236}">
-                <a16:creationId xmlns:a16="http://schemas.microsoft.com/office/drawing/2014/main" xmlns="" id="{51AB24F4-0152-4A03-B342-B28F2D445066}"/>
+                <a16:creationId xmlns="" xmlns:a16="http://schemas.microsoft.com/office/drawing/2014/main" id="{51AB24F4-0152-4A03-B342-B28F2D445066}"/>
               </a:ext>
             </a:extLst>
           </p:cNvPr>
@@ -5228,7 +5046,7 @@
 </p:sld>
 </file>
 
-<file path=ppt/slides/slide12.xml><?xml version="1.0" encoding="utf-8"?>
+<file path=ppt/slides/slide13.xml><?xml version="1.0" encoding="utf-8"?>
 <p:sld xmlns:a="http://schemas.openxmlformats.org/drawingml/2006/main" xmlns:r="http://schemas.openxmlformats.org/officeDocument/2006/relationships" xmlns:p="http://schemas.openxmlformats.org/presentationml/2006/main">
   <p:cSld>
     <p:spTree>
@@ -5282,6 +5100,389 @@
 </p:sld>
 </file>
 
+<file path=ppt/slides/slide14.xml><?xml version="1.0" encoding="utf-8"?>
+<p:sld xmlns:a="http://schemas.openxmlformats.org/drawingml/2006/main" xmlns:r="http://schemas.openxmlformats.org/officeDocument/2006/relationships" xmlns:p="http://schemas.openxmlformats.org/presentationml/2006/main">
+  <p:cSld>
+    <p:spTree>
+      <p:nvGrpSpPr>
+        <p:cNvPr id="1" name=""/>
+        <p:cNvGrpSpPr/>
+        <p:nvPr/>
+      </p:nvGrpSpPr>
+      <p:grpSpPr>
+        <a:xfrm>
+          <a:off x="0" y="0"/>
+          <a:ext cx="0" cy="0"/>
+          <a:chOff x="0" y="0"/>
+          <a:chExt cx="0" cy="0"/>
+        </a:xfrm>
+      </p:grpSpPr>
+      <p:sp>
+        <p:nvSpPr>
+          <p:cNvPr id="2" name="Заголовок 1"/>
+          <p:cNvSpPr>
+            <a:spLocks noGrp="1"/>
+          </p:cNvSpPr>
+          <p:nvPr>
+            <p:ph type="title"/>
+          </p:nvPr>
+        </p:nvSpPr>
+        <p:spPr>
+          <a:xfrm>
+            <a:off x="247650" y="179387"/>
+            <a:ext cx="11753850" cy="2973388"/>
+          </a:xfrm>
+        </p:spPr>
+        <p:txBody>
+          <a:bodyPr>
+            <a:noAutofit/>
+          </a:bodyPr>
+          <a:lstStyle/>
+          <a:p>
+            <a:pPr algn="l"/>
+            <a:r>
+              <a:rPr lang="ru-RU" sz="1800" dirty="0">
+                <a:latin typeface="Times New Roman" pitchFamily="18" charset="0"/>
+                <a:cs typeface="Times New Roman" pitchFamily="18" charset="0"/>
+              </a:rPr>
+              <a:t>Цель – определить, как распределить потоки по осям X и Z расчетной сетки при фиксированном значении узлов сетки по </a:t>
+            </a:r>
+            <a:r>
+              <a:rPr lang="ru-RU" sz="1800" dirty="0" smtClean="0">
+                <a:latin typeface="Times New Roman" pitchFamily="18" charset="0"/>
+                <a:cs typeface="Times New Roman" pitchFamily="18" charset="0"/>
+              </a:rPr>
+              <a:t>оси Y=10000</a:t>
+            </a:r>
+            <a:r>
+              <a:rPr lang="ru-RU" sz="1800" dirty="0">
+                <a:latin typeface="Times New Roman" pitchFamily="18" charset="0"/>
+                <a:cs typeface="Times New Roman" pitchFamily="18" charset="0"/>
+              </a:rPr>
+              <a:t>, чтобы время вычисления на GPU одного шага ПТМ на GPU было минимальным</a:t>
+            </a:r>
+            <a:r>
+              <a:rPr lang="ru-RU" sz="1800" dirty="0" smtClean="0">
+                <a:latin typeface="Times New Roman" pitchFamily="18" charset="0"/>
+                <a:cs typeface="Times New Roman" pitchFamily="18" charset="0"/>
+              </a:rPr>
+              <a:t>.</a:t>
+            </a:r>
+            <a:br>
+              <a:rPr lang="ru-RU" sz="1800" dirty="0" smtClean="0">
+                <a:latin typeface="Times New Roman" pitchFamily="18" charset="0"/>
+                <a:cs typeface="Times New Roman" pitchFamily="18" charset="0"/>
+              </a:rPr>
+            </a:br>
+            <a:r>
+              <a:rPr lang="ru-RU" sz="1800" dirty="0">
+                <a:latin typeface="Times New Roman" pitchFamily="18" charset="0"/>
+                <a:cs typeface="Times New Roman" pitchFamily="18" charset="0"/>
+              </a:rPr>
+              <a:t/>
+            </a:r>
+            <a:br>
+              <a:rPr lang="ru-RU" sz="1800" dirty="0">
+                <a:latin typeface="Times New Roman" pitchFamily="18" charset="0"/>
+                <a:cs typeface="Times New Roman" pitchFamily="18" charset="0"/>
+              </a:rPr>
+            </a:br>
+            <a:r>
+              <a:rPr lang="ru-RU" sz="1800" dirty="0">
+                <a:latin typeface="Times New Roman" pitchFamily="18" charset="0"/>
+                <a:cs typeface="Times New Roman" pitchFamily="18" charset="0"/>
+              </a:rPr>
+              <a:t>В качестве факторов приняты две величины: X – количество потоков по оси X, Z – количество потоков по оси Z</a:t>
+            </a:r>
+            <a:r>
+              <a:rPr lang="ru-RU" sz="1800" dirty="0" smtClean="0">
+                <a:latin typeface="Times New Roman" pitchFamily="18" charset="0"/>
+                <a:cs typeface="Times New Roman" pitchFamily="18" charset="0"/>
+              </a:rPr>
+              <a:t>.</a:t>
+            </a:r>
+            <a:br>
+              <a:rPr lang="ru-RU" sz="1800" dirty="0" smtClean="0">
+                <a:latin typeface="Times New Roman" pitchFamily="18" charset="0"/>
+                <a:cs typeface="Times New Roman" pitchFamily="18" charset="0"/>
+              </a:rPr>
+            </a:br>
+            <a:r>
+              <a:rPr lang="ru-RU" sz="1800" dirty="0" smtClean="0">
+                <a:latin typeface="Times New Roman" pitchFamily="18" charset="0"/>
+                <a:cs typeface="Times New Roman" pitchFamily="18" charset="0"/>
+              </a:rPr>
+              <a:t/>
+            </a:r>
+            <a:br>
+              <a:rPr lang="ru-RU" sz="1800" dirty="0" smtClean="0">
+                <a:latin typeface="Times New Roman" pitchFamily="18" charset="0"/>
+                <a:cs typeface="Times New Roman" pitchFamily="18" charset="0"/>
+              </a:rPr>
+            </a:br>
+            <a:r>
+              <a:rPr lang="ru-RU" sz="1800" dirty="0" smtClean="0">
+                <a:latin typeface="Times New Roman" pitchFamily="18" charset="0"/>
+                <a:cs typeface="Times New Roman" pitchFamily="18" charset="0"/>
+              </a:rPr>
+              <a:t>Целевая </a:t>
+            </a:r>
+            <a:r>
+              <a:rPr lang="ru-RU" sz="1800" dirty="0">
+                <a:latin typeface="Times New Roman" pitchFamily="18" charset="0"/>
+                <a:cs typeface="Times New Roman" pitchFamily="18" charset="0"/>
+              </a:rPr>
+              <a:t>функция: T_GPU – время вычисления одного шага ПТМ на GPU, мс</a:t>
+            </a:r>
+            <a:r>
+              <a:rPr lang="ru-RU" sz="1800" dirty="0" smtClean="0">
+                <a:latin typeface="Times New Roman" pitchFamily="18" charset="0"/>
+                <a:cs typeface="Times New Roman" pitchFamily="18" charset="0"/>
+              </a:rPr>
+              <a:t>.</a:t>
+            </a:r>
+            <a:br>
+              <a:rPr lang="ru-RU" sz="1800" dirty="0" smtClean="0">
+                <a:latin typeface="Times New Roman" pitchFamily="18" charset="0"/>
+                <a:cs typeface="Times New Roman" pitchFamily="18" charset="0"/>
+              </a:rPr>
+            </a:br>
+            <a:r>
+              <a:rPr lang="ru-RU" sz="1800" dirty="0">
+                <a:latin typeface="Times New Roman" pitchFamily="18" charset="0"/>
+                <a:cs typeface="Times New Roman" pitchFamily="18" charset="0"/>
+              </a:rPr>
+              <a:t/>
+            </a:r>
+            <a:br>
+              <a:rPr lang="ru-RU" sz="1800" dirty="0">
+                <a:latin typeface="Times New Roman" pitchFamily="18" charset="0"/>
+                <a:cs typeface="Times New Roman" pitchFamily="18" charset="0"/>
+              </a:rPr>
+            </a:br>
+            <a:r>
+              <a:rPr lang="ru-RU" sz="1800" dirty="0">
+                <a:latin typeface="Times New Roman" pitchFamily="18" charset="0"/>
+                <a:cs typeface="Times New Roman" pitchFamily="18" charset="0"/>
+              </a:rPr>
+              <a:t>Произведение потоков X∙Z не должно превышать 1024. Такое ограничение накладывает CUDA, т.к. 1024 – это </a:t>
+            </a:r>
+            <a:r>
+              <a:rPr lang="ru-RU" sz="1800" dirty="0" smtClean="0">
+                <a:latin typeface="Times New Roman" pitchFamily="18" charset="0"/>
+                <a:cs typeface="Times New Roman" pitchFamily="18" charset="0"/>
+              </a:rPr>
+              <a:t>максимальное количество </a:t>
+            </a:r>
+            <a:r>
+              <a:rPr lang="ru-RU" sz="1800" dirty="0">
+                <a:latin typeface="Times New Roman" pitchFamily="18" charset="0"/>
+                <a:cs typeface="Times New Roman" pitchFamily="18" charset="0"/>
+              </a:rPr>
+              <a:t>потоков в одном блоке.</a:t>
+            </a:r>
+            <a:br>
+              <a:rPr lang="ru-RU" sz="1800" dirty="0">
+                <a:latin typeface="Times New Roman" pitchFamily="18" charset="0"/>
+                <a:cs typeface="Times New Roman" pitchFamily="18" charset="0"/>
+              </a:rPr>
+            </a:br>
+            <a:endParaRPr lang="ru-RU" sz="1800" dirty="0">
+              <a:latin typeface="Times New Roman" pitchFamily="18" charset="0"/>
+              <a:cs typeface="Times New Roman" pitchFamily="18" charset="0"/>
+            </a:endParaRPr>
+          </a:p>
+        </p:txBody>
+      </p:sp>
+      <p:pic>
+        <p:nvPicPr>
+          <p:cNvPr id="9" name="Рисунок 8" descr="Вырезка экрана"/>
+          <p:cNvPicPr>
+            <a:picLocks noChangeAspect="1"/>
+          </p:cNvPicPr>
+          <p:nvPr/>
+        </p:nvPicPr>
+        <p:blipFill>
+          <a:blip r:embed="rId2">
+            <a:extLst>
+              <a:ext uri="{28A0092B-C50C-407E-A947-70E740481C1C}">
+                <a14:useLocalDpi xmlns:a14="http://schemas.microsoft.com/office/drawing/2010/main" val="0"/>
+              </a:ext>
+            </a:extLst>
+          </a:blip>
+          <a:stretch>
+            <a:fillRect/>
+          </a:stretch>
+        </p:blipFill>
+        <p:spPr>
+          <a:xfrm>
+            <a:off x="3952875" y="3030515"/>
+            <a:ext cx="3533969" cy="3437149"/>
+          </a:xfrm>
+          <a:prstGeom prst="rect">
+            <a:avLst/>
+          </a:prstGeom>
+        </p:spPr>
+      </p:pic>
+    </p:spTree>
+    <p:extLst>
+      <p:ext uri="{BB962C8B-B14F-4D97-AF65-F5344CB8AC3E}">
+        <p14:creationId xmlns:p14="http://schemas.microsoft.com/office/powerpoint/2010/main" val="2874449174"/>
+      </p:ext>
+    </p:extLst>
+  </p:cSld>
+  <p:clrMapOvr>
+    <a:masterClrMapping/>
+  </p:clrMapOvr>
+</p:sld>
+</file>
+
+<file path=ppt/slides/slide15.xml><?xml version="1.0" encoding="utf-8"?>
+<p:sld xmlns:a="http://schemas.openxmlformats.org/drawingml/2006/main" xmlns:r="http://schemas.openxmlformats.org/officeDocument/2006/relationships" xmlns:p="http://schemas.openxmlformats.org/presentationml/2006/main">
+  <p:cSld>
+    <p:spTree>
+      <p:nvGrpSpPr>
+        <p:cNvPr id="1" name=""/>
+        <p:cNvGrpSpPr/>
+        <p:nvPr/>
+      </p:nvGrpSpPr>
+      <p:grpSpPr>
+        <a:xfrm>
+          <a:off x="0" y="0"/>
+          <a:ext cx="0" cy="0"/>
+          <a:chOff x="0" y="0"/>
+          <a:chExt cx="0" cy="0"/>
+        </a:xfrm>
+      </p:grpSpPr>
+      <p:pic>
+        <p:nvPicPr>
+          <p:cNvPr id="4" name="Рисунок 3"/>
+          <p:cNvPicPr/>
+          <p:nvPr/>
+        </p:nvPicPr>
+        <p:blipFill>
+          <a:blip r:embed="rId2">
+            <a:extLst>
+              <a:ext uri="{28A0092B-C50C-407E-A947-70E740481C1C}">
+                <a14:useLocalDpi xmlns:a14="http://schemas.microsoft.com/office/drawing/2010/main" val="0"/>
+              </a:ext>
+            </a:extLst>
+          </a:blip>
+          <a:stretch>
+            <a:fillRect/>
+          </a:stretch>
+        </p:blipFill>
+        <p:spPr>
+          <a:xfrm>
+            <a:off x="6438901" y="1199514"/>
+            <a:ext cx="5385752" cy="3886835"/>
+          </a:xfrm>
+          <a:prstGeom prst="rect">
+            <a:avLst/>
+          </a:prstGeom>
+          <a:ln>
+            <a:solidFill>
+              <a:schemeClr val="tx1"/>
+            </a:solidFill>
+          </a:ln>
+        </p:spPr>
+      </p:pic>
+      <p:pic>
+        <p:nvPicPr>
+          <p:cNvPr id="5" name="Рисунок 4"/>
+          <p:cNvPicPr/>
+          <p:nvPr/>
+        </p:nvPicPr>
+        <p:blipFill>
+          <a:blip r:embed="rId3">
+            <a:extLst>
+              <a:ext uri="{28A0092B-C50C-407E-A947-70E740481C1C}">
+                <a14:useLocalDpi xmlns:a14="http://schemas.microsoft.com/office/drawing/2010/main" val="0"/>
+              </a:ext>
+            </a:extLst>
+          </a:blip>
+          <a:stretch>
+            <a:fillRect/>
+          </a:stretch>
+        </p:blipFill>
+        <p:spPr>
+          <a:xfrm>
+            <a:off x="409575" y="1199513"/>
+            <a:ext cx="5758815" cy="3648711"/>
+          </a:xfrm>
+          <a:prstGeom prst="rect">
+            <a:avLst/>
+          </a:prstGeom>
+          <a:ln>
+            <a:solidFill>
+              <a:schemeClr val="tx1"/>
+            </a:solidFill>
+          </a:ln>
+        </p:spPr>
+      </p:pic>
+      <p:sp>
+        <p:nvSpPr>
+          <p:cNvPr id="6" name="Заголовок 1">
+            <a:extLst>
+              <a:ext uri="{FF2B5EF4-FFF2-40B4-BE49-F238E27FC236}">
+                <a16:creationId xmlns="" xmlns:a16="http://schemas.microsoft.com/office/drawing/2014/main" id="{32E9B80E-E9DD-4573-A7FA-C41F3C2A576A}"/>
+              </a:ext>
+            </a:extLst>
+          </p:cNvPr>
+          <p:cNvSpPr>
+            <a:spLocks noGrp="1"/>
+          </p:cNvSpPr>
+          <p:nvPr>
+            <p:ph type="title"/>
+          </p:nvPr>
+        </p:nvSpPr>
+        <p:spPr>
+          <a:xfrm>
+            <a:off x="562100" y="5334000"/>
+            <a:ext cx="11357803" cy="606385"/>
+          </a:xfrm>
+        </p:spPr>
+        <p:txBody>
+          <a:bodyPr>
+            <a:normAutofit/>
+          </a:bodyPr>
+          <a:lstStyle/>
+          <a:p>
+            <a:pPr algn="l"/>
+            <a:r>
+              <a:rPr lang="en-US" sz="2800" dirty="0" smtClean="0">
+                <a:latin typeface="Times New Roman" pitchFamily="18" charset="0"/>
+                <a:cs typeface="Times New Roman" pitchFamily="18" charset="0"/>
+              </a:rPr>
+              <a:t>		  GT 710				  		</a:t>
+            </a:r>
+            <a:r>
+              <a:rPr lang="en-US" sz="2800" dirty="0" smtClean="0">
+                <a:latin typeface="Times New Roman" pitchFamily="18" charset="0"/>
+                <a:cs typeface="Times New Roman" pitchFamily="18" charset="0"/>
+              </a:rPr>
+              <a:t>MX250</a:t>
+            </a:r>
+            <a:endParaRPr lang="ru-RU" sz="2800" dirty="0">
+              <a:latin typeface="Times New Roman" pitchFamily="18" charset="0"/>
+              <a:cs typeface="Times New Roman" pitchFamily="18" charset="0"/>
+            </a:endParaRPr>
+          </a:p>
+        </p:txBody>
+      </p:sp>
+    </p:spTree>
+    <p:extLst>
+      <p:ext uri="{BB962C8B-B14F-4D97-AF65-F5344CB8AC3E}">
+        <p14:creationId xmlns:p14="http://schemas.microsoft.com/office/powerpoint/2010/main" val="2850553806"/>
+      </p:ext>
+    </p:extLst>
+  </p:cSld>
+  <p:clrMapOvr>
+    <a:masterClrMapping/>
+  </p:clrMapOvr>
+</p:sld>
+</file>
+
 <file path=ppt/slides/slide2.xml><?xml version="1.0" encoding="utf-8"?>
 <p:sld xmlns:a="http://schemas.openxmlformats.org/drawingml/2006/main" xmlns:r="http://schemas.openxmlformats.org/officeDocument/2006/relationships" xmlns:p="http://schemas.openxmlformats.org/presentationml/2006/main">
   <p:cSld>
@@ -5304,7 +5505,7 @@
           <p:cNvPr id="2" name="Заголовок 1">
             <a:extLst>
               <a:ext uri="{FF2B5EF4-FFF2-40B4-BE49-F238E27FC236}">
-                <a16:creationId xmlns:a16="http://schemas.microsoft.com/office/drawing/2014/main" xmlns="" id="{39BAB8BE-CF88-4604-BCD8-EBD203ADE4D7}"/>
+                <a16:creationId xmlns="" xmlns:a16="http://schemas.microsoft.com/office/drawing/2014/main" id="{39BAB8BE-CF88-4604-BCD8-EBD203ADE4D7}"/>
               </a:ext>
             </a:extLst>
           </p:cNvPr>
@@ -5351,7 +5552,7 @@
           <p:cNvPr id="3" name="Объект 2">
             <a:extLst>
               <a:ext uri="{FF2B5EF4-FFF2-40B4-BE49-F238E27FC236}">
-                <a16:creationId xmlns:a16="http://schemas.microsoft.com/office/drawing/2014/main" xmlns="" id="{921FD241-7F1D-4351-A2F7-2645511A6DD2}"/>
+                <a16:creationId xmlns="" xmlns:a16="http://schemas.microsoft.com/office/drawing/2014/main" id="{921FD241-7F1D-4351-A2F7-2645511A6DD2}"/>
               </a:ext>
             </a:extLst>
           </p:cNvPr>
@@ -5519,7 +5720,7 @@
           <p:cNvPr id="2" name="Заголовок 1">
             <a:extLst>
               <a:ext uri="{FF2B5EF4-FFF2-40B4-BE49-F238E27FC236}">
-                <a16:creationId xmlns:a16="http://schemas.microsoft.com/office/drawing/2014/main" xmlns="" id="{E30E28D0-3CC9-41D5-A307-A3ABA8FB837A}"/>
+                <a16:creationId xmlns="" xmlns:a16="http://schemas.microsoft.com/office/drawing/2014/main" id="{E30E28D0-3CC9-41D5-A307-A3ABA8FB837A}"/>
               </a:ext>
             </a:extLst>
           </p:cNvPr>
@@ -5571,7 +5772,7 @@
           <p:cNvPr id="5" name="Рисунок 4">
             <a:extLst>
               <a:ext uri="{FF2B5EF4-FFF2-40B4-BE49-F238E27FC236}">
-                <a16:creationId xmlns:a16="http://schemas.microsoft.com/office/drawing/2014/main" xmlns="" id="{C834FF76-5DAA-49B4-9B4A-276BB9F4AEC8}"/>
+                <a16:creationId xmlns="" xmlns:a16="http://schemas.microsoft.com/office/drawing/2014/main" id="{C834FF76-5DAA-49B4-9B4A-276BB9F4AEC8}"/>
               </a:ext>
             </a:extLst>
           </p:cNvPr>
@@ -5637,7 +5838,7 @@
           <p:cNvPr id="2" name="Заголовок 1">
             <a:extLst>
               <a:ext uri="{FF2B5EF4-FFF2-40B4-BE49-F238E27FC236}">
-                <a16:creationId xmlns:a16="http://schemas.microsoft.com/office/drawing/2014/main" xmlns="" id="{1756F03F-420A-426D-84AF-C9397D01796A}"/>
+                <a16:creationId xmlns="" xmlns:a16="http://schemas.microsoft.com/office/drawing/2014/main" id="{1756F03F-420A-426D-84AF-C9397D01796A}"/>
               </a:ext>
             </a:extLst>
           </p:cNvPr>
@@ -5650,32 +5851,32 @@
         </p:nvSpPr>
         <p:spPr>
           <a:xfrm>
-            <a:off x="188686" y="159657"/>
-            <a:ext cx="11858171" cy="941292"/>
+            <a:off x="188686" y="0"/>
+            <a:ext cx="11858171" cy="1228725"/>
           </a:xfrm>
         </p:spPr>
         <p:txBody>
           <a:bodyPr>
-            <a:normAutofit fontScale="90000"/>
+            <a:normAutofit/>
           </a:bodyPr>
           <a:lstStyle/>
           <a:p>
             <a:r>
-              <a:rPr lang="ru-RU" dirty="0">
+              <a:rPr lang="ru-RU" sz="3600" dirty="0">
                 <a:latin typeface="Times New Roman" pitchFamily="18" charset="0"/>
                 <a:cs typeface="Times New Roman" pitchFamily="18" charset="0"/>
               </a:rPr>
               <a:t>Проблема преобразования </a:t>
             </a:r>
             <a:r>
-              <a:rPr lang="ru-RU" dirty="0" smtClean="0">
+              <a:rPr lang="ru-RU" sz="3600" dirty="0" smtClean="0">
                 <a:latin typeface="Times New Roman" pitchFamily="18" charset="0"/>
                 <a:cs typeface="Times New Roman" pitchFamily="18" charset="0"/>
               </a:rPr>
               <a:t>разрежённых </a:t>
             </a:r>
             <a:r>
-              <a:rPr lang="ru-RU" dirty="0">
+              <a:rPr lang="ru-RU" sz="3600" dirty="0">
                 <a:latin typeface="Times New Roman" pitchFamily="18" charset="0"/>
                 <a:cs typeface="Times New Roman" pitchFamily="18" charset="0"/>
               </a:rPr>
@@ -5689,7 +5890,7 @@
           <p:cNvPr id="5" name="Рисунок 4">
             <a:extLst>
               <a:ext uri="{FF2B5EF4-FFF2-40B4-BE49-F238E27FC236}">
-                <a16:creationId xmlns:a16="http://schemas.microsoft.com/office/drawing/2014/main" xmlns="" id="{8FB6643F-A2EF-4CA2-B23A-A788BDB572AD}"/>
+                <a16:creationId xmlns="" xmlns:a16="http://schemas.microsoft.com/office/drawing/2014/main" id="{8FB6643F-A2EF-4CA2-B23A-A788BDB572AD}"/>
               </a:ext>
             </a:extLst>
           </p:cNvPr>
@@ -5752,214 +5953,6 @@
       </p:grpSpPr>
       <p:sp>
         <p:nvSpPr>
-          <p:cNvPr id="2" name="Заголовок 1">
-            <a:extLst>
-              <a:ext uri="{FF2B5EF4-FFF2-40B4-BE49-F238E27FC236}">
-                <a16:creationId xmlns:a16="http://schemas.microsoft.com/office/drawing/2014/main" xmlns="" id="{32E9B80E-E9DD-4573-A7FA-C41F3C2A576A}"/>
-              </a:ext>
-            </a:extLst>
-          </p:cNvPr>
-          <p:cNvSpPr>
-            <a:spLocks noGrp="1"/>
-          </p:cNvSpPr>
-          <p:nvPr>
-            <p:ph type="title"/>
-          </p:nvPr>
-        </p:nvSpPr>
-        <p:spPr>
-          <a:xfrm>
-            <a:off x="2475361" y="111060"/>
-            <a:ext cx="7601965" cy="1238275"/>
-          </a:xfrm>
-        </p:spPr>
-        <p:txBody>
-          <a:bodyPr/>
-          <a:lstStyle/>
-          <a:p>
-            <a:r>
-              <a:rPr lang="en-US" dirty="0">
-                <a:latin typeface="Times New Roman" pitchFamily="18" charset="0"/>
-                <a:cs typeface="Times New Roman" pitchFamily="18" charset="0"/>
-              </a:rPr>
-              <a:t>NVIDIA </a:t>
-            </a:r>
-            <a:r>
-              <a:rPr lang="en-US" dirty="0" smtClean="0">
-                <a:latin typeface="Times New Roman" pitchFamily="18" charset="0"/>
-                <a:cs typeface="Times New Roman" pitchFamily="18" charset="0"/>
-              </a:rPr>
-              <a:t>GEFORCE MX250</a:t>
-            </a:r>
-            <a:endParaRPr lang="ru-RU" dirty="0">
-              <a:latin typeface="Times New Roman" pitchFamily="18" charset="0"/>
-              <a:cs typeface="Times New Roman" pitchFamily="18" charset="0"/>
-            </a:endParaRPr>
-          </a:p>
-        </p:txBody>
-      </p:sp>
-      <p:pic>
-        <p:nvPicPr>
-          <p:cNvPr id="1026" name="Picture 2" descr="geforce-mx-250">
-            <a:extLst>
-              <a:ext uri="{FF2B5EF4-FFF2-40B4-BE49-F238E27FC236}">
-                <a16:creationId xmlns:a16="http://schemas.microsoft.com/office/drawing/2014/main" xmlns="" id="{EAB27F8C-270E-4971-B076-259EA55B1B17}"/>
-              </a:ext>
-            </a:extLst>
-          </p:cNvPr>
-          <p:cNvPicPr>
-            <a:picLocks noChangeAspect="1" noChangeArrowheads="1"/>
-          </p:cNvPicPr>
-          <p:nvPr/>
-        </p:nvPicPr>
-        <p:blipFill>
-          <a:blip r:embed="rId2" cstate="screen">
-            <a:extLst>
-              <a:ext uri="{28A0092B-C50C-407E-A947-70E740481C1C}">
-                <a14:useLocalDpi xmlns:a14="http://schemas.microsoft.com/office/drawing/2010/main"/>
-              </a:ext>
-            </a:extLst>
-          </a:blip>
-          <a:srcRect/>
-          <a:stretch>
-            <a:fillRect/>
-          </a:stretch>
-        </p:blipFill>
-        <p:spPr bwMode="auto">
-          <a:xfrm>
-            <a:off x="8206476" y="1995690"/>
-            <a:ext cx="3741700" cy="2297451"/>
-          </a:xfrm>
-          <a:prstGeom prst="rect">
-            <a:avLst/>
-          </a:prstGeom>
-          <a:noFill/>
-          <a:extLst>
-            <a:ext uri="{909E8E84-426E-40DD-AFC4-6F175D3DCCD1}">
-              <a14:hiddenFill xmlns:a14="http://schemas.microsoft.com/office/drawing/2010/main">
-                <a:solidFill>
-                  <a:srgbClr val="FFFFFF"/>
-                </a:solidFill>
-              </a14:hiddenFill>
-            </a:ext>
-          </a:extLst>
-        </p:spPr>
-      </p:pic>
-      <p:pic>
-        <p:nvPicPr>
-          <p:cNvPr id="5" name="Рисунок 4">
-            <a:extLst>
-              <a:ext uri="{FF2B5EF4-FFF2-40B4-BE49-F238E27FC236}">
-                <a16:creationId xmlns:a16="http://schemas.microsoft.com/office/drawing/2014/main" xmlns="" id="{80F7FA8E-7C04-4FB5-BF8E-D1E6188568FD}"/>
-              </a:ext>
-            </a:extLst>
-          </p:cNvPr>
-          <p:cNvPicPr>
-            <a:picLocks noChangeAspect="1"/>
-          </p:cNvPicPr>
-          <p:nvPr/>
-        </p:nvPicPr>
-        <p:blipFill>
-          <a:blip r:embed="rId3">
-            <a:extLst>
-              <a:ext uri="{28A0092B-C50C-407E-A947-70E740481C1C}">
-                <a14:useLocalDpi xmlns:a14="http://schemas.microsoft.com/office/drawing/2010/main"/>
-              </a:ext>
-            </a:extLst>
-          </a:blip>
-          <a:stretch>
-            <a:fillRect/>
-          </a:stretch>
-        </p:blipFill>
-        <p:spPr>
-          <a:xfrm>
-            <a:off x="798304" y="1534937"/>
-            <a:ext cx="7328659" cy="4948251"/>
-          </a:xfrm>
-          <a:prstGeom prst="rect">
-            <a:avLst/>
-          </a:prstGeom>
-        </p:spPr>
-      </p:pic>
-      <p:sp>
-        <p:nvSpPr>
-          <p:cNvPr id="6" name="Прямоугольник 5">
-            <a:extLst>
-              <a:ext uri="{FF2B5EF4-FFF2-40B4-BE49-F238E27FC236}">
-                <a16:creationId xmlns:a16="http://schemas.microsoft.com/office/drawing/2014/main" xmlns="" id="{58FDC502-1EE1-46FE-901C-583D7E60FEF1}"/>
-              </a:ext>
-            </a:extLst>
-          </p:cNvPr>
-          <p:cNvSpPr/>
-          <p:nvPr/>
-        </p:nvSpPr>
-        <p:spPr>
-          <a:xfrm>
-            <a:off x="5952931" y="3144416"/>
-            <a:ext cx="2062065" cy="354564"/>
-          </a:xfrm>
-          <a:prstGeom prst="rect">
-            <a:avLst/>
-          </a:prstGeom>
-          <a:noFill/>
-          <a:ln w="31750"/>
-        </p:spPr>
-        <p:style>
-          <a:lnRef idx="2">
-            <a:schemeClr val="accent1">
-              <a:shade val="50000"/>
-            </a:schemeClr>
-          </a:lnRef>
-          <a:fillRef idx="1">
-            <a:schemeClr val="accent1"/>
-          </a:fillRef>
-          <a:effectRef idx="0">
-            <a:schemeClr val="accent1"/>
-          </a:effectRef>
-          <a:fontRef idx="minor">
-            <a:schemeClr val="lt1"/>
-          </a:fontRef>
-        </p:style>
-        <p:txBody>
-          <a:bodyPr rtlCol="0" anchor="ctr"/>
-          <a:lstStyle/>
-          <a:p>
-            <a:pPr algn="ctr"/>
-            <a:endParaRPr lang="ru-RU"/>
-          </a:p>
-        </p:txBody>
-      </p:sp>
-    </p:spTree>
-    <p:extLst>
-      <p:ext uri="{BB962C8B-B14F-4D97-AF65-F5344CB8AC3E}">
-        <p14:creationId xmlns:p14="http://schemas.microsoft.com/office/powerpoint/2010/main" val="1161984403"/>
-      </p:ext>
-    </p:extLst>
-  </p:cSld>
-  <p:clrMapOvr>
-    <a:masterClrMapping/>
-  </p:clrMapOvr>
-</p:sld>
-</file>
-
-<file path=ppt/slides/slide6.xml><?xml version="1.0" encoding="utf-8"?>
-<p:sld xmlns:a="http://schemas.openxmlformats.org/drawingml/2006/main" xmlns:r="http://schemas.openxmlformats.org/officeDocument/2006/relationships" xmlns:p="http://schemas.openxmlformats.org/presentationml/2006/main">
-  <p:cSld>
-    <p:spTree>
-      <p:nvGrpSpPr>
-        <p:cNvPr id="1" name=""/>
-        <p:cNvGrpSpPr/>
-        <p:nvPr/>
-      </p:nvGrpSpPr>
-      <p:grpSpPr>
-        <a:xfrm>
-          <a:off x="0" y="0"/>
-          <a:ext cx="0" cy="0"/>
-          <a:chOff x="0" y="0"/>
-          <a:chExt cx="0" cy="0"/>
-        </a:xfrm>
-      </p:grpSpPr>
-      <p:sp>
-        <p:nvSpPr>
           <p:cNvPr id="2" name="Заголовок 1"/>
           <p:cNvSpPr>
             <a:spLocks noGrp="1"/>
@@ -6371,7 +6364,7 @@
 </p:sld>
 </file>
 
-<file path=ppt/slides/slide7.xml><?xml version="1.0" encoding="utf-8"?>
+<file path=ppt/slides/slide6.xml><?xml version="1.0" encoding="utf-8"?>
 <p:sld xmlns:a="http://schemas.openxmlformats.org/drawingml/2006/main" xmlns:r="http://schemas.openxmlformats.org/officeDocument/2006/relationships" xmlns:p="http://schemas.openxmlformats.org/presentationml/2006/main">
   <p:cSld>
     <p:spTree>
@@ -7268,6 +7261,856 @@
 </p:sld>
 </file>
 
+<file path=ppt/slides/slide7.xml><?xml version="1.0" encoding="utf-8"?>
+<p:sld xmlns:a="http://schemas.openxmlformats.org/drawingml/2006/main" xmlns:r="http://schemas.openxmlformats.org/officeDocument/2006/relationships" xmlns:p="http://schemas.openxmlformats.org/presentationml/2006/main">
+  <p:cSld>
+    <p:spTree>
+      <p:nvGrpSpPr>
+        <p:cNvPr id="1" name=""/>
+        <p:cNvGrpSpPr/>
+        <p:nvPr/>
+      </p:nvGrpSpPr>
+      <p:grpSpPr>
+        <a:xfrm>
+          <a:off x="0" y="0"/>
+          <a:ext cx="0" cy="0"/>
+          <a:chOff x="0" y="0"/>
+          <a:chExt cx="0" cy="0"/>
+        </a:xfrm>
+      </p:grpSpPr>
+      <p:sp>
+        <p:nvSpPr>
+          <p:cNvPr id="4" name="Прямоугольник 3">
+            <a:extLst>
+              <a:ext uri="{FF2B5EF4-FFF2-40B4-BE49-F238E27FC236}">
+                <a16:creationId xmlns="" xmlns:a16="http://schemas.microsoft.com/office/drawing/2014/main" id="{88213514-88D4-4F0B-BF13-41739D4D2F0E}"/>
+              </a:ext>
+            </a:extLst>
+          </p:cNvPr>
+          <p:cNvSpPr/>
+          <p:nvPr/>
+        </p:nvSpPr>
+        <p:spPr>
+          <a:xfrm>
+            <a:off x="1490767" y="1230616"/>
+            <a:ext cx="9667227" cy="5016758"/>
+          </a:xfrm>
+          <a:prstGeom prst="rect">
+            <a:avLst/>
+          </a:prstGeom>
+        </p:spPr>
+        <p:txBody>
+          <a:bodyPr wrap="square">
+            <a:spAutoFit/>
+          </a:bodyPr>
+          <a:lstStyle/>
+          <a:p>
+            <a:r>
+              <a:rPr lang="fr-FR" sz="2000" dirty="0">
+                <a:solidFill>
+                  <a:srgbClr val="6F008A"/>
+                </a:solidFill>
+                <a:latin typeface="Consolas" panose="020B0609020204030204" pitchFamily="49" charset="0"/>
+              </a:rPr>
+              <a:t>__global__</a:t>
+            </a:r>
+            <a:r>
+              <a:rPr lang="fr-FR" sz="2000" dirty="0">
+                <a:solidFill>
+                  <a:srgbClr val="000000"/>
+                </a:solidFill>
+                <a:latin typeface="Consolas" panose="020B0609020204030204" pitchFamily="49" charset="0"/>
+              </a:rPr>
+              <a:t> </a:t>
+            </a:r>
+            <a:r>
+              <a:rPr lang="fr-FR" sz="2000" dirty="0">
+                <a:solidFill>
+                  <a:srgbClr val="0000FF"/>
+                </a:solidFill>
+                <a:latin typeface="Consolas" panose="020B0609020204030204" pitchFamily="49" charset="0"/>
+              </a:rPr>
+              <a:t>void</a:t>
+            </a:r>
+            <a:r>
+              <a:rPr lang="fr-FR" sz="2000" dirty="0">
+                <a:solidFill>
+                  <a:srgbClr val="000000"/>
+                </a:solidFill>
+                <a:latin typeface="Consolas" panose="020B0609020204030204" pitchFamily="49" charset="0"/>
+              </a:rPr>
+              <a:t> ptmKernel3(</a:t>
+            </a:r>
+            <a:r>
+              <a:rPr lang="fr-FR" sz="2000" dirty="0">
+                <a:solidFill>
+                  <a:srgbClr val="0000FF"/>
+                </a:solidFill>
+                <a:latin typeface="Consolas" panose="020B0609020204030204" pitchFamily="49" charset="0"/>
+              </a:rPr>
+              <a:t>double</a:t>
+            </a:r>
+            <a:r>
+              <a:rPr lang="fr-FR" sz="2000" dirty="0">
+                <a:solidFill>
+                  <a:srgbClr val="000000"/>
+                </a:solidFill>
+                <a:latin typeface="Consolas" panose="020B0609020204030204" pitchFamily="49" charset="0"/>
+              </a:rPr>
+              <a:t>* </a:t>
+            </a:r>
+            <a:r>
+              <a:rPr lang="fr-FR" sz="2000" dirty="0">
+                <a:solidFill>
+                  <a:srgbClr val="808080"/>
+                </a:solidFill>
+                <a:latin typeface="Consolas" panose="020B0609020204030204" pitchFamily="49" charset="0"/>
+              </a:rPr>
+              <a:t>r</a:t>
+            </a:r>
+            <a:r>
+              <a:rPr lang="fr-FR" sz="2000" dirty="0">
+                <a:solidFill>
+                  <a:srgbClr val="000000"/>
+                </a:solidFill>
+                <a:latin typeface="Consolas" panose="020B0609020204030204" pitchFamily="49" charset="0"/>
+              </a:rPr>
+              <a:t>, </a:t>
+            </a:r>
+            <a:r>
+              <a:rPr lang="fr-FR" sz="2000" dirty="0">
+                <a:solidFill>
+                  <a:srgbClr val="0000FF"/>
+                </a:solidFill>
+                <a:latin typeface="Consolas" panose="020B0609020204030204" pitchFamily="49" charset="0"/>
+              </a:rPr>
+              <a:t>double</a:t>
+            </a:r>
+            <a:r>
+              <a:rPr lang="fr-FR" sz="2000" dirty="0">
+                <a:solidFill>
+                  <a:srgbClr val="000000"/>
+                </a:solidFill>
+                <a:latin typeface="Consolas" panose="020B0609020204030204" pitchFamily="49" charset="0"/>
+              </a:rPr>
+              <a:t>* </a:t>
+            </a:r>
+            <a:r>
+              <a:rPr lang="fr-FR" sz="2000" dirty="0">
+                <a:solidFill>
+                  <a:srgbClr val="808080"/>
+                </a:solidFill>
+                <a:latin typeface="Consolas" panose="020B0609020204030204" pitchFamily="49" charset="0"/>
+              </a:rPr>
+              <a:t>c0</a:t>
+            </a:r>
+            <a:r>
+              <a:rPr lang="fr-FR" sz="2000" dirty="0">
+                <a:solidFill>
+                  <a:srgbClr val="000000"/>
+                </a:solidFill>
+                <a:latin typeface="Consolas" panose="020B0609020204030204" pitchFamily="49" charset="0"/>
+              </a:rPr>
+              <a:t>, </a:t>
+            </a:r>
+            <a:r>
+              <a:rPr lang="fr-FR" sz="2000" dirty="0">
+                <a:solidFill>
+                  <a:srgbClr val="0000FF"/>
+                </a:solidFill>
+                <a:latin typeface="Consolas" panose="020B0609020204030204" pitchFamily="49" charset="0"/>
+              </a:rPr>
+              <a:t>double</a:t>
+            </a:r>
+            <a:r>
+              <a:rPr lang="fr-FR" sz="2000" dirty="0">
+                <a:solidFill>
+                  <a:srgbClr val="000000"/>
+                </a:solidFill>
+                <a:latin typeface="Consolas" panose="020B0609020204030204" pitchFamily="49" charset="0"/>
+              </a:rPr>
+              <a:t>* </a:t>
+            </a:r>
+            <a:r>
+              <a:rPr lang="fr-FR" sz="2000" dirty="0">
+                <a:solidFill>
+                  <a:srgbClr val="808080"/>
+                </a:solidFill>
+                <a:latin typeface="Consolas" panose="020B0609020204030204" pitchFamily="49" charset="0"/>
+              </a:rPr>
+              <a:t>c2</a:t>
+            </a:r>
+            <a:r>
+              <a:rPr lang="fr-FR" sz="2000" dirty="0">
+                <a:solidFill>
+                  <a:srgbClr val="000000"/>
+                </a:solidFill>
+                <a:latin typeface="Consolas" panose="020B0609020204030204" pitchFamily="49" charset="0"/>
+              </a:rPr>
+              <a:t>,</a:t>
+            </a:r>
+          </a:p>
+          <a:p>
+            <a:r>
+              <a:rPr lang="fr-FR" sz="2000" dirty="0">
+                <a:solidFill>
+                  <a:srgbClr val="0000FF"/>
+                </a:solidFill>
+                <a:latin typeface="Consolas" panose="020B0609020204030204" pitchFamily="49" charset="0"/>
+              </a:rPr>
+              <a:t>double</a:t>
+            </a:r>
+            <a:r>
+              <a:rPr lang="fr-FR" sz="2000" dirty="0">
+                <a:solidFill>
+                  <a:srgbClr val="000000"/>
+                </a:solidFill>
+                <a:latin typeface="Consolas" panose="020B0609020204030204" pitchFamily="49" charset="0"/>
+              </a:rPr>
+              <a:t>* </a:t>
+            </a:r>
+            <a:r>
+              <a:rPr lang="fr-FR" sz="2000" dirty="0">
+                <a:solidFill>
+                  <a:srgbClr val="808080"/>
+                </a:solidFill>
+                <a:latin typeface="Consolas" panose="020B0609020204030204" pitchFamily="49" charset="0"/>
+              </a:rPr>
+              <a:t>c4</a:t>
+            </a:r>
+            <a:r>
+              <a:rPr lang="fr-FR" sz="2000" dirty="0">
+                <a:solidFill>
+                  <a:srgbClr val="000000"/>
+                </a:solidFill>
+                <a:latin typeface="Consolas" panose="020B0609020204030204" pitchFamily="49" charset="0"/>
+              </a:rPr>
+              <a:t>, </a:t>
+            </a:r>
+            <a:r>
+              <a:rPr lang="fr-FR" sz="2000" dirty="0">
+                <a:solidFill>
+                  <a:srgbClr val="0000FF"/>
+                </a:solidFill>
+                <a:latin typeface="Consolas" panose="020B0609020204030204" pitchFamily="49" charset="0"/>
+              </a:rPr>
+              <a:t>double</a:t>
+            </a:r>
+            <a:r>
+              <a:rPr lang="fr-FR" sz="2000" dirty="0">
+                <a:solidFill>
+                  <a:srgbClr val="000000"/>
+                </a:solidFill>
+                <a:latin typeface="Consolas" panose="020B0609020204030204" pitchFamily="49" charset="0"/>
+              </a:rPr>
+              <a:t>* </a:t>
+            </a:r>
+            <a:r>
+              <a:rPr lang="fr-FR" sz="2000" dirty="0">
+                <a:solidFill>
+                  <a:srgbClr val="808080"/>
+                </a:solidFill>
+                <a:latin typeface="Consolas" panose="020B0609020204030204" pitchFamily="49" charset="0"/>
+              </a:rPr>
+              <a:t>c6</a:t>
+            </a:r>
+            <a:r>
+              <a:rPr lang="fr-FR" sz="2000" dirty="0">
+                <a:solidFill>
+                  <a:srgbClr val="000000"/>
+                </a:solidFill>
+                <a:latin typeface="Consolas" panose="020B0609020204030204" pitchFamily="49" charset="0"/>
+              </a:rPr>
+              <a:t>, </a:t>
+            </a:r>
+            <a:r>
+              <a:rPr lang="fr-FR" sz="2000" dirty="0">
+                <a:solidFill>
+                  <a:srgbClr val="0000FF"/>
+                </a:solidFill>
+                <a:latin typeface="Consolas" panose="020B0609020204030204" pitchFamily="49" charset="0"/>
+              </a:rPr>
+              <a:t>double</a:t>
+            </a:r>
+            <a:r>
+              <a:rPr lang="fr-FR" sz="2000" dirty="0">
+                <a:solidFill>
+                  <a:srgbClr val="000000"/>
+                </a:solidFill>
+                <a:latin typeface="Consolas" panose="020B0609020204030204" pitchFamily="49" charset="0"/>
+              </a:rPr>
+              <a:t> </a:t>
+            </a:r>
+            <a:r>
+              <a:rPr lang="fr-FR" sz="2000" dirty="0">
+                <a:solidFill>
+                  <a:srgbClr val="808080"/>
+                </a:solidFill>
+                <a:latin typeface="Consolas" panose="020B0609020204030204" pitchFamily="49" charset="0"/>
+              </a:rPr>
+              <a:t>omega</a:t>
+            </a:r>
+            <a:r>
+              <a:rPr lang="fr-FR" sz="2000" dirty="0">
+                <a:solidFill>
+                  <a:srgbClr val="000000"/>
+                </a:solidFill>
+                <a:latin typeface="Consolas" panose="020B0609020204030204" pitchFamily="49" charset="0"/>
+              </a:rPr>
+              <a:t>)</a:t>
+            </a:r>
+          </a:p>
+          <a:p>
+            <a:r>
+              <a:rPr lang="ru-RU" sz="2000" dirty="0">
+                <a:solidFill>
+                  <a:srgbClr val="000000"/>
+                </a:solidFill>
+                <a:latin typeface="Consolas" panose="020B0609020204030204" pitchFamily="49" charset="0"/>
+              </a:rPr>
+              <a:t>{</a:t>
+            </a:r>
+          </a:p>
+          <a:p>
+            <a:r>
+              <a:rPr lang="en-US" sz="2000" dirty="0">
+                <a:solidFill>
+                  <a:srgbClr val="000000"/>
+                </a:solidFill>
+                <a:latin typeface="Consolas" panose="020B0609020204030204" pitchFamily="49" charset="0"/>
+              </a:rPr>
+              <a:t>    </a:t>
+            </a:r>
+            <a:r>
+              <a:rPr lang="en-US" sz="2000" dirty="0">
+                <a:solidFill>
+                  <a:srgbClr val="6F008A"/>
+                </a:solidFill>
+                <a:latin typeface="Consolas" panose="020B0609020204030204" pitchFamily="49" charset="0"/>
+              </a:rPr>
+              <a:t>__shared__</a:t>
+            </a:r>
+            <a:r>
+              <a:rPr lang="en-US" sz="2000" dirty="0">
+                <a:solidFill>
+                  <a:srgbClr val="000000"/>
+                </a:solidFill>
+                <a:latin typeface="Consolas" panose="020B0609020204030204" pitchFamily="49" charset="0"/>
+              </a:rPr>
+              <a:t> </a:t>
+            </a:r>
+            <a:r>
+              <a:rPr lang="en-US" sz="2000" dirty="0">
+                <a:solidFill>
+                  <a:srgbClr val="0000FF"/>
+                </a:solidFill>
+                <a:latin typeface="Consolas" panose="020B0609020204030204" pitchFamily="49" charset="0"/>
+              </a:rPr>
+              <a:t>double</a:t>
+            </a:r>
+            <a:r>
+              <a:rPr lang="en-US" sz="2000" dirty="0">
+                <a:solidFill>
+                  <a:srgbClr val="000000"/>
+                </a:solidFill>
+                <a:latin typeface="Consolas" panose="020B0609020204030204" pitchFamily="49" charset="0"/>
+              </a:rPr>
+              <a:t> cache[</a:t>
+            </a:r>
+            <a:r>
+              <a:rPr lang="en-US" sz="2000" dirty="0" err="1">
+                <a:solidFill>
+                  <a:srgbClr val="6F008A"/>
+                </a:solidFill>
+                <a:latin typeface="Consolas" panose="020B0609020204030204" pitchFamily="49" charset="0"/>
+              </a:rPr>
+              <a:t>BlockSizeX</a:t>
+            </a:r>
+            <a:r>
+              <a:rPr lang="en-US" sz="2000" dirty="0" smtClean="0">
+                <a:solidFill>
+                  <a:srgbClr val="000000"/>
+                </a:solidFill>
+                <a:latin typeface="Consolas" panose="020B0609020204030204" pitchFamily="49" charset="0"/>
+              </a:rPr>
+              <a:t>][</a:t>
+            </a:r>
+            <a:r>
+              <a:rPr lang="en-US" sz="2000" dirty="0" smtClean="0">
+                <a:solidFill>
+                  <a:srgbClr val="6F008A"/>
+                </a:solidFill>
+                <a:latin typeface="Consolas" panose="020B0609020204030204" pitchFamily="49" charset="0"/>
+              </a:rPr>
+              <a:t>BlockSizeZ</a:t>
+            </a:r>
+            <a:r>
+              <a:rPr lang="en-US" sz="2000" dirty="0" smtClean="0">
+                <a:solidFill>
+                  <a:srgbClr val="000000"/>
+                </a:solidFill>
+                <a:latin typeface="Consolas" panose="020B0609020204030204" pitchFamily="49" charset="0"/>
+              </a:rPr>
+              <a:t>];</a:t>
+            </a:r>
+            <a:endParaRPr lang="en-US" sz="2000" dirty="0">
+              <a:solidFill>
+                <a:srgbClr val="000000"/>
+              </a:solidFill>
+              <a:latin typeface="Consolas" panose="020B0609020204030204" pitchFamily="49" charset="0"/>
+            </a:endParaRPr>
+          </a:p>
+          <a:p>
+            <a:r>
+              <a:rPr lang="en-US" sz="2000" dirty="0">
+                <a:solidFill>
+                  <a:srgbClr val="000000"/>
+                </a:solidFill>
+                <a:latin typeface="Consolas" panose="020B0609020204030204" pitchFamily="49" charset="0"/>
+              </a:rPr>
+              <a:t>    </a:t>
+            </a:r>
+          </a:p>
+          <a:p>
+            <a:r>
+              <a:rPr lang="en-US" sz="2000" dirty="0">
+                <a:solidFill>
+                  <a:srgbClr val="000000"/>
+                </a:solidFill>
+                <a:latin typeface="Consolas" panose="020B0609020204030204" pitchFamily="49" charset="0"/>
+              </a:rPr>
+              <a:t>    </a:t>
+            </a:r>
+            <a:r>
+              <a:rPr lang="en-US" sz="2000" dirty="0">
+                <a:solidFill>
+                  <a:srgbClr val="0000FF"/>
+                </a:solidFill>
+                <a:latin typeface="Consolas" panose="020B0609020204030204" pitchFamily="49" charset="0"/>
+              </a:rPr>
+              <a:t>const</a:t>
+            </a:r>
+            <a:r>
+              <a:rPr lang="en-US" sz="2000" dirty="0">
+                <a:solidFill>
+                  <a:srgbClr val="000000"/>
+                </a:solidFill>
+                <a:latin typeface="Consolas" panose="020B0609020204030204" pitchFamily="49" charset="0"/>
+              </a:rPr>
+              <a:t> </a:t>
+            </a:r>
+            <a:r>
+              <a:rPr lang="en-US" sz="2000" dirty="0">
+                <a:solidFill>
+                  <a:srgbClr val="2B91AF"/>
+                </a:solidFill>
+                <a:latin typeface="Consolas" panose="020B0609020204030204" pitchFamily="49" charset="0"/>
+              </a:rPr>
+              <a:t>size_t</a:t>
+            </a:r>
+            <a:r>
+              <a:rPr lang="en-US" sz="2000" dirty="0">
+                <a:solidFill>
+                  <a:srgbClr val="000000"/>
+                </a:solidFill>
+                <a:latin typeface="Consolas" panose="020B0609020204030204" pitchFamily="49" charset="0"/>
+              </a:rPr>
+              <a:t> threadX = blockDim.x * blockIdx.x + threadIdx.x;</a:t>
+            </a:r>
+          </a:p>
+          <a:p>
+            <a:r>
+              <a:rPr lang="en-US" sz="2000" dirty="0">
+                <a:solidFill>
+                  <a:srgbClr val="000000"/>
+                </a:solidFill>
+                <a:latin typeface="Consolas" panose="020B0609020204030204" pitchFamily="49" charset="0"/>
+              </a:rPr>
+              <a:t>    </a:t>
+            </a:r>
+            <a:r>
+              <a:rPr lang="en-US" sz="2000" dirty="0">
+                <a:solidFill>
+                  <a:srgbClr val="0000FF"/>
+                </a:solidFill>
+                <a:latin typeface="Consolas" panose="020B0609020204030204" pitchFamily="49" charset="0"/>
+              </a:rPr>
+              <a:t>const</a:t>
+            </a:r>
+            <a:r>
+              <a:rPr lang="en-US" sz="2000" dirty="0">
+                <a:solidFill>
+                  <a:srgbClr val="000000"/>
+                </a:solidFill>
+                <a:latin typeface="Consolas" panose="020B0609020204030204" pitchFamily="49" charset="0"/>
+              </a:rPr>
+              <a:t> </a:t>
+            </a:r>
+            <a:r>
+              <a:rPr lang="en-US" sz="2000" dirty="0">
+                <a:solidFill>
+                  <a:srgbClr val="2B91AF"/>
+                </a:solidFill>
+                <a:latin typeface="Consolas" panose="020B0609020204030204" pitchFamily="49" charset="0"/>
+              </a:rPr>
+              <a:t>size_t</a:t>
+            </a:r>
+            <a:r>
+              <a:rPr lang="en-US" sz="2000" dirty="0">
+                <a:solidFill>
+                  <a:srgbClr val="000000"/>
+                </a:solidFill>
+                <a:latin typeface="Consolas" panose="020B0609020204030204" pitchFamily="49" charset="0"/>
+              </a:rPr>
+              <a:t> </a:t>
+            </a:r>
+            <a:r>
+              <a:rPr lang="en-US" sz="2000" dirty="0" smtClean="0">
+                <a:solidFill>
+                  <a:srgbClr val="000000"/>
+                </a:solidFill>
+                <a:latin typeface="Consolas" panose="020B0609020204030204" pitchFamily="49" charset="0"/>
+              </a:rPr>
+              <a:t>threadZ </a:t>
+            </a:r>
+            <a:r>
+              <a:rPr lang="en-US" sz="2000" dirty="0">
+                <a:solidFill>
+                  <a:srgbClr val="000000"/>
+                </a:solidFill>
+                <a:latin typeface="Consolas" panose="020B0609020204030204" pitchFamily="49" charset="0"/>
+              </a:rPr>
+              <a:t>= </a:t>
+            </a:r>
+            <a:r>
+              <a:rPr lang="en-US" sz="2000" dirty="0" smtClean="0">
+                <a:solidFill>
+                  <a:srgbClr val="000000"/>
+                </a:solidFill>
+                <a:latin typeface="Consolas" panose="020B0609020204030204" pitchFamily="49" charset="0"/>
+              </a:rPr>
+              <a:t>blockDim.z </a:t>
+            </a:r>
+            <a:r>
+              <a:rPr lang="en-US" sz="2000" dirty="0">
+                <a:solidFill>
+                  <a:srgbClr val="000000"/>
+                </a:solidFill>
+                <a:latin typeface="Consolas" panose="020B0609020204030204" pitchFamily="49" charset="0"/>
+              </a:rPr>
+              <a:t>* </a:t>
+            </a:r>
+            <a:r>
+              <a:rPr lang="en-US" sz="2000" dirty="0" smtClean="0">
+                <a:solidFill>
+                  <a:srgbClr val="000000"/>
+                </a:solidFill>
+                <a:latin typeface="Consolas" panose="020B0609020204030204" pitchFamily="49" charset="0"/>
+              </a:rPr>
+              <a:t>blockIdx.z </a:t>
+            </a:r>
+            <a:r>
+              <a:rPr lang="en-US" sz="2000" dirty="0">
+                <a:solidFill>
+                  <a:srgbClr val="000000"/>
+                </a:solidFill>
+                <a:latin typeface="Consolas" panose="020B0609020204030204" pitchFamily="49" charset="0"/>
+              </a:rPr>
+              <a:t>+ </a:t>
+            </a:r>
+            <a:r>
+              <a:rPr lang="en-US" sz="2000" dirty="0" smtClean="0">
+                <a:solidFill>
+                  <a:srgbClr val="000000"/>
+                </a:solidFill>
+                <a:latin typeface="Consolas" panose="020B0609020204030204" pitchFamily="49" charset="0"/>
+              </a:rPr>
+              <a:t>threadIdx.z;</a:t>
+            </a:r>
+            <a:endParaRPr lang="en-US" sz="2000" dirty="0">
+              <a:solidFill>
+                <a:srgbClr val="000000"/>
+              </a:solidFill>
+              <a:latin typeface="Consolas" panose="020B0609020204030204" pitchFamily="49" charset="0"/>
+            </a:endParaRPr>
+          </a:p>
+          <a:p>
+            <a:endParaRPr lang="ru-RU" sz="2000" dirty="0">
+              <a:solidFill>
+                <a:srgbClr val="000000"/>
+              </a:solidFill>
+              <a:latin typeface="Consolas" panose="020B0609020204030204" pitchFamily="49" charset="0"/>
+            </a:endParaRPr>
+          </a:p>
+          <a:p>
+            <a:r>
+              <a:rPr lang="ru-RU" sz="2000" dirty="0">
+                <a:solidFill>
+                  <a:srgbClr val="000000"/>
+                </a:solidFill>
+                <a:latin typeface="Consolas" panose="020B0609020204030204" pitchFamily="49" charset="0"/>
+              </a:rPr>
+              <a:t>    </a:t>
+            </a:r>
+            <a:r>
+              <a:rPr lang="ru-RU" sz="2000" dirty="0">
+                <a:solidFill>
+                  <a:srgbClr val="008000"/>
+                </a:solidFill>
+                <a:latin typeface="Consolas" panose="020B0609020204030204" pitchFamily="49" charset="0"/>
+              </a:rPr>
+              <a:t>// Индекс строки, которую обрабатывает текущий поток </a:t>
+            </a:r>
+            <a:endParaRPr lang="ru-RU" sz="2000" dirty="0">
+              <a:solidFill>
+                <a:srgbClr val="000000"/>
+              </a:solidFill>
+              <a:latin typeface="Consolas" panose="020B0609020204030204" pitchFamily="49" charset="0"/>
+            </a:endParaRPr>
+          </a:p>
+          <a:p>
+            <a:r>
+              <a:rPr lang="en-US" sz="2000" dirty="0">
+                <a:solidFill>
+                  <a:srgbClr val="000000"/>
+                </a:solidFill>
+                <a:latin typeface="Consolas" panose="020B0609020204030204" pitchFamily="49" charset="0"/>
+              </a:rPr>
+              <a:t>    </a:t>
+            </a:r>
+            <a:r>
+              <a:rPr lang="en-US" sz="2000" dirty="0">
+                <a:solidFill>
+                  <a:srgbClr val="0000FF"/>
+                </a:solidFill>
+                <a:latin typeface="Consolas" panose="020B0609020204030204" pitchFamily="49" charset="0"/>
+              </a:rPr>
+              <a:t>const</a:t>
+            </a:r>
+            <a:r>
+              <a:rPr lang="en-US" sz="2000" dirty="0">
+                <a:solidFill>
+                  <a:srgbClr val="000000"/>
+                </a:solidFill>
+                <a:latin typeface="Consolas" panose="020B0609020204030204" pitchFamily="49" charset="0"/>
+              </a:rPr>
+              <a:t> </a:t>
+            </a:r>
+            <a:r>
+              <a:rPr lang="en-US" sz="2000" dirty="0">
+                <a:solidFill>
+                  <a:srgbClr val="2B91AF"/>
+                </a:solidFill>
+                <a:latin typeface="Consolas" panose="020B0609020204030204" pitchFamily="49" charset="0"/>
+              </a:rPr>
+              <a:t>size_t</a:t>
+            </a:r>
+            <a:r>
+              <a:rPr lang="en-US" sz="2000" dirty="0">
+                <a:solidFill>
+                  <a:srgbClr val="000000"/>
+                </a:solidFill>
+                <a:latin typeface="Consolas" panose="020B0609020204030204" pitchFamily="49" charset="0"/>
+              </a:rPr>
+              <a:t> idx_x = threadX + 1;</a:t>
+            </a:r>
+          </a:p>
+          <a:p>
+            <a:r>
+              <a:rPr lang="ru-RU" sz="2000" dirty="0">
+                <a:solidFill>
+                  <a:srgbClr val="000000"/>
+                </a:solidFill>
+                <a:latin typeface="Consolas" panose="020B0609020204030204" pitchFamily="49" charset="0"/>
+              </a:rPr>
+              <a:t>    </a:t>
+            </a:r>
+            <a:r>
+              <a:rPr lang="ru-RU" sz="2000" dirty="0">
+                <a:solidFill>
+                  <a:srgbClr val="008000"/>
+                </a:solidFill>
+                <a:latin typeface="Consolas" panose="020B0609020204030204" pitchFamily="49" charset="0"/>
+              </a:rPr>
+              <a:t>// Индекс слоя, который обрабатывает текущий поток </a:t>
+            </a:r>
+            <a:endParaRPr lang="ru-RU" sz="2000" dirty="0">
+              <a:solidFill>
+                <a:srgbClr val="000000"/>
+              </a:solidFill>
+              <a:latin typeface="Consolas" panose="020B0609020204030204" pitchFamily="49" charset="0"/>
+            </a:endParaRPr>
+          </a:p>
+          <a:p>
+            <a:r>
+              <a:rPr lang="en-US" sz="2000" dirty="0">
+                <a:solidFill>
+                  <a:srgbClr val="000000"/>
+                </a:solidFill>
+                <a:latin typeface="Consolas" panose="020B0609020204030204" pitchFamily="49" charset="0"/>
+              </a:rPr>
+              <a:t>    </a:t>
+            </a:r>
+            <a:r>
+              <a:rPr lang="en-US" sz="2000" dirty="0">
+                <a:solidFill>
+                  <a:srgbClr val="0000FF"/>
+                </a:solidFill>
+                <a:latin typeface="Consolas" panose="020B0609020204030204" pitchFamily="49" charset="0"/>
+              </a:rPr>
+              <a:t>const</a:t>
+            </a:r>
+            <a:r>
+              <a:rPr lang="en-US" sz="2000" dirty="0">
+                <a:solidFill>
+                  <a:srgbClr val="000000"/>
+                </a:solidFill>
+                <a:latin typeface="Consolas" panose="020B0609020204030204" pitchFamily="49" charset="0"/>
+              </a:rPr>
+              <a:t> </a:t>
+            </a:r>
+            <a:r>
+              <a:rPr lang="en-US" sz="2000" dirty="0">
+                <a:solidFill>
+                  <a:srgbClr val="2B91AF"/>
+                </a:solidFill>
+                <a:latin typeface="Consolas" panose="020B0609020204030204" pitchFamily="49" charset="0"/>
+              </a:rPr>
+              <a:t>size_t</a:t>
+            </a:r>
+            <a:r>
+              <a:rPr lang="en-US" sz="2000" dirty="0">
+                <a:solidFill>
+                  <a:srgbClr val="000000"/>
+                </a:solidFill>
+                <a:latin typeface="Consolas" panose="020B0609020204030204" pitchFamily="49" charset="0"/>
+              </a:rPr>
+              <a:t> </a:t>
+            </a:r>
+            <a:r>
+              <a:rPr lang="en-US" sz="2000" dirty="0" smtClean="0">
+                <a:solidFill>
+                  <a:srgbClr val="000000"/>
+                </a:solidFill>
+                <a:latin typeface="Consolas" panose="020B0609020204030204" pitchFamily="49" charset="0"/>
+              </a:rPr>
+              <a:t>idx_z </a:t>
+            </a:r>
+            <a:r>
+              <a:rPr lang="en-US" sz="2000" dirty="0">
+                <a:solidFill>
+                  <a:srgbClr val="000000"/>
+                </a:solidFill>
+                <a:latin typeface="Consolas" panose="020B0609020204030204" pitchFamily="49" charset="0"/>
+              </a:rPr>
+              <a:t>= </a:t>
+            </a:r>
+            <a:r>
+              <a:rPr lang="en-US" sz="2000" dirty="0" smtClean="0">
+                <a:solidFill>
+                  <a:srgbClr val="000000"/>
+                </a:solidFill>
+                <a:latin typeface="Consolas" panose="020B0609020204030204" pitchFamily="49" charset="0"/>
+              </a:rPr>
+              <a:t>threadZ </a:t>
+            </a:r>
+            <a:r>
+              <a:rPr lang="en-US" sz="2000" dirty="0">
+                <a:solidFill>
+                  <a:srgbClr val="000000"/>
+                </a:solidFill>
+                <a:latin typeface="Consolas" panose="020B0609020204030204" pitchFamily="49" charset="0"/>
+              </a:rPr>
+              <a:t>+ 1;</a:t>
+            </a:r>
+          </a:p>
+          <a:p>
+            <a:endParaRPr lang="ru-RU" sz="2000" dirty="0">
+              <a:solidFill>
+                <a:srgbClr val="000000"/>
+              </a:solidFill>
+              <a:latin typeface="Consolas" panose="020B0609020204030204" pitchFamily="49" charset="0"/>
+            </a:endParaRPr>
+          </a:p>
+          <a:p>
+            <a:r>
+              <a:rPr lang="en-US" sz="2000" dirty="0">
+                <a:solidFill>
+                  <a:srgbClr val="000000"/>
+                </a:solidFill>
+                <a:latin typeface="Consolas" panose="020B0609020204030204" pitchFamily="49" charset="0"/>
+              </a:rPr>
+              <a:t>    </a:t>
+            </a:r>
+            <a:r>
+              <a:rPr lang="en-US" sz="2000" dirty="0">
+                <a:solidFill>
+                  <a:srgbClr val="2B91AF"/>
+                </a:solidFill>
+                <a:latin typeface="Consolas" panose="020B0609020204030204" pitchFamily="49" charset="0"/>
+              </a:rPr>
+              <a:t>size_t</a:t>
+            </a:r>
+            <a:r>
+              <a:rPr lang="en-US" sz="2000" dirty="0">
+                <a:solidFill>
+                  <a:srgbClr val="000000"/>
+                </a:solidFill>
+                <a:latin typeface="Consolas" panose="020B0609020204030204" pitchFamily="49" charset="0"/>
+              </a:rPr>
+              <a:t> currentY = 1; </a:t>
+            </a:r>
+            <a:r>
+              <a:rPr lang="en-US" sz="2000" dirty="0">
+                <a:solidFill>
+                  <a:srgbClr val="008000"/>
+                </a:solidFill>
+                <a:latin typeface="Consolas" panose="020B0609020204030204" pitchFamily="49" charset="0"/>
+              </a:rPr>
+              <a:t>// 0 - граница, берём 1</a:t>
+            </a:r>
+            <a:endParaRPr lang="en-US" sz="2000" dirty="0">
+              <a:solidFill>
+                <a:srgbClr val="000000"/>
+              </a:solidFill>
+              <a:latin typeface="Consolas" panose="020B0609020204030204" pitchFamily="49" charset="0"/>
+            </a:endParaRPr>
+          </a:p>
+          <a:p>
+            <a:endParaRPr lang="ru-RU" sz="2000" dirty="0">
+              <a:solidFill>
+                <a:srgbClr val="000000"/>
+              </a:solidFill>
+              <a:latin typeface="Consolas" panose="020B0609020204030204" pitchFamily="49" charset="0"/>
+            </a:endParaRPr>
+          </a:p>
+          <a:p>
+            <a:r>
+              <a:rPr lang="en-US" sz="2000" dirty="0">
+                <a:solidFill>
+                  <a:srgbClr val="000000"/>
+                </a:solidFill>
+                <a:latin typeface="Consolas" panose="020B0609020204030204" pitchFamily="49" charset="0"/>
+              </a:rPr>
+              <a:t>    </a:t>
+            </a:r>
+            <a:endParaRPr lang="ru-RU" sz="2000" dirty="0"/>
+          </a:p>
+        </p:txBody>
+      </p:sp>
+    </p:spTree>
+    <p:extLst>
+      <p:ext uri="{BB962C8B-B14F-4D97-AF65-F5344CB8AC3E}">
+        <p14:creationId xmlns:p14="http://schemas.microsoft.com/office/powerpoint/2010/main" val="3952201763"/>
+      </p:ext>
+    </p:extLst>
+  </p:cSld>
+  <p:clrMapOvr>
+    <a:masterClrMapping/>
+  </p:clrMapOvr>
+</p:sld>
+</file>
+
 <file path=ppt/slides/slide8.xml><?xml version="1.0" encoding="utf-8"?>
 <p:sld xmlns:a="http://schemas.openxmlformats.org/drawingml/2006/main" xmlns:r="http://schemas.openxmlformats.org/officeDocument/2006/relationships" xmlns:p="http://schemas.openxmlformats.org/presentationml/2006/main">
   <p:cSld>
@@ -7290,7 +8133,7 @@
           <p:cNvPr id="4" name="Прямоугольник 3">
             <a:extLst>
               <a:ext uri="{FF2B5EF4-FFF2-40B4-BE49-F238E27FC236}">
-                <a16:creationId xmlns:a16="http://schemas.microsoft.com/office/drawing/2014/main" xmlns="" id="{88213514-88D4-4F0B-BF13-41739D4D2F0E}"/>
+                <a16:creationId xmlns="" xmlns:a16="http://schemas.microsoft.com/office/drawing/2014/main" id="{ACD123A0-37E4-43F8-BA23-CF6274D29C67}"/>
               </a:ext>
             </a:extLst>
           </p:cNvPr>
@@ -7299,8 +8142,8 @@
         </p:nvSpPr>
         <p:spPr>
           <a:xfrm>
-            <a:off x="1490767" y="1230616"/>
-            <a:ext cx="9667227" cy="5016758"/>
+            <a:off x="138716" y="973241"/>
+            <a:ext cx="12384911" cy="5324535"/>
           </a:xfrm>
           <a:prstGeom prst="rect">
             <a:avLst/>
@@ -7313,325 +8156,154 @@
           <a:lstStyle/>
           <a:p>
             <a:r>
-              <a:rPr lang="fr-FR" sz="2000" dirty="0">
+              <a:rPr lang="en-US" sz="2000" dirty="0">
+                <a:solidFill>
+                  <a:srgbClr val="0000FF"/>
+                </a:solidFill>
+                <a:latin typeface="Consolas" panose="020B0609020204030204" pitchFamily="49" charset="0"/>
+              </a:rPr>
+              <a:t>for</a:t>
+            </a:r>
+            <a:r>
+              <a:rPr lang="en-US" sz="2000" dirty="0">
+                <a:solidFill>
+                  <a:srgbClr val="000000"/>
+                </a:solidFill>
+                <a:latin typeface="Consolas" panose="020B0609020204030204" pitchFamily="49" charset="0"/>
+              </a:rPr>
+              <a:t> (</a:t>
+            </a:r>
+            <a:r>
+              <a:rPr lang="en-US" sz="2000" dirty="0">
+                <a:solidFill>
+                  <a:srgbClr val="2B91AF"/>
+                </a:solidFill>
+                <a:latin typeface="Consolas" panose="020B0609020204030204" pitchFamily="49" charset="0"/>
+              </a:rPr>
+              <a:t>size_t</a:t>
+            </a:r>
+            <a:r>
+              <a:rPr lang="en-US" sz="2000" dirty="0">
+                <a:solidFill>
+                  <a:srgbClr val="000000"/>
+                </a:solidFill>
+                <a:latin typeface="Consolas" panose="020B0609020204030204" pitchFamily="49" charset="0"/>
+              </a:rPr>
+              <a:t> s = </a:t>
+            </a:r>
+            <a:r>
+              <a:rPr lang="ru-RU" sz="2000" dirty="0" smtClean="0">
+                <a:solidFill>
+                  <a:srgbClr val="000000"/>
+                </a:solidFill>
+                <a:latin typeface="Consolas" panose="020B0609020204030204" pitchFamily="49" charset="0"/>
+              </a:rPr>
+              <a:t>3</a:t>
+            </a:r>
+            <a:r>
+              <a:rPr lang="en-US" sz="2000" dirty="0" smtClean="0">
+                <a:solidFill>
+                  <a:srgbClr val="000000"/>
+                </a:solidFill>
+                <a:latin typeface="Consolas" panose="020B0609020204030204" pitchFamily="49" charset="0"/>
+              </a:rPr>
+              <a:t>; </a:t>
+            </a:r>
+            <a:r>
+              <a:rPr lang="en-US" sz="2000" dirty="0">
+                <a:solidFill>
+                  <a:srgbClr val="000000"/>
+                </a:solidFill>
+                <a:latin typeface="Consolas" panose="020B0609020204030204" pitchFamily="49" charset="0"/>
+              </a:rPr>
+              <a:t>s &lt;= GridNx + GridNy + GridNz - 3; s++)</a:t>
+            </a:r>
+          </a:p>
+          <a:p>
+            <a:r>
+              <a:rPr lang="ru-RU" sz="2000" dirty="0">
+                <a:solidFill>
+                  <a:srgbClr val="000000"/>
+                </a:solidFill>
+                <a:latin typeface="Consolas" panose="020B0609020204030204" pitchFamily="49" charset="0"/>
+              </a:rPr>
+              <a:t>    {</a:t>
+            </a:r>
+          </a:p>
+          <a:p>
+            <a:r>
+              <a:rPr lang="en-US" sz="2000" dirty="0">
+                <a:solidFill>
+                  <a:srgbClr val="000000"/>
+                </a:solidFill>
+                <a:latin typeface="Consolas" panose="020B0609020204030204" pitchFamily="49" charset="0"/>
+              </a:rPr>
+              <a:t>        __syncthreads();</a:t>
+            </a:r>
+          </a:p>
+          <a:p>
+            <a:r>
+              <a:rPr lang="en-US" sz="2000" dirty="0">
+                <a:solidFill>
+                  <a:srgbClr val="000000"/>
+                </a:solidFill>
+                <a:latin typeface="Consolas" panose="020B0609020204030204" pitchFamily="49" charset="0"/>
+              </a:rPr>
+              <a:t>        </a:t>
+            </a:r>
+            <a:r>
+              <a:rPr lang="en-US" sz="2000" dirty="0">
+                <a:solidFill>
+                  <a:srgbClr val="0000FF"/>
+                </a:solidFill>
+                <a:latin typeface="Consolas" panose="020B0609020204030204" pitchFamily="49" charset="0"/>
+              </a:rPr>
+              <a:t>if</a:t>
+            </a:r>
+            <a:r>
+              <a:rPr lang="en-US" sz="2000" dirty="0">
+                <a:solidFill>
+                  <a:srgbClr val="000000"/>
+                </a:solidFill>
+                <a:latin typeface="Consolas" panose="020B0609020204030204" pitchFamily="49" charset="0"/>
+              </a:rPr>
+              <a:t> (idx_x + currentY + </a:t>
+            </a:r>
+            <a:r>
+              <a:rPr lang="en-US" sz="2000" dirty="0" smtClean="0">
+                <a:solidFill>
+                  <a:srgbClr val="000000"/>
+                </a:solidFill>
+                <a:latin typeface="Consolas" panose="020B0609020204030204" pitchFamily="49" charset="0"/>
+              </a:rPr>
+              <a:t>idx_z </a:t>
+            </a:r>
+            <a:r>
+              <a:rPr lang="en-US" sz="2000" dirty="0">
+                <a:solidFill>
+                  <a:srgbClr val="000000"/>
+                </a:solidFill>
+                <a:latin typeface="Consolas" panose="020B0609020204030204" pitchFamily="49" charset="0"/>
+              </a:rPr>
+              <a:t>== s &amp;&amp; s &lt; </a:t>
+            </a:r>
+            <a:r>
+              <a:rPr lang="en-US" sz="2000" dirty="0">
                 <a:solidFill>
                   <a:srgbClr val="6F008A"/>
                 </a:solidFill>
                 <a:latin typeface="Consolas" panose="020B0609020204030204" pitchFamily="49" charset="0"/>
               </a:rPr>
-              <a:t>__global__</a:t>
-            </a:r>
-            <a:r>
-              <a:rPr lang="fr-FR" sz="2000" dirty="0">
-                <a:solidFill>
-                  <a:srgbClr val="000000"/>
-                </a:solidFill>
-                <a:latin typeface="Consolas" panose="020B0609020204030204" pitchFamily="49" charset="0"/>
-              </a:rPr>
-              <a:t> </a:t>
-            </a:r>
-            <a:r>
-              <a:rPr lang="fr-FR" sz="2000" dirty="0">
-                <a:solidFill>
-                  <a:srgbClr val="0000FF"/>
-                </a:solidFill>
-                <a:latin typeface="Consolas" panose="020B0609020204030204" pitchFamily="49" charset="0"/>
-              </a:rPr>
-              <a:t>void</a:t>
-            </a:r>
-            <a:r>
-              <a:rPr lang="fr-FR" sz="2000" dirty="0">
-                <a:solidFill>
-                  <a:srgbClr val="000000"/>
-                </a:solidFill>
-                <a:latin typeface="Consolas" panose="020B0609020204030204" pitchFamily="49" charset="0"/>
-              </a:rPr>
-              <a:t> ptmKernel3(</a:t>
-            </a:r>
-            <a:r>
-              <a:rPr lang="fr-FR" sz="2000" dirty="0">
-                <a:solidFill>
-                  <a:srgbClr val="0000FF"/>
-                </a:solidFill>
-                <a:latin typeface="Consolas" panose="020B0609020204030204" pitchFamily="49" charset="0"/>
-              </a:rPr>
-              <a:t>double</a:t>
-            </a:r>
-            <a:r>
-              <a:rPr lang="fr-FR" sz="2000" dirty="0">
-                <a:solidFill>
-                  <a:srgbClr val="000000"/>
-                </a:solidFill>
-                <a:latin typeface="Consolas" panose="020B0609020204030204" pitchFamily="49" charset="0"/>
-              </a:rPr>
-              <a:t>* </a:t>
-            </a:r>
-            <a:r>
-              <a:rPr lang="fr-FR" sz="2000" dirty="0">
-                <a:solidFill>
-                  <a:srgbClr val="808080"/>
-                </a:solidFill>
-                <a:latin typeface="Consolas" panose="020B0609020204030204" pitchFamily="49" charset="0"/>
-              </a:rPr>
-              <a:t>r</a:t>
-            </a:r>
-            <a:r>
-              <a:rPr lang="fr-FR" sz="2000" dirty="0">
-                <a:solidFill>
-                  <a:srgbClr val="000000"/>
-                </a:solidFill>
-                <a:latin typeface="Consolas" panose="020B0609020204030204" pitchFamily="49" charset="0"/>
-              </a:rPr>
-              <a:t>, </a:t>
-            </a:r>
-            <a:r>
-              <a:rPr lang="fr-FR" sz="2000" dirty="0">
-                <a:solidFill>
-                  <a:srgbClr val="0000FF"/>
-                </a:solidFill>
-                <a:latin typeface="Consolas" panose="020B0609020204030204" pitchFamily="49" charset="0"/>
-              </a:rPr>
-              <a:t>double</a:t>
-            </a:r>
-            <a:r>
-              <a:rPr lang="fr-FR" sz="2000" dirty="0">
-                <a:solidFill>
-                  <a:srgbClr val="000000"/>
-                </a:solidFill>
-                <a:latin typeface="Consolas" panose="020B0609020204030204" pitchFamily="49" charset="0"/>
-              </a:rPr>
-              <a:t>* </a:t>
-            </a:r>
-            <a:r>
-              <a:rPr lang="fr-FR" sz="2000" dirty="0">
-                <a:solidFill>
-                  <a:srgbClr val="808080"/>
-                </a:solidFill>
-                <a:latin typeface="Consolas" panose="020B0609020204030204" pitchFamily="49" charset="0"/>
-              </a:rPr>
-              <a:t>c0</a:t>
-            </a:r>
-            <a:r>
-              <a:rPr lang="fr-FR" sz="2000" dirty="0">
-                <a:solidFill>
-                  <a:srgbClr val="000000"/>
-                </a:solidFill>
-                <a:latin typeface="Consolas" panose="020B0609020204030204" pitchFamily="49" charset="0"/>
-              </a:rPr>
-              <a:t>, </a:t>
-            </a:r>
-            <a:r>
-              <a:rPr lang="fr-FR" sz="2000" dirty="0">
-                <a:solidFill>
-                  <a:srgbClr val="0000FF"/>
-                </a:solidFill>
-                <a:latin typeface="Consolas" panose="020B0609020204030204" pitchFamily="49" charset="0"/>
-              </a:rPr>
-              <a:t>double</a:t>
-            </a:r>
-            <a:r>
-              <a:rPr lang="fr-FR" sz="2000" dirty="0">
-                <a:solidFill>
-                  <a:srgbClr val="000000"/>
-                </a:solidFill>
-                <a:latin typeface="Consolas" panose="020B0609020204030204" pitchFamily="49" charset="0"/>
-              </a:rPr>
-              <a:t>* </a:t>
-            </a:r>
-            <a:r>
-              <a:rPr lang="fr-FR" sz="2000" dirty="0">
-                <a:solidFill>
-                  <a:srgbClr val="808080"/>
-                </a:solidFill>
-                <a:latin typeface="Consolas" panose="020B0609020204030204" pitchFamily="49" charset="0"/>
-              </a:rPr>
-              <a:t>c2</a:t>
-            </a:r>
-            <a:r>
-              <a:rPr lang="fr-FR" sz="2000" dirty="0">
-                <a:solidFill>
-                  <a:srgbClr val="000000"/>
-                </a:solidFill>
-                <a:latin typeface="Consolas" panose="020B0609020204030204" pitchFamily="49" charset="0"/>
-              </a:rPr>
-              <a:t>,</a:t>
-            </a:r>
-          </a:p>
-          <a:p>
-            <a:r>
-              <a:rPr lang="fr-FR" sz="2000" dirty="0">
-                <a:solidFill>
-                  <a:srgbClr val="0000FF"/>
-                </a:solidFill>
-                <a:latin typeface="Consolas" panose="020B0609020204030204" pitchFamily="49" charset="0"/>
-              </a:rPr>
-              <a:t>double</a:t>
-            </a:r>
-            <a:r>
-              <a:rPr lang="fr-FR" sz="2000" dirty="0">
-                <a:solidFill>
-                  <a:srgbClr val="000000"/>
-                </a:solidFill>
-                <a:latin typeface="Consolas" panose="020B0609020204030204" pitchFamily="49" charset="0"/>
-              </a:rPr>
-              <a:t>* </a:t>
-            </a:r>
-            <a:r>
-              <a:rPr lang="fr-FR" sz="2000" dirty="0">
-                <a:solidFill>
-                  <a:srgbClr val="808080"/>
-                </a:solidFill>
-                <a:latin typeface="Consolas" panose="020B0609020204030204" pitchFamily="49" charset="0"/>
-              </a:rPr>
-              <a:t>c4</a:t>
-            </a:r>
-            <a:r>
-              <a:rPr lang="fr-FR" sz="2000" dirty="0">
-                <a:solidFill>
-                  <a:srgbClr val="000000"/>
-                </a:solidFill>
-                <a:latin typeface="Consolas" panose="020B0609020204030204" pitchFamily="49" charset="0"/>
-              </a:rPr>
-              <a:t>, </a:t>
-            </a:r>
-            <a:r>
-              <a:rPr lang="fr-FR" sz="2000" dirty="0">
-                <a:solidFill>
-                  <a:srgbClr val="0000FF"/>
-                </a:solidFill>
-                <a:latin typeface="Consolas" panose="020B0609020204030204" pitchFamily="49" charset="0"/>
-              </a:rPr>
-              <a:t>double</a:t>
-            </a:r>
-            <a:r>
-              <a:rPr lang="fr-FR" sz="2000" dirty="0">
-                <a:solidFill>
-                  <a:srgbClr val="000000"/>
-                </a:solidFill>
-                <a:latin typeface="Consolas" panose="020B0609020204030204" pitchFamily="49" charset="0"/>
-              </a:rPr>
-              <a:t>* </a:t>
-            </a:r>
-            <a:r>
-              <a:rPr lang="fr-FR" sz="2000" dirty="0">
-                <a:solidFill>
-                  <a:srgbClr val="808080"/>
-                </a:solidFill>
-                <a:latin typeface="Consolas" panose="020B0609020204030204" pitchFamily="49" charset="0"/>
-              </a:rPr>
-              <a:t>c6</a:t>
-            </a:r>
-            <a:r>
-              <a:rPr lang="fr-FR" sz="2000" dirty="0">
-                <a:solidFill>
-                  <a:srgbClr val="000000"/>
-                </a:solidFill>
-                <a:latin typeface="Consolas" panose="020B0609020204030204" pitchFamily="49" charset="0"/>
-              </a:rPr>
-              <a:t>, </a:t>
-            </a:r>
-            <a:r>
-              <a:rPr lang="fr-FR" sz="2000" dirty="0">
-                <a:solidFill>
-                  <a:srgbClr val="0000FF"/>
-                </a:solidFill>
-                <a:latin typeface="Consolas" panose="020B0609020204030204" pitchFamily="49" charset="0"/>
-              </a:rPr>
-              <a:t>double</a:t>
-            </a:r>
-            <a:r>
-              <a:rPr lang="fr-FR" sz="2000" dirty="0">
-                <a:solidFill>
-                  <a:srgbClr val="000000"/>
-                </a:solidFill>
-                <a:latin typeface="Consolas" panose="020B0609020204030204" pitchFamily="49" charset="0"/>
-              </a:rPr>
-              <a:t> </a:t>
-            </a:r>
-            <a:r>
-              <a:rPr lang="fr-FR" sz="2000" dirty="0">
-                <a:solidFill>
-                  <a:srgbClr val="808080"/>
-                </a:solidFill>
-                <a:latin typeface="Consolas" panose="020B0609020204030204" pitchFamily="49" charset="0"/>
-              </a:rPr>
-              <a:t>omega</a:t>
-            </a:r>
-            <a:r>
-              <a:rPr lang="fr-FR" sz="2000" dirty="0">
-                <a:solidFill>
-                  <a:srgbClr val="000000"/>
-                </a:solidFill>
-                <a:latin typeface="Consolas" panose="020B0609020204030204" pitchFamily="49" charset="0"/>
-              </a:rPr>
-              <a:t>)</a:t>
-            </a:r>
-          </a:p>
-          <a:p>
-            <a:r>
-              <a:rPr lang="ru-RU" sz="2000" dirty="0">
-                <a:solidFill>
-                  <a:srgbClr val="000000"/>
-                </a:solidFill>
-                <a:latin typeface="Consolas" panose="020B0609020204030204" pitchFamily="49" charset="0"/>
-              </a:rPr>
-              <a:t>{</a:t>
-            </a:r>
-          </a:p>
-          <a:p>
-            <a:r>
-              <a:rPr lang="en-US" sz="2000" dirty="0">
-                <a:solidFill>
-                  <a:srgbClr val="000000"/>
-                </a:solidFill>
-                <a:latin typeface="Consolas" panose="020B0609020204030204" pitchFamily="49" charset="0"/>
-              </a:rPr>
-              <a:t>    </a:t>
-            </a:r>
-            <a:r>
-              <a:rPr lang="en-US" sz="2000" dirty="0">
-                <a:solidFill>
-                  <a:srgbClr val="6F008A"/>
-                </a:solidFill>
-                <a:latin typeface="Consolas" panose="020B0609020204030204" pitchFamily="49" charset="0"/>
-              </a:rPr>
-              <a:t>__shared__</a:t>
-            </a:r>
-            <a:r>
-              <a:rPr lang="en-US" sz="2000" dirty="0">
-                <a:solidFill>
-                  <a:srgbClr val="000000"/>
-                </a:solidFill>
-                <a:latin typeface="Consolas" panose="020B0609020204030204" pitchFamily="49" charset="0"/>
-              </a:rPr>
-              <a:t> </a:t>
-            </a:r>
-            <a:r>
-              <a:rPr lang="en-US" sz="2000" dirty="0">
-                <a:solidFill>
-                  <a:srgbClr val="0000FF"/>
-                </a:solidFill>
-                <a:latin typeface="Consolas" panose="020B0609020204030204" pitchFamily="49" charset="0"/>
-              </a:rPr>
-              <a:t>double</a:t>
-            </a:r>
-            <a:r>
-              <a:rPr lang="en-US" sz="2000" dirty="0">
-                <a:solidFill>
-                  <a:srgbClr val="000000"/>
-                </a:solidFill>
-                <a:latin typeface="Consolas" panose="020B0609020204030204" pitchFamily="49" charset="0"/>
-              </a:rPr>
-              <a:t> cache[</a:t>
-            </a:r>
-            <a:r>
-              <a:rPr lang="en-US" sz="2000" dirty="0" err="1">
-                <a:solidFill>
-                  <a:srgbClr val="6F008A"/>
-                </a:solidFill>
-                <a:latin typeface="Consolas" panose="020B0609020204030204" pitchFamily="49" charset="0"/>
-              </a:rPr>
-              <a:t>BlockSizeX</a:t>
+              <a:t>GridNy</a:t>
+            </a:r>
+            <a:r>
+              <a:rPr lang="en-US" sz="2000" dirty="0">
+                <a:solidFill>
+                  <a:srgbClr val="000000"/>
+                </a:solidFill>
+                <a:latin typeface="Consolas" panose="020B0609020204030204" pitchFamily="49" charset="0"/>
+              </a:rPr>
+              <a:t> + idx_x + </a:t>
             </a:r>
             <a:r>
               <a:rPr lang="en-US" sz="2000" dirty="0" smtClean="0">
@@ -7640,25 +8312,7 @@
                 </a:solidFill>
                 <a:latin typeface="Consolas" panose="020B0609020204030204" pitchFamily="49" charset="0"/>
               </a:rPr>
-              <a:t>][</a:t>
-            </a:r>
-            <a:r>
-              <a:rPr lang="en-US" sz="2000" dirty="0" smtClean="0">
-                <a:solidFill>
-                  <a:srgbClr val="6F008A"/>
-                </a:solidFill>
-                <a:latin typeface="Consolas" panose="020B0609020204030204" pitchFamily="49" charset="0"/>
-              </a:rPr>
-              <a:t>BlockSizeZ</a:t>
-            </a:r>
-            <a:r>
-              <a:rPr lang="en-US" sz="2000" dirty="0" smtClean="0">
-                <a:solidFill>
-                  <a:srgbClr val="000000"/>
-                </a:solidFill>
-                <a:latin typeface="Consolas" panose="020B0609020204030204" pitchFamily="49" charset="0"/>
-              </a:rPr>
-              <a:t>];</a:t>
+              <a:t>idx_z)</a:t>
             </a:r>
             <a:endParaRPr lang="en-US" sz="2000" dirty="0">
               <a:solidFill>
@@ -7669,42 +8323,24 @@
           </a:p>
           <a:p>
             <a:r>
-              <a:rPr lang="en-US" sz="2000" dirty="0">
-                <a:solidFill>
-                  <a:srgbClr val="000000"/>
-                </a:solidFill>
-                <a:latin typeface="Consolas" panose="020B0609020204030204" pitchFamily="49" charset="0"/>
-              </a:rPr>
-              <a:t>    </a:t>
-            </a:r>
-          </a:p>
-          <a:p>
-            <a:r>
-              <a:rPr lang="en-US" sz="2000" dirty="0">
-                <a:solidFill>
-                  <a:srgbClr val="000000"/>
-                </a:solidFill>
-                <a:latin typeface="Consolas" panose="020B0609020204030204" pitchFamily="49" charset="0"/>
-              </a:rPr>
-              <a:t>    </a:t>
-            </a:r>
-            <a:r>
-              <a:rPr lang="en-US" sz="2000" dirty="0">
-                <a:solidFill>
-                  <a:srgbClr val="0000FF"/>
-                </a:solidFill>
-                <a:latin typeface="Consolas" panose="020B0609020204030204" pitchFamily="49" charset="0"/>
-              </a:rPr>
-              <a:t>const</a:t>
-            </a:r>
-            <a:r>
-              <a:rPr lang="en-US" sz="2000" dirty="0">
-                <a:solidFill>
-                  <a:srgbClr val="000000"/>
-                </a:solidFill>
-                <a:latin typeface="Consolas" panose="020B0609020204030204" pitchFamily="49" charset="0"/>
-              </a:rPr>
-              <a:t> </a:t>
+              <a:rPr lang="ru-RU" sz="2000" dirty="0">
+                <a:solidFill>
+                  <a:srgbClr val="000000"/>
+                </a:solidFill>
+                <a:latin typeface="Consolas" panose="020B0609020204030204" pitchFamily="49" charset="0"/>
+              </a:rPr>
+              <a:t>        {</a:t>
+            </a:r>
+          </a:p>
+          <a:p>
+            <a:r>
+              <a:rPr lang="en-US" sz="2000" dirty="0">
+                <a:solidFill>
+                  <a:srgbClr val="000000"/>
+                </a:solidFill>
+                <a:latin typeface="Consolas" panose="020B0609020204030204" pitchFamily="49" charset="0"/>
+              </a:rPr>
+              <a:t>            </a:t>
             </a:r>
             <a:r>
               <a:rPr lang="en-US" sz="2000" dirty="0">
@@ -7722,54 +8358,43 @@
                 </a:solidFill>
                 <a:latin typeface="Consolas" panose="020B0609020204030204" pitchFamily="49" charset="0"/>
               </a:rPr>
-              <a:t> threadX = blockDim.x * blockIdx.x + threadIdx.x;</a:t>
-            </a:r>
-          </a:p>
-          <a:p>
-            <a:r>
-              <a:rPr lang="en-US" sz="2000" dirty="0">
-                <a:solidFill>
-                  <a:srgbClr val="000000"/>
-                </a:solidFill>
-                <a:latin typeface="Consolas" panose="020B0609020204030204" pitchFamily="49" charset="0"/>
-              </a:rPr>
-              <a:t>    </a:t>
-            </a:r>
-            <a:r>
-              <a:rPr lang="en-US" sz="2000" dirty="0">
-                <a:solidFill>
-                  <a:srgbClr val="0000FF"/>
-                </a:solidFill>
-                <a:latin typeface="Consolas" panose="020B0609020204030204" pitchFamily="49" charset="0"/>
-              </a:rPr>
-              <a:t>const</a:t>
-            </a:r>
-            <a:r>
-              <a:rPr lang="en-US" sz="2000" dirty="0">
-                <a:solidFill>
-                  <a:srgbClr val="000000"/>
-                </a:solidFill>
-                <a:latin typeface="Consolas" panose="020B0609020204030204" pitchFamily="49" charset="0"/>
-              </a:rPr>
-              <a:t> </a:t>
-            </a:r>
-            <a:r>
-              <a:rPr lang="en-US" sz="2000" dirty="0">
-                <a:solidFill>
-                  <a:srgbClr val="2B91AF"/>
-                </a:solidFill>
-                <a:latin typeface="Consolas" panose="020B0609020204030204" pitchFamily="49" charset="0"/>
-              </a:rPr>
-              <a:t>size_t</a:t>
-            </a:r>
-            <a:r>
-              <a:rPr lang="en-US" sz="2000" dirty="0">
-                <a:solidFill>
-                  <a:srgbClr val="000000"/>
-                </a:solidFill>
-                <a:latin typeface="Consolas" panose="020B0609020204030204" pitchFamily="49" charset="0"/>
-              </a:rPr>
-              <a:t> </a:t>
+              <a:t> nodeIndex = idx_x + (</a:t>
+            </a:r>
+            <a:r>
+              <a:rPr lang="en-US" sz="2000" dirty="0">
+                <a:solidFill>
+                  <a:srgbClr val="6F008A"/>
+                </a:solidFill>
+                <a:latin typeface="Consolas" panose="020B0609020204030204" pitchFamily="49" charset="0"/>
+              </a:rPr>
+              <a:t>BlockSizeX</a:t>
+            </a:r>
+            <a:r>
+              <a:rPr lang="en-US" sz="2000" dirty="0">
+                <a:solidFill>
+                  <a:srgbClr val="000000"/>
+                </a:solidFill>
+                <a:latin typeface="Consolas" panose="020B0609020204030204" pitchFamily="49" charset="0"/>
+              </a:rPr>
+              <a:t> + 1) * currentY + </a:t>
+            </a:r>
+            <a:r>
+              <a:rPr lang="en-US" sz="2000" dirty="0">
+                <a:solidFill>
+                  <a:srgbClr val="6F008A"/>
+                </a:solidFill>
+                <a:latin typeface="Consolas" panose="020B0609020204030204" pitchFamily="49" charset="0"/>
+              </a:rPr>
+              <a:t>GridXY</a:t>
+            </a:r>
+            <a:r>
+              <a:rPr lang="en-US" sz="2000" dirty="0">
+                <a:solidFill>
+                  <a:srgbClr val="000000"/>
+                </a:solidFill>
+                <a:latin typeface="Consolas" panose="020B0609020204030204" pitchFamily="49" charset="0"/>
+              </a:rPr>
+              <a:t> * </a:t>
             </a:r>
             <a:r>
               <a:rPr lang="en-US" sz="2000" dirty="0" smtClean="0">
@@ -7778,61 +8403,7 @@
                 </a:solidFill>
                 <a:latin typeface="Consolas" panose="020B0609020204030204" pitchFamily="49" charset="0"/>
               </a:rPr>
-              <a:t>threadZ </a:t>
-            </a:r>
-            <a:r>
-              <a:rPr lang="en-US" sz="2000" dirty="0">
-                <a:solidFill>
-                  <a:srgbClr val="000000"/>
-                </a:solidFill>
-                <a:latin typeface="Consolas" panose="020B0609020204030204" pitchFamily="49" charset="0"/>
-              </a:rPr>
-              <a:t>= </a:t>
-            </a:r>
-            <a:r>
-              <a:rPr lang="en-US" sz="2000" dirty="0" smtClean="0">
-                <a:solidFill>
-                  <a:srgbClr val="000000"/>
-                </a:solidFill>
-                <a:latin typeface="Consolas" panose="020B0609020204030204" pitchFamily="49" charset="0"/>
-              </a:rPr>
-              <a:t>blockDim.z </a:t>
-            </a:r>
-            <a:r>
-              <a:rPr lang="en-US" sz="2000" dirty="0">
-                <a:solidFill>
-                  <a:srgbClr val="000000"/>
-                </a:solidFill>
-                <a:latin typeface="Consolas" panose="020B0609020204030204" pitchFamily="49" charset="0"/>
-              </a:rPr>
-              <a:t>* </a:t>
-            </a:r>
-            <a:r>
-              <a:rPr lang="en-US" sz="2000" dirty="0" smtClean="0">
-                <a:solidFill>
-                  <a:srgbClr val="000000"/>
-                </a:solidFill>
-                <a:latin typeface="Consolas" panose="020B0609020204030204" pitchFamily="49" charset="0"/>
-              </a:rPr>
-              <a:t>blockIdx.z </a:t>
-            </a:r>
-            <a:r>
-              <a:rPr lang="en-US" sz="2000" dirty="0">
-                <a:solidFill>
-                  <a:srgbClr val="000000"/>
-                </a:solidFill>
-                <a:latin typeface="Consolas" panose="020B0609020204030204" pitchFamily="49" charset="0"/>
-              </a:rPr>
-              <a:t>+ </a:t>
-            </a:r>
-            <a:r>
-              <a:rPr lang="en-US" sz="2000" dirty="0" smtClean="0">
-                <a:solidFill>
-                  <a:srgbClr val="000000"/>
-                </a:solidFill>
-                <a:latin typeface="Consolas" panose="020B0609020204030204" pitchFamily="49" charset="0"/>
-              </a:rPr>
-              <a:t>threadIdx.z;</a:t>
+              <a:t>idx_z;</a:t>
             </a:r>
             <a:endParaRPr lang="en-US" sz="2000" dirty="0">
               <a:solidFill>
@@ -7851,23 +8422,34 @@
           </a:p>
           <a:p>
             <a:r>
-              <a:rPr lang="ru-RU" sz="2000" dirty="0">
-                <a:solidFill>
-                  <a:srgbClr val="000000"/>
-                </a:solidFill>
-                <a:latin typeface="Consolas" panose="020B0609020204030204" pitchFamily="49" charset="0"/>
-              </a:rPr>
-              <a:t>    </a:t>
-            </a:r>
-            <a:r>
-              <a:rPr lang="ru-RU" sz="2000" dirty="0">
-                <a:solidFill>
-                  <a:srgbClr val="008000"/>
-                </a:solidFill>
-                <a:latin typeface="Consolas" panose="020B0609020204030204" pitchFamily="49" charset="0"/>
-              </a:rPr>
-              <a:t>// Индекс строки, которую обрабатывает текущий поток </a:t>
-            </a:r>
+              <a:rPr lang="en-US" sz="2000" dirty="0">
+                <a:solidFill>
+                  <a:srgbClr val="000000"/>
+                </a:solidFill>
+                <a:latin typeface="Consolas" panose="020B0609020204030204" pitchFamily="49" charset="0"/>
+              </a:rPr>
+              <a:t>            </a:t>
+            </a:r>
+            <a:r>
+              <a:rPr lang="en-US" sz="2000" dirty="0">
+                <a:solidFill>
+                  <a:srgbClr val="2B91AF"/>
+                </a:solidFill>
+                <a:latin typeface="Consolas" panose="020B0609020204030204" pitchFamily="49" charset="0"/>
+              </a:rPr>
+              <a:t>size_t</a:t>
+            </a:r>
+            <a:r>
+              <a:rPr lang="en-US" sz="2000" dirty="0">
+                <a:solidFill>
+                  <a:srgbClr val="000000"/>
+                </a:solidFill>
+                <a:latin typeface="Consolas" panose="020B0609020204030204" pitchFamily="49" charset="0"/>
+              </a:rPr>
+              <a:t> m0 = nodeIndex;</a:t>
+            </a:r>
+          </a:p>
+          <a:p>
             <a:endParaRPr lang="ru-RU" sz="2000" dirty="0">
               <a:solidFill>
                 <a:srgbClr val="000000"/>
@@ -7883,7 +8465,7 @@
                 </a:solidFill>
                 <a:latin typeface="Consolas" panose="020B0609020204030204" pitchFamily="49" charset="0"/>
               </a:rPr>
-              <a:t>    </a:t>
+              <a:t>            </a:t>
             </a:r>
             <a:r>
               <a:rPr lang="en-US" sz="2000" dirty="0">
@@ -7892,16 +8474,85 @@
                 </a:solidFill>
                 <a:latin typeface="Consolas" panose="020B0609020204030204" pitchFamily="49" charset="0"/>
               </a:rPr>
-              <a:t>const</a:t>
-            </a:r>
-            <a:r>
-              <a:rPr lang="en-US" sz="2000" dirty="0">
-                <a:solidFill>
-                  <a:srgbClr val="000000"/>
-                </a:solidFill>
-                <a:latin typeface="Consolas" panose="020B0609020204030204" pitchFamily="49" charset="0"/>
-              </a:rPr>
-              <a:t> </a:t>
+              <a:t>double</a:t>
+            </a:r>
+            <a:r>
+              <a:rPr lang="en-US" sz="2000" dirty="0">
+                <a:solidFill>
+                  <a:srgbClr val="000000"/>
+                </a:solidFill>
+                <a:latin typeface="Consolas" panose="020B0609020204030204" pitchFamily="49" charset="0"/>
+              </a:rPr>
+              <a:t> c0m0 = </a:t>
+            </a:r>
+            <a:r>
+              <a:rPr lang="en-US" sz="2000" dirty="0">
+                <a:solidFill>
+                  <a:srgbClr val="808080"/>
+                </a:solidFill>
+                <a:latin typeface="Consolas" panose="020B0609020204030204" pitchFamily="49" charset="0"/>
+              </a:rPr>
+              <a:t>c0</a:t>
+            </a:r>
+            <a:r>
+              <a:rPr lang="en-US" sz="2000" dirty="0">
+                <a:solidFill>
+                  <a:srgbClr val="000000"/>
+                </a:solidFill>
+                <a:latin typeface="Consolas" panose="020B0609020204030204" pitchFamily="49" charset="0"/>
+              </a:rPr>
+              <a:t>[m0];</a:t>
+            </a:r>
+          </a:p>
+          <a:p>
+            <a:r>
+              <a:rPr lang="en-US" sz="2000" dirty="0">
+                <a:solidFill>
+                  <a:srgbClr val="000000"/>
+                </a:solidFill>
+                <a:latin typeface="Consolas" panose="020B0609020204030204" pitchFamily="49" charset="0"/>
+              </a:rPr>
+              <a:t>            </a:t>
+            </a:r>
+            <a:r>
+              <a:rPr lang="en-US" sz="2000" dirty="0">
+                <a:solidFill>
+                  <a:srgbClr val="0000FF"/>
+                </a:solidFill>
+                <a:latin typeface="Consolas" panose="020B0609020204030204" pitchFamily="49" charset="0"/>
+              </a:rPr>
+              <a:t>if</a:t>
+            </a:r>
+            <a:r>
+              <a:rPr lang="en-US" sz="2000" dirty="0">
+                <a:solidFill>
+                  <a:srgbClr val="000000"/>
+                </a:solidFill>
+                <a:latin typeface="Consolas" panose="020B0609020204030204" pitchFamily="49" charset="0"/>
+              </a:rPr>
+              <a:t> (c0m0 &gt; 0)</a:t>
+            </a:r>
+          </a:p>
+          <a:p>
+            <a:r>
+              <a:rPr lang="ru-RU" sz="2000" dirty="0">
+                <a:solidFill>
+                  <a:srgbClr val="000000"/>
+                </a:solidFill>
+                <a:latin typeface="Consolas" panose="020B0609020204030204" pitchFamily="49" charset="0"/>
+              </a:rPr>
+              <a:t>            {</a:t>
+            </a:r>
+          </a:p>
+          <a:p>
+            <a:r>
+              <a:rPr lang="en-US" sz="2000" dirty="0">
+                <a:solidFill>
+                  <a:srgbClr val="000000"/>
+                </a:solidFill>
+                <a:latin typeface="Consolas" panose="020B0609020204030204" pitchFamily="49" charset="0"/>
+              </a:rPr>
+              <a:t>                </a:t>
             </a:r>
             <a:r>
               <a:rPr lang="en-US" sz="2000" dirty="0">
@@ -7919,28 +8570,104 @@
                 </a:solidFill>
                 <a:latin typeface="Consolas" panose="020B0609020204030204" pitchFamily="49" charset="0"/>
               </a:rPr>
-              <a:t> idx_x = threadX + 1;</a:t>
-            </a:r>
-          </a:p>
-          <a:p>
-            <a:r>
-              <a:rPr lang="ru-RU" sz="2000" dirty="0">
-                <a:solidFill>
-                  <a:srgbClr val="000000"/>
-                </a:solidFill>
-                <a:latin typeface="Consolas" panose="020B0609020204030204" pitchFamily="49" charset="0"/>
-              </a:rPr>
-              <a:t>    </a:t>
-            </a:r>
-            <a:r>
-              <a:rPr lang="ru-RU" sz="2000" dirty="0">
-                <a:solidFill>
-                  <a:srgbClr val="008000"/>
-                </a:solidFill>
-                <a:latin typeface="Consolas" panose="020B0609020204030204" pitchFamily="49" charset="0"/>
-              </a:rPr>
-              <a:t>// Индекс слоя, который обрабатывает текущий поток </a:t>
-            </a:r>
+              <a:t> m2 = m0 - 1;</a:t>
+            </a:r>
+          </a:p>
+          <a:p>
+            <a:r>
+              <a:rPr lang="en-US" sz="2000" dirty="0">
+                <a:solidFill>
+                  <a:srgbClr val="000000"/>
+                </a:solidFill>
+                <a:latin typeface="Consolas" panose="020B0609020204030204" pitchFamily="49" charset="0"/>
+              </a:rPr>
+              <a:t>                </a:t>
+            </a:r>
+            <a:r>
+              <a:rPr lang="en-US" sz="2000" dirty="0">
+                <a:solidFill>
+                  <a:srgbClr val="2B91AF"/>
+                </a:solidFill>
+                <a:latin typeface="Consolas" panose="020B0609020204030204" pitchFamily="49" charset="0"/>
+              </a:rPr>
+              <a:t>size_t</a:t>
+            </a:r>
+            <a:r>
+              <a:rPr lang="en-US" sz="2000" dirty="0">
+                <a:solidFill>
+                  <a:srgbClr val="000000"/>
+                </a:solidFill>
+                <a:latin typeface="Consolas" panose="020B0609020204030204" pitchFamily="49" charset="0"/>
+              </a:rPr>
+              <a:t> m4 = m0 - </a:t>
+            </a:r>
+            <a:r>
+              <a:rPr lang="en-US" sz="2000" dirty="0">
+                <a:solidFill>
+                  <a:srgbClr val="6F008A"/>
+                </a:solidFill>
+                <a:latin typeface="Consolas" panose="020B0609020204030204" pitchFamily="49" charset="0"/>
+              </a:rPr>
+              <a:t>GridNx</a:t>
+            </a:r>
+            <a:r>
+              <a:rPr lang="en-US" sz="2000" dirty="0">
+                <a:solidFill>
+                  <a:srgbClr val="000000"/>
+                </a:solidFill>
+                <a:latin typeface="Consolas" panose="020B0609020204030204" pitchFamily="49" charset="0"/>
+              </a:rPr>
+              <a:t>;</a:t>
+            </a:r>
+          </a:p>
+          <a:p>
+            <a:r>
+              <a:rPr lang="en-US" sz="2000" dirty="0">
+                <a:solidFill>
+                  <a:srgbClr val="000000"/>
+                </a:solidFill>
+                <a:latin typeface="Consolas" panose="020B0609020204030204" pitchFamily="49" charset="0"/>
+              </a:rPr>
+              <a:t>                </a:t>
+            </a:r>
+            <a:r>
+              <a:rPr lang="en-US" sz="2000" dirty="0">
+                <a:solidFill>
+                  <a:srgbClr val="2B91AF"/>
+                </a:solidFill>
+                <a:latin typeface="Consolas" panose="020B0609020204030204" pitchFamily="49" charset="0"/>
+              </a:rPr>
+              <a:t>size_t</a:t>
+            </a:r>
+            <a:r>
+              <a:rPr lang="en-US" sz="2000" dirty="0">
+                <a:solidFill>
+                  <a:srgbClr val="000000"/>
+                </a:solidFill>
+                <a:latin typeface="Consolas" panose="020B0609020204030204" pitchFamily="49" charset="0"/>
+              </a:rPr>
+              <a:t> m6 = m0 - </a:t>
+            </a:r>
+            <a:r>
+              <a:rPr lang="en-US" sz="2000" dirty="0">
+                <a:solidFill>
+                  <a:srgbClr val="6F008A"/>
+                </a:solidFill>
+                <a:latin typeface="Consolas" panose="020B0609020204030204" pitchFamily="49" charset="0"/>
+              </a:rPr>
+              <a:t>GridXY</a:t>
+            </a:r>
+            <a:r>
+              <a:rPr lang="en-US" sz="2000" dirty="0">
+                <a:solidFill>
+                  <a:srgbClr val="000000"/>
+                </a:solidFill>
+                <a:latin typeface="Consolas" panose="020B0609020204030204" pitchFamily="49" charset="0"/>
+              </a:rPr>
+              <a:t>;</a:t>
+            </a:r>
+          </a:p>
+          <a:p>
             <a:endParaRPr lang="ru-RU" sz="2000" dirty="0">
               <a:solidFill>
                 <a:srgbClr val="000000"/>
@@ -7956,150 +8683,7 @@
                 </a:solidFill>
                 <a:latin typeface="Consolas" panose="020B0609020204030204" pitchFamily="49" charset="0"/>
               </a:rPr>
-              <a:t>    </a:t>
-            </a:r>
-            <a:r>
-              <a:rPr lang="en-US" sz="2000" dirty="0">
-                <a:solidFill>
-                  <a:srgbClr val="0000FF"/>
-                </a:solidFill>
-                <a:latin typeface="Consolas" panose="020B0609020204030204" pitchFamily="49" charset="0"/>
-              </a:rPr>
-              <a:t>const</a:t>
-            </a:r>
-            <a:r>
-              <a:rPr lang="en-US" sz="2000" dirty="0">
-                <a:solidFill>
-                  <a:srgbClr val="000000"/>
-                </a:solidFill>
-                <a:latin typeface="Consolas" panose="020B0609020204030204" pitchFamily="49" charset="0"/>
-              </a:rPr>
-              <a:t> </a:t>
-            </a:r>
-            <a:r>
-              <a:rPr lang="en-US" sz="2000" dirty="0">
-                <a:solidFill>
-                  <a:srgbClr val="2B91AF"/>
-                </a:solidFill>
-                <a:latin typeface="Consolas" panose="020B0609020204030204" pitchFamily="49" charset="0"/>
-              </a:rPr>
-              <a:t>size_t</a:t>
-            </a:r>
-            <a:r>
-              <a:rPr lang="en-US" sz="2000" dirty="0">
-                <a:solidFill>
-                  <a:srgbClr val="000000"/>
-                </a:solidFill>
-                <a:latin typeface="Consolas" panose="020B0609020204030204" pitchFamily="49" charset="0"/>
-              </a:rPr>
-              <a:t> </a:t>
-            </a:r>
-            <a:r>
-              <a:rPr lang="en-US" sz="2000" dirty="0" smtClean="0">
-                <a:solidFill>
-                  <a:srgbClr val="000000"/>
-                </a:solidFill>
-                <a:latin typeface="Consolas" panose="020B0609020204030204" pitchFamily="49" charset="0"/>
-              </a:rPr>
-              <a:t>idx_z </a:t>
-            </a:r>
-            <a:r>
-              <a:rPr lang="en-US" sz="2000" dirty="0">
-                <a:solidFill>
-                  <a:srgbClr val="000000"/>
-                </a:solidFill>
-                <a:latin typeface="Consolas" panose="020B0609020204030204" pitchFamily="49" charset="0"/>
-              </a:rPr>
-              <a:t>= </a:t>
-            </a:r>
-            <a:r>
-              <a:rPr lang="en-US" sz="2000" dirty="0" smtClean="0">
-                <a:solidFill>
-                  <a:srgbClr val="000000"/>
-                </a:solidFill>
-                <a:latin typeface="Consolas" panose="020B0609020204030204" pitchFamily="49" charset="0"/>
-              </a:rPr>
-              <a:t>threadZ </a:t>
-            </a:r>
-            <a:r>
-              <a:rPr lang="en-US" sz="2000" dirty="0">
-                <a:solidFill>
-                  <a:srgbClr val="000000"/>
-                </a:solidFill>
-                <a:latin typeface="Consolas" panose="020B0609020204030204" pitchFamily="49" charset="0"/>
-              </a:rPr>
-              <a:t>+ 1;</a:t>
-            </a:r>
-          </a:p>
-          <a:p>
-            <a:endParaRPr lang="ru-RU" sz="2000" dirty="0">
-              <a:solidFill>
-                <a:srgbClr val="000000"/>
-              </a:solidFill>
-              <a:latin typeface="Consolas" panose="020B0609020204030204" pitchFamily="49" charset="0"/>
-            </a:endParaRPr>
-          </a:p>
-          <a:p>
-            <a:r>
-              <a:rPr lang="en-US" sz="2000" dirty="0">
-                <a:solidFill>
-                  <a:srgbClr val="000000"/>
-                </a:solidFill>
-                <a:latin typeface="Consolas" panose="020B0609020204030204" pitchFamily="49" charset="0"/>
-              </a:rPr>
-              <a:t>    </a:t>
-            </a:r>
-            <a:r>
-              <a:rPr lang="en-US" sz="2000" dirty="0">
-                <a:solidFill>
-                  <a:srgbClr val="2B91AF"/>
-                </a:solidFill>
-                <a:latin typeface="Consolas" panose="020B0609020204030204" pitchFamily="49" charset="0"/>
-              </a:rPr>
-              <a:t>size_t</a:t>
-            </a:r>
-            <a:r>
-              <a:rPr lang="en-US" sz="2000" dirty="0">
-                <a:solidFill>
-                  <a:srgbClr val="000000"/>
-                </a:solidFill>
-                <a:latin typeface="Consolas" panose="020B0609020204030204" pitchFamily="49" charset="0"/>
-              </a:rPr>
-              <a:t> currentY = 1; </a:t>
-            </a:r>
-            <a:r>
-              <a:rPr lang="en-US" sz="2000" dirty="0">
-                <a:solidFill>
-                  <a:srgbClr val="008000"/>
-                </a:solidFill>
-                <a:latin typeface="Consolas" panose="020B0609020204030204" pitchFamily="49" charset="0"/>
-              </a:rPr>
-              <a:t>// 0 - граница, берём 1</a:t>
-            </a:r>
-            <a:endParaRPr lang="en-US" sz="2000" dirty="0">
-              <a:solidFill>
-                <a:srgbClr val="000000"/>
-              </a:solidFill>
-              <a:latin typeface="Consolas" panose="020B0609020204030204" pitchFamily="49" charset="0"/>
-            </a:endParaRPr>
-          </a:p>
-          <a:p>
-            <a:endParaRPr lang="ru-RU" sz="2000" dirty="0">
-              <a:solidFill>
-                <a:srgbClr val="000000"/>
-              </a:solidFill>
-              <a:latin typeface="Consolas" panose="020B0609020204030204" pitchFamily="49" charset="0"/>
-            </a:endParaRPr>
-          </a:p>
-          <a:p>
-            <a:r>
-              <a:rPr lang="en-US" sz="2000" dirty="0">
-                <a:solidFill>
-                  <a:srgbClr val="000000"/>
-                </a:solidFill>
-                <a:latin typeface="Consolas" panose="020B0609020204030204" pitchFamily="49" charset="0"/>
-              </a:rPr>
-              <a:t>    </a:t>
+              <a:t>                </a:t>
             </a:r>
             <a:endParaRPr lang="ru-RU" sz="2000" dirty="0"/>
           </a:p>
@@ -8108,7 +8692,7 @@
     </p:spTree>
     <p:extLst>
       <p:ext uri="{BB962C8B-B14F-4D97-AF65-F5344CB8AC3E}">
-        <p14:creationId xmlns:p14="http://schemas.microsoft.com/office/powerpoint/2010/main" val="3952201763"/>
+        <p14:creationId xmlns:p14="http://schemas.microsoft.com/office/powerpoint/2010/main" val="1117047287"/>
       </p:ext>
     </p:extLst>
   </p:cSld>
@@ -8140,7 +8724,7 @@
           <p:cNvPr id="4" name="Прямоугольник 3">
             <a:extLst>
               <a:ext uri="{FF2B5EF4-FFF2-40B4-BE49-F238E27FC236}">
-                <a16:creationId xmlns:a16="http://schemas.microsoft.com/office/drawing/2014/main" xmlns="" id="{ACD123A0-37E4-43F8-BA23-CF6274D29C67}"/>
+                <a16:creationId xmlns="" xmlns:a16="http://schemas.microsoft.com/office/drawing/2014/main" id="{E1028892-F7A5-4AD9-8241-0AC06DB80118}"/>
               </a:ext>
             </a:extLst>
           </p:cNvPr>
@@ -8149,8 +8733,8 @@
         </p:nvSpPr>
         <p:spPr>
           <a:xfrm>
-            <a:off x="138716" y="973241"/>
-            <a:ext cx="12384911" cy="5324535"/>
+            <a:off x="580753" y="38919"/>
+            <a:ext cx="11335474" cy="6863417"/>
           </a:xfrm>
           <a:prstGeom prst="rect">
             <a:avLst/>
@@ -8169,43 +8753,45 @@
                 </a:solidFill>
                 <a:latin typeface="Consolas" panose="020B0609020204030204" pitchFamily="49" charset="0"/>
               </a:rPr>
-              <a:t>for</a:t>
-            </a:r>
-            <a:r>
-              <a:rPr lang="en-US" sz="2000" dirty="0">
-                <a:solidFill>
-                  <a:srgbClr val="000000"/>
-                </a:solidFill>
-                <a:latin typeface="Consolas" panose="020B0609020204030204" pitchFamily="49" charset="0"/>
-              </a:rPr>
-              <a:t> (</a:t>
-            </a:r>
-            <a:r>
-              <a:rPr lang="en-US" sz="2000" dirty="0">
-                <a:solidFill>
-                  <a:srgbClr val="2B91AF"/>
-                </a:solidFill>
-                <a:latin typeface="Consolas" panose="020B0609020204030204" pitchFamily="49" charset="0"/>
-              </a:rPr>
-              <a:t>size_t</a:t>
-            </a:r>
-            <a:r>
-              <a:rPr lang="en-US" sz="2000" dirty="0">
-                <a:solidFill>
-                  <a:srgbClr val="000000"/>
-                </a:solidFill>
-                <a:latin typeface="Consolas" panose="020B0609020204030204" pitchFamily="49" charset="0"/>
-              </a:rPr>
-              <a:t> s = </a:t>
-            </a:r>
-            <a:r>
-              <a:rPr lang="ru-RU" sz="2000" dirty="0" smtClean="0">
-                <a:solidFill>
-                  <a:srgbClr val="000000"/>
-                </a:solidFill>
-                <a:latin typeface="Consolas" panose="020B0609020204030204" pitchFamily="49" charset="0"/>
-              </a:rPr>
-              <a:t>3</a:t>
+              <a:t>				   double</a:t>
+            </a:r>
+            <a:r>
+              <a:rPr lang="en-US" sz="2000" dirty="0">
+                <a:solidFill>
+                  <a:srgbClr val="000000"/>
+                </a:solidFill>
+                <a:latin typeface="Consolas" panose="020B0609020204030204" pitchFamily="49" charset="0"/>
+              </a:rPr>
+              <a:t> rm4 = 0;</a:t>
+            </a:r>
+          </a:p>
+          <a:p>
+            <a:r>
+              <a:rPr lang="en-US" sz="2000" dirty="0">
+                <a:solidFill>
+                  <a:srgbClr val="000000"/>
+                </a:solidFill>
+                <a:latin typeface="Consolas" panose="020B0609020204030204" pitchFamily="49" charset="0"/>
+              </a:rPr>
+              <a:t>                </a:t>
+            </a:r>
+            <a:r>
+              <a:rPr lang="en-US" sz="2000" dirty="0">
+                <a:solidFill>
+                  <a:srgbClr val="0000FF"/>
+                </a:solidFill>
+                <a:latin typeface="Consolas" panose="020B0609020204030204" pitchFamily="49" charset="0"/>
+              </a:rPr>
+              <a:t>if</a:t>
+            </a:r>
+            <a:r>
+              <a:rPr lang="en-US" sz="2000" dirty="0">
+                <a:solidFill>
+                  <a:srgbClr val="000000"/>
+                </a:solidFill>
+                <a:latin typeface="Consolas" panose="020B0609020204030204" pitchFamily="49" charset="0"/>
+              </a:rPr>
+              <a:t> (s &gt; 3 + threadX + </a:t>
             </a:r>
             <a:r>
               <a:rPr lang="en-US" sz="2000" dirty="0" smtClean="0">
@@ -8214,112 +8800,7 @@
                 </a:solidFill>
                 <a:latin typeface="Consolas" panose="020B0609020204030204" pitchFamily="49" charset="0"/>
               </a:rPr>
-              <a:t>; </a:t>
-            </a:r>
-            <a:r>
-              <a:rPr lang="en-US" sz="2000" dirty="0">
-                <a:solidFill>
-                  <a:srgbClr val="000000"/>
-                </a:solidFill>
-                <a:latin typeface="Consolas" panose="020B0609020204030204" pitchFamily="49" charset="0"/>
-              </a:rPr>
-              <a:t>s &lt;= GridNx + GridNy + GridNz - 3; s++)</a:t>
-            </a:r>
-          </a:p>
-          <a:p>
-            <a:r>
-              <a:rPr lang="ru-RU" sz="2000" dirty="0">
-                <a:solidFill>
-                  <a:srgbClr val="000000"/>
-                </a:solidFill>
-                <a:latin typeface="Consolas" panose="020B0609020204030204" pitchFamily="49" charset="0"/>
-              </a:rPr>
-              <a:t>    {</a:t>
-            </a:r>
-          </a:p>
-          <a:p>
-            <a:r>
-              <a:rPr lang="en-US" sz="2000" dirty="0">
-                <a:solidFill>
-                  <a:srgbClr val="000000"/>
-                </a:solidFill>
-                <a:latin typeface="Consolas" panose="020B0609020204030204" pitchFamily="49" charset="0"/>
-              </a:rPr>
-              <a:t>        __syncthreads();</a:t>
-            </a:r>
-          </a:p>
-          <a:p>
-            <a:r>
-              <a:rPr lang="en-US" sz="2000" dirty="0">
-                <a:solidFill>
-                  <a:srgbClr val="000000"/>
-                </a:solidFill>
-                <a:latin typeface="Consolas" panose="020B0609020204030204" pitchFamily="49" charset="0"/>
-              </a:rPr>
-              <a:t>        </a:t>
-            </a:r>
-            <a:r>
-              <a:rPr lang="en-US" sz="2000" dirty="0">
-                <a:solidFill>
-                  <a:srgbClr val="0000FF"/>
-                </a:solidFill>
-                <a:latin typeface="Consolas" panose="020B0609020204030204" pitchFamily="49" charset="0"/>
-              </a:rPr>
-              <a:t>if</a:t>
-            </a:r>
-            <a:r>
-              <a:rPr lang="en-US" sz="2000" dirty="0">
-                <a:solidFill>
-                  <a:srgbClr val="000000"/>
-                </a:solidFill>
-                <a:latin typeface="Consolas" panose="020B0609020204030204" pitchFamily="49" charset="0"/>
-              </a:rPr>
-              <a:t> (idx_x + currentY + </a:t>
-            </a:r>
-            <a:r>
-              <a:rPr lang="en-US" sz="2000" dirty="0" smtClean="0">
-                <a:solidFill>
-                  <a:srgbClr val="000000"/>
-                </a:solidFill>
-                <a:latin typeface="Consolas" panose="020B0609020204030204" pitchFamily="49" charset="0"/>
-              </a:rPr>
-              <a:t>idx_z </a:t>
-            </a:r>
-            <a:r>
-              <a:rPr lang="en-US" sz="2000" dirty="0">
-                <a:solidFill>
-                  <a:srgbClr val="000000"/>
-                </a:solidFill>
-                <a:latin typeface="Consolas" panose="020B0609020204030204" pitchFamily="49" charset="0"/>
-              </a:rPr>
-              <a:t>== s &amp;&amp; s &lt; </a:t>
-            </a:r>
-            <a:r>
-              <a:rPr lang="en-US" sz="2000" dirty="0">
-                <a:solidFill>
-                  <a:srgbClr val="6F008A"/>
-                </a:solidFill>
-                <a:latin typeface="Consolas" panose="020B0609020204030204" pitchFamily="49" charset="0"/>
-              </a:rPr>
-              <a:t>GridNy</a:t>
-            </a:r>
-            <a:r>
-              <a:rPr lang="en-US" sz="2000" dirty="0">
-                <a:solidFill>
-                  <a:srgbClr val="000000"/>
-                </a:solidFill>
-                <a:latin typeface="Consolas" panose="020B0609020204030204" pitchFamily="49" charset="0"/>
-              </a:rPr>
-              <a:t> + idx_x + </a:t>
-            </a:r>
-            <a:r>
-              <a:rPr lang="en-US" sz="2000" dirty="0" smtClean="0">
-                <a:solidFill>
-                  <a:srgbClr val="000000"/>
-                </a:solidFill>
-                <a:latin typeface="Consolas" panose="020B0609020204030204" pitchFamily="49" charset="0"/>
-              </a:rPr>
-              <a:t>idx_z)</a:t>
+              <a:t>threadZ)</a:t>
             </a:r>
             <a:endParaRPr lang="en-US" sz="2000" dirty="0">
               <a:solidFill>
@@ -8336,72 +8817,18 @@
                 </a:solidFill>
                 <a:latin typeface="Consolas" panose="020B0609020204030204" pitchFamily="49" charset="0"/>
               </a:rPr>
-              <a:t>        {</a:t>
-            </a:r>
-          </a:p>
-          <a:p>
-            <a:r>
-              <a:rPr lang="en-US" sz="2000" dirty="0">
-                <a:solidFill>
-                  <a:srgbClr val="000000"/>
-                </a:solidFill>
-                <a:latin typeface="Consolas" panose="020B0609020204030204" pitchFamily="49" charset="0"/>
-              </a:rPr>
-              <a:t>            </a:t>
-            </a:r>
-            <a:r>
-              <a:rPr lang="en-US" sz="2000" dirty="0">
-                <a:solidFill>
-                  <a:srgbClr val="2B91AF"/>
-                </a:solidFill>
-                <a:latin typeface="Consolas" panose="020B0609020204030204" pitchFamily="49" charset="0"/>
-              </a:rPr>
-              <a:t>size_t</a:t>
-            </a:r>
-            <a:r>
-              <a:rPr lang="en-US" sz="2000" dirty="0">
-                <a:solidFill>
-                  <a:srgbClr val="000000"/>
-                </a:solidFill>
-                <a:latin typeface="Consolas" panose="020B0609020204030204" pitchFamily="49" charset="0"/>
-              </a:rPr>
-              <a:t> nodeIndex = idx_x + (</a:t>
-            </a:r>
-            <a:r>
-              <a:rPr lang="en-US" sz="2000" dirty="0">
-                <a:solidFill>
-                  <a:srgbClr val="6F008A"/>
-                </a:solidFill>
-                <a:latin typeface="Consolas" panose="020B0609020204030204" pitchFamily="49" charset="0"/>
-              </a:rPr>
-              <a:t>BlockSizeX</a:t>
-            </a:r>
-            <a:r>
-              <a:rPr lang="en-US" sz="2000" dirty="0">
-                <a:solidFill>
-                  <a:srgbClr val="000000"/>
-                </a:solidFill>
-                <a:latin typeface="Consolas" panose="020B0609020204030204" pitchFamily="49" charset="0"/>
-              </a:rPr>
-              <a:t> + 1) * currentY + </a:t>
-            </a:r>
-            <a:r>
-              <a:rPr lang="en-US" sz="2000" dirty="0">
-                <a:solidFill>
-                  <a:srgbClr val="6F008A"/>
-                </a:solidFill>
-                <a:latin typeface="Consolas" panose="020B0609020204030204" pitchFamily="49" charset="0"/>
-              </a:rPr>
-              <a:t>GridXY</a:t>
-            </a:r>
-            <a:r>
-              <a:rPr lang="en-US" sz="2000" dirty="0">
-                <a:solidFill>
-                  <a:srgbClr val="000000"/>
-                </a:solidFill>
-                <a:latin typeface="Consolas" panose="020B0609020204030204" pitchFamily="49" charset="0"/>
-              </a:rPr>
-              <a:t> * </a:t>
+              <a:t>                {                    </a:t>
+            </a:r>
+          </a:p>
+          <a:p>
+            <a:r>
+              <a:rPr lang="en-US" sz="2000" dirty="0">
+                <a:solidFill>
+                  <a:srgbClr val="000000"/>
+                </a:solidFill>
+                <a:latin typeface="Consolas" panose="020B0609020204030204" pitchFamily="49" charset="0"/>
+              </a:rPr>
+              <a:t>                    rm4 = cache[threadX][</a:t>
             </a:r>
             <a:r>
               <a:rPr lang="en-US" sz="2000" dirty="0" smtClean="0">
@@ -8410,7 +8837,7 @@
                 </a:solidFill>
                 <a:latin typeface="Consolas" panose="020B0609020204030204" pitchFamily="49" charset="0"/>
               </a:rPr>
-              <a:t>idx_z;</a:t>
+              <a:t>threadZ];</a:t>
             </a:r>
             <a:endParaRPr lang="en-US" sz="2000" dirty="0">
               <a:solidFill>
@@ -8420,6 +8847,101 @@
             </a:endParaRPr>
           </a:p>
           <a:p>
+            <a:r>
+              <a:rPr lang="ru-RU" sz="2000" dirty="0">
+                <a:solidFill>
+                  <a:srgbClr val="000000"/>
+                </a:solidFill>
+                <a:latin typeface="Consolas" panose="020B0609020204030204" pitchFamily="49" charset="0"/>
+              </a:rPr>
+              <a:t>                }</a:t>
+            </a:r>
+          </a:p>
+          <a:p>
+            <a:r>
+              <a:rPr lang="en-US" sz="2000" dirty="0">
+                <a:solidFill>
+                  <a:srgbClr val="000000"/>
+                </a:solidFill>
+                <a:latin typeface="Consolas" panose="020B0609020204030204" pitchFamily="49" charset="0"/>
+              </a:rPr>
+              <a:t>                </a:t>
+            </a:r>
+            <a:r>
+              <a:rPr lang="en-US" sz="2000" dirty="0">
+                <a:solidFill>
+                  <a:srgbClr val="0000FF"/>
+                </a:solidFill>
+                <a:latin typeface="Consolas" panose="020B0609020204030204" pitchFamily="49" charset="0"/>
+              </a:rPr>
+              <a:t>else</a:t>
+            </a:r>
+            <a:endParaRPr lang="en-US" sz="2000" dirty="0">
+              <a:solidFill>
+                <a:srgbClr val="000000"/>
+              </a:solidFill>
+              <a:latin typeface="Consolas" panose="020B0609020204030204" pitchFamily="49" charset="0"/>
+            </a:endParaRPr>
+          </a:p>
+          <a:p>
+            <a:r>
+              <a:rPr lang="ru-RU" sz="2000" dirty="0">
+                <a:solidFill>
+                  <a:srgbClr val="000000"/>
+                </a:solidFill>
+                <a:latin typeface="Consolas" panose="020B0609020204030204" pitchFamily="49" charset="0"/>
+              </a:rPr>
+              <a:t>                {</a:t>
+            </a:r>
+          </a:p>
+          <a:p>
+            <a:r>
+              <a:rPr lang="en-US" sz="2000" dirty="0">
+                <a:solidFill>
+                  <a:srgbClr val="000000"/>
+                </a:solidFill>
+                <a:latin typeface="Consolas" panose="020B0609020204030204" pitchFamily="49" charset="0"/>
+              </a:rPr>
+              <a:t>                    rm4 = </a:t>
+            </a:r>
+            <a:r>
+              <a:rPr lang="en-US" sz="2000" dirty="0">
+                <a:solidFill>
+                  <a:srgbClr val="808080"/>
+                </a:solidFill>
+                <a:latin typeface="Consolas" panose="020B0609020204030204" pitchFamily="49" charset="0"/>
+              </a:rPr>
+              <a:t>r</a:t>
+            </a:r>
+            <a:r>
+              <a:rPr lang="en-US" sz="2000" dirty="0">
+                <a:solidFill>
+                  <a:srgbClr val="000000"/>
+                </a:solidFill>
+                <a:latin typeface="Consolas" panose="020B0609020204030204" pitchFamily="49" charset="0"/>
+              </a:rPr>
+              <a:t>[m4];</a:t>
+            </a:r>
+          </a:p>
+          <a:p>
+            <a:r>
+              <a:rPr lang="ru-RU" sz="2000" dirty="0">
+                <a:solidFill>
+                  <a:srgbClr val="000000"/>
+                </a:solidFill>
+                <a:latin typeface="Consolas" panose="020B0609020204030204" pitchFamily="49" charset="0"/>
+              </a:rPr>
+              <a:t>                </a:t>
+            </a:r>
+            <a:r>
+              <a:rPr lang="ru-RU" sz="2000" dirty="0" smtClean="0">
+                <a:solidFill>
+                  <a:srgbClr val="000000"/>
+                </a:solidFill>
+                <a:latin typeface="Consolas" panose="020B0609020204030204" pitchFamily="49" charset="0"/>
+              </a:rPr>
+              <a:t>}                </a:t>
+            </a:r>
             <a:endParaRPr lang="ru-RU" sz="2000" dirty="0">
               <a:solidFill>
                 <a:srgbClr val="000000"/>
@@ -8435,28 +8957,53 @@
                 </a:solidFill>
                 <a:latin typeface="Consolas" panose="020B0609020204030204" pitchFamily="49" charset="0"/>
               </a:rPr>
-              <a:t>            </a:t>
-            </a:r>
-            <a:r>
-              <a:rPr lang="en-US" sz="2000" dirty="0">
-                <a:solidFill>
-                  <a:srgbClr val="2B91AF"/>
-                </a:solidFill>
-                <a:latin typeface="Consolas" panose="020B0609020204030204" pitchFamily="49" charset="0"/>
-              </a:rPr>
-              <a:t>size_t</a:t>
-            </a:r>
-            <a:r>
-              <a:rPr lang="en-US" sz="2000" dirty="0">
-                <a:solidFill>
-                  <a:srgbClr val="000000"/>
-                </a:solidFill>
-                <a:latin typeface="Consolas" panose="020B0609020204030204" pitchFamily="49" charset="0"/>
-              </a:rPr>
-              <a:t> m0 = nodeIndex;</a:t>
-            </a:r>
-          </a:p>
-          <a:p>
+              <a:t> </a:t>
+            </a:r>
+            <a:r>
+              <a:rPr lang="ru-RU" sz="2000" dirty="0" smtClean="0">
+                <a:solidFill>
+                  <a:srgbClr val="000000"/>
+                </a:solidFill>
+                <a:latin typeface="Consolas" panose="020B0609020204030204" pitchFamily="49" charset="0"/>
+              </a:rPr>
+              <a:t>					</a:t>
+            </a:r>
+            <a:r>
+              <a:rPr lang="ru-RU" sz="2000" dirty="0" smtClean="0">
+                <a:solidFill>
+                  <a:srgbClr val="008000"/>
+                </a:solidFill>
+                <a:latin typeface="Consolas" panose="020B0609020204030204" pitchFamily="49" charset="0"/>
+              </a:rPr>
+              <a:t>// Аналогично </a:t>
+            </a:r>
+            <a:r>
+              <a:rPr lang="en-US" sz="2000" dirty="0" smtClean="0">
+                <a:solidFill>
+                  <a:srgbClr val="008000"/>
+                </a:solidFill>
+                <a:latin typeface="Consolas" panose="020B0609020204030204" pitchFamily="49" charset="0"/>
+              </a:rPr>
+              <a:t>rm2 </a:t>
+            </a:r>
+            <a:r>
+              <a:rPr lang="ru-RU" sz="2000" dirty="0" smtClean="0">
+                <a:solidFill>
+                  <a:srgbClr val="008000"/>
+                </a:solidFill>
+                <a:latin typeface="Consolas" panose="020B0609020204030204" pitchFamily="49" charset="0"/>
+              </a:rPr>
+              <a:t>и </a:t>
+            </a:r>
+            <a:r>
+              <a:rPr lang="en-US" sz="2000" dirty="0" smtClean="0">
+                <a:solidFill>
+                  <a:srgbClr val="008000"/>
+                </a:solidFill>
+                <a:latin typeface="Consolas" panose="020B0609020204030204" pitchFamily="49" charset="0"/>
+              </a:rPr>
+              <a:t>rm6</a:t>
+            </a:r>
             <a:endParaRPr lang="ru-RU" sz="2000" dirty="0">
               <a:solidFill>
                 <a:srgbClr val="000000"/>
@@ -8466,78 +9013,275 @@
           </a:p>
           <a:p>
             <a:r>
-              <a:rPr lang="en-US" sz="2000" dirty="0">
-                <a:solidFill>
-                  <a:srgbClr val="000000"/>
-                </a:solidFill>
-                <a:latin typeface="Consolas" panose="020B0609020204030204" pitchFamily="49" charset="0"/>
-              </a:rPr>
-              <a:t>            </a:t>
-            </a:r>
-            <a:r>
-              <a:rPr lang="en-US" sz="2000" dirty="0">
+              <a:rPr lang="nn-NO" sz="2000" dirty="0">
                 <a:solidFill>
                   <a:srgbClr val="0000FF"/>
                 </a:solidFill>
                 <a:latin typeface="Consolas" panose="020B0609020204030204" pitchFamily="49" charset="0"/>
               </a:rPr>
+              <a:t>				  </a:t>
+            </a:r>
+            <a:r>
+              <a:rPr lang="ru-RU" sz="2000" dirty="0">
+                <a:solidFill>
+                  <a:srgbClr val="0000FF"/>
+                </a:solidFill>
+                <a:latin typeface="Consolas" panose="020B0609020204030204" pitchFamily="49" charset="0"/>
+              </a:rPr>
+              <a:t> </a:t>
+            </a:r>
+            <a:r>
+              <a:rPr lang="nn-NO" sz="2000" dirty="0">
+                <a:solidFill>
+                  <a:srgbClr val="0000FF"/>
+                </a:solidFill>
+                <a:latin typeface="Consolas" panose="020B0609020204030204" pitchFamily="49" charset="0"/>
+              </a:rPr>
               <a:t>double</a:t>
             </a:r>
             <a:r>
-              <a:rPr lang="en-US" sz="2000" dirty="0">
-                <a:solidFill>
-                  <a:srgbClr val="000000"/>
-                </a:solidFill>
-                <a:latin typeface="Consolas" panose="020B0609020204030204" pitchFamily="49" charset="0"/>
-              </a:rPr>
-              <a:t> c0m0 = </a:t>
-            </a:r>
-            <a:r>
-              <a:rPr lang="en-US" sz="2000" dirty="0">
+              <a:rPr lang="nn-NO" sz="2000" dirty="0">
+                <a:solidFill>
+                  <a:srgbClr val="000000"/>
+                </a:solidFill>
+                <a:latin typeface="Consolas" panose="020B0609020204030204" pitchFamily="49" charset="0"/>
+              </a:rPr>
+              <a:t> rm0 = (</a:t>
+            </a:r>
+            <a:r>
+              <a:rPr lang="nn-NO" sz="2000" dirty="0">
                 <a:solidFill>
                   <a:srgbClr val="808080"/>
                 </a:solidFill>
                 <a:latin typeface="Consolas" panose="020B0609020204030204" pitchFamily="49" charset="0"/>
               </a:rPr>
-              <a:t>c0</a:t>
-            </a:r>
-            <a:r>
-              <a:rPr lang="en-US" sz="2000" dirty="0">
-                <a:solidFill>
-                  <a:srgbClr val="000000"/>
-                </a:solidFill>
-                <a:latin typeface="Consolas" panose="020B0609020204030204" pitchFamily="49" charset="0"/>
-              </a:rPr>
-              <a:t>[m0];</a:t>
-            </a:r>
-          </a:p>
-          <a:p>
-            <a:r>
-              <a:rPr lang="en-US" sz="2000" dirty="0">
-                <a:solidFill>
-                  <a:srgbClr val="000000"/>
-                </a:solidFill>
-                <a:latin typeface="Consolas" panose="020B0609020204030204" pitchFamily="49" charset="0"/>
-              </a:rPr>
-              <a:t>            </a:t>
-            </a:r>
-            <a:r>
-              <a:rPr lang="en-US" sz="2000" dirty="0">
-                <a:solidFill>
-                  <a:srgbClr val="0000FF"/>
-                </a:solidFill>
-                <a:latin typeface="Consolas" panose="020B0609020204030204" pitchFamily="49" charset="0"/>
-              </a:rPr>
-              <a:t>if</a:t>
-            </a:r>
-            <a:r>
-              <a:rPr lang="en-US" sz="2000" dirty="0">
-                <a:solidFill>
-                  <a:srgbClr val="000000"/>
-                </a:solidFill>
-                <a:latin typeface="Consolas" panose="020B0609020204030204" pitchFamily="49" charset="0"/>
-              </a:rPr>
-              <a:t> (c0m0 &gt; 0)</a:t>
+              <a:t>omega</a:t>
+            </a:r>
+            <a:r>
+              <a:rPr lang="nn-NO" sz="2000" dirty="0">
+                <a:solidFill>
+                  <a:srgbClr val="000000"/>
+                </a:solidFill>
+                <a:latin typeface="Consolas" panose="020B0609020204030204" pitchFamily="49" charset="0"/>
+              </a:rPr>
+              <a:t> * (</a:t>
+            </a:r>
+            <a:r>
+              <a:rPr lang="nn-NO" sz="2000" dirty="0">
+                <a:solidFill>
+                  <a:srgbClr val="808080"/>
+                </a:solidFill>
+                <a:latin typeface="Consolas" panose="020B0609020204030204" pitchFamily="49" charset="0"/>
+              </a:rPr>
+              <a:t>c2</a:t>
+            </a:r>
+            <a:r>
+              <a:rPr lang="nn-NO" sz="2000" dirty="0">
+                <a:solidFill>
+                  <a:srgbClr val="000000"/>
+                </a:solidFill>
+                <a:latin typeface="Consolas" panose="020B0609020204030204" pitchFamily="49" charset="0"/>
+              </a:rPr>
+              <a:t>[m0] * rm2 + </a:t>
+            </a:r>
+            <a:r>
+              <a:rPr lang="nn-NO" sz="2000" dirty="0">
+                <a:solidFill>
+                  <a:srgbClr val="808080"/>
+                </a:solidFill>
+                <a:latin typeface="Consolas" panose="020B0609020204030204" pitchFamily="49" charset="0"/>
+              </a:rPr>
+              <a:t>c4</a:t>
+            </a:r>
+            <a:r>
+              <a:rPr lang="nn-NO" sz="2000" dirty="0">
+                <a:solidFill>
+                  <a:srgbClr val="000000"/>
+                </a:solidFill>
+                <a:latin typeface="Consolas" panose="020B0609020204030204" pitchFamily="49" charset="0"/>
+              </a:rPr>
+              <a:t>[m0] * rm4 </a:t>
+            </a:r>
+            <a:r>
+              <a:rPr lang="nn-NO" sz="2000" dirty="0" smtClean="0">
+                <a:solidFill>
+                  <a:srgbClr val="000000"/>
+                </a:solidFill>
+                <a:latin typeface="Consolas" panose="020B0609020204030204" pitchFamily="49" charset="0"/>
+              </a:rPr>
+              <a:t>+</a:t>
+            </a:r>
+          </a:p>
+          <a:p>
+            <a:r>
+              <a:rPr lang="nn-NO" sz="2000" dirty="0" smtClean="0">
+                <a:solidFill>
+                  <a:srgbClr val="808080"/>
+                </a:solidFill>
+                <a:latin typeface="Consolas" panose="020B0609020204030204" pitchFamily="49" charset="0"/>
+              </a:rPr>
+              <a:t>										c6</a:t>
+            </a:r>
+            <a:r>
+              <a:rPr lang="nn-NO" sz="2000" dirty="0" smtClean="0">
+                <a:solidFill>
+                  <a:srgbClr val="000000"/>
+                </a:solidFill>
+                <a:latin typeface="Consolas" panose="020B0609020204030204" pitchFamily="49" charset="0"/>
+              </a:rPr>
+              <a:t>[m0</a:t>
+            </a:r>
+            <a:r>
+              <a:rPr lang="nn-NO" sz="2000" dirty="0">
+                <a:solidFill>
+                  <a:srgbClr val="000000"/>
+                </a:solidFill>
+                <a:latin typeface="Consolas" panose="020B0609020204030204" pitchFamily="49" charset="0"/>
+              </a:rPr>
+              <a:t>] * rm6) +</a:t>
+            </a:r>
+          </a:p>
+          <a:p>
+            <a:r>
+              <a:rPr lang="nn-NO" sz="2000" dirty="0">
+                <a:solidFill>
+                  <a:srgbClr val="000000"/>
+                </a:solidFill>
+                <a:latin typeface="Consolas" panose="020B0609020204030204" pitchFamily="49" charset="0"/>
+              </a:rPr>
+              <a:t>										</a:t>
+            </a:r>
+            <a:r>
+              <a:rPr lang="nn-NO" sz="2000" dirty="0" smtClean="0">
+                <a:solidFill>
+                  <a:srgbClr val="808080"/>
+                </a:solidFill>
+                <a:latin typeface="Consolas" panose="020B0609020204030204" pitchFamily="49" charset="0"/>
+              </a:rPr>
+              <a:t>r</a:t>
+            </a:r>
+            <a:r>
+              <a:rPr lang="nn-NO" sz="2000" dirty="0" smtClean="0">
+                <a:solidFill>
+                  <a:srgbClr val="000000"/>
+                </a:solidFill>
+                <a:latin typeface="Consolas" panose="020B0609020204030204" pitchFamily="49" charset="0"/>
+              </a:rPr>
+              <a:t>[m0</a:t>
+            </a:r>
+            <a:r>
+              <a:rPr lang="nn-NO" sz="2000" dirty="0">
+                <a:solidFill>
+                  <a:srgbClr val="000000"/>
+                </a:solidFill>
+                <a:latin typeface="Consolas" panose="020B0609020204030204" pitchFamily="49" charset="0"/>
+              </a:rPr>
+              <a:t>]) / ((0.5 * </a:t>
+            </a:r>
+            <a:r>
+              <a:rPr lang="nn-NO" sz="2000" dirty="0">
+                <a:solidFill>
+                  <a:srgbClr val="808080"/>
+                </a:solidFill>
+                <a:latin typeface="Consolas" panose="020B0609020204030204" pitchFamily="49" charset="0"/>
+              </a:rPr>
+              <a:t>omega</a:t>
+            </a:r>
+            <a:r>
+              <a:rPr lang="nn-NO" sz="2000" dirty="0">
+                <a:solidFill>
+                  <a:srgbClr val="000000"/>
+                </a:solidFill>
+                <a:latin typeface="Consolas" panose="020B0609020204030204" pitchFamily="49" charset="0"/>
+              </a:rPr>
+              <a:t> + 1) * c0m0);</a:t>
+            </a:r>
+          </a:p>
+          <a:p>
+            <a:r>
+              <a:rPr lang="pt-BR" sz="2000" dirty="0">
+                <a:solidFill>
+                  <a:srgbClr val="000000"/>
+                </a:solidFill>
+                <a:latin typeface="Consolas" panose="020B0609020204030204" pitchFamily="49" charset="0"/>
+              </a:rPr>
+              <a:t>                </a:t>
+            </a:r>
+          </a:p>
+          <a:p>
+            <a:r>
+              <a:rPr lang="en-US" sz="2000" dirty="0">
+                <a:solidFill>
+                  <a:srgbClr val="000000"/>
+                </a:solidFill>
+                <a:latin typeface="Consolas" panose="020B0609020204030204" pitchFamily="49" charset="0"/>
+              </a:rPr>
+              <a:t>                cache[</a:t>
+            </a:r>
+            <a:r>
+              <a:rPr lang="en-US" sz="2000" dirty="0" err="1">
+                <a:solidFill>
+                  <a:srgbClr val="000000"/>
+                </a:solidFill>
+                <a:latin typeface="Consolas" panose="020B0609020204030204" pitchFamily="49" charset="0"/>
+              </a:rPr>
+              <a:t>threadX</a:t>
+            </a:r>
+            <a:r>
+              <a:rPr lang="en-US" sz="2000" dirty="0">
+                <a:solidFill>
+                  <a:srgbClr val="000000"/>
+                </a:solidFill>
+                <a:latin typeface="Consolas" panose="020B0609020204030204" pitchFamily="49" charset="0"/>
+              </a:rPr>
+              <a:t>][</a:t>
+            </a:r>
+            <a:r>
+              <a:rPr lang="en-US" sz="2000" dirty="0" smtClean="0">
+                <a:solidFill>
+                  <a:srgbClr val="000000"/>
+                </a:solidFill>
+                <a:latin typeface="Consolas" panose="020B0609020204030204" pitchFamily="49" charset="0"/>
+              </a:rPr>
+              <a:t>threadZ] </a:t>
+            </a:r>
+            <a:r>
+              <a:rPr lang="en-US" sz="2000" dirty="0">
+                <a:solidFill>
+                  <a:srgbClr val="000000"/>
+                </a:solidFill>
+                <a:latin typeface="Consolas" panose="020B0609020204030204" pitchFamily="49" charset="0"/>
+              </a:rPr>
+              <a:t>= rm0;</a:t>
+            </a:r>
+          </a:p>
+          <a:p>
+            <a:r>
+              <a:rPr lang="en-US" sz="2000" dirty="0">
+                <a:solidFill>
+                  <a:srgbClr val="000000"/>
+                </a:solidFill>
+                <a:latin typeface="Consolas" panose="020B0609020204030204" pitchFamily="49" charset="0"/>
+              </a:rPr>
+              <a:t>                </a:t>
+            </a:r>
+            <a:r>
+              <a:rPr lang="en-US" sz="2000" dirty="0">
+                <a:solidFill>
+                  <a:srgbClr val="808080"/>
+                </a:solidFill>
+                <a:latin typeface="Consolas" panose="020B0609020204030204" pitchFamily="49" charset="0"/>
+              </a:rPr>
+              <a:t>r</a:t>
+            </a:r>
+            <a:r>
+              <a:rPr lang="en-US" sz="2000" dirty="0">
+                <a:solidFill>
+                  <a:srgbClr val="000000"/>
+                </a:solidFill>
+                <a:latin typeface="Consolas" panose="020B0609020204030204" pitchFamily="49" charset="0"/>
+              </a:rPr>
+              <a:t>[m0] = rm0;</a:t>
             </a:r>
           </a:p>
           <a:p>
@@ -8548,130 +9292,7 @@
                 </a:solidFill>
                 <a:latin typeface="Consolas" panose="020B0609020204030204" pitchFamily="49" charset="0"/>
               </a:rPr>
-              <a:t>            {</a:t>
-            </a:r>
-          </a:p>
-          <a:p>
-            <a:r>
-              <a:rPr lang="en-US" sz="2000" dirty="0">
-                <a:solidFill>
-                  <a:srgbClr val="000000"/>
-                </a:solidFill>
-                <a:latin typeface="Consolas" panose="020B0609020204030204" pitchFamily="49" charset="0"/>
-              </a:rPr>
-              <a:t>                </a:t>
-            </a:r>
-            <a:r>
-              <a:rPr lang="en-US" sz="2000" dirty="0">
-                <a:solidFill>
-                  <a:srgbClr val="2B91AF"/>
-                </a:solidFill>
-                <a:latin typeface="Consolas" panose="020B0609020204030204" pitchFamily="49" charset="0"/>
-              </a:rPr>
-              <a:t>size_t</a:t>
-            </a:r>
-            <a:r>
-              <a:rPr lang="en-US" sz="2000" dirty="0">
-                <a:solidFill>
-                  <a:srgbClr val="000000"/>
-                </a:solidFill>
-                <a:latin typeface="Consolas" panose="020B0609020204030204" pitchFamily="49" charset="0"/>
-              </a:rPr>
-              <a:t> m2 = m0 - 1;</a:t>
-            </a:r>
-          </a:p>
-          <a:p>
-            <a:r>
-              <a:rPr lang="en-US" sz="2000" dirty="0">
-                <a:solidFill>
-                  <a:srgbClr val="000000"/>
-                </a:solidFill>
-                <a:latin typeface="Consolas" panose="020B0609020204030204" pitchFamily="49" charset="0"/>
-              </a:rPr>
-              <a:t>                </a:t>
-            </a:r>
-            <a:r>
-              <a:rPr lang="en-US" sz="2000" dirty="0">
-                <a:solidFill>
-                  <a:srgbClr val="2B91AF"/>
-                </a:solidFill>
-                <a:latin typeface="Consolas" panose="020B0609020204030204" pitchFamily="49" charset="0"/>
-              </a:rPr>
-              <a:t>size_t</a:t>
-            </a:r>
-            <a:r>
-              <a:rPr lang="en-US" sz="2000" dirty="0">
-                <a:solidFill>
-                  <a:srgbClr val="000000"/>
-                </a:solidFill>
-                <a:latin typeface="Consolas" panose="020B0609020204030204" pitchFamily="49" charset="0"/>
-              </a:rPr>
-              <a:t> m4 = m0 - </a:t>
-            </a:r>
-            <a:r>
-              <a:rPr lang="en-US" sz="2000" dirty="0">
-                <a:solidFill>
-                  <a:srgbClr val="6F008A"/>
-                </a:solidFill>
-                <a:latin typeface="Consolas" panose="020B0609020204030204" pitchFamily="49" charset="0"/>
-              </a:rPr>
-              <a:t>GridNx</a:t>
-            </a:r>
-            <a:r>
-              <a:rPr lang="en-US" sz="2000" dirty="0">
-                <a:solidFill>
-                  <a:srgbClr val="000000"/>
-                </a:solidFill>
-                <a:latin typeface="Consolas" panose="020B0609020204030204" pitchFamily="49" charset="0"/>
-              </a:rPr>
-              <a:t>;</a:t>
-            </a:r>
-          </a:p>
-          <a:p>
-            <a:r>
-              <a:rPr lang="en-US" sz="2000" dirty="0">
-                <a:solidFill>
-                  <a:srgbClr val="000000"/>
-                </a:solidFill>
-                <a:latin typeface="Consolas" panose="020B0609020204030204" pitchFamily="49" charset="0"/>
-              </a:rPr>
-              <a:t>                </a:t>
-            </a:r>
-            <a:r>
-              <a:rPr lang="en-US" sz="2000" dirty="0">
-                <a:solidFill>
-                  <a:srgbClr val="2B91AF"/>
-                </a:solidFill>
-                <a:latin typeface="Consolas" panose="020B0609020204030204" pitchFamily="49" charset="0"/>
-              </a:rPr>
-              <a:t>size_t</a:t>
-            </a:r>
-            <a:r>
-              <a:rPr lang="en-US" sz="2000" dirty="0">
-                <a:solidFill>
-                  <a:srgbClr val="000000"/>
-                </a:solidFill>
-                <a:latin typeface="Consolas" panose="020B0609020204030204" pitchFamily="49" charset="0"/>
-              </a:rPr>
-              <a:t> m6 = m0 - </a:t>
-            </a:r>
-            <a:r>
-              <a:rPr lang="en-US" sz="2000" dirty="0">
-                <a:solidFill>
-                  <a:srgbClr val="6F008A"/>
-                </a:solidFill>
-                <a:latin typeface="Consolas" panose="020B0609020204030204" pitchFamily="49" charset="0"/>
-              </a:rPr>
-              <a:t>GridXY</a:t>
-            </a:r>
-            <a:r>
-              <a:rPr lang="en-US" sz="2000" dirty="0">
-                <a:solidFill>
-                  <a:srgbClr val="000000"/>
-                </a:solidFill>
-                <a:latin typeface="Consolas" panose="020B0609020204030204" pitchFamily="49" charset="0"/>
-              </a:rPr>
-              <a:t>;</a:t>
+              <a:t>            }</a:t>
             </a:r>
           </a:p>
           <a:p>
@@ -8690,7 +9311,40 @@
                 </a:solidFill>
                 <a:latin typeface="Consolas" panose="020B0609020204030204" pitchFamily="49" charset="0"/>
               </a:rPr>
-              <a:t>                </a:t>
+              <a:t>            currentY++;</a:t>
+            </a:r>
+          </a:p>
+          <a:p>
+            <a:r>
+              <a:rPr lang="ru-RU" sz="2000" dirty="0">
+                <a:solidFill>
+                  <a:srgbClr val="000000"/>
+                </a:solidFill>
+                <a:latin typeface="Consolas" panose="020B0609020204030204" pitchFamily="49" charset="0"/>
+              </a:rPr>
+              <a:t>        }</a:t>
+            </a:r>
+          </a:p>
+          <a:p>
+            <a:r>
+              <a:rPr lang="ru-RU" sz="2000" dirty="0">
+                <a:solidFill>
+                  <a:srgbClr val="000000"/>
+                </a:solidFill>
+                <a:latin typeface="Consolas" panose="020B0609020204030204" pitchFamily="49" charset="0"/>
+              </a:rPr>
+              <a:t>    }</a:t>
+            </a:r>
+          </a:p>
+          <a:p>
+            <a:r>
+              <a:rPr lang="ru-RU" sz="2000" dirty="0">
+                <a:solidFill>
+                  <a:srgbClr val="000000"/>
+                </a:solidFill>
+                <a:latin typeface="Consolas" panose="020B0609020204030204" pitchFamily="49" charset="0"/>
+              </a:rPr>
+              <a:t>}</a:t>
             </a:r>
             <a:endParaRPr lang="ru-RU" sz="2000" dirty="0"/>
           </a:p>
@@ -8699,7 +9353,7 @@
     </p:spTree>
     <p:extLst>
       <p:ext uri="{BB962C8B-B14F-4D97-AF65-F5344CB8AC3E}">
-        <p14:creationId xmlns:p14="http://schemas.microsoft.com/office/powerpoint/2010/main" val="1117047287"/>
+        <p14:creationId xmlns:p14="http://schemas.microsoft.com/office/powerpoint/2010/main" val="3916071853"/>
       </p:ext>
     </p:extLst>
   </p:cSld>
